--- a/电子词典需求分析.pptx
+++ b/电子词典需求分析.pptx
@@ -35,8 +35,8 @@
     <p:sldId id="311" r:id="rId26"/>
     <p:sldId id="328" r:id="rId27"/>
     <p:sldId id="329" r:id="rId28"/>
-    <p:sldId id="315" r:id="rId29"/>
-    <p:sldId id="316" r:id="rId30"/>
+    <p:sldId id="316" r:id="rId29"/>
+    <p:sldId id="315" r:id="rId30"/>
     <p:sldId id="319" r:id="rId31"/>
     <p:sldId id="317" r:id="rId32"/>
     <p:sldId id="330" r:id="rId33"/>
@@ -32576,6 +32576,71 @@
       </p:grpSpPr>
       <p:pic>
         <p:nvPicPr>
+          <p:cNvPr id="5" name="内容占位符 4" descr="图片包含 屏幕截图&#10;&#10;自动生成的说明">
+            <a:extLst>
+              <a:ext uri="{FF2B5EF4-FFF2-40B4-BE49-F238E27FC236}">
+                <a16:creationId xmlns:a16="http://schemas.microsoft.com/office/drawing/2014/main" id="{02845697-ABF6-4BE8-A4DF-3A96F1504884}"/>
+              </a:ext>
+            </a:extLst>
+          </p:cNvPr>
+          <p:cNvPicPr>
+            <a:picLocks noGrp="1" noChangeAspect="1"/>
+          </p:cNvPicPr>
+          <p:nvPr>
+            <p:ph idx="1"/>
+          </p:nvPr>
+        </p:nvPicPr>
+        <p:blipFill>
+          <a:blip r:embed="rId2">
+            <a:extLst>
+              <a:ext uri="{28A0092B-C50C-407E-A947-70E740481C1C}">
+                <a14:useLocalDpi xmlns:a14="http://schemas.microsoft.com/office/drawing/2010/main" val="0"/>
+              </a:ext>
+            </a:extLst>
+          </a:blip>
+          <a:stretch>
+            <a:fillRect/>
+          </a:stretch>
+        </p:blipFill>
+        <p:spPr>
+          <a:xfrm>
+            <a:off x="2233037" y="0"/>
+            <a:ext cx="7272913" cy="6877182"/>
+          </a:xfrm>
+        </p:spPr>
+      </p:pic>
+    </p:spTree>
+    <p:extLst>
+      <p:ext uri="{BB962C8B-B14F-4D97-AF65-F5344CB8AC3E}">
+        <p14:creationId xmlns:p14="http://schemas.microsoft.com/office/powerpoint/2010/main" val="1069985717"/>
+      </p:ext>
+    </p:extLst>
+  </p:cSld>
+  <p:clrMapOvr>
+    <a:masterClrMapping/>
+  </p:clrMapOvr>
+</p:sld>
+</file>
+
+<file path=ppt/slides/slide29.xml><?xml version="1.0" encoding="utf-8"?>
+<p:sld xmlns:a="http://schemas.openxmlformats.org/drawingml/2006/main" xmlns:r="http://schemas.openxmlformats.org/officeDocument/2006/relationships" xmlns:p="http://schemas.openxmlformats.org/presentationml/2006/main">
+  <p:cSld>
+    <p:spTree>
+      <p:nvGrpSpPr>
+        <p:cNvPr id="1" name=""/>
+        <p:cNvGrpSpPr/>
+        <p:nvPr/>
+      </p:nvGrpSpPr>
+      <p:grpSpPr>
+        <a:xfrm>
+          <a:off x="0" y="0"/>
+          <a:ext cx="0" cy="0"/>
+          <a:chOff x="0" y="0"/>
+          <a:chExt cx="0" cy="0"/>
+        </a:xfrm>
+      </p:grpSpPr>
+      <p:pic>
+        <p:nvPicPr>
           <p:cNvPr id="5" name="图片 4" descr="图片包含 文字&#10;&#10;自动生成的说明">
             <a:extLst>
               <a:ext uri="{FF2B5EF4-FFF2-40B4-BE49-F238E27FC236}">
@@ -32614,71 +32679,6 @@
     <p:extLst>
       <p:ext uri="{BB962C8B-B14F-4D97-AF65-F5344CB8AC3E}">
         <p14:creationId xmlns:p14="http://schemas.microsoft.com/office/powerpoint/2010/main" val="3952034870"/>
-      </p:ext>
-    </p:extLst>
-  </p:cSld>
-  <p:clrMapOvr>
-    <a:masterClrMapping/>
-  </p:clrMapOvr>
-</p:sld>
-</file>
-
-<file path=ppt/slides/slide29.xml><?xml version="1.0" encoding="utf-8"?>
-<p:sld xmlns:a="http://schemas.openxmlformats.org/drawingml/2006/main" xmlns:r="http://schemas.openxmlformats.org/officeDocument/2006/relationships" xmlns:p="http://schemas.openxmlformats.org/presentationml/2006/main">
-  <p:cSld>
-    <p:spTree>
-      <p:nvGrpSpPr>
-        <p:cNvPr id="1" name=""/>
-        <p:cNvGrpSpPr/>
-        <p:nvPr/>
-      </p:nvGrpSpPr>
-      <p:grpSpPr>
-        <a:xfrm>
-          <a:off x="0" y="0"/>
-          <a:ext cx="0" cy="0"/>
-          <a:chOff x="0" y="0"/>
-          <a:chExt cx="0" cy="0"/>
-        </a:xfrm>
-      </p:grpSpPr>
-      <p:pic>
-        <p:nvPicPr>
-          <p:cNvPr id="5" name="内容占位符 4" descr="图片包含 屏幕截图&#10;&#10;自动生成的说明">
-            <a:extLst>
-              <a:ext uri="{FF2B5EF4-FFF2-40B4-BE49-F238E27FC236}">
-                <a16:creationId xmlns:a16="http://schemas.microsoft.com/office/drawing/2014/main" id="{02845697-ABF6-4BE8-A4DF-3A96F1504884}"/>
-              </a:ext>
-            </a:extLst>
-          </p:cNvPr>
-          <p:cNvPicPr>
-            <a:picLocks noGrp="1" noChangeAspect="1"/>
-          </p:cNvPicPr>
-          <p:nvPr>
-            <p:ph idx="1"/>
-          </p:nvPr>
-        </p:nvPicPr>
-        <p:blipFill>
-          <a:blip r:embed="rId2">
-            <a:extLst>
-              <a:ext uri="{28A0092B-C50C-407E-A947-70E740481C1C}">
-                <a14:useLocalDpi xmlns:a14="http://schemas.microsoft.com/office/drawing/2010/main" val="0"/>
-              </a:ext>
-            </a:extLst>
-          </a:blip>
-          <a:stretch>
-            <a:fillRect/>
-          </a:stretch>
-        </p:blipFill>
-        <p:spPr>
-          <a:xfrm>
-            <a:off x="2233037" y="0"/>
-            <a:ext cx="7272913" cy="6877182"/>
-          </a:xfrm>
-        </p:spPr>
-      </p:pic>
-    </p:spTree>
-    <p:extLst>
-      <p:ext uri="{BB962C8B-B14F-4D97-AF65-F5344CB8AC3E}">
-        <p14:creationId xmlns:p14="http://schemas.microsoft.com/office/powerpoint/2010/main" val="1069985717"/>
       </p:ext>
     </p:extLst>
   </p:cSld>
@@ -37366,7 +37366,7 @@
         <p:spPr>
           <a:xfrm>
             <a:off x="2159238" y="1370182"/>
-            <a:ext cx="6177064" cy="4290405"/>
+            <a:ext cx="6177064" cy="3966150"/>
           </a:xfrm>
           <a:prstGeom prst="rect">
             <a:avLst/>
@@ -37385,18 +37385,11 @@
               </a:lnSpc>
             </a:pPr>
             <a:r>
-              <a:rPr lang="en-US" altLang="zh-CN" sz="2800" dirty="0">
-                <a:latin typeface="微软雅黑" panose="020B0503020204020204" pitchFamily="34" charset="-122"/>
-                <a:ea typeface="微软雅黑" panose="020B0503020204020204" pitchFamily="34" charset="-122"/>
-              </a:rPr>
-              <a:t>1. </a:t>
-            </a:r>
-            <a:r>
               <a:rPr lang="zh-CN" altLang="en-US" sz="2800" dirty="0">
                 <a:latin typeface="微软雅黑" panose="020B0503020204020204" pitchFamily="34" charset="-122"/>
                 <a:ea typeface="微软雅黑" panose="020B0503020204020204" pitchFamily="34" charset="-122"/>
               </a:rPr>
-              <a:t>词典编纂角度</a:t>
+              <a:t>相同点：检索方式</a:t>
             </a:r>
             <a:endParaRPr lang="en-US" altLang="zh-CN" sz="2800" dirty="0">
               <a:latin typeface="微软雅黑" panose="020B0503020204020204" pitchFamily="34" charset="-122"/>
@@ -37414,14 +37407,14 @@
                 <a:latin typeface="微软雅黑" panose="020B0503020204020204" pitchFamily="34" charset="-122"/>
                 <a:ea typeface="微软雅黑" panose="020B0503020204020204" pitchFamily="34" charset="-122"/>
               </a:rPr>
-              <a:t>2. </a:t>
+              <a:t>              </a:t>
             </a:r>
             <a:r>
               <a:rPr lang="zh-CN" altLang="en-US" sz="2800" dirty="0">
                 <a:latin typeface="微软雅黑" panose="020B0503020204020204" pitchFamily="34" charset="-122"/>
                 <a:ea typeface="微软雅黑" panose="020B0503020204020204" pitchFamily="34" charset="-122"/>
               </a:rPr>
-              <a:t>使用者角度</a:t>
+              <a:t>数据来源</a:t>
             </a:r>
             <a:endParaRPr lang="en-US" altLang="zh-CN" sz="2800" dirty="0">
               <a:latin typeface="微软雅黑" panose="020B0503020204020204" pitchFamily="34" charset="-122"/>
@@ -37439,14 +37432,14 @@
                 <a:latin typeface="微软雅黑" panose="020B0503020204020204" pitchFamily="34" charset="-122"/>
                 <a:ea typeface="微软雅黑" panose="020B0503020204020204" pitchFamily="34" charset="-122"/>
               </a:rPr>
-              <a:t>3. </a:t>
+              <a:t>              </a:t>
             </a:r>
             <a:r>
               <a:rPr lang="zh-CN" altLang="en-US" sz="2800" dirty="0">
                 <a:latin typeface="微软雅黑" panose="020B0503020204020204" pitchFamily="34" charset="-122"/>
                 <a:ea typeface="微软雅黑" panose="020B0503020204020204" pitchFamily="34" charset="-122"/>
               </a:rPr>
-              <a:t>词汇角度</a:t>
+              <a:t>呈现形式</a:t>
             </a:r>
             <a:endParaRPr lang="en-US" altLang="zh-CN" sz="2800" dirty="0">
               <a:latin typeface="微软雅黑" panose="020B0503020204020204" pitchFamily="34" charset="-122"/>
@@ -37459,20 +37452,6 @@
                 <a:spcPct val="130000"/>
               </a:lnSpc>
             </a:pPr>
-            <a:r>
-              <a:rPr lang="en-US" altLang="zh-CN" sz="2800" dirty="0">
-                <a:latin typeface="微软雅黑" panose="020B0503020204020204" pitchFamily="34" charset="-122"/>
-                <a:ea typeface="微软雅黑" panose="020B0503020204020204" pitchFamily="34" charset="-122"/>
-              </a:rPr>
-              <a:t>3.1 </a:t>
-            </a:r>
-            <a:r>
-              <a:rPr lang="zh-CN" altLang="en-US" sz="2800" dirty="0">
-                <a:latin typeface="微软雅黑" panose="020B0503020204020204" pitchFamily="34" charset="-122"/>
-                <a:ea typeface="微软雅黑" panose="020B0503020204020204" pitchFamily="34" charset="-122"/>
-              </a:rPr>
-              <a:t>常用词异义</a:t>
-            </a:r>
             <a:endParaRPr lang="en-US" altLang="zh-CN" sz="2800" dirty="0">
               <a:latin typeface="微软雅黑" panose="020B0503020204020204" pitchFamily="34" charset="-122"/>
               <a:ea typeface="微软雅黑" panose="020B0503020204020204" pitchFamily="34" charset="-122"/>
@@ -37485,18 +37464,11 @@
               </a:lnSpc>
             </a:pPr>
             <a:r>
-              <a:rPr lang="en-US" altLang="zh-CN" sz="2800" dirty="0">
-                <a:latin typeface="微软雅黑" panose="020B0503020204020204" pitchFamily="34" charset="-122"/>
-                <a:ea typeface="微软雅黑" panose="020B0503020204020204" pitchFamily="34" charset="-122"/>
-              </a:rPr>
-              <a:t>3.2 </a:t>
-            </a:r>
-            <a:r>
               <a:rPr lang="zh-CN" altLang="en-US" sz="2800" dirty="0">
                 <a:latin typeface="微软雅黑" panose="020B0503020204020204" pitchFamily="34" charset="-122"/>
                 <a:ea typeface="微软雅黑" panose="020B0503020204020204" pitchFamily="34" charset="-122"/>
               </a:rPr>
-              <a:t>缩略词大量应用</a:t>
+              <a:t>不同点： 包含论文例句</a:t>
             </a:r>
             <a:endParaRPr lang="en-US" altLang="zh-CN" sz="2800" dirty="0">
               <a:latin typeface="微软雅黑" panose="020B0503020204020204" pitchFamily="34" charset="-122"/>
@@ -37514,14 +37486,14 @@
                 <a:latin typeface="微软雅黑" panose="020B0503020204020204" pitchFamily="34" charset="-122"/>
                 <a:ea typeface="微软雅黑" panose="020B0503020204020204" pitchFamily="34" charset="-122"/>
               </a:rPr>
-              <a:t>3.3 </a:t>
+              <a:t>              </a:t>
             </a:r>
             <a:r>
               <a:rPr lang="zh-CN" altLang="en-US" sz="2800" dirty="0">
                 <a:latin typeface="微软雅黑" panose="020B0503020204020204" pitchFamily="34" charset="-122"/>
                 <a:ea typeface="微软雅黑" panose="020B0503020204020204" pitchFamily="34" charset="-122"/>
               </a:rPr>
-              <a:t>收录了大量的领域内生僻词</a:t>
+              <a:t>首选释义为医学释义</a:t>
             </a:r>
             <a:endParaRPr lang="en-US" altLang="zh-CN" sz="2800" dirty="0">
               <a:latin typeface="微软雅黑" panose="020B0503020204020204" pitchFamily="34" charset="-122"/>
@@ -37539,25 +37511,15 @@
                 <a:latin typeface="微软雅黑" panose="020B0503020204020204" pitchFamily="34" charset="-122"/>
                 <a:ea typeface="微软雅黑" panose="020B0503020204020204" pitchFamily="34" charset="-122"/>
               </a:rPr>
-              <a:t>4. </a:t>
+              <a:t>              </a:t>
             </a:r>
             <a:r>
               <a:rPr lang="zh-CN" altLang="en-US" sz="2800" dirty="0">
                 <a:latin typeface="微软雅黑" panose="020B0503020204020204" pitchFamily="34" charset="-122"/>
                 <a:ea typeface="微软雅黑" panose="020B0503020204020204" pitchFamily="34" charset="-122"/>
               </a:rPr>
-              <a:t>提供的专业论文的双语例句</a:t>
-            </a:r>
-            <a:endParaRPr lang="en-US" altLang="zh-CN" sz="2800" dirty="0">
-              <a:latin typeface="微软雅黑" panose="020B0503020204020204" pitchFamily="34" charset="-122"/>
-              <a:ea typeface="微软雅黑" panose="020B0503020204020204" pitchFamily="34" charset="-122"/>
-            </a:endParaRPr>
-          </a:p>
-          <a:p>
-            <a:pPr marL="342900" indent="-342900">
-              <a:buFont typeface="+mj-lt"/>
-              <a:buAutoNum type="arabicPeriod"/>
-            </a:pPr>
+              <a:t>包含百科</a:t>
+            </a:r>
             <a:endParaRPr lang="zh-CN" altLang="en-US" dirty="0"/>
           </a:p>
         </p:txBody>

--- a/电子词典需求分析.pptx
+++ b/电子词典需求分析.pptx
@@ -37140,6 +37140,189 @@
           </a:prstGeom>
         </p:spPr>
       </p:pic>
+      <p:sp>
+        <p:nvSpPr>
+          <p:cNvPr id="3" name="文本框 2">
+            <a:extLst>
+              <a:ext uri="{FF2B5EF4-FFF2-40B4-BE49-F238E27FC236}">
+                <a16:creationId xmlns:a16="http://schemas.microsoft.com/office/drawing/2014/main" id="{A351FB82-D77B-4358-8F4B-DF0F2F56BEDB}"/>
+              </a:ext>
+            </a:extLst>
+          </p:cNvPr>
+          <p:cNvSpPr txBox="1"/>
+          <p:nvPr/>
+        </p:nvSpPr>
+        <p:spPr>
+          <a:xfrm>
+            <a:off x="5481174" y="4571286"/>
+            <a:ext cx="6331380" cy="2308324"/>
+          </a:xfrm>
+          <a:prstGeom prst="rect">
+            <a:avLst/>
+          </a:prstGeom>
+          <a:noFill/>
+        </p:spPr>
+        <p:txBody>
+          <a:bodyPr wrap="square" rtlCol="0">
+            <a:spAutoFit/>
+          </a:bodyPr>
+          <a:lstStyle/>
+          <a:p>
+            <a:pPr marL="285750" indent="-285750">
+              <a:buFont typeface="Arial" panose="020B0604020202020204" pitchFamily="34" charset="0"/>
+              <a:buChar char="•"/>
+            </a:pPr>
+            <a:r>
+              <a:rPr lang="en-US" altLang="zh-CN" dirty="0">
+                <a:latin typeface="微软雅黑" panose="020B0503020204020204" pitchFamily="34" charset="-122"/>
+                <a:ea typeface="微软雅黑" panose="020B0503020204020204" pitchFamily="34" charset="-122"/>
+              </a:rPr>
+              <a:t>The Analyst </a:t>
+            </a:r>
+            <a:r>
+              <a:rPr lang="en-US" altLang="zh-CN" dirty="0" err="1">
+                <a:latin typeface="微软雅黑" panose="020B0503020204020204" pitchFamily="34" charset="-122"/>
+                <a:ea typeface="微软雅黑" panose="020B0503020204020204" pitchFamily="34" charset="-122"/>
+              </a:rPr>
+              <a:t>Space,https</a:t>
+            </a:r>
+            <a:r>
+              <a:rPr lang="en-US" altLang="zh-CN" dirty="0">
+                <a:latin typeface="微软雅黑" panose="020B0503020204020204" pitchFamily="34" charset="-122"/>
+                <a:ea typeface="微软雅黑" panose="020B0503020204020204" pitchFamily="34" charset="-122"/>
+              </a:rPr>
+              <a:t>://edu.theanalystspace.com/dict/index</a:t>
+            </a:r>
+            <a:r>
+              <a:rPr lang="zh-CN" altLang="en-US" dirty="0">
+                <a:latin typeface="微软雅黑" panose="020B0503020204020204" pitchFamily="34" charset="-122"/>
+                <a:ea typeface="微软雅黑" panose="020B0503020204020204" pitchFamily="34" charset="-122"/>
+              </a:rPr>
+              <a:t>）中的（</a:t>
+            </a:r>
+            <a:r>
+              <a:rPr lang="en-US" altLang="zh-CN" dirty="0">
+                <a:latin typeface="微软雅黑" panose="020B0503020204020204" pitchFamily="34" charset="-122"/>
+                <a:ea typeface="微软雅黑" panose="020B0503020204020204" pitchFamily="34" charset="-122"/>
+              </a:rPr>
+              <a:t>Chartered Financial Analyst (CFA)</a:t>
+            </a:r>
+            <a:r>
+              <a:rPr lang="zh-CN" altLang="en-US" dirty="0">
+                <a:latin typeface="微软雅黑" panose="020B0503020204020204" pitchFamily="34" charset="-122"/>
+                <a:ea typeface="微软雅黑" panose="020B0503020204020204" pitchFamily="34" charset="-122"/>
+              </a:rPr>
+              <a:t>）</a:t>
+            </a:r>
+            <a:endParaRPr lang="en-US" altLang="zh-CN" dirty="0">
+              <a:latin typeface="微软雅黑" panose="020B0503020204020204" pitchFamily="34" charset="-122"/>
+              <a:ea typeface="微软雅黑" panose="020B0503020204020204" pitchFamily="34" charset="-122"/>
+            </a:endParaRPr>
+          </a:p>
+          <a:p>
+            <a:pPr marL="285750" indent="-285750">
+              <a:buFont typeface="Arial" panose="020B0604020202020204" pitchFamily="34" charset="0"/>
+              <a:buChar char="•"/>
+            </a:pPr>
+            <a:r>
+              <a:rPr lang="en-GB" altLang="zh-CN" dirty="0">
+                <a:latin typeface="微软雅黑" panose="020B0503020204020204" pitchFamily="34" charset="-122"/>
+                <a:ea typeface="微软雅黑" panose="020B0503020204020204" pitchFamily="34" charset="-122"/>
+                <a:hlinkClick r:id="rId4"/>
+              </a:rPr>
+              <a:t>http://cidian.gaodun.com</a:t>
+            </a:r>
+            <a:endParaRPr lang="en-GB" altLang="zh-CN" dirty="0">
+              <a:latin typeface="微软雅黑" panose="020B0503020204020204" pitchFamily="34" charset="-122"/>
+              <a:ea typeface="微软雅黑" panose="020B0503020204020204" pitchFamily="34" charset="-122"/>
+            </a:endParaRPr>
+          </a:p>
+          <a:p>
+            <a:pPr marL="285750" indent="-285750">
+              <a:buFont typeface="Arial" panose="020B0604020202020204" pitchFamily="34" charset="0"/>
+              <a:buChar char="•"/>
+            </a:pPr>
+            <a:r>
+              <a:rPr lang="en-US" altLang="zh-CN" dirty="0">
+                <a:latin typeface="微软雅黑" panose="020B0503020204020204" pitchFamily="34" charset="-122"/>
+                <a:ea typeface="微软雅黑" panose="020B0503020204020204" pitchFamily="34" charset="-122"/>
+              </a:rPr>
+              <a:t>The Free Dictionary </a:t>
+            </a:r>
+            <a:r>
+              <a:rPr lang="zh-CN" altLang="en-US" dirty="0">
+                <a:latin typeface="微软雅黑" panose="020B0503020204020204" pitchFamily="34" charset="-122"/>
+                <a:ea typeface="微软雅黑" panose="020B0503020204020204" pitchFamily="34" charset="-122"/>
+              </a:rPr>
+              <a:t>（</a:t>
+            </a:r>
+            <a:r>
+              <a:rPr lang="en-US" altLang="zh-CN" dirty="0">
+                <a:latin typeface="微软雅黑" panose="020B0503020204020204" pitchFamily="34" charset="-122"/>
+                <a:ea typeface="微软雅黑" panose="020B0503020204020204" pitchFamily="34" charset="-122"/>
+                <a:hlinkClick r:id="rId5"/>
+              </a:rPr>
+              <a:t>https://financial-dictionary.thefreedictionary.com/</a:t>
+            </a:r>
+            <a:r>
+              <a:rPr lang="zh-CN" altLang="en-US" dirty="0">
+                <a:latin typeface="微软雅黑" panose="020B0503020204020204" pitchFamily="34" charset="-122"/>
+                <a:ea typeface="微软雅黑" panose="020B0503020204020204" pitchFamily="34" charset="-122"/>
+              </a:rPr>
+              <a:t>）</a:t>
+            </a:r>
+            <a:endParaRPr lang="en-US" altLang="zh-CN" dirty="0">
+              <a:latin typeface="微软雅黑" panose="020B0503020204020204" pitchFamily="34" charset="-122"/>
+              <a:ea typeface="微软雅黑" panose="020B0503020204020204" pitchFamily="34" charset="-122"/>
+            </a:endParaRPr>
+          </a:p>
+          <a:p>
+            <a:pPr marL="285750" indent="-285750">
+              <a:buFont typeface="Arial" panose="020B0604020202020204" pitchFamily="34" charset="0"/>
+              <a:buChar char="•"/>
+            </a:pPr>
+            <a:r>
+              <a:rPr lang="zh-CN" altLang="en-GB" dirty="0">
+                <a:latin typeface="微软雅黑" panose="020B0503020204020204" pitchFamily="34" charset="-122"/>
+                <a:ea typeface="微软雅黑" panose="020B0503020204020204" pitchFamily="34" charset="-122"/>
+              </a:rPr>
+              <a:t>（</a:t>
+            </a:r>
+            <a:r>
+              <a:rPr lang="en-GB" altLang="zh-CN" dirty="0">
+                <a:latin typeface="微软雅黑" panose="020B0503020204020204" pitchFamily="34" charset="-122"/>
+                <a:ea typeface="微软雅黑" panose="020B0503020204020204" pitchFamily="34" charset="-122"/>
+              </a:rPr>
+              <a:t>https://www.worldfinance.com/financial-dictionary</a:t>
+            </a:r>
+            <a:r>
+              <a:rPr lang="zh-CN" altLang="en-GB" dirty="0">
+                <a:latin typeface="微软雅黑" panose="020B0503020204020204" pitchFamily="34" charset="-122"/>
+                <a:ea typeface="微软雅黑" panose="020B0503020204020204" pitchFamily="34" charset="-122"/>
+              </a:rPr>
+              <a:t>，</a:t>
+            </a:r>
+            <a:r>
+              <a:rPr lang="en-GB" altLang="zh-CN" dirty="0">
+                <a:latin typeface="微软雅黑" panose="020B0503020204020204" pitchFamily="34" charset="-122"/>
+                <a:ea typeface="微软雅黑" panose="020B0503020204020204" pitchFamily="34" charset="-122"/>
+              </a:rPr>
+              <a:t>https://www.wallstreetoasis.com/finance-dictionary</a:t>
+            </a:r>
+            <a:r>
+              <a:rPr lang="zh-CN" altLang="en-GB" dirty="0">
+                <a:latin typeface="微软雅黑" panose="020B0503020204020204" pitchFamily="34" charset="-122"/>
+                <a:ea typeface="微软雅黑" panose="020B0503020204020204" pitchFamily="34" charset="-122"/>
+              </a:rPr>
+              <a:t>）</a:t>
+            </a:r>
+            <a:endParaRPr lang="zh-CN" altLang="en-US" dirty="0">
+              <a:latin typeface="微软雅黑" panose="020B0503020204020204" pitchFamily="34" charset="-122"/>
+              <a:ea typeface="微软雅黑" panose="020B0503020204020204" pitchFamily="34" charset="-122"/>
+            </a:endParaRPr>
+          </a:p>
+        </p:txBody>
+      </p:sp>
     </p:spTree>
     <p:extLst>
       <p:ext uri="{BB962C8B-B14F-4D97-AF65-F5344CB8AC3E}">
@@ -37173,6 +37356,166 @@
           <a:chExt cx="0" cy="0"/>
         </a:xfrm>
       </p:grpSpPr>
+      <p:sp>
+        <p:nvSpPr>
+          <p:cNvPr id="2" name="矩形 1">
+            <a:extLst>
+              <a:ext uri="{FF2B5EF4-FFF2-40B4-BE49-F238E27FC236}">
+                <a16:creationId xmlns:a16="http://schemas.microsoft.com/office/drawing/2014/main" id="{73016DA7-04CC-4301-B919-D5BA942F4036}"/>
+              </a:ext>
+            </a:extLst>
+          </p:cNvPr>
+          <p:cNvSpPr/>
+          <p:nvPr/>
+        </p:nvSpPr>
+        <p:spPr>
+          <a:xfrm>
+            <a:off x="8909656" y="630099"/>
+            <a:ext cx="2708988" cy="1754326"/>
+          </a:xfrm>
+          <a:prstGeom prst="rect">
+            <a:avLst/>
+          </a:prstGeom>
+          <a:noFill/>
+        </p:spPr>
+        <p:txBody>
+          <a:bodyPr wrap="square">
+            <a:spAutoFit/>
+          </a:bodyPr>
+          <a:lstStyle/>
+          <a:p>
+            <a:r>
+              <a:rPr lang="en-US" altLang="zh-CN" dirty="0">
+                <a:latin typeface="微软雅黑" panose="020B0503020204020204" pitchFamily="34" charset="-122"/>
+                <a:ea typeface="微软雅黑" panose="020B0503020204020204" pitchFamily="34" charset="-122"/>
+              </a:rPr>
+              <a:t>1.</a:t>
+            </a:r>
+            <a:r>
+              <a:rPr lang="zh-CN" altLang="en-US" dirty="0">
+                <a:latin typeface="微软雅黑" panose="020B0503020204020204" pitchFamily="34" charset="-122"/>
+                <a:ea typeface="微软雅黑" panose="020B0503020204020204" pitchFamily="34" charset="-122"/>
+              </a:rPr>
+              <a:t>医学辞典</a:t>
+            </a:r>
+            <a:r>
+              <a:rPr lang="en-US" altLang="zh-CN" dirty="0">
+                <a:latin typeface="微软雅黑" panose="020B0503020204020204" pitchFamily="34" charset="-122"/>
+                <a:ea typeface="微软雅黑" panose="020B0503020204020204" pitchFamily="34" charset="-122"/>
+              </a:rPr>
+              <a:t>; </a:t>
+            </a:r>
+          </a:p>
+          <a:p>
+            <a:r>
+              <a:rPr lang="en-US" altLang="zh-CN" dirty="0">
+                <a:latin typeface="微软雅黑" panose="020B0503020204020204" pitchFamily="34" charset="-122"/>
+                <a:ea typeface="微软雅黑" panose="020B0503020204020204" pitchFamily="34" charset="-122"/>
+              </a:rPr>
+              <a:t>2.</a:t>
+            </a:r>
+            <a:r>
+              <a:rPr lang="zh-CN" altLang="en-US" dirty="0">
+                <a:latin typeface="微软雅黑" panose="020B0503020204020204" pitchFamily="34" charset="-122"/>
+                <a:ea typeface="微软雅黑" panose="020B0503020204020204" pitchFamily="34" charset="-122"/>
+              </a:rPr>
+              <a:t>医药学大词典</a:t>
+            </a:r>
+            <a:r>
+              <a:rPr lang="en-US" altLang="zh-CN" dirty="0">
+                <a:latin typeface="微软雅黑" panose="020B0503020204020204" pitchFamily="34" charset="-122"/>
+                <a:ea typeface="微软雅黑" panose="020B0503020204020204" pitchFamily="34" charset="-122"/>
+              </a:rPr>
+              <a:t>; </a:t>
+            </a:r>
+          </a:p>
+          <a:p>
+            <a:r>
+              <a:rPr lang="en-US" altLang="zh-CN" dirty="0">
+                <a:latin typeface="微软雅黑" panose="020B0503020204020204" pitchFamily="34" charset="-122"/>
+                <a:ea typeface="微软雅黑" panose="020B0503020204020204" pitchFamily="34" charset="-122"/>
+              </a:rPr>
+              <a:t>3.</a:t>
+            </a:r>
+            <a:r>
+              <a:rPr lang="zh-CN" altLang="en-US" dirty="0">
+                <a:latin typeface="微软雅黑" panose="020B0503020204020204" pitchFamily="34" charset="-122"/>
+                <a:ea typeface="微软雅黑" panose="020B0503020204020204" pitchFamily="34" charset="-122"/>
+              </a:rPr>
+              <a:t>外教社医学词汇手册</a:t>
+            </a:r>
+            <a:r>
+              <a:rPr lang="en-US" altLang="zh-CN" dirty="0">
+                <a:latin typeface="微软雅黑" panose="020B0503020204020204" pitchFamily="34" charset="-122"/>
+                <a:ea typeface="微软雅黑" panose="020B0503020204020204" pitchFamily="34" charset="-122"/>
+              </a:rPr>
+              <a:t>; </a:t>
+            </a:r>
+          </a:p>
+          <a:p>
+            <a:r>
+              <a:rPr lang="en-US" altLang="zh-CN" dirty="0">
+                <a:latin typeface="微软雅黑" panose="020B0503020204020204" pitchFamily="34" charset="-122"/>
+                <a:ea typeface="微软雅黑" panose="020B0503020204020204" pitchFamily="34" charset="-122"/>
+              </a:rPr>
+              <a:t>4.</a:t>
+            </a:r>
+            <a:r>
+              <a:rPr lang="zh-CN" altLang="en-US" dirty="0">
+                <a:latin typeface="微软雅黑" panose="020B0503020204020204" pitchFamily="34" charset="-122"/>
+                <a:ea typeface="微软雅黑" panose="020B0503020204020204" pitchFamily="34" charset="-122"/>
+              </a:rPr>
+              <a:t>道兰氏图解医学词典</a:t>
+            </a:r>
+            <a:r>
+              <a:rPr lang="en-US" altLang="zh-CN" dirty="0">
+                <a:latin typeface="微软雅黑" panose="020B0503020204020204" pitchFamily="34" charset="-122"/>
+                <a:ea typeface="微软雅黑" panose="020B0503020204020204" pitchFamily="34" charset="-122"/>
+              </a:rPr>
+              <a:t>; </a:t>
+            </a:r>
+          </a:p>
+          <a:p>
+            <a:r>
+              <a:rPr lang="en-US" altLang="zh-CN" dirty="0">
+                <a:latin typeface="微软雅黑" panose="020B0503020204020204" pitchFamily="34" charset="-122"/>
+                <a:ea typeface="微软雅黑" panose="020B0503020204020204" pitchFamily="34" charset="-122"/>
+              </a:rPr>
+              <a:t>5.</a:t>
+            </a:r>
+            <a:r>
+              <a:rPr lang="zh-CN" altLang="en-US" dirty="0">
+                <a:latin typeface="微软雅黑" panose="020B0503020204020204" pitchFamily="34" charset="-122"/>
+                <a:ea typeface="微软雅黑" panose="020B0503020204020204" pitchFamily="34" charset="-122"/>
+              </a:rPr>
+              <a:t>牛津简明医学辞典</a:t>
+            </a:r>
+            <a:r>
+              <a:rPr lang="en-US" altLang="zh-CN" dirty="0">
+                <a:latin typeface="微软雅黑" panose="020B0503020204020204" pitchFamily="34" charset="-122"/>
+                <a:ea typeface="微软雅黑" panose="020B0503020204020204" pitchFamily="34" charset="-122"/>
+              </a:rPr>
+              <a:t>; </a:t>
+            </a:r>
+          </a:p>
+          <a:p>
+            <a:r>
+              <a:rPr lang="en-US" altLang="zh-CN" dirty="0">
+                <a:latin typeface="微软雅黑" panose="020B0503020204020204" pitchFamily="34" charset="-122"/>
+                <a:ea typeface="微软雅黑" panose="020B0503020204020204" pitchFamily="34" charset="-122"/>
+              </a:rPr>
+              <a:t>6.</a:t>
+            </a:r>
+            <a:r>
+              <a:rPr lang="zh-CN" altLang="en-US" dirty="0">
+                <a:latin typeface="微软雅黑" panose="020B0503020204020204" pitchFamily="34" charset="-122"/>
+                <a:ea typeface="微软雅黑" panose="020B0503020204020204" pitchFamily="34" charset="-122"/>
+              </a:rPr>
+              <a:t>湘雅医药学大词典</a:t>
+            </a:r>
+          </a:p>
+        </p:txBody>
+      </p:sp>
       <p:sp>
         <p:nvSpPr>
           <p:cNvPr id="4" name="椭圆 3">
@@ -38537,6 +38880,378 @@
           </a:prstGeom>
         </p:spPr>
       </p:pic>
+      <p:sp>
+        <p:nvSpPr>
+          <p:cNvPr id="2" name="矩形 1">
+            <a:extLst>
+              <a:ext uri="{FF2B5EF4-FFF2-40B4-BE49-F238E27FC236}">
+                <a16:creationId xmlns:a16="http://schemas.microsoft.com/office/drawing/2014/main" id="{03FE93DB-D0C7-427B-8A95-EFBEC4CEA5EA}"/>
+              </a:ext>
+            </a:extLst>
+          </p:cNvPr>
+          <p:cNvSpPr/>
+          <p:nvPr/>
+        </p:nvSpPr>
+        <p:spPr>
+          <a:xfrm>
+            <a:off x="1747437" y="1023372"/>
+            <a:ext cx="8525953" cy="4801314"/>
+          </a:xfrm>
+          <a:prstGeom prst="rect">
+            <a:avLst/>
+          </a:prstGeom>
+          <a:solidFill>
+            <a:schemeClr val="bg1"/>
+          </a:solidFill>
+        </p:spPr>
+        <p:txBody>
+          <a:bodyPr wrap="square">
+            <a:spAutoFit/>
+          </a:bodyPr>
+          <a:lstStyle/>
+          <a:p>
+            <a:r>
+              <a:rPr lang="zh-CN" altLang="en-US" dirty="0">
+                <a:latin typeface="微软雅黑" panose="020B0503020204020204" pitchFamily="34" charset="-122"/>
+                <a:ea typeface="微软雅黑" panose="020B0503020204020204" pitchFamily="34" charset="-122"/>
+              </a:rPr>
+              <a:t>单语词典</a:t>
+            </a:r>
+          </a:p>
+          <a:p>
+            <a:r>
+              <a:rPr lang="en-US" altLang="zh-CN" dirty="0">
+                <a:latin typeface="微软雅黑" panose="020B0503020204020204" pitchFamily="34" charset="-122"/>
+                <a:ea typeface="微软雅黑" panose="020B0503020204020204" pitchFamily="34" charset="-122"/>
+              </a:rPr>
+              <a:t>- </a:t>
+            </a:r>
+            <a:r>
+              <a:rPr lang="en-GB" altLang="zh-CN" dirty="0" err="1">
+                <a:latin typeface="微软雅黑" panose="020B0503020204020204" pitchFamily="34" charset="-122"/>
+                <a:ea typeface="微软雅黑" panose="020B0503020204020204" pitchFamily="34" charset="-122"/>
+              </a:rPr>
+              <a:t>Wex</a:t>
+            </a:r>
+            <a:r>
+              <a:rPr lang="en-GB" altLang="zh-CN" dirty="0">
+                <a:latin typeface="微软雅黑" panose="020B0503020204020204" pitchFamily="34" charset="-122"/>
+                <a:ea typeface="微软雅黑" panose="020B0503020204020204" pitchFamily="34" charset="-122"/>
+              </a:rPr>
+              <a:t> | LII / Legal Information Institute (www.law.cornell.edu/wex/ )</a:t>
+            </a:r>
+            <a:r>
+              <a:rPr lang="zh-CN" altLang="en-US" dirty="0">
+                <a:latin typeface="微软雅黑" panose="020B0503020204020204" pitchFamily="34" charset="-122"/>
+                <a:ea typeface="微软雅黑" panose="020B0503020204020204" pitchFamily="34" charset="-122"/>
+              </a:rPr>
+              <a:t>在线免费</a:t>
+            </a:r>
+          </a:p>
+          <a:p>
+            <a:r>
+              <a:rPr lang="en-US" altLang="zh-CN" dirty="0">
+                <a:latin typeface="微软雅黑" panose="020B0503020204020204" pitchFamily="34" charset="-122"/>
+                <a:ea typeface="微软雅黑" panose="020B0503020204020204" pitchFamily="34" charset="-122"/>
+              </a:rPr>
+              <a:t>- </a:t>
+            </a:r>
+            <a:r>
+              <a:rPr lang="en-GB" altLang="zh-CN" dirty="0" err="1">
+                <a:latin typeface="微软雅黑" panose="020B0503020204020204" pitchFamily="34" charset="-122"/>
+                <a:ea typeface="微软雅黑" panose="020B0503020204020204" pitchFamily="34" charset="-122"/>
+              </a:rPr>
+              <a:t>Nolo's</a:t>
+            </a:r>
+            <a:r>
+              <a:rPr lang="en-GB" altLang="zh-CN" dirty="0">
+                <a:latin typeface="微软雅黑" panose="020B0503020204020204" pitchFamily="34" charset="-122"/>
+                <a:ea typeface="微软雅黑" panose="020B0503020204020204" pitchFamily="34" charset="-122"/>
+              </a:rPr>
+              <a:t> Free Dictionary of Law Terms and Legal Definitions - Nolo.com (www.nolo.com/dictionary) </a:t>
+            </a:r>
+            <a:r>
+              <a:rPr lang="zh-CN" altLang="en-US" dirty="0">
+                <a:latin typeface="微软雅黑" panose="020B0503020204020204" pitchFamily="34" charset="-122"/>
+                <a:ea typeface="微软雅黑" panose="020B0503020204020204" pitchFamily="34" charset="-122"/>
+              </a:rPr>
+              <a:t>在线免费</a:t>
+            </a:r>
+          </a:p>
+          <a:p>
+            <a:r>
+              <a:rPr lang="en-US" altLang="zh-CN" dirty="0">
+                <a:latin typeface="微软雅黑" panose="020B0503020204020204" pitchFamily="34" charset="-122"/>
+                <a:ea typeface="微软雅黑" panose="020B0503020204020204" pitchFamily="34" charset="-122"/>
+              </a:rPr>
+              <a:t>- </a:t>
+            </a:r>
+            <a:r>
+              <a:rPr lang="en-GB" altLang="zh-CN" dirty="0">
+                <a:latin typeface="微软雅黑" panose="020B0503020204020204" pitchFamily="34" charset="-122"/>
+                <a:ea typeface="微软雅黑" panose="020B0503020204020204" pitchFamily="34" charset="-122"/>
+              </a:rPr>
+              <a:t>Legal Dictionary | Law.com (dictionary.law.com)</a:t>
+            </a:r>
+            <a:r>
+              <a:rPr lang="zh-CN" altLang="en-US" dirty="0">
+                <a:latin typeface="微软雅黑" panose="020B0503020204020204" pitchFamily="34" charset="-122"/>
+                <a:ea typeface="微软雅黑" panose="020B0503020204020204" pitchFamily="34" charset="-122"/>
+              </a:rPr>
+              <a:t>在线免费</a:t>
+            </a:r>
+          </a:p>
+          <a:p>
+            <a:r>
+              <a:rPr lang="en-US" altLang="zh-CN" dirty="0">
+                <a:latin typeface="微软雅黑" panose="020B0503020204020204" pitchFamily="34" charset="-122"/>
+                <a:ea typeface="微软雅黑" panose="020B0503020204020204" pitchFamily="34" charset="-122"/>
+              </a:rPr>
+              <a:t>- </a:t>
+            </a:r>
+            <a:r>
+              <a:rPr lang="en-GB" altLang="zh-CN" dirty="0">
+                <a:latin typeface="微软雅黑" panose="020B0503020204020204" pitchFamily="34" charset="-122"/>
+                <a:ea typeface="微软雅黑" panose="020B0503020204020204" pitchFamily="34" charset="-122"/>
+              </a:rPr>
+              <a:t>Dictionary of Law. Define Legal Terms at FindLaw (dictionary.findlaw.com/ )</a:t>
+            </a:r>
+            <a:r>
+              <a:rPr lang="zh-CN" altLang="en-US" dirty="0">
+                <a:latin typeface="微软雅黑" panose="020B0503020204020204" pitchFamily="34" charset="-122"/>
+                <a:ea typeface="微软雅黑" panose="020B0503020204020204" pitchFamily="34" charset="-122"/>
+              </a:rPr>
+              <a:t>在线免费</a:t>
+            </a:r>
+          </a:p>
+          <a:p>
+            <a:r>
+              <a:rPr lang="en-US" altLang="zh-CN" dirty="0">
+                <a:latin typeface="微软雅黑" panose="020B0503020204020204" pitchFamily="34" charset="-122"/>
+                <a:ea typeface="微软雅黑" panose="020B0503020204020204" pitchFamily="34" charset="-122"/>
+              </a:rPr>
+              <a:t>- </a:t>
+            </a:r>
+            <a:r>
+              <a:rPr lang="en-GB" altLang="zh-CN" dirty="0" err="1">
+                <a:latin typeface="微软雅黑" panose="020B0503020204020204" pitchFamily="34" charset="-122"/>
+                <a:ea typeface="微软雅黑" panose="020B0503020204020204" pitchFamily="34" charset="-122"/>
+              </a:rPr>
+              <a:t>Lectric</a:t>
+            </a:r>
+            <a:r>
+              <a:rPr lang="en-GB" altLang="zh-CN" dirty="0">
+                <a:latin typeface="微软雅黑" panose="020B0503020204020204" pitchFamily="34" charset="-122"/>
+                <a:ea typeface="微软雅黑" panose="020B0503020204020204" pitchFamily="34" charset="-122"/>
+              </a:rPr>
+              <a:t> Law Library's Dictionary (http://www.lectlaw.com/def.htm )</a:t>
+            </a:r>
+            <a:r>
+              <a:rPr lang="zh-CN" altLang="en-US" dirty="0">
+                <a:latin typeface="微软雅黑" panose="020B0503020204020204" pitchFamily="34" charset="-122"/>
+                <a:ea typeface="微软雅黑" panose="020B0503020204020204" pitchFamily="34" charset="-122"/>
+              </a:rPr>
+              <a:t>在线免费</a:t>
+            </a:r>
+          </a:p>
+          <a:p>
+            <a:r>
+              <a:rPr lang="en-US" altLang="zh-CN" dirty="0">
+                <a:latin typeface="微软雅黑" panose="020B0503020204020204" pitchFamily="34" charset="-122"/>
+                <a:ea typeface="微软雅黑" panose="020B0503020204020204" pitchFamily="34" charset="-122"/>
+              </a:rPr>
+              <a:t>- </a:t>
+            </a:r>
+            <a:r>
+              <a:rPr lang="en-GB" altLang="zh-CN" dirty="0" err="1">
+                <a:latin typeface="微软雅黑" panose="020B0503020204020204" pitchFamily="34" charset="-122"/>
+                <a:ea typeface="微软雅黑" panose="020B0503020204020204" pitchFamily="34" charset="-122"/>
+              </a:rPr>
+              <a:t>Duhaime's</a:t>
+            </a:r>
+            <a:r>
+              <a:rPr lang="en-GB" altLang="zh-CN" dirty="0">
+                <a:latin typeface="微软雅黑" panose="020B0503020204020204" pitchFamily="34" charset="-122"/>
+                <a:ea typeface="微软雅黑" panose="020B0503020204020204" pitchFamily="34" charset="-122"/>
+              </a:rPr>
+              <a:t> Law Dictionary (http://www.duhaime.org/dictionary/diction.aspx)</a:t>
+            </a:r>
+            <a:r>
+              <a:rPr lang="zh-CN" altLang="en-US" dirty="0">
+                <a:latin typeface="微软雅黑" panose="020B0503020204020204" pitchFamily="34" charset="-122"/>
+                <a:ea typeface="微软雅黑" panose="020B0503020204020204" pitchFamily="34" charset="-122"/>
+              </a:rPr>
+              <a:t>在线免费</a:t>
+            </a:r>
+          </a:p>
+          <a:p>
+            <a:r>
+              <a:rPr lang="en-US" altLang="zh-CN" dirty="0">
+                <a:latin typeface="微软雅黑" panose="020B0503020204020204" pitchFamily="34" charset="-122"/>
+                <a:ea typeface="微软雅黑" panose="020B0503020204020204" pitchFamily="34" charset="-122"/>
+              </a:rPr>
+              <a:t>- </a:t>
+            </a:r>
+            <a:r>
+              <a:rPr lang="en-GB" altLang="zh-CN" dirty="0">
+                <a:latin typeface="微软雅黑" panose="020B0503020204020204" pitchFamily="34" charset="-122"/>
+                <a:ea typeface="微软雅黑" panose="020B0503020204020204" pitchFamily="34" charset="-122"/>
+              </a:rPr>
+              <a:t>John Bouvier's Law Dictionary (http://www.constitution.org/bouv/bouvier.htm)</a:t>
+            </a:r>
+            <a:r>
+              <a:rPr lang="zh-CN" altLang="en-US" dirty="0">
+                <a:latin typeface="微软雅黑" panose="020B0503020204020204" pitchFamily="34" charset="-122"/>
+                <a:ea typeface="微软雅黑" panose="020B0503020204020204" pitchFamily="34" charset="-122"/>
+              </a:rPr>
+              <a:t>在线免费</a:t>
+            </a:r>
+          </a:p>
+          <a:p>
+            <a:r>
+              <a:rPr lang="en-US" altLang="zh-CN" dirty="0">
+                <a:latin typeface="微软雅黑" panose="020B0503020204020204" pitchFamily="34" charset="-122"/>
+                <a:ea typeface="微软雅黑" panose="020B0503020204020204" pitchFamily="34" charset="-122"/>
+              </a:rPr>
+              <a:t>- </a:t>
+            </a:r>
+            <a:r>
+              <a:rPr lang="en-GB" altLang="zh-CN" dirty="0">
+                <a:latin typeface="微软雅黑" panose="020B0503020204020204" pitchFamily="34" charset="-122"/>
+                <a:ea typeface="微软雅黑" panose="020B0503020204020204" pitchFamily="34" charset="-122"/>
+              </a:rPr>
+              <a:t>Dean's Law Dictionary (http://www.deanslawdictionary.com/)</a:t>
+            </a:r>
+            <a:r>
+              <a:rPr lang="zh-CN" altLang="en-US" dirty="0">
+                <a:latin typeface="微软雅黑" panose="020B0503020204020204" pitchFamily="34" charset="-122"/>
+                <a:ea typeface="微软雅黑" panose="020B0503020204020204" pitchFamily="34" charset="-122"/>
+              </a:rPr>
+              <a:t>下载收费</a:t>
+            </a:r>
+          </a:p>
+          <a:p>
+            <a:r>
+              <a:rPr lang="en-US" altLang="zh-CN" dirty="0">
+                <a:latin typeface="微软雅黑" panose="020B0503020204020204" pitchFamily="34" charset="-122"/>
+                <a:ea typeface="微软雅黑" panose="020B0503020204020204" pitchFamily="34" charset="-122"/>
+              </a:rPr>
+              <a:t>- </a:t>
+            </a:r>
+            <a:r>
+              <a:rPr lang="zh-CN" altLang="en-US" dirty="0">
+                <a:latin typeface="微软雅黑" panose="020B0503020204020204" pitchFamily="34" charset="-122"/>
+                <a:ea typeface="微软雅黑" panose="020B0503020204020204" pitchFamily="34" charset="-122"/>
+              </a:rPr>
+              <a:t>孔敏律师网</a:t>
+            </a:r>
+            <a:r>
+              <a:rPr lang="en-US" altLang="zh-CN" dirty="0">
+                <a:latin typeface="微软雅黑" panose="020B0503020204020204" pitchFamily="34" charset="-122"/>
+                <a:ea typeface="微软雅黑" panose="020B0503020204020204" pitchFamily="34" charset="-122"/>
+              </a:rPr>
+              <a:t>(</a:t>
+            </a:r>
+            <a:r>
+              <a:rPr lang="en-GB" altLang="zh-CN" dirty="0">
+                <a:latin typeface="微软雅黑" panose="020B0503020204020204" pitchFamily="34" charset="-122"/>
+                <a:ea typeface="微软雅黑" panose="020B0503020204020204" pitchFamily="34" charset="-122"/>
+              </a:rPr>
+              <a:t>http://www.kongminlawyer.com/baike.html)</a:t>
+            </a:r>
+            <a:r>
+              <a:rPr lang="zh-CN" altLang="en-US" dirty="0">
+                <a:latin typeface="微软雅黑" panose="020B0503020204020204" pitchFamily="34" charset="-122"/>
+                <a:ea typeface="微软雅黑" panose="020B0503020204020204" pitchFamily="34" charset="-122"/>
+              </a:rPr>
+              <a:t>在线百科</a:t>
+            </a:r>
+          </a:p>
+          <a:p>
+            <a:r>
+              <a:rPr lang="zh-CN" altLang="en-US" dirty="0">
+                <a:latin typeface="微软雅黑" panose="020B0503020204020204" pitchFamily="34" charset="-122"/>
+                <a:ea typeface="微软雅黑" panose="020B0503020204020204" pitchFamily="34" charset="-122"/>
+              </a:rPr>
+              <a:t>双语词典</a:t>
+            </a:r>
+          </a:p>
+          <a:p>
+            <a:r>
+              <a:rPr lang="en-US" altLang="zh-CN" dirty="0">
+                <a:latin typeface="微软雅黑" panose="020B0503020204020204" pitchFamily="34" charset="-122"/>
+                <a:ea typeface="微软雅黑" panose="020B0503020204020204" pitchFamily="34" charset="-122"/>
+              </a:rPr>
+              <a:t>- </a:t>
+            </a:r>
+            <a:r>
+              <a:rPr lang="zh-CN" altLang="en-US" dirty="0">
+                <a:latin typeface="微软雅黑" panose="020B0503020204020204" pitchFamily="34" charset="-122"/>
+                <a:ea typeface="微软雅黑" panose="020B0503020204020204" pitchFamily="34" charset="-122"/>
+              </a:rPr>
+              <a:t>元照英美法律词典 </a:t>
+            </a:r>
+            <a:r>
+              <a:rPr lang="en-US" altLang="zh-CN" dirty="0">
+                <a:latin typeface="微软雅黑" panose="020B0503020204020204" pitchFamily="34" charset="-122"/>
+                <a:ea typeface="微软雅黑" panose="020B0503020204020204" pitchFamily="34" charset="-122"/>
+              </a:rPr>
+              <a:t>(</a:t>
+            </a:r>
+            <a:r>
+              <a:rPr lang="en-GB" altLang="zh-CN" dirty="0">
+                <a:latin typeface="微软雅黑" panose="020B0503020204020204" pitchFamily="34" charset="-122"/>
+                <a:ea typeface="微软雅黑" panose="020B0503020204020204" pitchFamily="34" charset="-122"/>
+              </a:rPr>
+              <a:t>http://lawyer.get.com.tw/Dic/)</a:t>
+            </a:r>
+            <a:r>
+              <a:rPr lang="zh-CN" altLang="en-US" dirty="0">
+                <a:latin typeface="微软雅黑" panose="020B0503020204020204" pitchFamily="34" charset="-122"/>
+                <a:ea typeface="微软雅黑" panose="020B0503020204020204" pitchFamily="34" charset="-122"/>
+              </a:rPr>
+              <a:t>在线免费</a:t>
+            </a:r>
+          </a:p>
+          <a:p>
+            <a:r>
+              <a:rPr lang="en-US" altLang="zh-CN" dirty="0">
+                <a:latin typeface="微软雅黑" panose="020B0503020204020204" pitchFamily="34" charset="-122"/>
+                <a:ea typeface="微软雅黑" panose="020B0503020204020204" pitchFamily="34" charset="-122"/>
+              </a:rPr>
+              <a:t>- </a:t>
+            </a:r>
+            <a:r>
+              <a:rPr lang="zh-CN" altLang="en-US" dirty="0">
+                <a:latin typeface="微软雅黑" panose="020B0503020204020204" pitchFamily="34" charset="-122"/>
+                <a:ea typeface="微软雅黑" panose="020B0503020204020204" pitchFamily="34" charset="-122"/>
+              </a:rPr>
+              <a:t>英汉双向法律词典</a:t>
+            </a:r>
+            <a:r>
+              <a:rPr lang="en-US" altLang="zh-CN" dirty="0">
+                <a:latin typeface="微软雅黑" panose="020B0503020204020204" pitchFamily="34" charset="-122"/>
+                <a:ea typeface="微软雅黑" panose="020B0503020204020204" pitchFamily="34" charset="-122"/>
+              </a:rPr>
+              <a:t>(</a:t>
+            </a:r>
+            <a:r>
+              <a:rPr lang="en-GB" altLang="zh-CN" dirty="0">
+                <a:latin typeface="微软雅黑" panose="020B0503020204020204" pitchFamily="34" charset="-122"/>
+                <a:ea typeface="微软雅黑" panose="020B0503020204020204" pitchFamily="34" charset="-122"/>
+              </a:rPr>
+              <a:t>http://cidian.dict.cn/shjd/sxflcd.html) APP</a:t>
+            </a:r>
+            <a:r>
+              <a:rPr lang="zh-CN" altLang="en-US" dirty="0">
+                <a:latin typeface="微软雅黑" panose="020B0503020204020204" pitchFamily="34" charset="-122"/>
+                <a:ea typeface="微软雅黑" panose="020B0503020204020204" pitchFamily="34" charset="-122"/>
+              </a:rPr>
+              <a:t>下载</a:t>
+            </a:r>
+          </a:p>
+        </p:txBody>
+      </p:sp>
     </p:spTree>
     <p:extLst>
       <p:ext uri="{BB962C8B-B14F-4D97-AF65-F5344CB8AC3E}">
@@ -38571,14 +39286,67 @@
                             </p:stCondLst>
                             <p:childTnLst>
                               <p:par>
-                                <p:cTn id="5" presetID="42" presetClass="entr" presetSubtype="0" fill="hold" nodeType="clickEffect">
+                                <p:cTn id="5" presetID="10" presetClass="exit" presetSubtype="0" fill="hold" grpId="0" nodeType="clickEffect">
+                                  <p:stCondLst>
+                                    <p:cond delay="0"/>
+                                  </p:stCondLst>
+                                  <p:childTnLst>
+                                    <p:animEffect transition="out" filter="fade">
+                                      <p:cBhvr>
+                                        <p:cTn id="6" dur="500"/>
+                                        <p:tgtEl>
+                                          <p:spTgt spid="2"/>
+                                        </p:tgtEl>
+                                      </p:cBhvr>
+                                    </p:animEffect>
+                                    <p:set>
+                                      <p:cBhvr>
+                                        <p:cTn id="7" dur="1" fill="hold">
+                                          <p:stCondLst>
+                                            <p:cond delay="499"/>
+                                          </p:stCondLst>
+                                        </p:cTn>
+                                        <p:tgtEl>
+                                          <p:spTgt spid="2"/>
+                                        </p:tgtEl>
+                                        <p:attrNameLst>
+                                          <p:attrName>style.visibility</p:attrName>
+                                        </p:attrNameLst>
+                                      </p:cBhvr>
+                                      <p:to>
+                                        <p:strVal val="hidden"/>
+                                      </p:to>
+                                    </p:set>
+                                  </p:childTnLst>
+                                </p:cTn>
+                              </p:par>
+                            </p:childTnLst>
+                          </p:cTn>
+                        </p:par>
+                      </p:childTnLst>
+                    </p:cTn>
+                  </p:par>
+                  <p:par>
+                    <p:cTn id="8" fill="hold">
+                      <p:stCondLst>
+                        <p:cond delay="indefinite"/>
+                      </p:stCondLst>
+                      <p:childTnLst>
+                        <p:par>
+                          <p:cTn id="9" fill="hold">
+                            <p:stCondLst>
+                              <p:cond delay="0"/>
+                            </p:stCondLst>
+                            <p:childTnLst>
+                              <p:par>
+                                <p:cTn id="10" presetID="42" presetClass="entr" presetSubtype="0" fill="hold" nodeType="clickEffect">
                                   <p:stCondLst>
                                     <p:cond delay="0"/>
                                   </p:stCondLst>
                                   <p:childTnLst>
                                     <p:set>
                                       <p:cBhvr>
-                                        <p:cTn id="6" dur="1" fill="hold">
+                                        <p:cTn id="11" dur="1" fill="hold">
                                           <p:stCondLst>
                                             <p:cond delay="0"/>
                                           </p:stCondLst>
@@ -38596,7 +39364,7 @@
                                     </p:set>
                                     <p:animEffect transition="in" filter="fade">
                                       <p:cBhvr>
-                                        <p:cTn id="7" dur="1000"/>
+                                        <p:cTn id="12" dur="1000"/>
                                         <p:tgtEl>
                                           <p:spTgt spid="10"/>
                                         </p:tgtEl>
@@ -38604,7 +39372,7 @@
                                     </p:animEffect>
                                     <p:anim calcmode="lin" valueType="num">
                                       <p:cBhvr>
-                                        <p:cTn id="8" dur="1000" fill="hold"/>
+                                        <p:cTn id="13" dur="1000" fill="hold"/>
                                         <p:tgtEl>
                                           <p:spTgt spid="10"/>
                                         </p:tgtEl>
@@ -38627,7 +39395,7 @@
                                     </p:anim>
                                     <p:anim calcmode="lin" valueType="num">
                                       <p:cBhvr>
-                                        <p:cTn id="9" dur="1000" fill="hold"/>
+                                        <p:cTn id="14" dur="1000" fill="hold"/>
                                         <p:tgtEl>
                                           <p:spTgt spid="10"/>
                                         </p:tgtEl>
@@ -38678,6 +39446,9 @@
         </p:cTn>
       </p:par>
     </p:tnLst>
+    <p:bldLst>
+      <p:bldP spid="2" grpId="0" animBg="1"/>
+    </p:bldLst>
   </p:timing>
 </p:sld>
 </file>
@@ -39016,6 +39787,198 @@
               </a:rPr>
               <a:t>。</a:t>
             </a:r>
+          </a:p>
+        </p:txBody>
+      </p:sp>
+      <p:sp>
+        <p:nvSpPr>
+          <p:cNvPr id="2" name="矩形 1">
+            <a:extLst>
+              <a:ext uri="{FF2B5EF4-FFF2-40B4-BE49-F238E27FC236}">
+                <a16:creationId xmlns:a16="http://schemas.microsoft.com/office/drawing/2014/main" id="{61F8065C-AD27-4FF6-BBFE-33209836471B}"/>
+              </a:ext>
+            </a:extLst>
+          </p:cNvPr>
+          <p:cNvSpPr/>
+          <p:nvPr/>
+        </p:nvSpPr>
+        <p:spPr>
+          <a:xfrm>
+            <a:off x="262199" y="5427047"/>
+            <a:ext cx="8480585" cy="1200329"/>
+          </a:xfrm>
+          <a:prstGeom prst="rect">
+            <a:avLst/>
+          </a:prstGeom>
+          <a:solidFill>
+            <a:schemeClr val="bg1"/>
+          </a:solidFill>
+        </p:spPr>
+        <p:txBody>
+          <a:bodyPr wrap="square">
+            <a:spAutoFit/>
+          </a:bodyPr>
+          <a:lstStyle/>
+          <a:p>
+            <a:pPr marL="285750" indent="-285750">
+              <a:buFont typeface="Arial" panose="020B0604020202020204" pitchFamily="34" charset="0"/>
+              <a:buChar char="•"/>
+            </a:pPr>
+            <a:r>
+              <a:rPr lang="en-GB" altLang="zh-CN" dirty="0">
+                <a:latin typeface="微软雅黑" panose="020B0503020204020204" pitchFamily="34" charset="-122"/>
+                <a:ea typeface="微软雅黑" panose="020B0503020204020204" pitchFamily="34" charset="-122"/>
+              </a:rPr>
+              <a:t>Oxford Reference (</a:t>
+            </a:r>
+            <a:r>
+              <a:rPr lang="zh-CN" altLang="en-US" dirty="0">
+                <a:latin typeface="微软雅黑" panose="020B0503020204020204" pitchFamily="34" charset="-122"/>
+                <a:ea typeface="微软雅黑" panose="020B0503020204020204" pitchFamily="34" charset="-122"/>
+              </a:rPr>
+              <a:t>收费</a:t>
+            </a:r>
+            <a:r>
+              <a:rPr lang="en-US" altLang="zh-CN" dirty="0">
+                <a:latin typeface="微软雅黑" panose="020B0503020204020204" pitchFamily="34" charset="-122"/>
+                <a:ea typeface="微软雅黑" panose="020B0503020204020204" pitchFamily="34" charset="-122"/>
+              </a:rPr>
+              <a:t>)&lt;</a:t>
+            </a:r>
+            <a:r>
+              <a:rPr lang="en-GB" altLang="zh-CN" dirty="0">
+                <a:latin typeface="微软雅黑" panose="020B0503020204020204" pitchFamily="34" charset="-122"/>
+                <a:ea typeface="微软雅黑" panose="020B0503020204020204" pitchFamily="34" charset="-122"/>
+              </a:rPr>
+              <a:t>http://www.oxfordreference.com/</a:t>
+            </a:r>
+          </a:p>
+          <a:p>
+            <a:pPr marL="285750" indent="-285750">
+              <a:buFont typeface="Arial" panose="020B0604020202020204" pitchFamily="34" charset="0"/>
+              <a:buChar char="•"/>
+            </a:pPr>
+            <a:r>
+              <a:rPr lang="en-GB" altLang="zh-CN" dirty="0">
+                <a:latin typeface="微软雅黑" panose="020B0503020204020204" pitchFamily="34" charset="-122"/>
+                <a:ea typeface="微软雅黑" panose="020B0503020204020204" pitchFamily="34" charset="-122"/>
+              </a:rPr>
+              <a:t>​Tech Terms </a:t>
+            </a:r>
+            <a:r>
+              <a:rPr lang="zh-CN" altLang="en-GB" dirty="0">
+                <a:latin typeface="微软雅黑" panose="020B0503020204020204" pitchFamily="34" charset="-122"/>
+                <a:ea typeface="微软雅黑" panose="020B0503020204020204" pitchFamily="34" charset="-122"/>
+              </a:rPr>
+              <a:t>（</a:t>
+            </a:r>
+            <a:r>
+              <a:rPr lang="zh-CN" altLang="en-US" dirty="0">
+                <a:latin typeface="微软雅黑" panose="020B0503020204020204" pitchFamily="34" charset="-122"/>
+                <a:ea typeface="微软雅黑" panose="020B0503020204020204" pitchFamily="34" charset="-122"/>
+              </a:rPr>
+              <a:t>免费） </a:t>
+            </a:r>
+            <a:r>
+              <a:rPr lang="en-US" altLang="zh-CN" dirty="0">
+                <a:latin typeface="微软雅黑" panose="020B0503020204020204" pitchFamily="34" charset="-122"/>
+                <a:ea typeface="微软雅黑" panose="020B0503020204020204" pitchFamily="34" charset="-122"/>
+              </a:rPr>
+              <a:t>&lt;</a:t>
+            </a:r>
+            <a:r>
+              <a:rPr lang="en-GB" altLang="zh-CN" dirty="0">
+                <a:latin typeface="微软雅黑" panose="020B0503020204020204" pitchFamily="34" charset="-122"/>
+                <a:ea typeface="微软雅黑" panose="020B0503020204020204" pitchFamily="34" charset="-122"/>
+              </a:rPr>
+              <a:t>https://techterms.com/&gt;</a:t>
+            </a:r>
+          </a:p>
+          <a:p>
+            <a:pPr marL="285750" indent="-285750">
+              <a:buFont typeface="Arial" panose="020B0604020202020204" pitchFamily="34" charset="0"/>
+              <a:buChar char="•"/>
+            </a:pPr>
+            <a:r>
+              <a:rPr lang="en-GB" altLang="zh-CN" dirty="0">
+                <a:latin typeface="微软雅黑" panose="020B0503020204020204" pitchFamily="34" charset="-122"/>
+                <a:ea typeface="微软雅黑" panose="020B0503020204020204" pitchFamily="34" charset="-122"/>
+              </a:rPr>
+              <a:t>​Computer Hope </a:t>
+            </a:r>
+            <a:r>
+              <a:rPr lang="zh-CN" altLang="en-GB" dirty="0">
+                <a:latin typeface="微软雅黑" panose="020B0503020204020204" pitchFamily="34" charset="-122"/>
+                <a:ea typeface="微软雅黑" panose="020B0503020204020204" pitchFamily="34" charset="-122"/>
+              </a:rPr>
+              <a:t>（</a:t>
+            </a:r>
+            <a:r>
+              <a:rPr lang="zh-CN" altLang="en-US" dirty="0">
+                <a:latin typeface="微软雅黑" panose="020B0503020204020204" pitchFamily="34" charset="-122"/>
+                <a:ea typeface="微软雅黑" panose="020B0503020204020204" pitchFamily="34" charset="-122"/>
+              </a:rPr>
+              <a:t>免费）​</a:t>
+            </a:r>
+            <a:r>
+              <a:rPr lang="en-US" altLang="zh-CN" dirty="0">
+                <a:latin typeface="微软雅黑" panose="020B0503020204020204" pitchFamily="34" charset="-122"/>
+                <a:ea typeface="微软雅黑" panose="020B0503020204020204" pitchFamily="34" charset="-122"/>
+              </a:rPr>
+              <a:t>&lt;</a:t>
+            </a:r>
+            <a:r>
+              <a:rPr lang="en-GB" altLang="zh-CN" dirty="0">
+                <a:latin typeface="微软雅黑" panose="020B0503020204020204" pitchFamily="34" charset="-122"/>
+                <a:ea typeface="微软雅黑" panose="020B0503020204020204" pitchFamily="34" charset="-122"/>
+              </a:rPr>
+              <a:t>https://www.computerhope.com/jargon.htm&gt;</a:t>
+            </a:r>
+          </a:p>
+          <a:p>
+            <a:pPr marL="285750" indent="-285750">
+              <a:buFont typeface="Arial" panose="020B0604020202020204" pitchFamily="34" charset="0"/>
+              <a:buChar char="•"/>
+            </a:pPr>
+            <a:r>
+              <a:rPr lang="en-GB" altLang="zh-CN" dirty="0">
+                <a:latin typeface="微软雅黑" panose="020B0503020204020204" pitchFamily="34" charset="-122"/>
+                <a:ea typeface="微软雅黑" panose="020B0503020204020204" pitchFamily="34" charset="-122"/>
+              </a:rPr>
+              <a:t>​FOLDOC </a:t>
+            </a:r>
+            <a:r>
+              <a:rPr lang="zh-CN" altLang="en-GB" dirty="0">
+                <a:latin typeface="微软雅黑" panose="020B0503020204020204" pitchFamily="34" charset="-122"/>
+                <a:ea typeface="微软雅黑" panose="020B0503020204020204" pitchFamily="34" charset="-122"/>
+              </a:rPr>
+              <a:t>（</a:t>
+            </a:r>
+            <a:r>
+              <a:rPr lang="zh-CN" altLang="en-US" dirty="0">
+                <a:latin typeface="微软雅黑" panose="020B0503020204020204" pitchFamily="34" charset="-122"/>
+                <a:ea typeface="微软雅黑" panose="020B0503020204020204" pitchFamily="34" charset="-122"/>
+              </a:rPr>
+              <a:t>免费） </a:t>
+            </a:r>
+            <a:r>
+              <a:rPr lang="en-US" altLang="zh-CN" dirty="0">
+                <a:latin typeface="微软雅黑" panose="020B0503020204020204" pitchFamily="34" charset="-122"/>
+                <a:ea typeface="微软雅黑" panose="020B0503020204020204" pitchFamily="34" charset="-122"/>
+              </a:rPr>
+              <a:t>&lt;</a:t>
+            </a:r>
+            <a:r>
+              <a:rPr lang="en-GB" altLang="zh-CN" dirty="0">
+                <a:latin typeface="微软雅黑" panose="020B0503020204020204" pitchFamily="34" charset="-122"/>
+                <a:ea typeface="微软雅黑" panose="020B0503020204020204" pitchFamily="34" charset="-122"/>
+              </a:rPr>
+              <a:t>http://foldoc.org/&gt; </a:t>
+            </a:r>
+            <a:endParaRPr lang="zh-CN" altLang="en-US" dirty="0">
+              <a:latin typeface="微软雅黑" panose="020B0503020204020204" pitchFamily="34" charset="-122"/>
+              <a:ea typeface="微软雅黑" panose="020B0503020204020204" pitchFamily="34" charset="-122"/>
+            </a:endParaRPr>
           </a:p>
         </p:txBody>
       </p:sp>

--- a/电子词典需求分析.pptx
+++ b/电子词典需求分析.pptx
@@ -141,7 +141,7 @@
   </p:defaultTextStyle>
   <p:extLst>
     <p:ext uri="{EFAFB233-063F-42B5-8137-9DF3F51BA10A}">
-      <p15:sldGuideLst xmlns:p15="http://schemas.microsoft.com/office/powerpoint/2012/main">
+      <p15:sldGuideLst xmlns:p15="http://schemas.microsoft.com/office/powerpoint/2012/main" xmlns="">
         <p15:guide id="1" orient="horz" pos="1502" userDrawn="1">
           <p15:clr>
             <a:srgbClr val="A4A3A4"/>
@@ -240,7 +240,7 @@
           <a:p>
             <a:fld id="{6325EFA1-FAD1-4705-B9BA-7AD2CC63A550}" type="datetimeFigureOut">
               <a:rPr lang="zh-CN" altLang="en-US" smtClean="0"/>
-              <a:t>2018/11/6</a:t>
+              <a:t>2018/11/6 Tuesday</a:t>
             </a:fld>
             <a:endParaRPr lang="zh-CN" altLang="en-US"/>
           </a:p>
@@ -636,7 +636,7 @@
           <a:p>
             <a:fld id="{D997B5FA-0921-464F-AAE1-844C04324D75}" type="datetimeFigureOut">
               <a:rPr lang="zh-CN" altLang="en-US" smtClean="0"/>
-              <a:t>2018/11/6</a:t>
+              <a:t>2018/11/6 Tuesday</a:t>
             </a:fld>
             <a:endParaRPr lang="zh-CN" altLang="en-US"/>
           </a:p>
@@ -799,7 +799,7 @@
           <a:p>
             <a:fld id="{D997B5FA-0921-464F-AAE1-844C04324D75}" type="datetimeFigureOut">
               <a:rPr lang="zh-CN" altLang="en-US" smtClean="0"/>
-              <a:t>2018/11/6</a:t>
+              <a:t>2018/11/6 Tuesday</a:t>
             </a:fld>
             <a:endParaRPr lang="zh-CN" altLang="en-US"/>
           </a:p>
@@ -972,7 +972,7 @@
           <a:p>
             <a:fld id="{D997B5FA-0921-464F-AAE1-844C04324D75}" type="datetimeFigureOut">
               <a:rPr lang="zh-CN" altLang="en-US" smtClean="0"/>
-              <a:t>2018/11/6</a:t>
+              <a:t>2018/11/6 Tuesday</a:t>
             </a:fld>
             <a:endParaRPr lang="zh-CN" altLang="en-US"/>
           </a:p>
@@ -1135,7 +1135,7 @@
           <a:p>
             <a:fld id="{D997B5FA-0921-464F-AAE1-844C04324D75}" type="datetimeFigureOut">
               <a:rPr lang="zh-CN" altLang="en-US" smtClean="0"/>
-              <a:t>2018/11/6</a:t>
+              <a:t>2018/11/6 Tuesday</a:t>
             </a:fld>
             <a:endParaRPr lang="zh-CN" altLang="en-US"/>
           </a:p>
@@ -1375,7 +1375,7 @@
           <a:p>
             <a:fld id="{D997B5FA-0921-464F-AAE1-844C04324D75}" type="datetimeFigureOut">
               <a:rPr lang="zh-CN" altLang="en-US" smtClean="0"/>
-              <a:t>2018/11/6</a:t>
+              <a:t>2018/11/6 Tuesday</a:t>
             </a:fld>
             <a:endParaRPr lang="zh-CN" altLang="en-US"/>
           </a:p>
@@ -1599,7 +1599,7 @@
           <a:p>
             <a:fld id="{D997B5FA-0921-464F-AAE1-844C04324D75}" type="datetimeFigureOut">
               <a:rPr lang="zh-CN" altLang="en-US" smtClean="0"/>
-              <a:t>2018/11/6</a:t>
+              <a:t>2018/11/6 Tuesday</a:t>
             </a:fld>
             <a:endParaRPr lang="zh-CN" altLang="en-US"/>
           </a:p>
@@ -1958,7 +1958,7 @@
           <a:p>
             <a:fld id="{D997B5FA-0921-464F-AAE1-844C04324D75}" type="datetimeFigureOut">
               <a:rPr lang="zh-CN" altLang="en-US" smtClean="0"/>
-              <a:t>2018/11/6</a:t>
+              <a:t>2018/11/6 Tuesday</a:t>
             </a:fld>
             <a:endParaRPr lang="zh-CN" altLang="en-US"/>
           </a:p>
@@ -2070,7 +2070,7 @@
           <a:p>
             <a:fld id="{D997B5FA-0921-464F-AAE1-844C04324D75}" type="datetimeFigureOut">
               <a:rPr lang="zh-CN" altLang="en-US" smtClean="0"/>
-              <a:t>2018/11/6</a:t>
+              <a:t>2018/11/6 Tuesday</a:t>
             </a:fld>
             <a:endParaRPr lang="zh-CN" altLang="en-US"/>
           </a:p>
@@ -2160,7 +2160,7 @@
           <a:p>
             <a:fld id="{D997B5FA-0921-464F-AAE1-844C04324D75}" type="datetimeFigureOut">
               <a:rPr lang="zh-CN" altLang="en-US" smtClean="0"/>
-              <a:t>2018/11/6</a:t>
+              <a:t>2018/11/6 Tuesday</a:t>
             </a:fld>
             <a:endParaRPr lang="zh-CN" altLang="en-US"/>
           </a:p>
@@ -2430,7 +2430,7 @@
           <a:p>
             <a:fld id="{D997B5FA-0921-464F-AAE1-844C04324D75}" type="datetimeFigureOut">
               <a:rPr lang="zh-CN" altLang="en-US" smtClean="0"/>
-              <a:t>2018/11/6</a:t>
+              <a:t>2018/11/6 Tuesday</a:t>
             </a:fld>
             <a:endParaRPr lang="zh-CN" altLang="en-US"/>
           </a:p>
@@ -2677,7 +2677,7 @@
           <a:p>
             <a:fld id="{D997B5FA-0921-464F-AAE1-844C04324D75}" type="datetimeFigureOut">
               <a:rPr lang="zh-CN" altLang="en-US" smtClean="0"/>
-              <a:t>2018/11/6</a:t>
+              <a:t>2018/11/6 Tuesday</a:t>
             </a:fld>
             <a:endParaRPr lang="zh-CN" altLang="en-US"/>
           </a:p>
@@ -2883,7 +2883,7 @@
           <a:p>
             <a:fld id="{D997B5FA-0921-464F-AAE1-844C04324D75}" type="datetimeFigureOut">
               <a:rPr lang="zh-CN" altLang="en-US" smtClean="0"/>
-              <a:t>2018/11/6</a:t>
+              <a:t>2018/11/6 Tuesday</a:t>
             </a:fld>
             <a:endParaRPr lang="zh-CN" altLang="en-US"/>
           </a:p>
@@ -3712,7 +3712,7 @@
           <p:cNvPr id="6" name="Rounded Rectangle 12">
             <a:extLst>
               <a:ext uri="{FF2B5EF4-FFF2-40B4-BE49-F238E27FC236}">
-                <a16:creationId xmlns:a16="http://schemas.microsoft.com/office/drawing/2014/main" id="{E6FD45EB-4B3B-4DD8-A910-EDA5C8EB7707}"/>
+                <a16:creationId xmlns:a16="http://schemas.microsoft.com/office/drawing/2014/main" xmlns="" id="{E6FD45EB-4B3B-4DD8-A910-EDA5C8EB7707}"/>
               </a:ext>
             </a:extLst>
           </p:cNvPr>
@@ -3782,7 +3782,7 @@
           <p:cNvPr id="7" name="Rounded Rectangle 16">
             <a:extLst>
               <a:ext uri="{FF2B5EF4-FFF2-40B4-BE49-F238E27FC236}">
-                <a16:creationId xmlns:a16="http://schemas.microsoft.com/office/drawing/2014/main" id="{4E284F8D-B632-4833-9BDA-C5CC6FBBFC2F}"/>
+                <a16:creationId xmlns:a16="http://schemas.microsoft.com/office/drawing/2014/main" xmlns="" id="{4E284F8D-B632-4833-9BDA-C5CC6FBBFC2F}"/>
               </a:ext>
             </a:extLst>
           </p:cNvPr>
@@ -3852,7 +3852,7 @@
           <p:cNvPr id="13" name="文本框 12">
             <a:extLst>
               <a:ext uri="{FF2B5EF4-FFF2-40B4-BE49-F238E27FC236}">
-                <a16:creationId xmlns:a16="http://schemas.microsoft.com/office/drawing/2014/main" id="{99A86963-B1B8-4349-AAE8-E18C812A6C5A}"/>
+                <a16:creationId xmlns:a16="http://schemas.microsoft.com/office/drawing/2014/main" xmlns="" id="{99A86963-B1B8-4349-AAE8-E18C812A6C5A}"/>
               </a:ext>
             </a:extLst>
           </p:cNvPr>
@@ -3909,7 +3909,7 @@
           <p:cNvPr id="14" name="矩形 13">
             <a:extLst>
               <a:ext uri="{FF2B5EF4-FFF2-40B4-BE49-F238E27FC236}">
-                <a16:creationId xmlns:a16="http://schemas.microsoft.com/office/drawing/2014/main" id="{3A33F266-8553-485A-86D9-E9E07B77F2D6}"/>
+                <a16:creationId xmlns:a16="http://schemas.microsoft.com/office/drawing/2014/main" xmlns="" id="{3A33F266-8553-485A-86D9-E9E07B77F2D6}"/>
               </a:ext>
             </a:extLst>
           </p:cNvPr>
@@ -3953,7 +3953,7 @@
           <p:cNvPr id="16" name="矩形 15">
             <a:extLst>
               <a:ext uri="{FF2B5EF4-FFF2-40B4-BE49-F238E27FC236}">
-                <a16:creationId xmlns:a16="http://schemas.microsoft.com/office/drawing/2014/main" id="{C619AE70-C8E5-4169-8061-82946C8F8782}"/>
+                <a16:creationId xmlns:a16="http://schemas.microsoft.com/office/drawing/2014/main" xmlns="" id="{C619AE70-C8E5-4169-8061-82946C8F8782}"/>
               </a:ext>
             </a:extLst>
           </p:cNvPr>
@@ -5844,7 +5844,7 @@
           <p:cNvPr id="4" name="矩形: 圆角 3">
             <a:extLst>
               <a:ext uri="{FF2B5EF4-FFF2-40B4-BE49-F238E27FC236}">
-                <a16:creationId xmlns:a16="http://schemas.microsoft.com/office/drawing/2014/main" id="{413DA64A-DFE6-4C8E-8C8C-CB685A248235}"/>
+                <a16:creationId xmlns:a16="http://schemas.microsoft.com/office/drawing/2014/main" xmlns="" id="{413DA64A-DFE6-4C8E-8C8C-CB685A248235}"/>
               </a:ext>
             </a:extLst>
           </p:cNvPr>
@@ -5900,7 +5900,7 @@
           <p:cNvPr id="6" name="Rectangle 1">
             <a:extLst>
               <a:ext uri="{FF2B5EF4-FFF2-40B4-BE49-F238E27FC236}">
-                <a16:creationId xmlns:a16="http://schemas.microsoft.com/office/drawing/2014/main" id="{67851DDF-58F8-4FC1-976B-A9298F885374}"/>
+                <a16:creationId xmlns:a16="http://schemas.microsoft.com/office/drawing/2014/main" xmlns="" id="{67851DDF-58F8-4FC1-976B-A9298F885374}"/>
               </a:ext>
             </a:extLst>
           </p:cNvPr>
@@ -6187,7 +6187,7 @@
           <p:cNvPr id="7" name="文本框 6">
             <a:extLst>
               <a:ext uri="{FF2B5EF4-FFF2-40B4-BE49-F238E27FC236}">
-                <a16:creationId xmlns:a16="http://schemas.microsoft.com/office/drawing/2014/main" id="{8AB5E823-CBEE-492B-81A1-EBF6FAC24438}"/>
+                <a16:creationId xmlns:a16="http://schemas.microsoft.com/office/drawing/2014/main" xmlns="" id="{8AB5E823-CBEE-492B-81A1-EBF6FAC24438}"/>
               </a:ext>
             </a:extLst>
           </p:cNvPr>
@@ -20266,7 +20266,7 @@
           <p:cNvPr id="58" name="文本框 57">
             <a:extLst>
               <a:ext uri="{FF2B5EF4-FFF2-40B4-BE49-F238E27FC236}">
-                <a16:creationId xmlns:a16="http://schemas.microsoft.com/office/drawing/2014/main" id="{CA25C765-3360-4F62-944D-CE9911A527C5}"/>
+                <a16:creationId xmlns:a16="http://schemas.microsoft.com/office/drawing/2014/main" xmlns="" id="{CA25C765-3360-4F62-944D-CE9911A527C5}"/>
               </a:ext>
             </a:extLst>
           </p:cNvPr>
@@ -25331,7 +25331,7 @@
           <p:cNvPr id="34" name="Rectangle 12">
             <a:extLst>
               <a:ext uri="{FF2B5EF4-FFF2-40B4-BE49-F238E27FC236}">
-                <a16:creationId xmlns:a16="http://schemas.microsoft.com/office/drawing/2014/main" id="{F7876CFB-5C00-4B8B-944D-91E0146C608C}"/>
+                <a16:creationId xmlns:a16="http://schemas.microsoft.com/office/drawing/2014/main" xmlns="" id="{F7876CFB-5C00-4B8B-944D-91E0146C608C}"/>
               </a:ext>
             </a:extLst>
           </p:cNvPr>
@@ -29582,7 +29582,7 @@
           <p:cNvPr id="11" name="组合 10">
             <a:extLst>
               <a:ext uri="{FF2B5EF4-FFF2-40B4-BE49-F238E27FC236}">
-                <a16:creationId xmlns:a16="http://schemas.microsoft.com/office/drawing/2014/main" id="{AF102071-4EB0-4C8F-ACE5-A6CB18278323}"/>
+                <a16:creationId xmlns:a16="http://schemas.microsoft.com/office/drawing/2014/main" xmlns="" id="{AF102071-4EB0-4C8F-ACE5-A6CB18278323}"/>
               </a:ext>
             </a:extLst>
           </p:cNvPr>
@@ -29911,7 +29911,7 @@
           <p:cNvPr id="13" name="组合 12">
             <a:extLst>
               <a:ext uri="{FF2B5EF4-FFF2-40B4-BE49-F238E27FC236}">
-                <a16:creationId xmlns:a16="http://schemas.microsoft.com/office/drawing/2014/main" id="{1207D76C-BF37-4F01-B8BB-FE57B607A375}"/>
+                <a16:creationId xmlns:a16="http://schemas.microsoft.com/office/drawing/2014/main" xmlns="" id="{1207D76C-BF37-4F01-B8BB-FE57B607A375}"/>
               </a:ext>
             </a:extLst>
           </p:cNvPr>
@@ -30548,7 +30548,7 @@
           <p:cNvPr id="6" name="Rounded Rectangle 12">
             <a:extLst>
               <a:ext uri="{FF2B5EF4-FFF2-40B4-BE49-F238E27FC236}">
-                <a16:creationId xmlns:a16="http://schemas.microsoft.com/office/drawing/2014/main" id="{E6FD45EB-4B3B-4DD8-A910-EDA5C8EB7707}"/>
+                <a16:creationId xmlns:a16="http://schemas.microsoft.com/office/drawing/2014/main" xmlns="" id="{E6FD45EB-4B3B-4DD8-A910-EDA5C8EB7707}"/>
               </a:ext>
             </a:extLst>
           </p:cNvPr>
@@ -30611,7 +30611,7 @@
           <p:cNvPr id="7" name="Rounded Rectangle 16">
             <a:extLst>
               <a:ext uri="{FF2B5EF4-FFF2-40B4-BE49-F238E27FC236}">
-                <a16:creationId xmlns:a16="http://schemas.microsoft.com/office/drawing/2014/main" id="{4E284F8D-B632-4833-9BDA-C5CC6FBBFC2F}"/>
+                <a16:creationId xmlns:a16="http://schemas.microsoft.com/office/drawing/2014/main" xmlns="" id="{4E284F8D-B632-4833-9BDA-C5CC6FBBFC2F}"/>
               </a:ext>
             </a:extLst>
           </p:cNvPr>
@@ -30674,7 +30674,7 @@
           <p:cNvPr id="9" name="文本框 8">
             <a:extLst>
               <a:ext uri="{FF2B5EF4-FFF2-40B4-BE49-F238E27FC236}">
-                <a16:creationId xmlns:a16="http://schemas.microsoft.com/office/drawing/2014/main" id="{D94569BB-535D-4D52-8D4F-1F9923A08119}"/>
+                <a16:creationId xmlns:a16="http://schemas.microsoft.com/office/drawing/2014/main" xmlns="" id="{D94569BB-535D-4D52-8D4F-1F9923A08119}"/>
               </a:ext>
             </a:extLst>
           </p:cNvPr>
@@ -30831,7 +30831,7 @@
           <p:cNvPr id="11" name="文本框 10">
             <a:extLst>
               <a:ext uri="{FF2B5EF4-FFF2-40B4-BE49-F238E27FC236}">
-                <a16:creationId xmlns:a16="http://schemas.microsoft.com/office/drawing/2014/main" id="{23E09859-6C96-41D8-8401-3AAF912A453A}"/>
+                <a16:creationId xmlns:a16="http://schemas.microsoft.com/office/drawing/2014/main" xmlns="" id="{23E09859-6C96-41D8-8401-3AAF912A453A}"/>
               </a:ext>
             </a:extLst>
           </p:cNvPr>
@@ -30988,7 +30988,7 @@
           <p:cNvPr id="13" name="文本框 12">
             <a:extLst>
               <a:ext uri="{FF2B5EF4-FFF2-40B4-BE49-F238E27FC236}">
-                <a16:creationId xmlns:a16="http://schemas.microsoft.com/office/drawing/2014/main" id="{99A86963-B1B8-4349-AAE8-E18C812A6C5A}"/>
+                <a16:creationId xmlns:a16="http://schemas.microsoft.com/office/drawing/2014/main" xmlns="" id="{99A86963-B1B8-4349-AAE8-E18C812A6C5A}"/>
               </a:ext>
             </a:extLst>
           </p:cNvPr>
@@ -31045,7 +31045,7 @@
           <p:cNvPr id="14" name="矩形 13">
             <a:extLst>
               <a:ext uri="{FF2B5EF4-FFF2-40B4-BE49-F238E27FC236}">
-                <a16:creationId xmlns:a16="http://schemas.microsoft.com/office/drawing/2014/main" id="{3A33F266-8553-485A-86D9-E9E07B77F2D6}"/>
+                <a16:creationId xmlns:a16="http://schemas.microsoft.com/office/drawing/2014/main" xmlns="" id="{3A33F266-8553-485A-86D9-E9E07B77F2D6}"/>
               </a:ext>
             </a:extLst>
           </p:cNvPr>
@@ -31079,7 +31079,7 @@
           <p:cNvPr id="16" name="矩形 15">
             <a:extLst>
               <a:ext uri="{FF2B5EF4-FFF2-40B4-BE49-F238E27FC236}">
-                <a16:creationId xmlns:a16="http://schemas.microsoft.com/office/drawing/2014/main" id="{C619AE70-C8E5-4169-8061-82946C8F8782}"/>
+                <a16:creationId xmlns:a16="http://schemas.microsoft.com/office/drawing/2014/main" xmlns="" id="{C619AE70-C8E5-4169-8061-82946C8F8782}"/>
               </a:ext>
             </a:extLst>
           </p:cNvPr>
@@ -31156,7 +31156,7 @@
           <p:cNvPr id="12" name="Rounded Rectangle 12">
             <a:extLst>
               <a:ext uri="{FF2B5EF4-FFF2-40B4-BE49-F238E27FC236}">
-                <a16:creationId xmlns:a16="http://schemas.microsoft.com/office/drawing/2014/main" id="{73BDC5C9-072C-4EDB-B3CA-BFBEACEFAD5E}"/>
+                <a16:creationId xmlns:a16="http://schemas.microsoft.com/office/drawing/2014/main" xmlns="" id="{73BDC5C9-072C-4EDB-B3CA-BFBEACEFAD5E}"/>
               </a:ext>
             </a:extLst>
           </p:cNvPr>
@@ -31220,7 +31220,7 @@
           <p:cNvPr id="15" name="文本框 14">
             <a:extLst>
               <a:ext uri="{FF2B5EF4-FFF2-40B4-BE49-F238E27FC236}">
-                <a16:creationId xmlns:a16="http://schemas.microsoft.com/office/drawing/2014/main" id="{C7C5E76A-5286-48C9-8883-95C90A40DCBD}"/>
+                <a16:creationId xmlns:a16="http://schemas.microsoft.com/office/drawing/2014/main" xmlns="" id="{C7C5E76A-5286-48C9-8883-95C90A40DCBD}"/>
               </a:ext>
             </a:extLst>
           </p:cNvPr>
@@ -31407,7 +31407,7 @@
           <p:cNvPr id="6" name="Rounded Rectangle 12">
             <a:extLst>
               <a:ext uri="{FF2B5EF4-FFF2-40B4-BE49-F238E27FC236}">
-                <a16:creationId xmlns:a16="http://schemas.microsoft.com/office/drawing/2014/main" id="{E6FD45EB-4B3B-4DD8-A910-EDA5C8EB7707}"/>
+                <a16:creationId xmlns:a16="http://schemas.microsoft.com/office/drawing/2014/main" xmlns="" id="{E6FD45EB-4B3B-4DD8-A910-EDA5C8EB7707}"/>
               </a:ext>
             </a:extLst>
           </p:cNvPr>
@@ -31470,7 +31470,7 @@
           <p:cNvPr id="7" name="Rounded Rectangle 16">
             <a:extLst>
               <a:ext uri="{FF2B5EF4-FFF2-40B4-BE49-F238E27FC236}">
-                <a16:creationId xmlns:a16="http://schemas.microsoft.com/office/drawing/2014/main" id="{4E284F8D-B632-4833-9BDA-C5CC6FBBFC2F}"/>
+                <a16:creationId xmlns:a16="http://schemas.microsoft.com/office/drawing/2014/main" xmlns="" id="{4E284F8D-B632-4833-9BDA-C5CC6FBBFC2F}"/>
               </a:ext>
             </a:extLst>
           </p:cNvPr>
@@ -31540,7 +31540,7 @@
           <p:cNvPr id="8" name="文本框 7">
             <a:extLst>
               <a:ext uri="{FF2B5EF4-FFF2-40B4-BE49-F238E27FC236}">
-                <a16:creationId xmlns:a16="http://schemas.microsoft.com/office/drawing/2014/main" id="{F9B4833B-9A8C-4FB8-B16C-F5D22E97BF2D}"/>
+                <a16:creationId xmlns:a16="http://schemas.microsoft.com/office/drawing/2014/main" xmlns="" id="{F9B4833B-9A8C-4FB8-B16C-F5D22E97BF2D}"/>
               </a:ext>
             </a:extLst>
           </p:cNvPr>
@@ -31693,7 +31693,7 @@
           <p:cNvPr id="10" name="文本框 9">
             <a:extLst>
               <a:ext uri="{FF2B5EF4-FFF2-40B4-BE49-F238E27FC236}">
-                <a16:creationId xmlns:a16="http://schemas.microsoft.com/office/drawing/2014/main" id="{36746D78-A16E-4069-9EBA-58DD2D39F13B}"/>
+                <a16:creationId xmlns:a16="http://schemas.microsoft.com/office/drawing/2014/main" xmlns="" id="{36746D78-A16E-4069-9EBA-58DD2D39F13B}"/>
               </a:ext>
             </a:extLst>
           </p:cNvPr>
@@ -31885,7 +31885,7 @@
           <p:cNvPr id="14" name="矩形 13">
             <a:extLst>
               <a:ext uri="{FF2B5EF4-FFF2-40B4-BE49-F238E27FC236}">
-                <a16:creationId xmlns:a16="http://schemas.microsoft.com/office/drawing/2014/main" id="{3A33F266-8553-485A-86D9-E9E07B77F2D6}"/>
+                <a16:creationId xmlns:a16="http://schemas.microsoft.com/office/drawing/2014/main" xmlns="" id="{3A33F266-8553-485A-86D9-E9E07B77F2D6}"/>
               </a:ext>
             </a:extLst>
           </p:cNvPr>
@@ -31919,7 +31919,7 @@
           <p:cNvPr id="16" name="矩形 15">
             <a:extLst>
               <a:ext uri="{FF2B5EF4-FFF2-40B4-BE49-F238E27FC236}">
-                <a16:creationId xmlns:a16="http://schemas.microsoft.com/office/drawing/2014/main" id="{C619AE70-C8E5-4169-8061-82946C8F8782}"/>
+                <a16:creationId xmlns:a16="http://schemas.microsoft.com/office/drawing/2014/main" xmlns="" id="{C619AE70-C8E5-4169-8061-82946C8F8782}"/>
               </a:ext>
             </a:extLst>
           </p:cNvPr>
@@ -32026,7 +32026,7 @@
           <p:cNvPr id="6" name="Rounded Rectangle 12">
             <a:extLst>
               <a:ext uri="{FF2B5EF4-FFF2-40B4-BE49-F238E27FC236}">
-                <a16:creationId xmlns:a16="http://schemas.microsoft.com/office/drawing/2014/main" id="{E6FD45EB-4B3B-4DD8-A910-EDA5C8EB7707}"/>
+                <a16:creationId xmlns:a16="http://schemas.microsoft.com/office/drawing/2014/main" xmlns="" id="{E6FD45EB-4B3B-4DD8-A910-EDA5C8EB7707}"/>
               </a:ext>
             </a:extLst>
           </p:cNvPr>
@@ -32085,7 +32085,7 @@
           <p:cNvPr id="7" name="Rounded Rectangle 16">
             <a:extLst>
               <a:ext uri="{FF2B5EF4-FFF2-40B4-BE49-F238E27FC236}">
-                <a16:creationId xmlns:a16="http://schemas.microsoft.com/office/drawing/2014/main" id="{4E284F8D-B632-4833-9BDA-C5CC6FBBFC2F}"/>
+                <a16:creationId xmlns:a16="http://schemas.microsoft.com/office/drawing/2014/main" xmlns="" id="{4E284F8D-B632-4833-9BDA-C5CC6FBBFC2F}"/>
               </a:ext>
             </a:extLst>
           </p:cNvPr>
@@ -32155,7 +32155,7 @@
           <p:cNvPr id="9" name="文本框 8">
             <a:extLst>
               <a:ext uri="{FF2B5EF4-FFF2-40B4-BE49-F238E27FC236}">
-                <a16:creationId xmlns:a16="http://schemas.microsoft.com/office/drawing/2014/main" id="{D94569BB-535D-4D52-8D4F-1F9923A08119}"/>
+                <a16:creationId xmlns:a16="http://schemas.microsoft.com/office/drawing/2014/main" xmlns="" id="{D94569BB-535D-4D52-8D4F-1F9923A08119}"/>
               </a:ext>
             </a:extLst>
           </p:cNvPr>
@@ -32290,7 +32290,7 @@
           <p:cNvPr id="10" name="文本框 9">
             <a:extLst>
               <a:ext uri="{FF2B5EF4-FFF2-40B4-BE49-F238E27FC236}">
-                <a16:creationId xmlns:a16="http://schemas.microsoft.com/office/drawing/2014/main" id="{36746D78-A16E-4069-9EBA-58DD2D39F13B}"/>
+                <a16:creationId xmlns:a16="http://schemas.microsoft.com/office/drawing/2014/main" xmlns="" id="{36746D78-A16E-4069-9EBA-58DD2D39F13B}"/>
               </a:ext>
             </a:extLst>
           </p:cNvPr>
@@ -32438,7 +32438,7 @@
           <p:cNvPr id="14" name="矩形 13">
             <a:extLst>
               <a:ext uri="{FF2B5EF4-FFF2-40B4-BE49-F238E27FC236}">
-                <a16:creationId xmlns:a16="http://schemas.microsoft.com/office/drawing/2014/main" id="{3A33F266-8553-485A-86D9-E9E07B77F2D6}"/>
+                <a16:creationId xmlns:a16="http://schemas.microsoft.com/office/drawing/2014/main" xmlns="" id="{3A33F266-8553-485A-86D9-E9E07B77F2D6}"/>
               </a:ext>
             </a:extLst>
           </p:cNvPr>
@@ -32472,7 +32472,7 @@
           <p:cNvPr id="16" name="矩形 15">
             <a:extLst>
               <a:ext uri="{FF2B5EF4-FFF2-40B4-BE49-F238E27FC236}">
-                <a16:creationId xmlns:a16="http://schemas.microsoft.com/office/drawing/2014/main" id="{C619AE70-C8E5-4169-8061-82946C8F8782}"/>
+                <a16:creationId xmlns:a16="http://schemas.microsoft.com/office/drawing/2014/main" xmlns="" id="{C619AE70-C8E5-4169-8061-82946C8F8782}"/>
               </a:ext>
             </a:extLst>
           </p:cNvPr>
@@ -32579,7 +32579,7 @@
           <p:cNvPr id="5" name="内容占位符 4" descr="图片包含 屏幕截图&#10;&#10;自动生成的说明">
             <a:extLst>
               <a:ext uri="{FF2B5EF4-FFF2-40B4-BE49-F238E27FC236}">
-                <a16:creationId xmlns:a16="http://schemas.microsoft.com/office/drawing/2014/main" id="{02845697-ABF6-4BE8-A4DF-3A96F1504884}"/>
+                <a16:creationId xmlns:a16="http://schemas.microsoft.com/office/drawing/2014/main" xmlns="" id="{02845697-ABF6-4BE8-A4DF-3A96F1504884}"/>
               </a:ext>
             </a:extLst>
           </p:cNvPr>
@@ -32644,7 +32644,7 @@
           <p:cNvPr id="5" name="图片 4" descr="图片包含 文字&#10;&#10;自动生成的说明">
             <a:extLst>
               <a:ext uri="{FF2B5EF4-FFF2-40B4-BE49-F238E27FC236}">
-                <a16:creationId xmlns:a16="http://schemas.microsoft.com/office/drawing/2014/main" id="{869D53BA-0CDE-41BA-9412-D00A8B9B3467}"/>
+                <a16:creationId xmlns:a16="http://schemas.microsoft.com/office/drawing/2014/main" xmlns="" id="{869D53BA-0CDE-41BA-9412-D00A8B9B3467}"/>
               </a:ext>
             </a:extLst>
           </p:cNvPr>
@@ -32836,7 +32836,7 @@
           <p:cNvPr id="7" name="文本框 6">
             <a:extLst>
               <a:ext uri="{FF2B5EF4-FFF2-40B4-BE49-F238E27FC236}">
-                <a16:creationId xmlns:a16="http://schemas.microsoft.com/office/drawing/2014/main" id="{41273B1A-0A9A-4893-85C8-2032A006493D}"/>
+                <a16:creationId xmlns:a16="http://schemas.microsoft.com/office/drawing/2014/main" xmlns="" id="{41273B1A-0A9A-4893-85C8-2032A006493D}"/>
               </a:ext>
             </a:extLst>
           </p:cNvPr>
@@ -32877,7 +32877,7 @@
           <p:cNvPr id="8" name="文本框 7">
             <a:extLst>
               <a:ext uri="{FF2B5EF4-FFF2-40B4-BE49-F238E27FC236}">
-                <a16:creationId xmlns:a16="http://schemas.microsoft.com/office/drawing/2014/main" id="{2030E6C3-6D08-42B0-AE21-0AF65A099FF5}"/>
+                <a16:creationId xmlns:a16="http://schemas.microsoft.com/office/drawing/2014/main" xmlns="" id="{2030E6C3-6D08-42B0-AE21-0AF65A099FF5}"/>
               </a:ext>
             </a:extLst>
           </p:cNvPr>
@@ -33132,7 +33132,7 @@
           <p:cNvPr id="2" name="椭圆 1">
             <a:extLst>
               <a:ext uri="{FF2B5EF4-FFF2-40B4-BE49-F238E27FC236}">
-                <a16:creationId xmlns:a16="http://schemas.microsoft.com/office/drawing/2014/main" id="{7FA72E45-BA5D-4DBB-B8D5-3CC7C0A63E6A}"/>
+                <a16:creationId xmlns:a16="http://schemas.microsoft.com/office/drawing/2014/main" xmlns="" id="{7FA72E45-BA5D-4DBB-B8D5-3CC7C0A63E6A}"/>
               </a:ext>
             </a:extLst>
           </p:cNvPr>
@@ -33188,7 +33188,7 @@
           <p:cNvPr id="3" name="文本框 2">
             <a:extLst>
               <a:ext uri="{FF2B5EF4-FFF2-40B4-BE49-F238E27FC236}">
-                <a16:creationId xmlns:a16="http://schemas.microsoft.com/office/drawing/2014/main" id="{91659A41-69E8-4CE1-A8A2-63974D6F5889}"/>
+                <a16:creationId xmlns:a16="http://schemas.microsoft.com/office/drawing/2014/main" xmlns="" id="{91659A41-69E8-4CE1-A8A2-63974D6F5889}"/>
               </a:ext>
             </a:extLst>
           </p:cNvPr>
@@ -33229,7 +33229,7 @@
           <p:cNvPr id="4" name="椭圆 3">
             <a:extLst>
               <a:ext uri="{FF2B5EF4-FFF2-40B4-BE49-F238E27FC236}">
-                <a16:creationId xmlns:a16="http://schemas.microsoft.com/office/drawing/2014/main" id="{CBF29D2C-4A12-405A-9244-78104A486F0E}"/>
+                <a16:creationId xmlns:a16="http://schemas.microsoft.com/office/drawing/2014/main" xmlns="" id="{CBF29D2C-4A12-405A-9244-78104A486F0E}"/>
               </a:ext>
             </a:extLst>
           </p:cNvPr>
@@ -33287,7 +33287,7 @@
           <p:cNvPr id="13" name="椭圆 12">
             <a:extLst>
               <a:ext uri="{FF2B5EF4-FFF2-40B4-BE49-F238E27FC236}">
-                <a16:creationId xmlns:a16="http://schemas.microsoft.com/office/drawing/2014/main" id="{CFF23A4E-1782-4970-9965-7B9806374928}"/>
+                <a16:creationId xmlns:a16="http://schemas.microsoft.com/office/drawing/2014/main" xmlns="" id="{CFF23A4E-1782-4970-9965-7B9806374928}"/>
               </a:ext>
             </a:extLst>
           </p:cNvPr>
@@ -33345,7 +33345,7 @@
           <p:cNvPr id="14" name="椭圆 13">
             <a:extLst>
               <a:ext uri="{FF2B5EF4-FFF2-40B4-BE49-F238E27FC236}">
-                <a16:creationId xmlns:a16="http://schemas.microsoft.com/office/drawing/2014/main" id="{A87DE1FC-0A46-4A16-A6F3-83FE6831B0B9}"/>
+                <a16:creationId xmlns:a16="http://schemas.microsoft.com/office/drawing/2014/main" xmlns="" id="{A87DE1FC-0A46-4A16-A6F3-83FE6831B0B9}"/>
               </a:ext>
             </a:extLst>
           </p:cNvPr>
@@ -33403,7 +33403,7 @@
           <p:cNvPr id="15" name="椭圆 14">
             <a:extLst>
               <a:ext uri="{FF2B5EF4-FFF2-40B4-BE49-F238E27FC236}">
-                <a16:creationId xmlns:a16="http://schemas.microsoft.com/office/drawing/2014/main" id="{D4D6D67D-564B-475B-826C-77764DE4EF2C}"/>
+                <a16:creationId xmlns:a16="http://schemas.microsoft.com/office/drawing/2014/main" xmlns="" id="{D4D6D67D-564B-475B-826C-77764DE4EF2C}"/>
               </a:ext>
             </a:extLst>
           </p:cNvPr>
@@ -33461,7 +33461,7 @@
           <p:cNvPr id="16" name="椭圆 15">
             <a:extLst>
               <a:ext uri="{FF2B5EF4-FFF2-40B4-BE49-F238E27FC236}">
-                <a16:creationId xmlns:a16="http://schemas.microsoft.com/office/drawing/2014/main" id="{28285C35-0D2D-4AF9-8D67-BCF22B7C9035}"/>
+                <a16:creationId xmlns:a16="http://schemas.microsoft.com/office/drawing/2014/main" xmlns="" id="{28285C35-0D2D-4AF9-8D67-BCF22B7C9035}"/>
               </a:ext>
             </a:extLst>
           </p:cNvPr>
@@ -33519,7 +33519,7 @@
           <p:cNvPr id="20" name="组合 19">
             <a:extLst>
               <a:ext uri="{FF2B5EF4-FFF2-40B4-BE49-F238E27FC236}">
-                <a16:creationId xmlns:a16="http://schemas.microsoft.com/office/drawing/2014/main" id="{0FA7F2A0-BF41-43EE-ABD9-C5A661FABC8C}"/>
+                <a16:creationId xmlns:a16="http://schemas.microsoft.com/office/drawing/2014/main" xmlns="" id="{0FA7F2A0-BF41-43EE-ABD9-C5A661FABC8C}"/>
               </a:ext>
             </a:extLst>
           </p:cNvPr>
@@ -33539,7 +33539,7 @@
             <p:cNvPr id="18" name="矩形: 圆角 17">
               <a:extLst>
                 <a:ext uri="{FF2B5EF4-FFF2-40B4-BE49-F238E27FC236}">
-                  <a16:creationId xmlns:a16="http://schemas.microsoft.com/office/drawing/2014/main" id="{B74874E4-6A96-461A-8AF1-A816EBFAFC57}"/>
+                  <a16:creationId xmlns:a16="http://schemas.microsoft.com/office/drawing/2014/main" xmlns="" id="{B74874E4-6A96-461A-8AF1-A816EBFAFC57}"/>
                 </a:ext>
               </a:extLst>
             </p:cNvPr>
@@ -33591,7 +33591,7 @@
             <p:cNvPr id="19" name="文本框 18">
               <a:extLst>
                 <a:ext uri="{FF2B5EF4-FFF2-40B4-BE49-F238E27FC236}">
-                  <a16:creationId xmlns:a16="http://schemas.microsoft.com/office/drawing/2014/main" id="{1B09DDA9-3B1F-42A8-9AA3-B81E14C7A8C1}"/>
+                  <a16:creationId xmlns:a16="http://schemas.microsoft.com/office/drawing/2014/main" xmlns="" id="{1B09DDA9-3B1F-42A8-9AA3-B81E14C7A8C1}"/>
                 </a:ext>
               </a:extLst>
             </p:cNvPr>
@@ -33754,7 +33754,7 @@
           <p:cNvPr id="21" name="矩形: 圆角 20">
             <a:extLst>
               <a:ext uri="{FF2B5EF4-FFF2-40B4-BE49-F238E27FC236}">
-                <a16:creationId xmlns:a16="http://schemas.microsoft.com/office/drawing/2014/main" id="{E977BA27-9793-44E6-A225-D0E0BB1FF3CD}"/>
+                <a16:creationId xmlns:a16="http://schemas.microsoft.com/office/drawing/2014/main" xmlns="" id="{E977BA27-9793-44E6-A225-D0E0BB1FF3CD}"/>
               </a:ext>
             </a:extLst>
           </p:cNvPr>
@@ -33806,7 +33806,7 @@
           <p:cNvPr id="22" name="文本框 21">
             <a:extLst>
               <a:ext uri="{FF2B5EF4-FFF2-40B4-BE49-F238E27FC236}">
-                <a16:creationId xmlns:a16="http://schemas.microsoft.com/office/drawing/2014/main" id="{6EB62D2B-32EE-4F67-924E-3ED0419A1972}"/>
+                <a16:creationId xmlns:a16="http://schemas.microsoft.com/office/drawing/2014/main" xmlns="" id="{6EB62D2B-32EE-4F67-924E-3ED0419A1972}"/>
               </a:ext>
             </a:extLst>
           </p:cNvPr>
@@ -33850,7 +33850,7 @@
           <p:cNvPr id="23" name="矩形: 圆角 22">
             <a:extLst>
               <a:ext uri="{FF2B5EF4-FFF2-40B4-BE49-F238E27FC236}">
-                <a16:creationId xmlns:a16="http://schemas.microsoft.com/office/drawing/2014/main" id="{124F1534-677C-42BA-A08C-A4F67FA7F98C}"/>
+                <a16:creationId xmlns:a16="http://schemas.microsoft.com/office/drawing/2014/main" xmlns="" id="{124F1534-677C-42BA-A08C-A4F67FA7F98C}"/>
               </a:ext>
             </a:extLst>
           </p:cNvPr>
@@ -33902,7 +33902,7 @@
           <p:cNvPr id="24" name="文本框 23">
             <a:extLst>
               <a:ext uri="{FF2B5EF4-FFF2-40B4-BE49-F238E27FC236}">
-                <a16:creationId xmlns:a16="http://schemas.microsoft.com/office/drawing/2014/main" id="{EC0D9FAB-0A33-4269-9633-360D15B930A4}"/>
+                <a16:creationId xmlns:a16="http://schemas.microsoft.com/office/drawing/2014/main" xmlns="" id="{EC0D9FAB-0A33-4269-9633-360D15B930A4}"/>
               </a:ext>
             </a:extLst>
           </p:cNvPr>
@@ -34002,7 +34002,7 @@
           <p:cNvPr id="25" name="矩形: 圆角 24">
             <a:extLst>
               <a:ext uri="{FF2B5EF4-FFF2-40B4-BE49-F238E27FC236}">
-                <a16:creationId xmlns:a16="http://schemas.microsoft.com/office/drawing/2014/main" id="{FF024270-F1AE-4C60-90EC-B121618F5159}"/>
+                <a16:creationId xmlns:a16="http://schemas.microsoft.com/office/drawing/2014/main" xmlns="" id="{FF024270-F1AE-4C60-90EC-B121618F5159}"/>
               </a:ext>
             </a:extLst>
           </p:cNvPr>
@@ -34054,7 +34054,7 @@
           <p:cNvPr id="26" name="文本框 25">
             <a:extLst>
               <a:ext uri="{FF2B5EF4-FFF2-40B4-BE49-F238E27FC236}">
-                <a16:creationId xmlns:a16="http://schemas.microsoft.com/office/drawing/2014/main" id="{1FF3640D-F3A9-4685-9837-32EA4A78D4B7}"/>
+                <a16:creationId xmlns:a16="http://schemas.microsoft.com/office/drawing/2014/main" xmlns="" id="{1FF3640D-F3A9-4685-9837-32EA4A78D4B7}"/>
               </a:ext>
             </a:extLst>
           </p:cNvPr>
@@ -35783,7 +35783,7 @@
           <p:cNvPr id="8" name="文本框 7">
             <a:extLst>
               <a:ext uri="{FF2B5EF4-FFF2-40B4-BE49-F238E27FC236}">
-                <a16:creationId xmlns:a16="http://schemas.microsoft.com/office/drawing/2014/main" id="{2030E6C3-6D08-42B0-AE21-0AF65A099FF5}"/>
+                <a16:creationId xmlns:a16="http://schemas.microsoft.com/office/drawing/2014/main" xmlns="" id="{2030E6C3-6D08-42B0-AE21-0AF65A099FF5}"/>
               </a:ext>
             </a:extLst>
           </p:cNvPr>
@@ -36559,7 +36559,7 @@
           <p:cNvPr id="19" name="文本框 18">
             <a:extLst>
               <a:ext uri="{FF2B5EF4-FFF2-40B4-BE49-F238E27FC236}">
-                <a16:creationId xmlns:a16="http://schemas.microsoft.com/office/drawing/2014/main" id="{D96C8DEE-2B12-4999-A8A3-EB70C0DD6154}"/>
+                <a16:creationId xmlns:a16="http://schemas.microsoft.com/office/drawing/2014/main" xmlns="" id="{D96C8DEE-2B12-4999-A8A3-EB70C0DD6154}"/>
               </a:ext>
             </a:extLst>
           </p:cNvPr>
@@ -36608,7 +36608,7 @@
           <p:cNvPr id="23" name="文本框 22">
             <a:extLst>
               <a:ext uri="{FF2B5EF4-FFF2-40B4-BE49-F238E27FC236}">
-                <a16:creationId xmlns:a16="http://schemas.microsoft.com/office/drawing/2014/main" id="{9727FEFB-5E60-4158-B373-1EC985E77D5C}"/>
+                <a16:creationId xmlns:a16="http://schemas.microsoft.com/office/drawing/2014/main" xmlns="" id="{9727FEFB-5E60-4158-B373-1EC985E77D5C}"/>
               </a:ext>
             </a:extLst>
           </p:cNvPr>
@@ -36657,7 +36657,7 @@
           <p:cNvPr id="24" name="文本框 23">
             <a:extLst>
               <a:ext uri="{FF2B5EF4-FFF2-40B4-BE49-F238E27FC236}">
-                <a16:creationId xmlns:a16="http://schemas.microsoft.com/office/drawing/2014/main" id="{DD98CE8E-EDEF-48EF-8E06-D36DEB775E77}"/>
+                <a16:creationId xmlns:a16="http://schemas.microsoft.com/office/drawing/2014/main" xmlns="" id="{DD98CE8E-EDEF-48EF-8E06-D36DEB775E77}"/>
               </a:ext>
             </a:extLst>
           </p:cNvPr>
@@ -36736,7 +36736,7 @@
           <p:cNvPr id="4" name="椭圆 3">
             <a:extLst>
               <a:ext uri="{FF2B5EF4-FFF2-40B4-BE49-F238E27FC236}">
-                <a16:creationId xmlns:a16="http://schemas.microsoft.com/office/drawing/2014/main" id="{8D2B5B3F-3CB5-42B7-BBDF-D12156F91010}"/>
+                <a16:creationId xmlns:a16="http://schemas.microsoft.com/office/drawing/2014/main" xmlns="" id="{8D2B5B3F-3CB5-42B7-BBDF-D12156F91010}"/>
               </a:ext>
             </a:extLst>
           </p:cNvPr>
@@ -36788,7 +36788,7 @@
           <p:cNvPr id="7" name="文本框 6">
             <a:extLst>
               <a:ext uri="{FF2B5EF4-FFF2-40B4-BE49-F238E27FC236}">
-                <a16:creationId xmlns:a16="http://schemas.microsoft.com/office/drawing/2014/main" id="{379ECFDC-06CB-48E6-8748-DBF7CA915365}"/>
+                <a16:creationId xmlns:a16="http://schemas.microsoft.com/office/drawing/2014/main" xmlns="" id="{379ECFDC-06CB-48E6-8748-DBF7CA915365}"/>
               </a:ext>
             </a:extLst>
           </p:cNvPr>
@@ -36826,7 +36826,7 @@
           <p:cNvPr id="9" name="椭圆 8">
             <a:extLst>
               <a:ext uri="{FF2B5EF4-FFF2-40B4-BE49-F238E27FC236}">
-                <a16:creationId xmlns:a16="http://schemas.microsoft.com/office/drawing/2014/main" id="{62AD7252-080D-445E-9D18-19ACC6A0906E}"/>
+                <a16:creationId xmlns:a16="http://schemas.microsoft.com/office/drawing/2014/main" xmlns="" id="{62AD7252-080D-445E-9D18-19ACC6A0906E}"/>
               </a:ext>
             </a:extLst>
           </p:cNvPr>
@@ -36878,7 +36878,7 @@
           <p:cNvPr id="12" name="文本框 11">
             <a:extLst>
               <a:ext uri="{FF2B5EF4-FFF2-40B4-BE49-F238E27FC236}">
-                <a16:creationId xmlns:a16="http://schemas.microsoft.com/office/drawing/2014/main" id="{642799FD-76FA-420D-9286-AD4AC1DF402E}"/>
+                <a16:creationId xmlns:a16="http://schemas.microsoft.com/office/drawing/2014/main" xmlns="" id="{642799FD-76FA-420D-9286-AD4AC1DF402E}"/>
               </a:ext>
             </a:extLst>
           </p:cNvPr>
@@ -37039,6 +37039,10 @@
             </a:r>
           </a:p>
           <a:p>
+            <a:r>
+              <a:rPr lang="zh-CN" altLang="en-US" sz="2800" dirty="0"/>
+              <a:t/>
+            </a:r>
             <a:br>
               <a:rPr lang="zh-CN" altLang="en-US" sz="2800" dirty="0"/>
             </a:br>
@@ -37145,7 +37149,7 @@
           <p:cNvPr id="3" name="文本框 2">
             <a:extLst>
               <a:ext uri="{FF2B5EF4-FFF2-40B4-BE49-F238E27FC236}">
-                <a16:creationId xmlns:a16="http://schemas.microsoft.com/office/drawing/2014/main" id="{A351FB82-D77B-4358-8F4B-DF0F2F56BEDB}"/>
+                <a16:creationId xmlns:a16="http://schemas.microsoft.com/office/drawing/2014/main" xmlns="" id="{A351FB82-D77B-4358-8F4B-DF0F2F56BEDB}"/>
               </a:ext>
             </a:extLst>
           </p:cNvPr>
@@ -37154,8 +37158,8 @@
         </p:nvSpPr>
         <p:spPr>
           <a:xfrm>
-            <a:off x="5481174" y="4571286"/>
-            <a:ext cx="6331380" cy="2308324"/>
+            <a:off x="5086204" y="4571286"/>
+            <a:ext cx="7105796" cy="2646878"/>
           </a:xfrm>
           <a:prstGeom prst="rect">
             <a:avLst/>
@@ -37173,48 +37177,48 @@
               <a:buChar char="•"/>
             </a:pPr>
             <a:r>
-              <a:rPr lang="en-US" altLang="zh-CN" dirty="0">
+              <a:rPr lang="en-US" altLang="zh-CN" sz="1600" dirty="0">
                 <a:latin typeface="微软雅黑" panose="020B0503020204020204" pitchFamily="34" charset="-122"/>
                 <a:ea typeface="微软雅黑" panose="020B0503020204020204" pitchFamily="34" charset="-122"/>
               </a:rPr>
               <a:t>The Analyst </a:t>
             </a:r>
             <a:r>
-              <a:rPr lang="en-US" altLang="zh-CN" dirty="0" err="1">
+              <a:rPr lang="en-US" altLang="zh-CN" sz="1600" dirty="0" err="1">
                 <a:latin typeface="微软雅黑" panose="020B0503020204020204" pitchFamily="34" charset="-122"/>
                 <a:ea typeface="微软雅黑" panose="020B0503020204020204" pitchFamily="34" charset="-122"/>
               </a:rPr>
               <a:t>Space,https</a:t>
             </a:r>
             <a:r>
-              <a:rPr lang="en-US" altLang="zh-CN" dirty="0">
+              <a:rPr lang="en-US" altLang="zh-CN" sz="1600" dirty="0">
                 <a:latin typeface="微软雅黑" panose="020B0503020204020204" pitchFamily="34" charset="-122"/>
                 <a:ea typeface="微软雅黑" panose="020B0503020204020204" pitchFamily="34" charset="-122"/>
               </a:rPr>
               <a:t>://edu.theanalystspace.com/dict/index</a:t>
             </a:r>
             <a:r>
-              <a:rPr lang="zh-CN" altLang="en-US" dirty="0">
+              <a:rPr lang="zh-CN" altLang="en-US" sz="1600" dirty="0">
                 <a:latin typeface="微软雅黑" panose="020B0503020204020204" pitchFamily="34" charset="-122"/>
                 <a:ea typeface="微软雅黑" panose="020B0503020204020204" pitchFamily="34" charset="-122"/>
               </a:rPr>
               <a:t>）中的（</a:t>
             </a:r>
             <a:r>
-              <a:rPr lang="en-US" altLang="zh-CN" dirty="0">
+              <a:rPr lang="en-US" altLang="zh-CN" sz="1600" dirty="0">
                 <a:latin typeface="微软雅黑" panose="020B0503020204020204" pitchFamily="34" charset="-122"/>
                 <a:ea typeface="微软雅黑" panose="020B0503020204020204" pitchFamily="34" charset="-122"/>
               </a:rPr>
               <a:t>Chartered Financial Analyst (CFA)</a:t>
             </a:r>
             <a:r>
-              <a:rPr lang="zh-CN" altLang="en-US" dirty="0">
+              <a:rPr lang="zh-CN" altLang="en-US" sz="1600" dirty="0">
                 <a:latin typeface="微软雅黑" panose="020B0503020204020204" pitchFamily="34" charset="-122"/>
                 <a:ea typeface="微软雅黑" panose="020B0503020204020204" pitchFamily="34" charset="-122"/>
               </a:rPr>
               <a:t>）</a:t>
             </a:r>
-            <a:endParaRPr lang="en-US" altLang="zh-CN" dirty="0">
+            <a:endParaRPr lang="en-US" altLang="zh-CN" sz="1600" dirty="0">
               <a:latin typeface="微软雅黑" panose="020B0503020204020204" pitchFamily="34" charset="-122"/>
               <a:ea typeface="微软雅黑" panose="020B0503020204020204" pitchFamily="34" charset="-122"/>
             </a:endParaRPr>
@@ -37225,14 +37229,14 @@
               <a:buChar char="•"/>
             </a:pPr>
             <a:r>
-              <a:rPr lang="en-GB" altLang="zh-CN" dirty="0">
+              <a:rPr lang="en-GB" altLang="zh-CN" sz="1600" dirty="0">
                 <a:latin typeface="微软雅黑" panose="020B0503020204020204" pitchFamily="34" charset="-122"/>
                 <a:ea typeface="微软雅黑" panose="020B0503020204020204" pitchFamily="34" charset="-122"/>
                 <a:hlinkClick r:id="rId4"/>
               </a:rPr>
               <a:t>http://cidian.gaodun.com</a:t>
             </a:r>
-            <a:endParaRPr lang="en-GB" altLang="zh-CN" dirty="0">
+            <a:endParaRPr lang="en-GB" altLang="zh-CN" sz="1600" dirty="0">
               <a:latin typeface="微软雅黑" panose="020B0503020204020204" pitchFamily="34" charset="-122"/>
               <a:ea typeface="微软雅黑" panose="020B0503020204020204" pitchFamily="34" charset="-122"/>
             </a:endParaRPr>
@@ -37243,21 +37247,21 @@
               <a:buChar char="•"/>
             </a:pPr>
             <a:r>
-              <a:rPr lang="en-US" altLang="zh-CN" dirty="0">
+              <a:rPr lang="en-US" altLang="zh-CN" sz="1600" dirty="0">
                 <a:latin typeface="微软雅黑" panose="020B0503020204020204" pitchFamily="34" charset="-122"/>
                 <a:ea typeface="微软雅黑" panose="020B0503020204020204" pitchFamily="34" charset="-122"/>
               </a:rPr>
               <a:t>The Free Dictionary </a:t>
             </a:r>
             <a:r>
-              <a:rPr lang="zh-CN" altLang="en-US" dirty="0">
+              <a:rPr lang="zh-CN" altLang="en-US" sz="1600" dirty="0">
                 <a:latin typeface="微软雅黑" panose="020B0503020204020204" pitchFamily="34" charset="-122"/>
                 <a:ea typeface="微软雅黑" panose="020B0503020204020204" pitchFamily="34" charset="-122"/>
               </a:rPr>
               <a:t>（</a:t>
             </a:r>
             <a:r>
-              <a:rPr lang="en-US" altLang="zh-CN" dirty="0">
+              <a:rPr lang="en-US" altLang="zh-CN" sz="1600" dirty="0">
                 <a:latin typeface="微软雅黑" panose="020B0503020204020204" pitchFamily="34" charset="-122"/>
                 <a:ea typeface="微软雅黑" panose="020B0503020204020204" pitchFamily="34" charset="-122"/>
                 <a:hlinkClick r:id="rId5"/>
@@ -37265,13 +37269,13 @@
               <a:t>https://financial-dictionary.thefreedictionary.com/</a:t>
             </a:r>
             <a:r>
-              <a:rPr lang="zh-CN" altLang="en-US" dirty="0">
+              <a:rPr lang="zh-CN" altLang="en-US" sz="1600" dirty="0">
                 <a:latin typeface="微软雅黑" panose="020B0503020204020204" pitchFamily="34" charset="-122"/>
                 <a:ea typeface="微软雅黑" panose="020B0503020204020204" pitchFamily="34" charset="-122"/>
               </a:rPr>
               <a:t>）</a:t>
             </a:r>
-            <a:endParaRPr lang="en-US" altLang="zh-CN" dirty="0">
+            <a:endParaRPr lang="en-US" altLang="zh-CN" sz="1600" dirty="0">
               <a:latin typeface="微软雅黑" panose="020B0503020204020204" pitchFamily="34" charset="-122"/>
               <a:ea typeface="微软雅黑" panose="020B0503020204020204" pitchFamily="34" charset="-122"/>
             </a:endParaRPr>
@@ -37282,40 +37286,79 @@
               <a:buChar char="•"/>
             </a:pPr>
             <a:r>
-              <a:rPr lang="zh-CN" altLang="en-GB" dirty="0">
+              <a:rPr lang="zh-CN" altLang="en-GB" sz="1600" dirty="0">
                 <a:latin typeface="微软雅黑" panose="020B0503020204020204" pitchFamily="34" charset="-122"/>
                 <a:ea typeface="微软雅黑" panose="020B0503020204020204" pitchFamily="34" charset="-122"/>
               </a:rPr>
               <a:t>（</a:t>
             </a:r>
             <a:r>
-              <a:rPr lang="en-GB" altLang="zh-CN" dirty="0">
+              <a:rPr lang="en-GB" altLang="zh-CN" sz="1600" dirty="0">
                 <a:latin typeface="微软雅黑" panose="020B0503020204020204" pitchFamily="34" charset="-122"/>
                 <a:ea typeface="微软雅黑" panose="020B0503020204020204" pitchFamily="34" charset="-122"/>
+                <a:hlinkClick r:id="rId6"/>
               </a:rPr>
               <a:t>https://www.worldfinance.com/financial-dictionary</a:t>
             </a:r>
             <a:r>
-              <a:rPr lang="zh-CN" altLang="en-GB" dirty="0">
+              <a:rPr lang="zh-CN" altLang="en-GB" sz="1600" dirty="0">
                 <a:latin typeface="微软雅黑" panose="020B0503020204020204" pitchFamily="34" charset="-122"/>
                 <a:ea typeface="微软雅黑" panose="020B0503020204020204" pitchFamily="34" charset="-122"/>
+                <a:hlinkClick r:id="rId6"/>
               </a:rPr>
               <a:t>，</a:t>
             </a:r>
             <a:r>
-              <a:rPr lang="en-GB" altLang="zh-CN" dirty="0">
+              <a:rPr lang="en-GB" altLang="zh-CN" sz="1600" dirty="0">
                 <a:latin typeface="微软雅黑" panose="020B0503020204020204" pitchFamily="34" charset="-122"/>
                 <a:ea typeface="微软雅黑" panose="020B0503020204020204" pitchFamily="34" charset="-122"/>
+                <a:hlinkClick r:id="rId6"/>
               </a:rPr>
               <a:t>https://www.wallstreetoasis.com/finance-dictionary</a:t>
             </a:r>
             <a:r>
-              <a:rPr lang="zh-CN" altLang="en-GB" dirty="0">
+              <a:rPr lang="zh-CN" altLang="en-GB" sz="1600" dirty="0" smtClean="0">
                 <a:latin typeface="微软雅黑" panose="020B0503020204020204" pitchFamily="34" charset="-122"/>
                 <a:ea typeface="微软雅黑" panose="020B0503020204020204" pitchFamily="34" charset="-122"/>
               </a:rPr>
               <a:t>）</a:t>
             </a:r>
+            <a:endParaRPr lang="en-US" altLang="zh-CN" sz="1600" dirty="0" smtClean="0">
+              <a:latin typeface="微软雅黑" panose="020B0503020204020204" pitchFamily="34" charset="-122"/>
+              <a:ea typeface="微软雅黑" panose="020B0503020204020204" pitchFamily="34" charset="-122"/>
+            </a:endParaRPr>
+          </a:p>
+          <a:p>
+            <a:pPr marL="285750" indent="-285750">
+              <a:buFont typeface="Arial" panose="020B0604020202020204" pitchFamily="34" charset="0"/>
+              <a:buChar char="•"/>
+            </a:pPr>
+            <a:r>
+              <a:rPr lang="en-US" altLang="zh-CN" sz="1600" dirty="0">
+                <a:latin typeface="微软雅黑" panose="020B0503020204020204" pitchFamily="34" charset="-122"/>
+                <a:ea typeface="微软雅黑" panose="020B0503020204020204" pitchFamily="34" charset="-122"/>
+              </a:rPr>
+              <a:t>https://investinganswers.com/financial-dictionary</a:t>
+            </a:r>
+          </a:p>
+          <a:p>
+            <a:pPr marL="285750" indent="-285750">
+              <a:buFont typeface="Arial" panose="020B0604020202020204" pitchFamily="34" charset="0"/>
+              <a:buChar char="•"/>
+            </a:pPr>
+            <a:r>
+              <a:rPr lang="en-US" altLang="zh-CN" sz="1600" dirty="0">
+                <a:latin typeface="微软雅黑" panose="020B0503020204020204" pitchFamily="34" charset="-122"/>
+                <a:ea typeface="微软雅黑" panose="020B0503020204020204" pitchFamily="34" charset="-122"/>
+              </a:rPr>
+              <a:t>http://www.financialdictionary.net/</a:t>
+            </a:r>
+          </a:p>
+          <a:p>
+            <a:pPr marL="285750" indent="-285750">
+              <a:buFont typeface="Arial" panose="020B0604020202020204" pitchFamily="34" charset="0"/>
+              <a:buChar char="•"/>
+            </a:pPr>
             <a:endParaRPr lang="zh-CN" altLang="en-US" dirty="0">
               <a:latin typeface="微软雅黑" panose="020B0503020204020204" pitchFamily="34" charset="-122"/>
               <a:ea typeface="微软雅黑" panose="020B0503020204020204" pitchFamily="34" charset="-122"/>
@@ -37361,7 +37404,7 @@
           <p:cNvPr id="2" name="矩形 1">
             <a:extLst>
               <a:ext uri="{FF2B5EF4-FFF2-40B4-BE49-F238E27FC236}">
-                <a16:creationId xmlns:a16="http://schemas.microsoft.com/office/drawing/2014/main" id="{73016DA7-04CC-4301-B919-D5BA942F4036}"/>
+                <a16:creationId xmlns:a16="http://schemas.microsoft.com/office/drawing/2014/main" xmlns="" id="{73016DA7-04CC-4301-B919-D5BA942F4036}"/>
               </a:ext>
             </a:extLst>
           </p:cNvPr>
@@ -37521,7 +37564,7 @@
           <p:cNvPr id="4" name="椭圆 3">
             <a:extLst>
               <a:ext uri="{FF2B5EF4-FFF2-40B4-BE49-F238E27FC236}">
-                <a16:creationId xmlns:a16="http://schemas.microsoft.com/office/drawing/2014/main" id="{8D2B5B3F-3CB5-42B7-BBDF-D12156F91010}"/>
+                <a16:creationId xmlns:a16="http://schemas.microsoft.com/office/drawing/2014/main" xmlns="" id="{8D2B5B3F-3CB5-42B7-BBDF-D12156F91010}"/>
               </a:ext>
             </a:extLst>
           </p:cNvPr>
@@ -37573,7 +37616,7 @@
           <p:cNvPr id="6" name="图片 5" descr="图片包含 屏幕截图&#10;&#10;自动生成的说明">
             <a:extLst>
               <a:ext uri="{FF2B5EF4-FFF2-40B4-BE49-F238E27FC236}">
-                <a16:creationId xmlns:a16="http://schemas.microsoft.com/office/drawing/2014/main" id="{488EF7BC-F038-4866-A483-0F8994B928D5}"/>
+                <a16:creationId xmlns:a16="http://schemas.microsoft.com/office/drawing/2014/main" xmlns="" id="{488EF7BC-F038-4866-A483-0F8994B928D5}"/>
               </a:ext>
             </a:extLst>
           </p:cNvPr>
@@ -37609,7 +37652,7 @@
           <p:cNvPr id="7" name="文本框 6">
             <a:extLst>
               <a:ext uri="{FF2B5EF4-FFF2-40B4-BE49-F238E27FC236}">
-                <a16:creationId xmlns:a16="http://schemas.microsoft.com/office/drawing/2014/main" id="{379ECFDC-06CB-48E6-8748-DBF7CA915365}"/>
+                <a16:creationId xmlns:a16="http://schemas.microsoft.com/office/drawing/2014/main" xmlns="" id="{379ECFDC-06CB-48E6-8748-DBF7CA915365}"/>
               </a:ext>
             </a:extLst>
           </p:cNvPr>
@@ -37647,7 +37690,7 @@
           <p:cNvPr id="9" name="椭圆 8">
             <a:extLst>
               <a:ext uri="{FF2B5EF4-FFF2-40B4-BE49-F238E27FC236}">
-                <a16:creationId xmlns:a16="http://schemas.microsoft.com/office/drawing/2014/main" id="{62AD7252-080D-445E-9D18-19ACC6A0906E}"/>
+                <a16:creationId xmlns:a16="http://schemas.microsoft.com/office/drawing/2014/main" xmlns="" id="{62AD7252-080D-445E-9D18-19ACC6A0906E}"/>
               </a:ext>
             </a:extLst>
           </p:cNvPr>
@@ -37699,7 +37742,7 @@
           <p:cNvPr id="12" name="文本框 11">
             <a:extLst>
               <a:ext uri="{FF2B5EF4-FFF2-40B4-BE49-F238E27FC236}">
-                <a16:creationId xmlns:a16="http://schemas.microsoft.com/office/drawing/2014/main" id="{642799FD-76FA-420D-9286-AD4AC1DF402E}"/>
+                <a16:creationId xmlns:a16="http://schemas.microsoft.com/office/drawing/2014/main" xmlns="" id="{642799FD-76FA-420D-9286-AD4AC1DF402E}"/>
               </a:ext>
             </a:extLst>
           </p:cNvPr>
@@ -37872,7 +37915,7 @@
           <p:cNvPr id="15" name="图片 14" descr="图片包含 屏幕截图&#10;&#10;自动生成的说明">
             <a:extLst>
               <a:ext uri="{FF2B5EF4-FFF2-40B4-BE49-F238E27FC236}">
-                <a16:creationId xmlns:a16="http://schemas.microsoft.com/office/drawing/2014/main" id="{F65B923F-989D-446B-891C-AE4D51848520}"/>
+                <a16:creationId xmlns:a16="http://schemas.microsoft.com/office/drawing/2014/main" xmlns="" id="{F65B923F-989D-446B-891C-AE4D51848520}"/>
               </a:ext>
             </a:extLst>
           </p:cNvPr>
@@ -38077,7 +38120,7 @@
           <p:cNvPr id="4" name="椭圆 3">
             <a:extLst>
               <a:ext uri="{FF2B5EF4-FFF2-40B4-BE49-F238E27FC236}">
-                <a16:creationId xmlns:a16="http://schemas.microsoft.com/office/drawing/2014/main" id="{8D2B5B3F-3CB5-42B7-BBDF-D12156F91010}"/>
+                <a16:creationId xmlns:a16="http://schemas.microsoft.com/office/drawing/2014/main" xmlns="" id="{8D2B5B3F-3CB5-42B7-BBDF-D12156F91010}"/>
               </a:ext>
             </a:extLst>
           </p:cNvPr>
@@ -38158,7 +38201,7 @@
           <p:cNvPr id="7" name="文本框 6">
             <a:extLst>
               <a:ext uri="{FF2B5EF4-FFF2-40B4-BE49-F238E27FC236}">
-                <a16:creationId xmlns:a16="http://schemas.microsoft.com/office/drawing/2014/main" id="{379ECFDC-06CB-48E6-8748-DBF7CA915365}"/>
+                <a16:creationId xmlns:a16="http://schemas.microsoft.com/office/drawing/2014/main" xmlns="" id="{379ECFDC-06CB-48E6-8748-DBF7CA915365}"/>
               </a:ext>
             </a:extLst>
           </p:cNvPr>
@@ -38223,7 +38266,7 @@
           <p:cNvPr id="9" name="椭圆 8">
             <a:extLst>
               <a:ext uri="{FF2B5EF4-FFF2-40B4-BE49-F238E27FC236}">
-                <a16:creationId xmlns:a16="http://schemas.microsoft.com/office/drawing/2014/main" id="{62AD7252-080D-445E-9D18-19ACC6A0906E}"/>
+                <a16:creationId xmlns:a16="http://schemas.microsoft.com/office/drawing/2014/main" xmlns="" id="{62AD7252-080D-445E-9D18-19ACC6A0906E}"/>
               </a:ext>
             </a:extLst>
           </p:cNvPr>
@@ -38304,7 +38347,7 @@
           <p:cNvPr id="12" name="文本框 11">
             <a:extLst>
               <a:ext uri="{FF2B5EF4-FFF2-40B4-BE49-F238E27FC236}">
-                <a16:creationId xmlns:a16="http://schemas.microsoft.com/office/drawing/2014/main" id="{642799FD-76FA-420D-9286-AD4AC1DF402E}"/>
+                <a16:creationId xmlns:a16="http://schemas.microsoft.com/office/drawing/2014/main" xmlns="" id="{642799FD-76FA-420D-9286-AD4AC1DF402E}"/>
               </a:ext>
             </a:extLst>
           </p:cNvPr>
@@ -38775,6 +38818,23 @@
               <a:tabLst/>
               <a:defRPr/>
             </a:pPr>
+            <a:r>
+              <a:rPr kumimoji="0" lang="zh-CN" altLang="en-US" sz="2800" b="0" i="0" u="none" strike="noStrike" kern="1200" cap="none" spc="0" normalizeH="0" baseline="0" noProof="0" dirty="0">
+                <a:ln>
+                  <a:noFill/>
+                </a:ln>
+                <a:solidFill>
+                  <a:prstClr val="black"/>
+                </a:solidFill>
+                <a:effectLst/>
+                <a:uLnTx/>
+                <a:uFillTx/>
+                <a:latin typeface="Calibri"/>
+                <a:ea typeface="宋体" panose="02010600030101010101" pitchFamily="2" charset="-122"/>
+                <a:cs typeface="+mn-cs"/>
+              </a:rPr>
+              <a:t/>
+            </a:r>
             <a:br>
               <a:rPr kumimoji="0" lang="zh-CN" altLang="en-US" sz="2800" b="0" i="0" u="none" strike="noStrike" kern="1200" cap="none" spc="0" normalizeH="0" baseline="0" noProof="0" dirty="0">
                 <a:ln>
@@ -38813,7 +38873,7 @@
           <p:cNvPr id="6" name="图片 5">
             <a:extLst>
               <a:ext uri="{FF2B5EF4-FFF2-40B4-BE49-F238E27FC236}">
-                <a16:creationId xmlns:a16="http://schemas.microsoft.com/office/drawing/2014/main" id="{8F1D9C09-DA1F-4402-9237-745A1C5FA43B}"/>
+                <a16:creationId xmlns:a16="http://schemas.microsoft.com/office/drawing/2014/main" xmlns="" id="{8F1D9C09-DA1F-4402-9237-745A1C5FA43B}"/>
               </a:ext>
             </a:extLst>
           </p:cNvPr>
@@ -38849,7 +38909,7 @@
           <p:cNvPr id="10" name="图片 9">
             <a:extLst>
               <a:ext uri="{FF2B5EF4-FFF2-40B4-BE49-F238E27FC236}">
-                <a16:creationId xmlns:a16="http://schemas.microsoft.com/office/drawing/2014/main" id="{ACD17D9B-18E0-4725-9596-B3ADD3709D47}"/>
+                <a16:creationId xmlns:a16="http://schemas.microsoft.com/office/drawing/2014/main" xmlns="" id="{ACD17D9B-18E0-4725-9596-B3ADD3709D47}"/>
               </a:ext>
             </a:extLst>
           </p:cNvPr>
@@ -38885,7 +38945,7 @@
           <p:cNvPr id="2" name="矩形 1">
             <a:extLst>
               <a:ext uri="{FF2B5EF4-FFF2-40B4-BE49-F238E27FC236}">
-                <a16:creationId xmlns:a16="http://schemas.microsoft.com/office/drawing/2014/main" id="{03FE93DB-D0C7-427B-8A95-EFBEC4CEA5EA}"/>
+                <a16:creationId xmlns:a16="http://schemas.microsoft.com/office/drawing/2014/main" xmlns="" id="{03FE93DB-D0C7-427B-8A95-EFBEC4CEA5EA}"/>
               </a:ext>
             </a:extLst>
           </p:cNvPr>
@@ -39475,7 +39535,7 @@
           <p:cNvPr id="5" name="矩形 4">
             <a:extLst>
               <a:ext uri="{FF2B5EF4-FFF2-40B4-BE49-F238E27FC236}">
-                <a16:creationId xmlns:a16="http://schemas.microsoft.com/office/drawing/2014/main" id="{F384C8E3-3405-48EE-BD9A-87083A5443CC}"/>
+                <a16:creationId xmlns:a16="http://schemas.microsoft.com/office/drawing/2014/main" xmlns="" id="{F384C8E3-3405-48EE-BD9A-87083A5443CC}"/>
               </a:ext>
             </a:extLst>
           </p:cNvPr>
@@ -39527,7 +39587,7 @@
           <p:cNvPr id="4" name="图片 3">
             <a:extLst>
               <a:ext uri="{FF2B5EF4-FFF2-40B4-BE49-F238E27FC236}">
-                <a16:creationId xmlns:a16="http://schemas.microsoft.com/office/drawing/2014/main" id="{39239570-43B6-43A9-9B2E-6A907167C9E0}"/>
+                <a16:creationId xmlns:a16="http://schemas.microsoft.com/office/drawing/2014/main" xmlns="" id="{39239570-43B6-43A9-9B2E-6A907167C9E0}"/>
               </a:ext>
             </a:extLst>
           </p:cNvPr>
@@ -39557,7 +39617,7 @@
           <p:cNvPr id="7" name="图片 6">
             <a:extLst>
               <a:ext uri="{FF2B5EF4-FFF2-40B4-BE49-F238E27FC236}">
-                <a16:creationId xmlns:a16="http://schemas.microsoft.com/office/drawing/2014/main" id="{FEF6F4B4-C280-4A50-872E-64A42CBA95E0}"/>
+                <a16:creationId xmlns:a16="http://schemas.microsoft.com/office/drawing/2014/main" xmlns="" id="{FEF6F4B4-C280-4A50-872E-64A42CBA95E0}"/>
               </a:ext>
             </a:extLst>
           </p:cNvPr>
@@ -39593,7 +39653,7 @@
           <p:cNvPr id="12" name="文本框 11">
             <a:extLst>
               <a:ext uri="{FF2B5EF4-FFF2-40B4-BE49-F238E27FC236}">
-                <a16:creationId xmlns:a16="http://schemas.microsoft.com/office/drawing/2014/main" id="{65B038FA-DAFF-44E4-92A4-E8CFDA779233}"/>
+                <a16:creationId xmlns:a16="http://schemas.microsoft.com/office/drawing/2014/main" xmlns="" id="{65B038FA-DAFF-44E4-92A4-E8CFDA779233}"/>
               </a:ext>
             </a:extLst>
           </p:cNvPr>
@@ -39795,7 +39855,7 @@
           <p:cNvPr id="2" name="矩形 1">
             <a:extLst>
               <a:ext uri="{FF2B5EF4-FFF2-40B4-BE49-F238E27FC236}">
-                <a16:creationId xmlns:a16="http://schemas.microsoft.com/office/drawing/2014/main" id="{61F8065C-AD27-4FF6-BBFE-33209836471B}"/>
+                <a16:creationId xmlns:a16="http://schemas.microsoft.com/office/drawing/2014/main" xmlns="" id="{61F8065C-AD27-4FF6-BBFE-33209836471B}"/>
               </a:ext>
             </a:extLst>
           </p:cNvPr>
@@ -40017,7 +40077,7 @@
           <p:cNvPr id="4" name="图片 3">
             <a:extLst>
               <a:ext uri="{FF2B5EF4-FFF2-40B4-BE49-F238E27FC236}">
-                <a16:creationId xmlns:a16="http://schemas.microsoft.com/office/drawing/2014/main" id="{0D3BEF45-3252-4088-BE97-63D31C51F24F}"/>
+                <a16:creationId xmlns:a16="http://schemas.microsoft.com/office/drawing/2014/main" xmlns="" id="{0D3BEF45-3252-4088-BE97-63D31C51F24F}"/>
               </a:ext>
             </a:extLst>
           </p:cNvPr>
@@ -40047,7 +40107,7 @@
           <p:cNvPr id="5" name="Rectangle 12">
             <a:extLst>
               <a:ext uri="{FF2B5EF4-FFF2-40B4-BE49-F238E27FC236}">
-                <a16:creationId xmlns:a16="http://schemas.microsoft.com/office/drawing/2014/main" id="{1B1F0133-CBA4-4A29-8DB2-B8B994A4C7B9}"/>
+                <a16:creationId xmlns:a16="http://schemas.microsoft.com/office/drawing/2014/main" xmlns="" id="{1B1F0133-CBA4-4A29-8DB2-B8B994A4C7B9}"/>
               </a:ext>
             </a:extLst>
           </p:cNvPr>
@@ -40362,7 +40422,7 @@
   <a:extraClrSchemeLst/>
   <a:extLst>
     <a:ext uri="{05A4C25C-085E-4340-85A3-A5531E510DB2}">
-      <thm15:themeFamily xmlns:thm15="http://schemas.microsoft.com/office/thememl/2012/main" name="Office Theme" id="{62F939B6-93AF-4DB8-9C6B-D6C7DFDC589F}" vid="{4A3C46E8-61CC-4603-A589-7422A47A8E4A}"/>
+      <thm15:themeFamily xmlns:thm15="http://schemas.microsoft.com/office/thememl/2012/main" xmlns="" name="Office Theme" id="{62F939B6-93AF-4DB8-9C6B-D6C7DFDC589F}" vid="{4A3C46E8-61CC-4603-A589-7422A47A8E4A}"/>
     </a:ext>
   </a:extLst>
 </a:theme>
@@ -40623,7 +40683,7 @@
   <a:extraClrSchemeLst/>
   <a:extLst>
     <a:ext uri="{05A4C25C-085E-4340-85A3-A5531E510DB2}">
-      <thm15:themeFamily xmlns:thm15="http://schemas.microsoft.com/office/thememl/2012/main" name="Office Theme" id="{62F939B6-93AF-4DB8-9C6B-D6C7DFDC589F}" vid="{4A3C46E8-61CC-4603-A589-7422A47A8E4A}"/>
+      <thm15:themeFamily xmlns:thm15="http://schemas.microsoft.com/office/thememl/2012/main" xmlns="" name="Office Theme" id="{62F939B6-93AF-4DB8-9C6B-D6C7DFDC589F}" vid="{4A3C46E8-61CC-4603-A589-7422A47A8E4A}"/>
     </a:ext>
   </a:extLst>
 </a:theme>

--- a/电子词典需求分析.pptx
+++ b/电子词典需求分析.pptx
@@ -141,7 +141,7 @@
   </p:defaultTextStyle>
   <p:extLst>
     <p:ext uri="{EFAFB233-063F-42B5-8137-9DF3F51BA10A}">
-      <p15:sldGuideLst xmlns:p15="http://schemas.microsoft.com/office/powerpoint/2012/main" xmlns="">
+      <p15:sldGuideLst xmlns="" xmlns:p15="http://schemas.microsoft.com/office/powerpoint/2012/main">
         <p15:guide id="1" orient="horz" pos="1502" userDrawn="1">
           <p15:clr>
             <a:srgbClr val="A4A3A4"/>
@@ -3556,11 +3556,350 @@
           </a:p>
         </p:txBody>
       </p:sp>
+      <p:sp>
+        <p:nvSpPr>
+          <p:cNvPr id="2" name="TextBox 1"/>
+          <p:cNvSpPr txBox="1"/>
+          <p:nvPr/>
+        </p:nvSpPr>
+        <p:spPr>
+          <a:xfrm>
+            <a:off x="465393" y="254833"/>
+            <a:ext cx="10672299" cy="2308324"/>
+          </a:xfrm>
+          <a:prstGeom prst="rect">
+            <a:avLst/>
+          </a:prstGeom>
+          <a:noFill/>
+        </p:spPr>
+        <p:txBody>
+          <a:bodyPr wrap="square" rtlCol="0">
+            <a:spAutoFit/>
+          </a:bodyPr>
+          <a:lstStyle/>
+          <a:p>
+            <a:r>
+              <a:rPr lang="en-US" altLang="zh-CN" dirty="0">
+                <a:latin typeface="微软雅黑" pitchFamily="34" charset="-122"/>
+                <a:ea typeface="微软雅黑" pitchFamily="34" charset="-122"/>
+              </a:rPr>
+              <a:t>5</a:t>
+            </a:r>
+            <a:r>
+              <a:rPr lang="en-US" altLang="zh-CN" dirty="0" smtClean="0">
+                <a:latin typeface="微软雅黑" pitchFamily="34" charset="-122"/>
+                <a:ea typeface="微软雅黑" pitchFamily="34" charset="-122"/>
+              </a:rPr>
+              <a:t>.</a:t>
+            </a:r>
+            <a:r>
+              <a:rPr lang="zh-CN" altLang="en-US" dirty="0" smtClean="0">
+                <a:latin typeface="微软雅黑" pitchFamily="34" charset="-122"/>
+                <a:ea typeface="微软雅黑" pitchFamily="34" charset="-122"/>
+              </a:rPr>
+              <a:t>随着</a:t>
+            </a:r>
+            <a:r>
+              <a:rPr lang="zh-CN" altLang="en-US" dirty="0">
+                <a:latin typeface="微软雅黑" pitchFamily="34" charset="-122"/>
+                <a:ea typeface="微软雅黑" pitchFamily="34" charset="-122"/>
+              </a:rPr>
+              <a:t>新时代语言服务行业的发展，译员对电子词典的需求也变得与传统越来越不同。</a:t>
+            </a:r>
+          </a:p>
+          <a:p>
+            <a:r>
+              <a:rPr lang="en-US" altLang="zh-CN" dirty="0">
+                <a:latin typeface="微软雅黑" pitchFamily="34" charset="-122"/>
+                <a:ea typeface="微软雅黑" pitchFamily="34" charset="-122"/>
+              </a:rPr>
+              <a:t>A</a:t>
+            </a:r>
+            <a:r>
+              <a:rPr lang="en-US" altLang="zh-CN" dirty="0" smtClean="0">
+                <a:latin typeface="微软雅黑" pitchFamily="34" charset="-122"/>
+                <a:ea typeface="微软雅黑" pitchFamily="34" charset="-122"/>
+              </a:rPr>
+              <a:t>. </a:t>
+            </a:r>
+            <a:r>
+              <a:rPr lang="zh-CN" altLang="en-US" dirty="0" smtClean="0">
+                <a:latin typeface="微软雅黑" pitchFamily="34" charset="-122"/>
+                <a:ea typeface="微软雅黑" pitchFamily="34" charset="-122"/>
+              </a:rPr>
+              <a:t>现有</a:t>
+            </a:r>
+            <a:r>
+              <a:rPr lang="zh-CN" altLang="en-US" dirty="0">
+                <a:latin typeface="微软雅黑" pitchFamily="34" charset="-122"/>
+                <a:ea typeface="微软雅黑" pitchFamily="34" charset="-122"/>
+              </a:rPr>
+              <a:t>许多比较流行的专业领域词典，如金融、法律、计算机、医学等，请总结这些专业领域电子词典的，比较专业领域电子词典与普通词典的异同。</a:t>
+            </a:r>
+          </a:p>
+          <a:p>
+            <a:r>
+              <a:rPr lang="en-US" altLang="zh-CN" dirty="0">
+                <a:latin typeface="微软雅黑" pitchFamily="34" charset="-122"/>
+                <a:ea typeface="微软雅黑" pitchFamily="34" charset="-122"/>
+              </a:rPr>
+              <a:t>B</a:t>
+            </a:r>
+            <a:r>
+              <a:rPr lang="en-US" altLang="zh-CN" dirty="0" smtClean="0">
+                <a:latin typeface="微软雅黑" pitchFamily="34" charset="-122"/>
+                <a:ea typeface="微软雅黑" pitchFamily="34" charset="-122"/>
+              </a:rPr>
+              <a:t>.</a:t>
+            </a:r>
+            <a:r>
+              <a:rPr lang="zh-CN" altLang="en-US" dirty="0" smtClean="0">
+                <a:latin typeface="微软雅黑" pitchFamily="34" charset="-122"/>
+                <a:ea typeface="微软雅黑" pitchFamily="34" charset="-122"/>
+              </a:rPr>
+              <a:t>与</a:t>
+            </a:r>
+            <a:r>
+              <a:rPr lang="zh-CN" altLang="en-US" dirty="0">
+                <a:latin typeface="微软雅黑" pitchFamily="34" charset="-122"/>
+                <a:ea typeface="微软雅黑" pitchFamily="34" charset="-122"/>
+              </a:rPr>
+              <a:t>传统的电子词典相比你觉得新时代语言服务行业在专业领域词典中最需要什么内容？请进行仔细思考，并</a:t>
+            </a:r>
+            <a:r>
+              <a:rPr lang="zh-CN" altLang="en-US" dirty="0" smtClean="0">
+                <a:latin typeface="微软雅黑" pitchFamily="34" charset="-122"/>
+                <a:ea typeface="微软雅黑" pitchFamily="34" charset="-122"/>
+              </a:rPr>
+              <a:t>找出特定</a:t>
+            </a:r>
+            <a:r>
+              <a:rPr lang="zh-CN" altLang="en-US" dirty="0">
+                <a:latin typeface="微软雅黑" pitchFamily="34" charset="-122"/>
+                <a:ea typeface="微软雅黑" pitchFamily="34" charset="-122"/>
+              </a:rPr>
+              <a:t>的需求。</a:t>
+            </a:r>
+          </a:p>
+          <a:p>
+            <a:r>
+              <a:rPr lang="en-US" altLang="zh-CN" dirty="0">
+                <a:latin typeface="微软雅黑" pitchFamily="34" charset="-122"/>
+                <a:ea typeface="微软雅黑" pitchFamily="34" charset="-122"/>
+              </a:rPr>
+              <a:t>C</a:t>
+            </a:r>
+            <a:r>
+              <a:rPr lang="en-US" altLang="zh-CN" dirty="0" smtClean="0">
+                <a:latin typeface="微软雅黑" pitchFamily="34" charset="-122"/>
+                <a:ea typeface="微软雅黑" pitchFamily="34" charset="-122"/>
+              </a:rPr>
+              <a:t>.</a:t>
+            </a:r>
+            <a:r>
+              <a:rPr lang="zh-CN" altLang="en-US" dirty="0" smtClean="0">
+                <a:latin typeface="微软雅黑" pitchFamily="34" charset="-122"/>
+                <a:ea typeface="微软雅黑" pitchFamily="34" charset="-122"/>
+              </a:rPr>
+              <a:t>针对</a:t>
+            </a:r>
+            <a:r>
+              <a:rPr lang="zh-CN" altLang="en-US" dirty="0">
+                <a:latin typeface="微软雅黑" pitchFamily="34" charset="-122"/>
+                <a:ea typeface="微软雅黑" pitchFamily="34" charset="-122"/>
+              </a:rPr>
+              <a:t>医学</a:t>
+            </a:r>
+            <a:r>
+              <a:rPr lang="en-US" altLang="zh-CN" dirty="0">
+                <a:latin typeface="微软雅黑" pitchFamily="34" charset="-122"/>
+                <a:ea typeface="微软雅黑" pitchFamily="34" charset="-122"/>
+              </a:rPr>
+              <a:t>/</a:t>
+            </a:r>
+            <a:r>
+              <a:rPr lang="zh-CN" altLang="en-US" dirty="0">
+                <a:latin typeface="微软雅黑" pitchFamily="34" charset="-122"/>
+                <a:ea typeface="微软雅黑" pitchFamily="34" charset="-122"/>
+              </a:rPr>
+              <a:t>法律等特别领域，请先仔细分析相关领域术语研究的进展，比如最大的词表</a:t>
+            </a:r>
+            <a:r>
+              <a:rPr lang="en-US" altLang="zh-CN" dirty="0">
+                <a:latin typeface="微软雅黑" pitchFamily="34" charset="-122"/>
+                <a:ea typeface="微软雅黑" pitchFamily="34" charset="-122"/>
+              </a:rPr>
+              <a:t>UMLS</a:t>
+            </a:r>
+            <a:r>
+              <a:rPr lang="zh-CN" altLang="en-US" dirty="0">
+                <a:latin typeface="微软雅黑" pitchFamily="34" charset="-122"/>
+                <a:ea typeface="微软雅黑" pitchFamily="34" charset="-122"/>
+              </a:rPr>
+              <a:t>，畅想医学电子词典的编纂模式、呈现形态、交互方式。</a:t>
+            </a:r>
+          </a:p>
+          <a:p>
+            <a:r>
+              <a:rPr lang="en-US" altLang="zh-CN" dirty="0">
+                <a:latin typeface="微软雅黑" pitchFamily="34" charset="-122"/>
+                <a:ea typeface="微软雅黑" pitchFamily="34" charset="-122"/>
+              </a:rPr>
+              <a:t>D</a:t>
+            </a:r>
+            <a:r>
+              <a:rPr lang="en-US" altLang="zh-CN" dirty="0" smtClean="0">
+                <a:latin typeface="微软雅黑" pitchFamily="34" charset="-122"/>
+                <a:ea typeface="微软雅黑" pitchFamily="34" charset="-122"/>
+              </a:rPr>
+              <a:t>.</a:t>
+            </a:r>
+            <a:r>
+              <a:rPr lang="zh-CN" altLang="en-US" dirty="0" smtClean="0">
+                <a:latin typeface="微软雅黑" pitchFamily="34" charset="-122"/>
+                <a:ea typeface="微软雅黑" pitchFamily="34" charset="-122"/>
+              </a:rPr>
+              <a:t>这</a:t>
+            </a:r>
+            <a:r>
+              <a:rPr lang="zh-CN" altLang="en-US" dirty="0">
+                <a:latin typeface="微软雅黑" pitchFamily="34" charset="-122"/>
+                <a:ea typeface="微软雅黑" pitchFamily="34" charset="-122"/>
+              </a:rPr>
+              <a:t>道题，特别是最后一问，需要访谈特点专业的学者和学生。</a:t>
+            </a:r>
+          </a:p>
+        </p:txBody>
+      </p:sp>
     </p:spTree>
   </p:cSld>
   <p:clrMapOvr>
     <a:masterClrMapping/>
   </p:clrMapOvr>
+  <p:timing>
+    <p:tnLst>
+      <p:par>
+        <p:cTn id="1" dur="indefinite" restart="never" nodeType="tmRoot">
+          <p:childTnLst>
+            <p:seq concurrent="1" nextAc="seek">
+              <p:cTn id="2" dur="indefinite" nodeType="mainSeq">
+                <p:childTnLst>
+                  <p:par>
+                    <p:cTn id="3" fill="hold">
+                      <p:stCondLst>
+                        <p:cond delay="indefinite"/>
+                      </p:stCondLst>
+                      <p:childTnLst>
+                        <p:par>
+                          <p:cTn id="4" fill="hold">
+                            <p:stCondLst>
+                              <p:cond delay="0"/>
+                            </p:stCondLst>
+                            <p:childTnLst>
+                              <p:par>
+                                <p:cTn id="5" presetID="2" presetClass="entr" presetSubtype="4" fill="hold" grpId="0" nodeType="clickEffect">
+                                  <p:stCondLst>
+                                    <p:cond delay="0"/>
+                                  </p:stCondLst>
+                                  <p:childTnLst>
+                                    <p:set>
+                                      <p:cBhvr>
+                                        <p:cTn id="6" dur="1" fill="hold">
+                                          <p:stCondLst>
+                                            <p:cond delay="0"/>
+                                          </p:stCondLst>
+                                        </p:cTn>
+                                        <p:tgtEl>
+                                          <p:spTgt spid="2"/>
+                                        </p:tgtEl>
+                                        <p:attrNameLst>
+                                          <p:attrName>style.visibility</p:attrName>
+                                        </p:attrNameLst>
+                                      </p:cBhvr>
+                                      <p:to>
+                                        <p:strVal val="visible"/>
+                                      </p:to>
+                                    </p:set>
+                                    <p:anim calcmode="lin" valueType="num">
+                                      <p:cBhvr additive="base">
+                                        <p:cTn id="7" dur="500" fill="hold"/>
+                                        <p:tgtEl>
+                                          <p:spTgt spid="2"/>
+                                        </p:tgtEl>
+                                        <p:attrNameLst>
+                                          <p:attrName>ppt_x</p:attrName>
+                                        </p:attrNameLst>
+                                      </p:cBhvr>
+                                      <p:tavLst>
+                                        <p:tav tm="0">
+                                          <p:val>
+                                            <p:strVal val="#ppt_x"/>
+                                          </p:val>
+                                        </p:tav>
+                                        <p:tav tm="100000">
+                                          <p:val>
+                                            <p:strVal val="#ppt_x"/>
+                                          </p:val>
+                                        </p:tav>
+                                      </p:tavLst>
+                                    </p:anim>
+                                    <p:anim calcmode="lin" valueType="num">
+                                      <p:cBhvr additive="base">
+                                        <p:cTn id="8" dur="500" fill="hold"/>
+                                        <p:tgtEl>
+                                          <p:spTgt spid="2"/>
+                                        </p:tgtEl>
+                                        <p:attrNameLst>
+                                          <p:attrName>ppt_y</p:attrName>
+                                        </p:attrNameLst>
+                                      </p:cBhvr>
+                                      <p:tavLst>
+                                        <p:tav tm="0">
+                                          <p:val>
+                                            <p:strVal val="1+#ppt_h/2"/>
+                                          </p:val>
+                                        </p:tav>
+                                        <p:tav tm="100000">
+                                          <p:val>
+                                            <p:strVal val="#ppt_y"/>
+                                          </p:val>
+                                        </p:tav>
+                                      </p:tavLst>
+                                    </p:anim>
+                                  </p:childTnLst>
+                                </p:cTn>
+                              </p:par>
+                            </p:childTnLst>
+                          </p:cTn>
+                        </p:par>
+                      </p:childTnLst>
+                    </p:cTn>
+                  </p:par>
+                </p:childTnLst>
+              </p:cTn>
+              <p:prevCondLst>
+                <p:cond evt="onPrev" delay="0">
+                  <p:tgtEl>
+                    <p:sldTgt/>
+                  </p:tgtEl>
+                </p:cond>
+              </p:prevCondLst>
+              <p:nextCondLst>
+                <p:cond evt="onNext" delay="0">
+                  <p:tgtEl>
+                    <p:sldTgt/>
+                  </p:tgtEl>
+                </p:cond>
+              </p:nextCondLst>
+            </p:seq>
+          </p:childTnLst>
+        </p:cTn>
+      </p:par>
+    </p:tnLst>
+    <p:bldLst>
+      <p:bldP spid="2" grpId="0"/>
+    </p:bldLst>
+  </p:timing>
 </p:sld>
 </file>
 
@@ -3712,7 +4051,7 @@
           <p:cNvPr id="6" name="Rounded Rectangle 12">
             <a:extLst>
               <a:ext uri="{FF2B5EF4-FFF2-40B4-BE49-F238E27FC236}">
-                <a16:creationId xmlns:a16="http://schemas.microsoft.com/office/drawing/2014/main" xmlns="" id="{E6FD45EB-4B3B-4DD8-A910-EDA5C8EB7707}"/>
+                <a16:creationId xmlns="" xmlns:a16="http://schemas.microsoft.com/office/drawing/2014/main" id="{E6FD45EB-4B3B-4DD8-A910-EDA5C8EB7707}"/>
               </a:ext>
             </a:extLst>
           </p:cNvPr>
@@ -3782,7 +4121,7 @@
           <p:cNvPr id="7" name="Rounded Rectangle 16">
             <a:extLst>
               <a:ext uri="{FF2B5EF4-FFF2-40B4-BE49-F238E27FC236}">
-                <a16:creationId xmlns:a16="http://schemas.microsoft.com/office/drawing/2014/main" xmlns="" id="{4E284F8D-B632-4833-9BDA-C5CC6FBBFC2F}"/>
+                <a16:creationId xmlns="" xmlns:a16="http://schemas.microsoft.com/office/drawing/2014/main" id="{4E284F8D-B632-4833-9BDA-C5CC6FBBFC2F}"/>
               </a:ext>
             </a:extLst>
           </p:cNvPr>
@@ -3852,7 +4191,7 @@
           <p:cNvPr id="13" name="文本框 12">
             <a:extLst>
               <a:ext uri="{FF2B5EF4-FFF2-40B4-BE49-F238E27FC236}">
-                <a16:creationId xmlns:a16="http://schemas.microsoft.com/office/drawing/2014/main" xmlns="" id="{99A86963-B1B8-4349-AAE8-E18C812A6C5A}"/>
+                <a16:creationId xmlns="" xmlns:a16="http://schemas.microsoft.com/office/drawing/2014/main" id="{99A86963-B1B8-4349-AAE8-E18C812A6C5A}"/>
               </a:ext>
             </a:extLst>
           </p:cNvPr>
@@ -3909,7 +4248,7 @@
           <p:cNvPr id="14" name="矩形 13">
             <a:extLst>
               <a:ext uri="{FF2B5EF4-FFF2-40B4-BE49-F238E27FC236}">
-                <a16:creationId xmlns:a16="http://schemas.microsoft.com/office/drawing/2014/main" xmlns="" id="{3A33F266-8553-485A-86D9-E9E07B77F2D6}"/>
+                <a16:creationId xmlns="" xmlns:a16="http://schemas.microsoft.com/office/drawing/2014/main" id="{3A33F266-8553-485A-86D9-E9E07B77F2D6}"/>
               </a:ext>
             </a:extLst>
           </p:cNvPr>
@@ -3953,7 +4292,7 @@
           <p:cNvPr id="16" name="矩形 15">
             <a:extLst>
               <a:ext uri="{FF2B5EF4-FFF2-40B4-BE49-F238E27FC236}">
-                <a16:creationId xmlns:a16="http://schemas.microsoft.com/office/drawing/2014/main" xmlns="" id="{C619AE70-C8E5-4169-8061-82946C8F8782}"/>
+                <a16:creationId xmlns="" xmlns:a16="http://schemas.microsoft.com/office/drawing/2014/main" id="{C619AE70-C8E5-4169-8061-82946C8F8782}"/>
               </a:ext>
             </a:extLst>
           </p:cNvPr>
@@ -5844,7 +6183,7 @@
           <p:cNvPr id="4" name="矩形: 圆角 3">
             <a:extLst>
               <a:ext uri="{FF2B5EF4-FFF2-40B4-BE49-F238E27FC236}">
-                <a16:creationId xmlns:a16="http://schemas.microsoft.com/office/drawing/2014/main" xmlns="" id="{413DA64A-DFE6-4C8E-8C8C-CB685A248235}"/>
+                <a16:creationId xmlns="" xmlns:a16="http://schemas.microsoft.com/office/drawing/2014/main" id="{413DA64A-DFE6-4C8E-8C8C-CB685A248235}"/>
               </a:ext>
             </a:extLst>
           </p:cNvPr>
@@ -5900,7 +6239,7 @@
           <p:cNvPr id="6" name="Rectangle 1">
             <a:extLst>
               <a:ext uri="{FF2B5EF4-FFF2-40B4-BE49-F238E27FC236}">
-                <a16:creationId xmlns:a16="http://schemas.microsoft.com/office/drawing/2014/main" xmlns="" id="{67851DDF-58F8-4FC1-976B-A9298F885374}"/>
+                <a16:creationId xmlns="" xmlns:a16="http://schemas.microsoft.com/office/drawing/2014/main" id="{67851DDF-58F8-4FC1-976B-A9298F885374}"/>
               </a:ext>
             </a:extLst>
           </p:cNvPr>
@@ -6187,7 +6526,7 @@
           <p:cNvPr id="7" name="文本框 6">
             <a:extLst>
               <a:ext uri="{FF2B5EF4-FFF2-40B4-BE49-F238E27FC236}">
-                <a16:creationId xmlns:a16="http://schemas.microsoft.com/office/drawing/2014/main" xmlns="" id="{8AB5E823-CBEE-492B-81A1-EBF6FAC24438}"/>
+                <a16:creationId xmlns="" xmlns:a16="http://schemas.microsoft.com/office/drawing/2014/main" id="{8AB5E823-CBEE-492B-81A1-EBF6FAC24438}"/>
               </a:ext>
             </a:extLst>
           </p:cNvPr>
@@ -20266,7 +20605,7 @@
           <p:cNvPr id="58" name="文本框 57">
             <a:extLst>
               <a:ext uri="{FF2B5EF4-FFF2-40B4-BE49-F238E27FC236}">
-                <a16:creationId xmlns:a16="http://schemas.microsoft.com/office/drawing/2014/main" xmlns="" id="{CA25C765-3360-4F62-944D-CE9911A527C5}"/>
+                <a16:creationId xmlns="" xmlns:a16="http://schemas.microsoft.com/office/drawing/2014/main" id="{CA25C765-3360-4F62-944D-CE9911A527C5}"/>
               </a:ext>
             </a:extLst>
           </p:cNvPr>
@@ -25331,7 +25670,7 @@
           <p:cNvPr id="34" name="Rectangle 12">
             <a:extLst>
               <a:ext uri="{FF2B5EF4-FFF2-40B4-BE49-F238E27FC236}">
-                <a16:creationId xmlns:a16="http://schemas.microsoft.com/office/drawing/2014/main" xmlns="" id="{F7876CFB-5C00-4B8B-944D-91E0146C608C}"/>
+                <a16:creationId xmlns="" xmlns:a16="http://schemas.microsoft.com/office/drawing/2014/main" id="{F7876CFB-5C00-4B8B-944D-91E0146C608C}"/>
               </a:ext>
             </a:extLst>
           </p:cNvPr>
@@ -29582,7 +29921,7 @@
           <p:cNvPr id="11" name="组合 10">
             <a:extLst>
               <a:ext uri="{FF2B5EF4-FFF2-40B4-BE49-F238E27FC236}">
-                <a16:creationId xmlns:a16="http://schemas.microsoft.com/office/drawing/2014/main" xmlns="" id="{AF102071-4EB0-4C8F-ACE5-A6CB18278323}"/>
+                <a16:creationId xmlns="" xmlns:a16="http://schemas.microsoft.com/office/drawing/2014/main" id="{AF102071-4EB0-4C8F-ACE5-A6CB18278323}"/>
               </a:ext>
             </a:extLst>
           </p:cNvPr>
@@ -29911,7 +30250,7 @@
           <p:cNvPr id="13" name="组合 12">
             <a:extLst>
               <a:ext uri="{FF2B5EF4-FFF2-40B4-BE49-F238E27FC236}">
-                <a16:creationId xmlns:a16="http://schemas.microsoft.com/office/drawing/2014/main" xmlns="" id="{1207D76C-BF37-4F01-B8BB-FE57B607A375}"/>
+                <a16:creationId xmlns="" xmlns:a16="http://schemas.microsoft.com/office/drawing/2014/main" id="{1207D76C-BF37-4F01-B8BB-FE57B607A375}"/>
               </a:ext>
             </a:extLst>
           </p:cNvPr>
@@ -30548,7 +30887,7 @@
           <p:cNvPr id="6" name="Rounded Rectangle 12">
             <a:extLst>
               <a:ext uri="{FF2B5EF4-FFF2-40B4-BE49-F238E27FC236}">
-                <a16:creationId xmlns:a16="http://schemas.microsoft.com/office/drawing/2014/main" xmlns="" id="{E6FD45EB-4B3B-4DD8-A910-EDA5C8EB7707}"/>
+                <a16:creationId xmlns="" xmlns:a16="http://schemas.microsoft.com/office/drawing/2014/main" id="{E6FD45EB-4B3B-4DD8-A910-EDA5C8EB7707}"/>
               </a:ext>
             </a:extLst>
           </p:cNvPr>
@@ -30611,7 +30950,7 @@
           <p:cNvPr id="7" name="Rounded Rectangle 16">
             <a:extLst>
               <a:ext uri="{FF2B5EF4-FFF2-40B4-BE49-F238E27FC236}">
-                <a16:creationId xmlns:a16="http://schemas.microsoft.com/office/drawing/2014/main" xmlns="" id="{4E284F8D-B632-4833-9BDA-C5CC6FBBFC2F}"/>
+                <a16:creationId xmlns="" xmlns:a16="http://schemas.microsoft.com/office/drawing/2014/main" id="{4E284F8D-B632-4833-9BDA-C5CC6FBBFC2F}"/>
               </a:ext>
             </a:extLst>
           </p:cNvPr>
@@ -30674,7 +31013,7 @@
           <p:cNvPr id="9" name="文本框 8">
             <a:extLst>
               <a:ext uri="{FF2B5EF4-FFF2-40B4-BE49-F238E27FC236}">
-                <a16:creationId xmlns:a16="http://schemas.microsoft.com/office/drawing/2014/main" xmlns="" id="{D94569BB-535D-4D52-8D4F-1F9923A08119}"/>
+                <a16:creationId xmlns="" xmlns:a16="http://schemas.microsoft.com/office/drawing/2014/main" id="{D94569BB-535D-4D52-8D4F-1F9923A08119}"/>
               </a:ext>
             </a:extLst>
           </p:cNvPr>
@@ -30831,7 +31170,7 @@
           <p:cNvPr id="11" name="文本框 10">
             <a:extLst>
               <a:ext uri="{FF2B5EF4-FFF2-40B4-BE49-F238E27FC236}">
-                <a16:creationId xmlns:a16="http://schemas.microsoft.com/office/drawing/2014/main" xmlns="" id="{23E09859-6C96-41D8-8401-3AAF912A453A}"/>
+                <a16:creationId xmlns="" xmlns:a16="http://schemas.microsoft.com/office/drawing/2014/main" id="{23E09859-6C96-41D8-8401-3AAF912A453A}"/>
               </a:ext>
             </a:extLst>
           </p:cNvPr>
@@ -30988,7 +31327,7 @@
           <p:cNvPr id="13" name="文本框 12">
             <a:extLst>
               <a:ext uri="{FF2B5EF4-FFF2-40B4-BE49-F238E27FC236}">
-                <a16:creationId xmlns:a16="http://schemas.microsoft.com/office/drawing/2014/main" xmlns="" id="{99A86963-B1B8-4349-AAE8-E18C812A6C5A}"/>
+                <a16:creationId xmlns="" xmlns:a16="http://schemas.microsoft.com/office/drawing/2014/main" id="{99A86963-B1B8-4349-AAE8-E18C812A6C5A}"/>
               </a:ext>
             </a:extLst>
           </p:cNvPr>
@@ -31045,7 +31384,7 @@
           <p:cNvPr id="14" name="矩形 13">
             <a:extLst>
               <a:ext uri="{FF2B5EF4-FFF2-40B4-BE49-F238E27FC236}">
-                <a16:creationId xmlns:a16="http://schemas.microsoft.com/office/drawing/2014/main" xmlns="" id="{3A33F266-8553-485A-86D9-E9E07B77F2D6}"/>
+                <a16:creationId xmlns="" xmlns:a16="http://schemas.microsoft.com/office/drawing/2014/main" id="{3A33F266-8553-485A-86D9-E9E07B77F2D6}"/>
               </a:ext>
             </a:extLst>
           </p:cNvPr>
@@ -31079,7 +31418,7 @@
           <p:cNvPr id="16" name="矩形 15">
             <a:extLst>
               <a:ext uri="{FF2B5EF4-FFF2-40B4-BE49-F238E27FC236}">
-                <a16:creationId xmlns:a16="http://schemas.microsoft.com/office/drawing/2014/main" xmlns="" id="{C619AE70-C8E5-4169-8061-82946C8F8782}"/>
+                <a16:creationId xmlns="" xmlns:a16="http://schemas.microsoft.com/office/drawing/2014/main" id="{C619AE70-C8E5-4169-8061-82946C8F8782}"/>
               </a:ext>
             </a:extLst>
           </p:cNvPr>
@@ -31156,7 +31495,7 @@
           <p:cNvPr id="12" name="Rounded Rectangle 12">
             <a:extLst>
               <a:ext uri="{FF2B5EF4-FFF2-40B4-BE49-F238E27FC236}">
-                <a16:creationId xmlns:a16="http://schemas.microsoft.com/office/drawing/2014/main" xmlns="" id="{73BDC5C9-072C-4EDB-B3CA-BFBEACEFAD5E}"/>
+                <a16:creationId xmlns="" xmlns:a16="http://schemas.microsoft.com/office/drawing/2014/main" id="{73BDC5C9-072C-4EDB-B3CA-BFBEACEFAD5E}"/>
               </a:ext>
             </a:extLst>
           </p:cNvPr>
@@ -31220,7 +31559,7 @@
           <p:cNvPr id="15" name="文本框 14">
             <a:extLst>
               <a:ext uri="{FF2B5EF4-FFF2-40B4-BE49-F238E27FC236}">
-                <a16:creationId xmlns:a16="http://schemas.microsoft.com/office/drawing/2014/main" xmlns="" id="{C7C5E76A-5286-48C9-8883-95C90A40DCBD}"/>
+                <a16:creationId xmlns="" xmlns:a16="http://schemas.microsoft.com/office/drawing/2014/main" id="{C7C5E76A-5286-48C9-8883-95C90A40DCBD}"/>
               </a:ext>
             </a:extLst>
           </p:cNvPr>
@@ -31407,7 +31746,7 @@
           <p:cNvPr id="6" name="Rounded Rectangle 12">
             <a:extLst>
               <a:ext uri="{FF2B5EF4-FFF2-40B4-BE49-F238E27FC236}">
-                <a16:creationId xmlns:a16="http://schemas.microsoft.com/office/drawing/2014/main" xmlns="" id="{E6FD45EB-4B3B-4DD8-A910-EDA5C8EB7707}"/>
+                <a16:creationId xmlns="" xmlns:a16="http://schemas.microsoft.com/office/drawing/2014/main" id="{E6FD45EB-4B3B-4DD8-A910-EDA5C8EB7707}"/>
               </a:ext>
             </a:extLst>
           </p:cNvPr>
@@ -31470,7 +31809,7 @@
           <p:cNvPr id="7" name="Rounded Rectangle 16">
             <a:extLst>
               <a:ext uri="{FF2B5EF4-FFF2-40B4-BE49-F238E27FC236}">
-                <a16:creationId xmlns:a16="http://schemas.microsoft.com/office/drawing/2014/main" xmlns="" id="{4E284F8D-B632-4833-9BDA-C5CC6FBBFC2F}"/>
+                <a16:creationId xmlns="" xmlns:a16="http://schemas.microsoft.com/office/drawing/2014/main" id="{4E284F8D-B632-4833-9BDA-C5CC6FBBFC2F}"/>
               </a:ext>
             </a:extLst>
           </p:cNvPr>
@@ -31540,7 +31879,7 @@
           <p:cNvPr id="8" name="文本框 7">
             <a:extLst>
               <a:ext uri="{FF2B5EF4-FFF2-40B4-BE49-F238E27FC236}">
-                <a16:creationId xmlns:a16="http://schemas.microsoft.com/office/drawing/2014/main" xmlns="" id="{F9B4833B-9A8C-4FB8-B16C-F5D22E97BF2D}"/>
+                <a16:creationId xmlns="" xmlns:a16="http://schemas.microsoft.com/office/drawing/2014/main" id="{F9B4833B-9A8C-4FB8-B16C-F5D22E97BF2D}"/>
               </a:ext>
             </a:extLst>
           </p:cNvPr>
@@ -31693,7 +32032,7 @@
           <p:cNvPr id="10" name="文本框 9">
             <a:extLst>
               <a:ext uri="{FF2B5EF4-FFF2-40B4-BE49-F238E27FC236}">
-                <a16:creationId xmlns:a16="http://schemas.microsoft.com/office/drawing/2014/main" xmlns="" id="{36746D78-A16E-4069-9EBA-58DD2D39F13B}"/>
+                <a16:creationId xmlns="" xmlns:a16="http://schemas.microsoft.com/office/drawing/2014/main" id="{36746D78-A16E-4069-9EBA-58DD2D39F13B}"/>
               </a:ext>
             </a:extLst>
           </p:cNvPr>
@@ -31885,7 +32224,7 @@
           <p:cNvPr id="14" name="矩形 13">
             <a:extLst>
               <a:ext uri="{FF2B5EF4-FFF2-40B4-BE49-F238E27FC236}">
-                <a16:creationId xmlns:a16="http://schemas.microsoft.com/office/drawing/2014/main" xmlns="" id="{3A33F266-8553-485A-86D9-E9E07B77F2D6}"/>
+                <a16:creationId xmlns="" xmlns:a16="http://schemas.microsoft.com/office/drawing/2014/main" id="{3A33F266-8553-485A-86D9-E9E07B77F2D6}"/>
               </a:ext>
             </a:extLst>
           </p:cNvPr>
@@ -31919,7 +32258,7 @@
           <p:cNvPr id="16" name="矩形 15">
             <a:extLst>
               <a:ext uri="{FF2B5EF4-FFF2-40B4-BE49-F238E27FC236}">
-                <a16:creationId xmlns:a16="http://schemas.microsoft.com/office/drawing/2014/main" xmlns="" id="{C619AE70-C8E5-4169-8061-82946C8F8782}"/>
+                <a16:creationId xmlns="" xmlns:a16="http://schemas.microsoft.com/office/drawing/2014/main" id="{C619AE70-C8E5-4169-8061-82946C8F8782}"/>
               </a:ext>
             </a:extLst>
           </p:cNvPr>
@@ -32026,7 +32365,7 @@
           <p:cNvPr id="6" name="Rounded Rectangle 12">
             <a:extLst>
               <a:ext uri="{FF2B5EF4-FFF2-40B4-BE49-F238E27FC236}">
-                <a16:creationId xmlns:a16="http://schemas.microsoft.com/office/drawing/2014/main" xmlns="" id="{E6FD45EB-4B3B-4DD8-A910-EDA5C8EB7707}"/>
+                <a16:creationId xmlns="" xmlns:a16="http://schemas.microsoft.com/office/drawing/2014/main" id="{E6FD45EB-4B3B-4DD8-A910-EDA5C8EB7707}"/>
               </a:ext>
             </a:extLst>
           </p:cNvPr>
@@ -32085,7 +32424,7 @@
           <p:cNvPr id="7" name="Rounded Rectangle 16">
             <a:extLst>
               <a:ext uri="{FF2B5EF4-FFF2-40B4-BE49-F238E27FC236}">
-                <a16:creationId xmlns:a16="http://schemas.microsoft.com/office/drawing/2014/main" xmlns="" id="{4E284F8D-B632-4833-9BDA-C5CC6FBBFC2F}"/>
+                <a16:creationId xmlns="" xmlns:a16="http://schemas.microsoft.com/office/drawing/2014/main" id="{4E284F8D-B632-4833-9BDA-C5CC6FBBFC2F}"/>
               </a:ext>
             </a:extLst>
           </p:cNvPr>
@@ -32155,7 +32494,7 @@
           <p:cNvPr id="9" name="文本框 8">
             <a:extLst>
               <a:ext uri="{FF2B5EF4-FFF2-40B4-BE49-F238E27FC236}">
-                <a16:creationId xmlns:a16="http://schemas.microsoft.com/office/drawing/2014/main" xmlns="" id="{D94569BB-535D-4D52-8D4F-1F9923A08119}"/>
+                <a16:creationId xmlns="" xmlns:a16="http://schemas.microsoft.com/office/drawing/2014/main" id="{D94569BB-535D-4D52-8D4F-1F9923A08119}"/>
               </a:ext>
             </a:extLst>
           </p:cNvPr>
@@ -32290,7 +32629,7 @@
           <p:cNvPr id="10" name="文本框 9">
             <a:extLst>
               <a:ext uri="{FF2B5EF4-FFF2-40B4-BE49-F238E27FC236}">
-                <a16:creationId xmlns:a16="http://schemas.microsoft.com/office/drawing/2014/main" xmlns="" id="{36746D78-A16E-4069-9EBA-58DD2D39F13B}"/>
+                <a16:creationId xmlns="" xmlns:a16="http://schemas.microsoft.com/office/drawing/2014/main" id="{36746D78-A16E-4069-9EBA-58DD2D39F13B}"/>
               </a:ext>
             </a:extLst>
           </p:cNvPr>
@@ -32438,7 +32777,7 @@
           <p:cNvPr id="14" name="矩形 13">
             <a:extLst>
               <a:ext uri="{FF2B5EF4-FFF2-40B4-BE49-F238E27FC236}">
-                <a16:creationId xmlns:a16="http://schemas.microsoft.com/office/drawing/2014/main" xmlns="" id="{3A33F266-8553-485A-86D9-E9E07B77F2D6}"/>
+                <a16:creationId xmlns="" xmlns:a16="http://schemas.microsoft.com/office/drawing/2014/main" id="{3A33F266-8553-485A-86D9-E9E07B77F2D6}"/>
               </a:ext>
             </a:extLst>
           </p:cNvPr>
@@ -32472,7 +32811,7 @@
           <p:cNvPr id="16" name="矩形 15">
             <a:extLst>
               <a:ext uri="{FF2B5EF4-FFF2-40B4-BE49-F238E27FC236}">
-                <a16:creationId xmlns:a16="http://schemas.microsoft.com/office/drawing/2014/main" xmlns="" id="{C619AE70-C8E5-4169-8061-82946C8F8782}"/>
+                <a16:creationId xmlns="" xmlns:a16="http://schemas.microsoft.com/office/drawing/2014/main" id="{C619AE70-C8E5-4169-8061-82946C8F8782}"/>
               </a:ext>
             </a:extLst>
           </p:cNvPr>
@@ -32579,7 +32918,7 @@
           <p:cNvPr id="5" name="内容占位符 4" descr="图片包含 屏幕截图&#10;&#10;自动生成的说明">
             <a:extLst>
               <a:ext uri="{FF2B5EF4-FFF2-40B4-BE49-F238E27FC236}">
-                <a16:creationId xmlns:a16="http://schemas.microsoft.com/office/drawing/2014/main" xmlns="" id="{02845697-ABF6-4BE8-A4DF-3A96F1504884}"/>
+                <a16:creationId xmlns="" xmlns:a16="http://schemas.microsoft.com/office/drawing/2014/main" id="{02845697-ABF6-4BE8-A4DF-3A96F1504884}"/>
               </a:ext>
             </a:extLst>
           </p:cNvPr>
@@ -32644,7 +32983,7 @@
           <p:cNvPr id="5" name="图片 4" descr="图片包含 文字&#10;&#10;自动生成的说明">
             <a:extLst>
               <a:ext uri="{FF2B5EF4-FFF2-40B4-BE49-F238E27FC236}">
-                <a16:creationId xmlns:a16="http://schemas.microsoft.com/office/drawing/2014/main" xmlns="" id="{869D53BA-0CDE-41BA-9412-D00A8B9B3467}"/>
+                <a16:creationId xmlns="" xmlns:a16="http://schemas.microsoft.com/office/drawing/2014/main" id="{869D53BA-0CDE-41BA-9412-D00A8B9B3467}"/>
               </a:ext>
             </a:extLst>
           </p:cNvPr>
@@ -32836,7 +33175,7 @@
           <p:cNvPr id="7" name="文本框 6">
             <a:extLst>
               <a:ext uri="{FF2B5EF4-FFF2-40B4-BE49-F238E27FC236}">
-                <a16:creationId xmlns:a16="http://schemas.microsoft.com/office/drawing/2014/main" xmlns="" id="{41273B1A-0A9A-4893-85C8-2032A006493D}"/>
+                <a16:creationId xmlns="" xmlns:a16="http://schemas.microsoft.com/office/drawing/2014/main" id="{41273B1A-0A9A-4893-85C8-2032A006493D}"/>
               </a:ext>
             </a:extLst>
           </p:cNvPr>
@@ -32877,7 +33216,7 @@
           <p:cNvPr id="8" name="文本框 7">
             <a:extLst>
               <a:ext uri="{FF2B5EF4-FFF2-40B4-BE49-F238E27FC236}">
-                <a16:creationId xmlns:a16="http://schemas.microsoft.com/office/drawing/2014/main" xmlns="" id="{2030E6C3-6D08-42B0-AE21-0AF65A099FF5}"/>
+                <a16:creationId xmlns="" xmlns:a16="http://schemas.microsoft.com/office/drawing/2014/main" id="{2030E6C3-6D08-42B0-AE21-0AF65A099FF5}"/>
               </a:ext>
             </a:extLst>
           </p:cNvPr>
@@ -33132,7 +33471,7 @@
           <p:cNvPr id="2" name="椭圆 1">
             <a:extLst>
               <a:ext uri="{FF2B5EF4-FFF2-40B4-BE49-F238E27FC236}">
-                <a16:creationId xmlns:a16="http://schemas.microsoft.com/office/drawing/2014/main" xmlns="" id="{7FA72E45-BA5D-4DBB-B8D5-3CC7C0A63E6A}"/>
+                <a16:creationId xmlns="" xmlns:a16="http://schemas.microsoft.com/office/drawing/2014/main" id="{7FA72E45-BA5D-4DBB-B8D5-3CC7C0A63E6A}"/>
               </a:ext>
             </a:extLst>
           </p:cNvPr>
@@ -33188,7 +33527,7 @@
           <p:cNvPr id="3" name="文本框 2">
             <a:extLst>
               <a:ext uri="{FF2B5EF4-FFF2-40B4-BE49-F238E27FC236}">
-                <a16:creationId xmlns:a16="http://schemas.microsoft.com/office/drawing/2014/main" xmlns="" id="{91659A41-69E8-4CE1-A8A2-63974D6F5889}"/>
+                <a16:creationId xmlns="" xmlns:a16="http://schemas.microsoft.com/office/drawing/2014/main" id="{91659A41-69E8-4CE1-A8A2-63974D6F5889}"/>
               </a:ext>
             </a:extLst>
           </p:cNvPr>
@@ -33229,7 +33568,7 @@
           <p:cNvPr id="4" name="椭圆 3">
             <a:extLst>
               <a:ext uri="{FF2B5EF4-FFF2-40B4-BE49-F238E27FC236}">
-                <a16:creationId xmlns:a16="http://schemas.microsoft.com/office/drawing/2014/main" xmlns="" id="{CBF29D2C-4A12-405A-9244-78104A486F0E}"/>
+                <a16:creationId xmlns="" xmlns:a16="http://schemas.microsoft.com/office/drawing/2014/main" id="{CBF29D2C-4A12-405A-9244-78104A486F0E}"/>
               </a:ext>
             </a:extLst>
           </p:cNvPr>
@@ -33287,7 +33626,7 @@
           <p:cNvPr id="13" name="椭圆 12">
             <a:extLst>
               <a:ext uri="{FF2B5EF4-FFF2-40B4-BE49-F238E27FC236}">
-                <a16:creationId xmlns:a16="http://schemas.microsoft.com/office/drawing/2014/main" xmlns="" id="{CFF23A4E-1782-4970-9965-7B9806374928}"/>
+                <a16:creationId xmlns="" xmlns:a16="http://schemas.microsoft.com/office/drawing/2014/main" id="{CFF23A4E-1782-4970-9965-7B9806374928}"/>
               </a:ext>
             </a:extLst>
           </p:cNvPr>
@@ -33345,7 +33684,7 @@
           <p:cNvPr id="14" name="椭圆 13">
             <a:extLst>
               <a:ext uri="{FF2B5EF4-FFF2-40B4-BE49-F238E27FC236}">
-                <a16:creationId xmlns:a16="http://schemas.microsoft.com/office/drawing/2014/main" xmlns="" id="{A87DE1FC-0A46-4A16-A6F3-83FE6831B0B9}"/>
+                <a16:creationId xmlns="" xmlns:a16="http://schemas.microsoft.com/office/drawing/2014/main" id="{A87DE1FC-0A46-4A16-A6F3-83FE6831B0B9}"/>
               </a:ext>
             </a:extLst>
           </p:cNvPr>
@@ -33403,7 +33742,7 @@
           <p:cNvPr id="15" name="椭圆 14">
             <a:extLst>
               <a:ext uri="{FF2B5EF4-FFF2-40B4-BE49-F238E27FC236}">
-                <a16:creationId xmlns:a16="http://schemas.microsoft.com/office/drawing/2014/main" xmlns="" id="{D4D6D67D-564B-475B-826C-77764DE4EF2C}"/>
+                <a16:creationId xmlns="" xmlns:a16="http://schemas.microsoft.com/office/drawing/2014/main" id="{D4D6D67D-564B-475B-826C-77764DE4EF2C}"/>
               </a:ext>
             </a:extLst>
           </p:cNvPr>
@@ -33461,7 +33800,7 @@
           <p:cNvPr id="16" name="椭圆 15">
             <a:extLst>
               <a:ext uri="{FF2B5EF4-FFF2-40B4-BE49-F238E27FC236}">
-                <a16:creationId xmlns:a16="http://schemas.microsoft.com/office/drawing/2014/main" xmlns="" id="{28285C35-0D2D-4AF9-8D67-BCF22B7C9035}"/>
+                <a16:creationId xmlns="" xmlns:a16="http://schemas.microsoft.com/office/drawing/2014/main" id="{28285C35-0D2D-4AF9-8D67-BCF22B7C9035}"/>
               </a:ext>
             </a:extLst>
           </p:cNvPr>
@@ -33519,7 +33858,7 @@
           <p:cNvPr id="20" name="组合 19">
             <a:extLst>
               <a:ext uri="{FF2B5EF4-FFF2-40B4-BE49-F238E27FC236}">
-                <a16:creationId xmlns:a16="http://schemas.microsoft.com/office/drawing/2014/main" xmlns="" id="{0FA7F2A0-BF41-43EE-ABD9-C5A661FABC8C}"/>
+                <a16:creationId xmlns="" xmlns:a16="http://schemas.microsoft.com/office/drawing/2014/main" id="{0FA7F2A0-BF41-43EE-ABD9-C5A661FABC8C}"/>
               </a:ext>
             </a:extLst>
           </p:cNvPr>
@@ -33539,7 +33878,7 @@
             <p:cNvPr id="18" name="矩形: 圆角 17">
               <a:extLst>
                 <a:ext uri="{FF2B5EF4-FFF2-40B4-BE49-F238E27FC236}">
-                  <a16:creationId xmlns:a16="http://schemas.microsoft.com/office/drawing/2014/main" xmlns="" id="{B74874E4-6A96-461A-8AF1-A816EBFAFC57}"/>
+                  <a16:creationId xmlns="" xmlns:a16="http://schemas.microsoft.com/office/drawing/2014/main" id="{B74874E4-6A96-461A-8AF1-A816EBFAFC57}"/>
                 </a:ext>
               </a:extLst>
             </p:cNvPr>
@@ -33591,7 +33930,7 @@
             <p:cNvPr id="19" name="文本框 18">
               <a:extLst>
                 <a:ext uri="{FF2B5EF4-FFF2-40B4-BE49-F238E27FC236}">
-                  <a16:creationId xmlns:a16="http://schemas.microsoft.com/office/drawing/2014/main" xmlns="" id="{1B09DDA9-3B1F-42A8-9AA3-B81E14C7A8C1}"/>
+                  <a16:creationId xmlns="" xmlns:a16="http://schemas.microsoft.com/office/drawing/2014/main" id="{1B09DDA9-3B1F-42A8-9AA3-B81E14C7A8C1}"/>
                 </a:ext>
               </a:extLst>
             </p:cNvPr>
@@ -33754,7 +34093,7 @@
           <p:cNvPr id="21" name="矩形: 圆角 20">
             <a:extLst>
               <a:ext uri="{FF2B5EF4-FFF2-40B4-BE49-F238E27FC236}">
-                <a16:creationId xmlns:a16="http://schemas.microsoft.com/office/drawing/2014/main" xmlns="" id="{E977BA27-9793-44E6-A225-D0E0BB1FF3CD}"/>
+                <a16:creationId xmlns="" xmlns:a16="http://schemas.microsoft.com/office/drawing/2014/main" id="{E977BA27-9793-44E6-A225-D0E0BB1FF3CD}"/>
               </a:ext>
             </a:extLst>
           </p:cNvPr>
@@ -33806,7 +34145,7 @@
           <p:cNvPr id="22" name="文本框 21">
             <a:extLst>
               <a:ext uri="{FF2B5EF4-FFF2-40B4-BE49-F238E27FC236}">
-                <a16:creationId xmlns:a16="http://schemas.microsoft.com/office/drawing/2014/main" xmlns="" id="{6EB62D2B-32EE-4F67-924E-3ED0419A1972}"/>
+                <a16:creationId xmlns="" xmlns:a16="http://schemas.microsoft.com/office/drawing/2014/main" id="{6EB62D2B-32EE-4F67-924E-3ED0419A1972}"/>
               </a:ext>
             </a:extLst>
           </p:cNvPr>
@@ -33850,7 +34189,7 @@
           <p:cNvPr id="23" name="矩形: 圆角 22">
             <a:extLst>
               <a:ext uri="{FF2B5EF4-FFF2-40B4-BE49-F238E27FC236}">
-                <a16:creationId xmlns:a16="http://schemas.microsoft.com/office/drawing/2014/main" xmlns="" id="{124F1534-677C-42BA-A08C-A4F67FA7F98C}"/>
+                <a16:creationId xmlns="" xmlns:a16="http://schemas.microsoft.com/office/drawing/2014/main" id="{124F1534-677C-42BA-A08C-A4F67FA7F98C}"/>
               </a:ext>
             </a:extLst>
           </p:cNvPr>
@@ -33902,7 +34241,7 @@
           <p:cNvPr id="24" name="文本框 23">
             <a:extLst>
               <a:ext uri="{FF2B5EF4-FFF2-40B4-BE49-F238E27FC236}">
-                <a16:creationId xmlns:a16="http://schemas.microsoft.com/office/drawing/2014/main" xmlns="" id="{EC0D9FAB-0A33-4269-9633-360D15B930A4}"/>
+                <a16:creationId xmlns="" xmlns:a16="http://schemas.microsoft.com/office/drawing/2014/main" id="{EC0D9FAB-0A33-4269-9633-360D15B930A4}"/>
               </a:ext>
             </a:extLst>
           </p:cNvPr>
@@ -34002,7 +34341,7 @@
           <p:cNvPr id="25" name="矩形: 圆角 24">
             <a:extLst>
               <a:ext uri="{FF2B5EF4-FFF2-40B4-BE49-F238E27FC236}">
-                <a16:creationId xmlns:a16="http://schemas.microsoft.com/office/drawing/2014/main" xmlns="" id="{FF024270-F1AE-4C60-90EC-B121618F5159}"/>
+                <a16:creationId xmlns="" xmlns:a16="http://schemas.microsoft.com/office/drawing/2014/main" id="{FF024270-F1AE-4C60-90EC-B121618F5159}"/>
               </a:ext>
             </a:extLst>
           </p:cNvPr>
@@ -34054,7 +34393,7 @@
           <p:cNvPr id="26" name="文本框 25">
             <a:extLst>
               <a:ext uri="{FF2B5EF4-FFF2-40B4-BE49-F238E27FC236}">
-                <a16:creationId xmlns:a16="http://schemas.microsoft.com/office/drawing/2014/main" xmlns="" id="{1FF3640D-F3A9-4685-9837-32EA4A78D4B7}"/>
+                <a16:creationId xmlns="" xmlns:a16="http://schemas.microsoft.com/office/drawing/2014/main" id="{1FF3640D-F3A9-4685-9837-32EA4A78D4B7}"/>
               </a:ext>
             </a:extLst>
           </p:cNvPr>
@@ -35783,7 +36122,7 @@
           <p:cNvPr id="8" name="文本框 7">
             <a:extLst>
               <a:ext uri="{FF2B5EF4-FFF2-40B4-BE49-F238E27FC236}">
-                <a16:creationId xmlns:a16="http://schemas.microsoft.com/office/drawing/2014/main" xmlns="" id="{2030E6C3-6D08-42B0-AE21-0AF65A099FF5}"/>
+                <a16:creationId xmlns="" xmlns:a16="http://schemas.microsoft.com/office/drawing/2014/main" id="{2030E6C3-6D08-42B0-AE21-0AF65A099FF5}"/>
               </a:ext>
             </a:extLst>
           </p:cNvPr>
@@ -36559,7 +36898,7 @@
           <p:cNvPr id="19" name="文本框 18">
             <a:extLst>
               <a:ext uri="{FF2B5EF4-FFF2-40B4-BE49-F238E27FC236}">
-                <a16:creationId xmlns:a16="http://schemas.microsoft.com/office/drawing/2014/main" xmlns="" id="{D96C8DEE-2B12-4999-A8A3-EB70C0DD6154}"/>
+                <a16:creationId xmlns="" xmlns:a16="http://schemas.microsoft.com/office/drawing/2014/main" id="{D96C8DEE-2B12-4999-A8A3-EB70C0DD6154}"/>
               </a:ext>
             </a:extLst>
           </p:cNvPr>
@@ -36608,7 +36947,7 @@
           <p:cNvPr id="23" name="文本框 22">
             <a:extLst>
               <a:ext uri="{FF2B5EF4-FFF2-40B4-BE49-F238E27FC236}">
-                <a16:creationId xmlns:a16="http://schemas.microsoft.com/office/drawing/2014/main" xmlns="" id="{9727FEFB-5E60-4158-B373-1EC985E77D5C}"/>
+                <a16:creationId xmlns="" xmlns:a16="http://schemas.microsoft.com/office/drawing/2014/main" id="{9727FEFB-5E60-4158-B373-1EC985E77D5C}"/>
               </a:ext>
             </a:extLst>
           </p:cNvPr>
@@ -36657,7 +36996,7 @@
           <p:cNvPr id="24" name="文本框 23">
             <a:extLst>
               <a:ext uri="{FF2B5EF4-FFF2-40B4-BE49-F238E27FC236}">
-                <a16:creationId xmlns:a16="http://schemas.microsoft.com/office/drawing/2014/main" xmlns="" id="{DD98CE8E-EDEF-48EF-8E06-D36DEB775E77}"/>
+                <a16:creationId xmlns="" xmlns:a16="http://schemas.microsoft.com/office/drawing/2014/main" id="{DD98CE8E-EDEF-48EF-8E06-D36DEB775E77}"/>
               </a:ext>
             </a:extLst>
           </p:cNvPr>
@@ -36736,7 +37075,7 @@
           <p:cNvPr id="4" name="椭圆 3">
             <a:extLst>
               <a:ext uri="{FF2B5EF4-FFF2-40B4-BE49-F238E27FC236}">
-                <a16:creationId xmlns:a16="http://schemas.microsoft.com/office/drawing/2014/main" xmlns="" id="{8D2B5B3F-3CB5-42B7-BBDF-D12156F91010}"/>
+                <a16:creationId xmlns="" xmlns:a16="http://schemas.microsoft.com/office/drawing/2014/main" id="{8D2B5B3F-3CB5-42B7-BBDF-D12156F91010}"/>
               </a:ext>
             </a:extLst>
           </p:cNvPr>
@@ -36788,7 +37127,7 @@
           <p:cNvPr id="7" name="文本框 6">
             <a:extLst>
               <a:ext uri="{FF2B5EF4-FFF2-40B4-BE49-F238E27FC236}">
-                <a16:creationId xmlns:a16="http://schemas.microsoft.com/office/drawing/2014/main" xmlns="" id="{379ECFDC-06CB-48E6-8748-DBF7CA915365}"/>
+                <a16:creationId xmlns="" xmlns:a16="http://schemas.microsoft.com/office/drawing/2014/main" id="{379ECFDC-06CB-48E6-8748-DBF7CA915365}"/>
               </a:ext>
             </a:extLst>
           </p:cNvPr>
@@ -36826,7 +37165,7 @@
           <p:cNvPr id="9" name="椭圆 8">
             <a:extLst>
               <a:ext uri="{FF2B5EF4-FFF2-40B4-BE49-F238E27FC236}">
-                <a16:creationId xmlns:a16="http://schemas.microsoft.com/office/drawing/2014/main" xmlns="" id="{62AD7252-080D-445E-9D18-19ACC6A0906E}"/>
+                <a16:creationId xmlns="" xmlns:a16="http://schemas.microsoft.com/office/drawing/2014/main" id="{62AD7252-080D-445E-9D18-19ACC6A0906E}"/>
               </a:ext>
             </a:extLst>
           </p:cNvPr>
@@ -36878,7 +37217,7 @@
           <p:cNvPr id="12" name="文本框 11">
             <a:extLst>
               <a:ext uri="{FF2B5EF4-FFF2-40B4-BE49-F238E27FC236}">
-                <a16:creationId xmlns:a16="http://schemas.microsoft.com/office/drawing/2014/main" xmlns="" id="{642799FD-76FA-420D-9286-AD4AC1DF402E}"/>
+                <a16:creationId xmlns="" xmlns:a16="http://schemas.microsoft.com/office/drawing/2014/main" id="{642799FD-76FA-420D-9286-AD4AC1DF402E}"/>
               </a:ext>
             </a:extLst>
           </p:cNvPr>
@@ -37149,7 +37488,7 @@
           <p:cNvPr id="3" name="文本框 2">
             <a:extLst>
               <a:ext uri="{FF2B5EF4-FFF2-40B4-BE49-F238E27FC236}">
-                <a16:creationId xmlns:a16="http://schemas.microsoft.com/office/drawing/2014/main" xmlns="" id="{A351FB82-D77B-4358-8F4B-DF0F2F56BEDB}"/>
+                <a16:creationId xmlns="" xmlns:a16="http://schemas.microsoft.com/office/drawing/2014/main" id="{A351FB82-D77B-4358-8F4B-DF0F2F56BEDB}"/>
               </a:ext>
             </a:extLst>
           </p:cNvPr>
@@ -37404,7 +37743,7 @@
           <p:cNvPr id="2" name="矩形 1">
             <a:extLst>
               <a:ext uri="{FF2B5EF4-FFF2-40B4-BE49-F238E27FC236}">
-                <a16:creationId xmlns:a16="http://schemas.microsoft.com/office/drawing/2014/main" xmlns="" id="{73016DA7-04CC-4301-B919-D5BA942F4036}"/>
+                <a16:creationId xmlns="" xmlns:a16="http://schemas.microsoft.com/office/drawing/2014/main" id="{73016DA7-04CC-4301-B919-D5BA942F4036}"/>
               </a:ext>
             </a:extLst>
           </p:cNvPr>
@@ -37564,7 +37903,7 @@
           <p:cNvPr id="4" name="椭圆 3">
             <a:extLst>
               <a:ext uri="{FF2B5EF4-FFF2-40B4-BE49-F238E27FC236}">
-                <a16:creationId xmlns:a16="http://schemas.microsoft.com/office/drawing/2014/main" xmlns="" id="{8D2B5B3F-3CB5-42B7-BBDF-D12156F91010}"/>
+                <a16:creationId xmlns="" xmlns:a16="http://schemas.microsoft.com/office/drawing/2014/main" id="{8D2B5B3F-3CB5-42B7-BBDF-D12156F91010}"/>
               </a:ext>
             </a:extLst>
           </p:cNvPr>
@@ -37616,7 +37955,7 @@
           <p:cNvPr id="6" name="图片 5" descr="图片包含 屏幕截图&#10;&#10;自动生成的说明">
             <a:extLst>
               <a:ext uri="{FF2B5EF4-FFF2-40B4-BE49-F238E27FC236}">
-                <a16:creationId xmlns:a16="http://schemas.microsoft.com/office/drawing/2014/main" xmlns="" id="{488EF7BC-F038-4866-A483-0F8994B928D5}"/>
+                <a16:creationId xmlns="" xmlns:a16="http://schemas.microsoft.com/office/drawing/2014/main" id="{488EF7BC-F038-4866-A483-0F8994B928D5}"/>
               </a:ext>
             </a:extLst>
           </p:cNvPr>
@@ -37652,7 +37991,7 @@
           <p:cNvPr id="7" name="文本框 6">
             <a:extLst>
               <a:ext uri="{FF2B5EF4-FFF2-40B4-BE49-F238E27FC236}">
-                <a16:creationId xmlns:a16="http://schemas.microsoft.com/office/drawing/2014/main" xmlns="" id="{379ECFDC-06CB-48E6-8748-DBF7CA915365}"/>
+                <a16:creationId xmlns="" xmlns:a16="http://schemas.microsoft.com/office/drawing/2014/main" id="{379ECFDC-06CB-48E6-8748-DBF7CA915365}"/>
               </a:ext>
             </a:extLst>
           </p:cNvPr>
@@ -37690,7 +38029,7 @@
           <p:cNvPr id="9" name="椭圆 8">
             <a:extLst>
               <a:ext uri="{FF2B5EF4-FFF2-40B4-BE49-F238E27FC236}">
-                <a16:creationId xmlns:a16="http://schemas.microsoft.com/office/drawing/2014/main" xmlns="" id="{62AD7252-080D-445E-9D18-19ACC6A0906E}"/>
+                <a16:creationId xmlns="" xmlns:a16="http://schemas.microsoft.com/office/drawing/2014/main" id="{62AD7252-080D-445E-9D18-19ACC6A0906E}"/>
               </a:ext>
             </a:extLst>
           </p:cNvPr>
@@ -37742,7 +38081,7 @@
           <p:cNvPr id="12" name="文本框 11">
             <a:extLst>
               <a:ext uri="{FF2B5EF4-FFF2-40B4-BE49-F238E27FC236}">
-                <a16:creationId xmlns:a16="http://schemas.microsoft.com/office/drawing/2014/main" xmlns="" id="{642799FD-76FA-420D-9286-AD4AC1DF402E}"/>
+                <a16:creationId xmlns="" xmlns:a16="http://schemas.microsoft.com/office/drawing/2014/main" id="{642799FD-76FA-420D-9286-AD4AC1DF402E}"/>
               </a:ext>
             </a:extLst>
           </p:cNvPr>
@@ -37915,7 +38254,7 @@
           <p:cNvPr id="15" name="图片 14" descr="图片包含 屏幕截图&#10;&#10;自动生成的说明">
             <a:extLst>
               <a:ext uri="{FF2B5EF4-FFF2-40B4-BE49-F238E27FC236}">
-                <a16:creationId xmlns:a16="http://schemas.microsoft.com/office/drawing/2014/main" xmlns="" id="{F65B923F-989D-446B-891C-AE4D51848520}"/>
+                <a16:creationId xmlns="" xmlns:a16="http://schemas.microsoft.com/office/drawing/2014/main" id="{F65B923F-989D-446B-891C-AE4D51848520}"/>
               </a:ext>
             </a:extLst>
           </p:cNvPr>
@@ -38120,7 +38459,7 @@
           <p:cNvPr id="4" name="椭圆 3">
             <a:extLst>
               <a:ext uri="{FF2B5EF4-FFF2-40B4-BE49-F238E27FC236}">
-                <a16:creationId xmlns:a16="http://schemas.microsoft.com/office/drawing/2014/main" xmlns="" id="{8D2B5B3F-3CB5-42B7-BBDF-D12156F91010}"/>
+                <a16:creationId xmlns="" xmlns:a16="http://schemas.microsoft.com/office/drawing/2014/main" id="{8D2B5B3F-3CB5-42B7-BBDF-D12156F91010}"/>
               </a:ext>
             </a:extLst>
           </p:cNvPr>
@@ -38201,7 +38540,7 @@
           <p:cNvPr id="7" name="文本框 6">
             <a:extLst>
               <a:ext uri="{FF2B5EF4-FFF2-40B4-BE49-F238E27FC236}">
-                <a16:creationId xmlns:a16="http://schemas.microsoft.com/office/drawing/2014/main" xmlns="" id="{379ECFDC-06CB-48E6-8748-DBF7CA915365}"/>
+                <a16:creationId xmlns="" xmlns:a16="http://schemas.microsoft.com/office/drawing/2014/main" id="{379ECFDC-06CB-48E6-8748-DBF7CA915365}"/>
               </a:ext>
             </a:extLst>
           </p:cNvPr>
@@ -38266,7 +38605,7 @@
           <p:cNvPr id="9" name="椭圆 8">
             <a:extLst>
               <a:ext uri="{FF2B5EF4-FFF2-40B4-BE49-F238E27FC236}">
-                <a16:creationId xmlns:a16="http://schemas.microsoft.com/office/drawing/2014/main" xmlns="" id="{62AD7252-080D-445E-9D18-19ACC6A0906E}"/>
+                <a16:creationId xmlns="" xmlns:a16="http://schemas.microsoft.com/office/drawing/2014/main" id="{62AD7252-080D-445E-9D18-19ACC6A0906E}"/>
               </a:ext>
             </a:extLst>
           </p:cNvPr>
@@ -38347,7 +38686,7 @@
           <p:cNvPr id="12" name="文本框 11">
             <a:extLst>
               <a:ext uri="{FF2B5EF4-FFF2-40B4-BE49-F238E27FC236}">
-                <a16:creationId xmlns:a16="http://schemas.microsoft.com/office/drawing/2014/main" xmlns="" id="{642799FD-76FA-420D-9286-AD4AC1DF402E}"/>
+                <a16:creationId xmlns="" xmlns:a16="http://schemas.microsoft.com/office/drawing/2014/main" id="{642799FD-76FA-420D-9286-AD4AC1DF402E}"/>
               </a:ext>
             </a:extLst>
           </p:cNvPr>
@@ -38873,7 +39212,7 @@
           <p:cNvPr id="6" name="图片 5">
             <a:extLst>
               <a:ext uri="{FF2B5EF4-FFF2-40B4-BE49-F238E27FC236}">
-                <a16:creationId xmlns:a16="http://schemas.microsoft.com/office/drawing/2014/main" xmlns="" id="{8F1D9C09-DA1F-4402-9237-745A1C5FA43B}"/>
+                <a16:creationId xmlns="" xmlns:a16="http://schemas.microsoft.com/office/drawing/2014/main" id="{8F1D9C09-DA1F-4402-9237-745A1C5FA43B}"/>
               </a:ext>
             </a:extLst>
           </p:cNvPr>
@@ -38909,7 +39248,7 @@
           <p:cNvPr id="10" name="图片 9">
             <a:extLst>
               <a:ext uri="{FF2B5EF4-FFF2-40B4-BE49-F238E27FC236}">
-                <a16:creationId xmlns:a16="http://schemas.microsoft.com/office/drawing/2014/main" xmlns="" id="{ACD17D9B-18E0-4725-9596-B3ADD3709D47}"/>
+                <a16:creationId xmlns="" xmlns:a16="http://schemas.microsoft.com/office/drawing/2014/main" id="{ACD17D9B-18E0-4725-9596-B3ADD3709D47}"/>
               </a:ext>
             </a:extLst>
           </p:cNvPr>
@@ -38945,7 +39284,7 @@
           <p:cNvPr id="2" name="矩形 1">
             <a:extLst>
               <a:ext uri="{FF2B5EF4-FFF2-40B4-BE49-F238E27FC236}">
-                <a16:creationId xmlns:a16="http://schemas.microsoft.com/office/drawing/2014/main" xmlns="" id="{03FE93DB-D0C7-427B-8A95-EFBEC4CEA5EA}"/>
+                <a16:creationId xmlns="" xmlns:a16="http://schemas.microsoft.com/office/drawing/2014/main" id="{03FE93DB-D0C7-427B-8A95-EFBEC4CEA5EA}"/>
               </a:ext>
             </a:extLst>
           </p:cNvPr>
@@ -39535,7 +39874,7 @@
           <p:cNvPr id="5" name="矩形 4">
             <a:extLst>
               <a:ext uri="{FF2B5EF4-FFF2-40B4-BE49-F238E27FC236}">
-                <a16:creationId xmlns:a16="http://schemas.microsoft.com/office/drawing/2014/main" xmlns="" id="{F384C8E3-3405-48EE-BD9A-87083A5443CC}"/>
+                <a16:creationId xmlns="" xmlns:a16="http://schemas.microsoft.com/office/drawing/2014/main" id="{F384C8E3-3405-48EE-BD9A-87083A5443CC}"/>
               </a:ext>
             </a:extLst>
           </p:cNvPr>
@@ -39587,7 +39926,7 @@
           <p:cNvPr id="4" name="图片 3">
             <a:extLst>
               <a:ext uri="{FF2B5EF4-FFF2-40B4-BE49-F238E27FC236}">
-                <a16:creationId xmlns:a16="http://schemas.microsoft.com/office/drawing/2014/main" xmlns="" id="{39239570-43B6-43A9-9B2E-6A907167C9E0}"/>
+                <a16:creationId xmlns="" xmlns:a16="http://schemas.microsoft.com/office/drawing/2014/main" id="{39239570-43B6-43A9-9B2E-6A907167C9E0}"/>
               </a:ext>
             </a:extLst>
           </p:cNvPr>
@@ -39617,7 +39956,7 @@
           <p:cNvPr id="7" name="图片 6">
             <a:extLst>
               <a:ext uri="{FF2B5EF4-FFF2-40B4-BE49-F238E27FC236}">
-                <a16:creationId xmlns:a16="http://schemas.microsoft.com/office/drawing/2014/main" xmlns="" id="{FEF6F4B4-C280-4A50-872E-64A42CBA95E0}"/>
+                <a16:creationId xmlns="" xmlns:a16="http://schemas.microsoft.com/office/drawing/2014/main" id="{FEF6F4B4-C280-4A50-872E-64A42CBA95E0}"/>
               </a:ext>
             </a:extLst>
           </p:cNvPr>
@@ -39653,7 +39992,7 @@
           <p:cNvPr id="12" name="文本框 11">
             <a:extLst>
               <a:ext uri="{FF2B5EF4-FFF2-40B4-BE49-F238E27FC236}">
-                <a16:creationId xmlns:a16="http://schemas.microsoft.com/office/drawing/2014/main" xmlns="" id="{65B038FA-DAFF-44E4-92A4-E8CFDA779233}"/>
+                <a16:creationId xmlns="" xmlns:a16="http://schemas.microsoft.com/office/drawing/2014/main" id="{65B038FA-DAFF-44E4-92A4-E8CFDA779233}"/>
               </a:ext>
             </a:extLst>
           </p:cNvPr>
@@ -39855,7 +40194,7 @@
           <p:cNvPr id="2" name="矩形 1">
             <a:extLst>
               <a:ext uri="{FF2B5EF4-FFF2-40B4-BE49-F238E27FC236}">
-                <a16:creationId xmlns:a16="http://schemas.microsoft.com/office/drawing/2014/main" xmlns="" id="{61F8065C-AD27-4FF6-BBFE-33209836471B}"/>
+                <a16:creationId xmlns="" xmlns:a16="http://schemas.microsoft.com/office/drawing/2014/main" id="{61F8065C-AD27-4FF6-BBFE-33209836471B}"/>
               </a:ext>
             </a:extLst>
           </p:cNvPr>
@@ -40077,7 +40416,7 @@
           <p:cNvPr id="4" name="图片 3">
             <a:extLst>
               <a:ext uri="{FF2B5EF4-FFF2-40B4-BE49-F238E27FC236}">
-                <a16:creationId xmlns:a16="http://schemas.microsoft.com/office/drawing/2014/main" xmlns="" id="{0D3BEF45-3252-4088-BE97-63D31C51F24F}"/>
+                <a16:creationId xmlns="" xmlns:a16="http://schemas.microsoft.com/office/drawing/2014/main" id="{0D3BEF45-3252-4088-BE97-63D31C51F24F}"/>
               </a:ext>
             </a:extLst>
           </p:cNvPr>
@@ -40107,7 +40446,7 @@
           <p:cNvPr id="5" name="Rectangle 12">
             <a:extLst>
               <a:ext uri="{FF2B5EF4-FFF2-40B4-BE49-F238E27FC236}">
-                <a16:creationId xmlns:a16="http://schemas.microsoft.com/office/drawing/2014/main" xmlns="" id="{1B1F0133-CBA4-4A29-8DB2-B8B994A4C7B9}"/>
+                <a16:creationId xmlns="" xmlns:a16="http://schemas.microsoft.com/office/drawing/2014/main" id="{1B1F0133-CBA4-4A29-8DB2-B8B994A4C7B9}"/>
               </a:ext>
             </a:extLst>
           </p:cNvPr>
@@ -40422,7 +40761,7 @@
   <a:extraClrSchemeLst/>
   <a:extLst>
     <a:ext uri="{05A4C25C-085E-4340-85A3-A5531E510DB2}">
-      <thm15:themeFamily xmlns:thm15="http://schemas.microsoft.com/office/thememl/2012/main" xmlns="" name="Office Theme" id="{62F939B6-93AF-4DB8-9C6B-D6C7DFDC589F}" vid="{4A3C46E8-61CC-4603-A589-7422A47A8E4A}"/>
+      <thm15:themeFamily xmlns="" xmlns:thm15="http://schemas.microsoft.com/office/thememl/2012/main" name="Office Theme" id="{62F939B6-93AF-4DB8-9C6B-D6C7DFDC589F}" vid="{4A3C46E8-61CC-4603-A589-7422A47A8E4A}"/>
     </a:ext>
   </a:extLst>
 </a:theme>
@@ -40683,7 +41022,7 @@
   <a:extraClrSchemeLst/>
   <a:extLst>
     <a:ext uri="{05A4C25C-085E-4340-85A3-A5531E510DB2}">
-      <thm15:themeFamily xmlns:thm15="http://schemas.microsoft.com/office/thememl/2012/main" xmlns="" name="Office Theme" id="{62F939B6-93AF-4DB8-9C6B-D6C7DFDC589F}" vid="{4A3C46E8-61CC-4603-A589-7422A47A8E4A}"/>
+      <thm15:themeFamily xmlns="" xmlns:thm15="http://schemas.microsoft.com/office/thememl/2012/main" name="Office Theme" id="{62F939B6-93AF-4DB8-9C6B-D6C7DFDC589F}" vid="{4A3C46E8-61CC-4603-A589-7422A47A8E4A}"/>
     </a:ext>
   </a:extLst>
 </a:theme>

--- a/电子词典需求分析.pptx
+++ b/电子词典需求分析.pptx
@@ -141,7 +141,7 @@
   </p:defaultTextStyle>
   <p:extLst>
     <p:ext uri="{EFAFB233-063F-42B5-8137-9DF3F51BA10A}">
-      <p15:sldGuideLst xmlns="" xmlns:p15="http://schemas.microsoft.com/office/powerpoint/2012/main">
+      <p15:sldGuideLst xmlns:p15="http://schemas.microsoft.com/office/powerpoint/2012/main">
         <p15:guide id="1" orient="horz" pos="1502" userDrawn="1">
           <p15:clr>
             <a:srgbClr val="A4A3A4"/>
@@ -240,7 +240,7 @@
           <a:p>
             <a:fld id="{6325EFA1-FAD1-4705-B9BA-7AD2CC63A550}" type="datetimeFigureOut">
               <a:rPr lang="zh-CN" altLang="en-US" smtClean="0"/>
-              <a:t>2018/11/6 Tuesday</a:t>
+              <a:t>2018/11/6</a:t>
             </a:fld>
             <a:endParaRPr lang="zh-CN" altLang="en-US"/>
           </a:p>
@@ -636,7 +636,7 @@
           <a:p>
             <a:fld id="{D997B5FA-0921-464F-AAE1-844C04324D75}" type="datetimeFigureOut">
               <a:rPr lang="zh-CN" altLang="en-US" smtClean="0"/>
-              <a:t>2018/11/6 Tuesday</a:t>
+              <a:t>2018/11/6</a:t>
             </a:fld>
             <a:endParaRPr lang="zh-CN" altLang="en-US"/>
           </a:p>
@@ -799,7 +799,7 @@
           <a:p>
             <a:fld id="{D997B5FA-0921-464F-AAE1-844C04324D75}" type="datetimeFigureOut">
               <a:rPr lang="zh-CN" altLang="en-US" smtClean="0"/>
-              <a:t>2018/11/6 Tuesday</a:t>
+              <a:t>2018/11/6</a:t>
             </a:fld>
             <a:endParaRPr lang="zh-CN" altLang="en-US"/>
           </a:p>
@@ -972,7 +972,7 @@
           <a:p>
             <a:fld id="{D997B5FA-0921-464F-AAE1-844C04324D75}" type="datetimeFigureOut">
               <a:rPr lang="zh-CN" altLang="en-US" smtClean="0"/>
-              <a:t>2018/11/6 Tuesday</a:t>
+              <a:t>2018/11/6</a:t>
             </a:fld>
             <a:endParaRPr lang="zh-CN" altLang="en-US"/>
           </a:p>
@@ -1135,7 +1135,7 @@
           <a:p>
             <a:fld id="{D997B5FA-0921-464F-AAE1-844C04324D75}" type="datetimeFigureOut">
               <a:rPr lang="zh-CN" altLang="en-US" smtClean="0"/>
-              <a:t>2018/11/6 Tuesday</a:t>
+              <a:t>2018/11/6</a:t>
             </a:fld>
             <a:endParaRPr lang="zh-CN" altLang="en-US"/>
           </a:p>
@@ -1375,7 +1375,7 @@
           <a:p>
             <a:fld id="{D997B5FA-0921-464F-AAE1-844C04324D75}" type="datetimeFigureOut">
               <a:rPr lang="zh-CN" altLang="en-US" smtClean="0"/>
-              <a:t>2018/11/6 Tuesday</a:t>
+              <a:t>2018/11/6</a:t>
             </a:fld>
             <a:endParaRPr lang="zh-CN" altLang="en-US"/>
           </a:p>
@@ -1599,7 +1599,7 @@
           <a:p>
             <a:fld id="{D997B5FA-0921-464F-AAE1-844C04324D75}" type="datetimeFigureOut">
               <a:rPr lang="zh-CN" altLang="en-US" smtClean="0"/>
-              <a:t>2018/11/6 Tuesday</a:t>
+              <a:t>2018/11/6</a:t>
             </a:fld>
             <a:endParaRPr lang="zh-CN" altLang="en-US"/>
           </a:p>
@@ -1958,7 +1958,7 @@
           <a:p>
             <a:fld id="{D997B5FA-0921-464F-AAE1-844C04324D75}" type="datetimeFigureOut">
               <a:rPr lang="zh-CN" altLang="en-US" smtClean="0"/>
-              <a:t>2018/11/6 Tuesday</a:t>
+              <a:t>2018/11/6</a:t>
             </a:fld>
             <a:endParaRPr lang="zh-CN" altLang="en-US"/>
           </a:p>
@@ -2070,7 +2070,7 @@
           <a:p>
             <a:fld id="{D997B5FA-0921-464F-AAE1-844C04324D75}" type="datetimeFigureOut">
               <a:rPr lang="zh-CN" altLang="en-US" smtClean="0"/>
-              <a:t>2018/11/6 Tuesday</a:t>
+              <a:t>2018/11/6</a:t>
             </a:fld>
             <a:endParaRPr lang="zh-CN" altLang="en-US"/>
           </a:p>
@@ -2160,7 +2160,7 @@
           <a:p>
             <a:fld id="{D997B5FA-0921-464F-AAE1-844C04324D75}" type="datetimeFigureOut">
               <a:rPr lang="zh-CN" altLang="en-US" smtClean="0"/>
-              <a:t>2018/11/6 Tuesday</a:t>
+              <a:t>2018/11/6</a:t>
             </a:fld>
             <a:endParaRPr lang="zh-CN" altLang="en-US"/>
           </a:p>
@@ -2430,7 +2430,7 @@
           <a:p>
             <a:fld id="{D997B5FA-0921-464F-AAE1-844C04324D75}" type="datetimeFigureOut">
               <a:rPr lang="zh-CN" altLang="en-US" smtClean="0"/>
-              <a:t>2018/11/6 Tuesday</a:t>
+              <a:t>2018/11/6</a:t>
             </a:fld>
             <a:endParaRPr lang="zh-CN" altLang="en-US"/>
           </a:p>
@@ -2677,7 +2677,7 @@
           <a:p>
             <a:fld id="{D997B5FA-0921-464F-AAE1-844C04324D75}" type="datetimeFigureOut">
               <a:rPr lang="zh-CN" altLang="en-US" smtClean="0"/>
-              <a:t>2018/11/6 Tuesday</a:t>
+              <a:t>2018/11/6</a:t>
             </a:fld>
             <a:endParaRPr lang="zh-CN" altLang="en-US"/>
           </a:p>
@@ -2883,7 +2883,7 @@
           <a:p>
             <a:fld id="{D997B5FA-0921-464F-AAE1-844C04324D75}" type="datetimeFigureOut">
               <a:rPr lang="zh-CN" altLang="en-US" smtClean="0"/>
-              <a:t>2018/11/6 Tuesday</a:t>
+              <a:t>2018/11/6</a:t>
             </a:fld>
             <a:endParaRPr lang="zh-CN" altLang="en-US"/>
           </a:p>
@@ -4051,7 +4051,7 @@
           <p:cNvPr id="6" name="Rounded Rectangle 12">
             <a:extLst>
               <a:ext uri="{FF2B5EF4-FFF2-40B4-BE49-F238E27FC236}">
-                <a16:creationId xmlns="" xmlns:a16="http://schemas.microsoft.com/office/drawing/2014/main" id="{E6FD45EB-4B3B-4DD8-A910-EDA5C8EB7707}"/>
+                <a16:creationId xmlns:a16="http://schemas.microsoft.com/office/drawing/2014/main" xmlns="" id="{E6FD45EB-4B3B-4DD8-A910-EDA5C8EB7707}"/>
               </a:ext>
             </a:extLst>
           </p:cNvPr>
@@ -4121,7 +4121,7 @@
           <p:cNvPr id="7" name="Rounded Rectangle 16">
             <a:extLst>
               <a:ext uri="{FF2B5EF4-FFF2-40B4-BE49-F238E27FC236}">
-                <a16:creationId xmlns="" xmlns:a16="http://schemas.microsoft.com/office/drawing/2014/main" id="{4E284F8D-B632-4833-9BDA-C5CC6FBBFC2F}"/>
+                <a16:creationId xmlns:a16="http://schemas.microsoft.com/office/drawing/2014/main" xmlns="" id="{4E284F8D-B632-4833-9BDA-C5CC6FBBFC2F}"/>
               </a:ext>
             </a:extLst>
           </p:cNvPr>
@@ -4191,7 +4191,7 @@
           <p:cNvPr id="13" name="文本框 12">
             <a:extLst>
               <a:ext uri="{FF2B5EF4-FFF2-40B4-BE49-F238E27FC236}">
-                <a16:creationId xmlns="" xmlns:a16="http://schemas.microsoft.com/office/drawing/2014/main" id="{99A86963-B1B8-4349-AAE8-E18C812A6C5A}"/>
+                <a16:creationId xmlns:a16="http://schemas.microsoft.com/office/drawing/2014/main" xmlns="" id="{99A86963-B1B8-4349-AAE8-E18C812A6C5A}"/>
               </a:ext>
             </a:extLst>
           </p:cNvPr>
@@ -4248,7 +4248,7 @@
           <p:cNvPr id="14" name="矩形 13">
             <a:extLst>
               <a:ext uri="{FF2B5EF4-FFF2-40B4-BE49-F238E27FC236}">
-                <a16:creationId xmlns="" xmlns:a16="http://schemas.microsoft.com/office/drawing/2014/main" id="{3A33F266-8553-485A-86D9-E9E07B77F2D6}"/>
+                <a16:creationId xmlns:a16="http://schemas.microsoft.com/office/drawing/2014/main" xmlns="" id="{3A33F266-8553-485A-86D9-E9E07B77F2D6}"/>
               </a:ext>
             </a:extLst>
           </p:cNvPr>
@@ -4292,7 +4292,7 @@
           <p:cNvPr id="16" name="矩形 15">
             <a:extLst>
               <a:ext uri="{FF2B5EF4-FFF2-40B4-BE49-F238E27FC236}">
-                <a16:creationId xmlns="" xmlns:a16="http://schemas.microsoft.com/office/drawing/2014/main" id="{C619AE70-C8E5-4169-8061-82946C8F8782}"/>
+                <a16:creationId xmlns:a16="http://schemas.microsoft.com/office/drawing/2014/main" xmlns="" id="{C619AE70-C8E5-4169-8061-82946C8F8782}"/>
               </a:ext>
             </a:extLst>
           </p:cNvPr>
@@ -6183,7 +6183,7 @@
           <p:cNvPr id="4" name="矩形: 圆角 3">
             <a:extLst>
               <a:ext uri="{FF2B5EF4-FFF2-40B4-BE49-F238E27FC236}">
-                <a16:creationId xmlns="" xmlns:a16="http://schemas.microsoft.com/office/drawing/2014/main" id="{413DA64A-DFE6-4C8E-8C8C-CB685A248235}"/>
+                <a16:creationId xmlns:a16="http://schemas.microsoft.com/office/drawing/2014/main" xmlns="" id="{413DA64A-DFE6-4C8E-8C8C-CB685A248235}"/>
               </a:ext>
             </a:extLst>
           </p:cNvPr>
@@ -6239,7 +6239,7 @@
           <p:cNvPr id="6" name="Rectangle 1">
             <a:extLst>
               <a:ext uri="{FF2B5EF4-FFF2-40B4-BE49-F238E27FC236}">
-                <a16:creationId xmlns="" xmlns:a16="http://schemas.microsoft.com/office/drawing/2014/main" id="{67851DDF-58F8-4FC1-976B-A9298F885374}"/>
+                <a16:creationId xmlns:a16="http://schemas.microsoft.com/office/drawing/2014/main" xmlns="" id="{67851DDF-58F8-4FC1-976B-A9298F885374}"/>
               </a:ext>
             </a:extLst>
           </p:cNvPr>
@@ -6526,7 +6526,7 @@
           <p:cNvPr id="7" name="文本框 6">
             <a:extLst>
               <a:ext uri="{FF2B5EF4-FFF2-40B4-BE49-F238E27FC236}">
-                <a16:creationId xmlns="" xmlns:a16="http://schemas.microsoft.com/office/drawing/2014/main" id="{8AB5E823-CBEE-492B-81A1-EBF6FAC24438}"/>
+                <a16:creationId xmlns:a16="http://schemas.microsoft.com/office/drawing/2014/main" xmlns="" id="{8AB5E823-CBEE-492B-81A1-EBF6FAC24438}"/>
               </a:ext>
             </a:extLst>
           </p:cNvPr>
@@ -20605,7 +20605,7 @@
           <p:cNvPr id="58" name="文本框 57">
             <a:extLst>
               <a:ext uri="{FF2B5EF4-FFF2-40B4-BE49-F238E27FC236}">
-                <a16:creationId xmlns="" xmlns:a16="http://schemas.microsoft.com/office/drawing/2014/main" id="{CA25C765-3360-4F62-944D-CE9911A527C5}"/>
+                <a16:creationId xmlns:a16="http://schemas.microsoft.com/office/drawing/2014/main" xmlns="" id="{CA25C765-3360-4F62-944D-CE9911A527C5}"/>
               </a:ext>
             </a:extLst>
           </p:cNvPr>
@@ -25670,7 +25670,7 @@
           <p:cNvPr id="34" name="Rectangle 12">
             <a:extLst>
               <a:ext uri="{FF2B5EF4-FFF2-40B4-BE49-F238E27FC236}">
-                <a16:creationId xmlns="" xmlns:a16="http://schemas.microsoft.com/office/drawing/2014/main" id="{F7876CFB-5C00-4B8B-944D-91E0146C608C}"/>
+                <a16:creationId xmlns:a16="http://schemas.microsoft.com/office/drawing/2014/main" xmlns="" id="{F7876CFB-5C00-4B8B-944D-91E0146C608C}"/>
               </a:ext>
             </a:extLst>
           </p:cNvPr>
@@ -28873,6 +28873,163 @@
           </a:p>
         </p:txBody>
       </p:sp>
+      <p:sp>
+        <p:nvSpPr>
+          <p:cNvPr id="2" name="Rectangle 1"/>
+          <p:cNvSpPr/>
+          <p:nvPr/>
+        </p:nvSpPr>
+        <p:spPr>
+          <a:xfrm>
+            <a:off x="94592" y="6343021"/>
+            <a:ext cx="11687503" cy="307777"/>
+          </a:xfrm>
+          <a:prstGeom prst="rect">
+            <a:avLst/>
+          </a:prstGeom>
+        </p:spPr>
+        <p:txBody>
+          <a:bodyPr wrap="square">
+            <a:spAutoFit/>
+          </a:bodyPr>
+          <a:lstStyle/>
+          <a:p>
+            <a:pPr>
+              <a:spcAft>
+                <a:spcPts val="0"/>
+              </a:spcAft>
+            </a:pPr>
+            <a:r>
+              <a:rPr lang="zh-CN" altLang="en-US" sz="1400" dirty="0">
+                <a:latin typeface="Times New Roman" charset="0"/>
+                <a:ea typeface="MS Mincho" charset="-128"/>
+                <a:cs typeface="MS Mincho" charset="-128"/>
+              </a:rPr>
+              <a:t>李丹</a:t>
+            </a:r>
+            <a:r>
+              <a:rPr lang="zh-CN" altLang="en-US" sz="1400" dirty="0">
+                <a:latin typeface="Times New Roman" charset="0"/>
+                <a:ea typeface="SimSun" charset="0"/>
+                <a:cs typeface="SimSun" charset="0"/>
+              </a:rPr>
+              <a:t>亚</a:t>
+            </a:r>
+            <a:r>
+              <a:rPr lang="en-US" sz="1400" dirty="0">
+                <a:latin typeface="MS Mincho" charset="-128"/>
+                <a:ea typeface="宋体" charset="0"/>
+                <a:cs typeface="MS Mincho" charset="-128"/>
+              </a:rPr>
+              <a:t>,</a:t>
+            </a:r>
+            <a:r>
+              <a:rPr lang="zh-CN" altLang="en-US" sz="1400" dirty="0">
+                <a:latin typeface="MS Mincho" charset="-128"/>
+                <a:cs typeface="MS Mincho" charset="-128"/>
+              </a:rPr>
+              <a:t>李</a:t>
+            </a:r>
+            <a:r>
+              <a:rPr lang="zh-CN" altLang="en-US" sz="1400" dirty="0">
+                <a:latin typeface="Times New Roman" charset="0"/>
+                <a:ea typeface="SimSun" charset="0"/>
+                <a:cs typeface="SimSun" charset="0"/>
+              </a:rPr>
+              <a:t>军莲</a:t>
+            </a:r>
+            <a:r>
+              <a:rPr lang="en-US" sz="1400" dirty="0">
+                <a:latin typeface="SimSun" charset="0"/>
+                <a:ea typeface="宋体" charset="0"/>
+                <a:cs typeface="SimSun" charset="0"/>
+              </a:rPr>
+              <a:t>,</a:t>
+            </a:r>
+            <a:r>
+              <a:rPr lang="zh-CN" altLang="en-US" sz="1400" dirty="0">
+                <a:latin typeface="Times New Roman" charset="0"/>
+                <a:ea typeface="MS Mincho" charset="-128"/>
+                <a:cs typeface="MS Mincho" charset="-128"/>
+              </a:rPr>
+              <a:t>胡</a:t>
+            </a:r>
+            <a:r>
+              <a:rPr lang="zh-CN" altLang="en-US" sz="1400" dirty="0">
+                <a:latin typeface="Times New Roman" charset="0"/>
+                <a:ea typeface="SimSun" charset="0"/>
+                <a:cs typeface="SimSun" charset="0"/>
+              </a:rPr>
+              <a:t>轶军</a:t>
+            </a:r>
+            <a:r>
+              <a:rPr lang="en-US" sz="1400" dirty="0">
+                <a:latin typeface="SimSun" charset="0"/>
+                <a:ea typeface="宋体" charset="0"/>
+                <a:cs typeface="SimSun" charset="0"/>
+              </a:rPr>
+              <a:t>,</a:t>
+            </a:r>
+            <a:r>
+              <a:rPr lang="zh-CN" altLang="en-US" sz="1400" dirty="0">
+                <a:latin typeface="SimSun" charset="0"/>
+                <a:cs typeface="SimSun" charset="0"/>
+              </a:rPr>
+              <a:t>等</a:t>
+            </a:r>
+            <a:r>
+              <a:rPr lang="en-US" sz="1400" dirty="0">
+                <a:latin typeface="SimSun" charset="0"/>
+                <a:ea typeface="宋体" charset="0"/>
+                <a:cs typeface="SimSun" charset="0"/>
+              </a:rPr>
+              <a:t>. </a:t>
+            </a:r>
+            <a:r>
+              <a:rPr lang="zh-CN" altLang="en-US" sz="1400" dirty="0">
+                <a:latin typeface="SimSun" charset="0"/>
+                <a:cs typeface="SimSun" charset="0"/>
+              </a:rPr>
+              <a:t>医学知识组织体系发展现状及研究重点</a:t>
+            </a:r>
+            <a:r>
+              <a:rPr lang="en-US" sz="1400" dirty="0">
+                <a:latin typeface="SimSun" charset="0"/>
+                <a:ea typeface="宋体" charset="0"/>
+                <a:cs typeface="SimSun" charset="0"/>
+              </a:rPr>
+              <a:t>[J].NSTL</a:t>
+            </a:r>
+            <a:r>
+              <a:rPr lang="zh-CN" altLang="en-US" sz="1400" dirty="0">
+                <a:latin typeface="SimSun" charset="0"/>
+                <a:cs typeface="SimSun" charset="0"/>
+              </a:rPr>
+              <a:t>知识组织专刊</a:t>
+            </a:r>
+            <a:r>
+              <a:rPr lang="en-US" sz="1400" dirty="0">
+                <a:latin typeface="SimSun" charset="0"/>
+                <a:ea typeface="宋体" charset="0"/>
+                <a:cs typeface="SimSun" charset="0"/>
+              </a:rPr>
+              <a:t>,2012,12</a:t>
+            </a:r>
+            <a:r>
+              <a:rPr lang="en-US" sz="1400" dirty="0">
+                <a:latin typeface="Times New Roman" charset="0"/>
+                <a:ea typeface="Times New Roman" charset="0"/>
+              </a:rPr>
+              <a:t>(2):12-20</a:t>
+            </a:r>
+            <a:endParaRPr lang="en-US" sz="1400" dirty="0">
+              <a:effectLst/>
+              <a:latin typeface="Times New Roman" charset="0"/>
+              <a:ea typeface="宋体" charset="0"/>
+            </a:endParaRPr>
+          </a:p>
+        </p:txBody>
+      </p:sp>
     </p:spTree>
     <p:extLst>
       <p:ext uri="{BB962C8B-B14F-4D97-AF65-F5344CB8AC3E}">
@@ -29464,6 +29621,163 @@
           </a:fontRef>
         </p:style>
       </p:cxnSp>
+      <p:sp>
+        <p:nvSpPr>
+          <p:cNvPr id="8" name="Rectangle 7"/>
+          <p:cNvSpPr/>
+          <p:nvPr/>
+        </p:nvSpPr>
+        <p:spPr>
+          <a:xfrm>
+            <a:off x="94592" y="6343021"/>
+            <a:ext cx="11687503" cy="307777"/>
+          </a:xfrm>
+          <a:prstGeom prst="rect">
+            <a:avLst/>
+          </a:prstGeom>
+        </p:spPr>
+        <p:txBody>
+          <a:bodyPr wrap="square">
+            <a:spAutoFit/>
+          </a:bodyPr>
+          <a:lstStyle/>
+          <a:p>
+            <a:pPr>
+              <a:spcAft>
+                <a:spcPts val="0"/>
+              </a:spcAft>
+            </a:pPr>
+            <a:r>
+              <a:rPr lang="zh-CN" altLang="en-US" sz="1400" dirty="0">
+                <a:latin typeface="Times New Roman" charset="0"/>
+                <a:ea typeface="MS Mincho" charset="-128"/>
+                <a:cs typeface="MS Mincho" charset="-128"/>
+              </a:rPr>
+              <a:t>李丹</a:t>
+            </a:r>
+            <a:r>
+              <a:rPr lang="zh-CN" altLang="en-US" sz="1400" dirty="0">
+                <a:latin typeface="Times New Roman" charset="0"/>
+                <a:ea typeface="SimSun" charset="0"/>
+                <a:cs typeface="SimSun" charset="0"/>
+              </a:rPr>
+              <a:t>亚</a:t>
+            </a:r>
+            <a:r>
+              <a:rPr lang="en-US" sz="1400" dirty="0">
+                <a:latin typeface="MS Mincho" charset="-128"/>
+                <a:ea typeface="宋体" charset="0"/>
+                <a:cs typeface="MS Mincho" charset="-128"/>
+              </a:rPr>
+              <a:t>,</a:t>
+            </a:r>
+            <a:r>
+              <a:rPr lang="zh-CN" altLang="en-US" sz="1400" dirty="0">
+                <a:latin typeface="MS Mincho" charset="-128"/>
+                <a:cs typeface="MS Mincho" charset="-128"/>
+              </a:rPr>
+              <a:t>李</a:t>
+            </a:r>
+            <a:r>
+              <a:rPr lang="zh-CN" altLang="en-US" sz="1400" dirty="0">
+                <a:latin typeface="Times New Roman" charset="0"/>
+                <a:ea typeface="SimSun" charset="0"/>
+                <a:cs typeface="SimSun" charset="0"/>
+              </a:rPr>
+              <a:t>军莲</a:t>
+            </a:r>
+            <a:r>
+              <a:rPr lang="en-US" sz="1400" dirty="0">
+                <a:latin typeface="SimSun" charset="0"/>
+                <a:ea typeface="宋体" charset="0"/>
+                <a:cs typeface="SimSun" charset="0"/>
+              </a:rPr>
+              <a:t>,</a:t>
+            </a:r>
+            <a:r>
+              <a:rPr lang="zh-CN" altLang="en-US" sz="1400" dirty="0">
+                <a:latin typeface="Times New Roman" charset="0"/>
+                <a:ea typeface="MS Mincho" charset="-128"/>
+                <a:cs typeface="MS Mincho" charset="-128"/>
+              </a:rPr>
+              <a:t>胡</a:t>
+            </a:r>
+            <a:r>
+              <a:rPr lang="zh-CN" altLang="en-US" sz="1400" dirty="0">
+                <a:latin typeface="Times New Roman" charset="0"/>
+                <a:ea typeface="SimSun" charset="0"/>
+                <a:cs typeface="SimSun" charset="0"/>
+              </a:rPr>
+              <a:t>轶军</a:t>
+            </a:r>
+            <a:r>
+              <a:rPr lang="en-US" sz="1400" dirty="0">
+                <a:latin typeface="SimSun" charset="0"/>
+                <a:ea typeface="宋体" charset="0"/>
+                <a:cs typeface="SimSun" charset="0"/>
+              </a:rPr>
+              <a:t>,</a:t>
+            </a:r>
+            <a:r>
+              <a:rPr lang="zh-CN" altLang="en-US" sz="1400" dirty="0">
+                <a:latin typeface="SimSun" charset="0"/>
+                <a:cs typeface="SimSun" charset="0"/>
+              </a:rPr>
+              <a:t>等</a:t>
+            </a:r>
+            <a:r>
+              <a:rPr lang="en-US" sz="1400" dirty="0">
+                <a:latin typeface="SimSun" charset="0"/>
+                <a:ea typeface="宋体" charset="0"/>
+                <a:cs typeface="SimSun" charset="0"/>
+              </a:rPr>
+              <a:t>. </a:t>
+            </a:r>
+            <a:r>
+              <a:rPr lang="zh-CN" altLang="en-US" sz="1400" dirty="0">
+                <a:latin typeface="SimSun" charset="0"/>
+                <a:cs typeface="SimSun" charset="0"/>
+              </a:rPr>
+              <a:t>医学知识组织体系发展现状及研究重点</a:t>
+            </a:r>
+            <a:r>
+              <a:rPr lang="en-US" sz="1400" dirty="0">
+                <a:latin typeface="SimSun" charset="0"/>
+                <a:ea typeface="宋体" charset="0"/>
+                <a:cs typeface="SimSun" charset="0"/>
+              </a:rPr>
+              <a:t>[J].NSTL</a:t>
+            </a:r>
+            <a:r>
+              <a:rPr lang="zh-CN" altLang="en-US" sz="1400" dirty="0">
+                <a:latin typeface="SimSun" charset="0"/>
+                <a:cs typeface="SimSun" charset="0"/>
+              </a:rPr>
+              <a:t>知识组织专刊</a:t>
+            </a:r>
+            <a:r>
+              <a:rPr lang="en-US" sz="1400" dirty="0">
+                <a:latin typeface="SimSun" charset="0"/>
+                <a:ea typeface="宋体" charset="0"/>
+                <a:cs typeface="SimSun" charset="0"/>
+              </a:rPr>
+              <a:t>,2012,12</a:t>
+            </a:r>
+            <a:r>
+              <a:rPr lang="en-US" sz="1400" dirty="0">
+                <a:latin typeface="Times New Roman" charset="0"/>
+                <a:ea typeface="Times New Roman" charset="0"/>
+              </a:rPr>
+              <a:t>(2):12-20</a:t>
+            </a:r>
+            <a:endParaRPr lang="en-US" sz="1400" dirty="0">
+              <a:effectLst/>
+              <a:latin typeface="Times New Roman" charset="0"/>
+              <a:ea typeface="宋体" charset="0"/>
+            </a:endParaRPr>
+          </a:p>
+        </p:txBody>
+      </p:sp>
     </p:spTree>
     <p:extLst>
       <p:ext uri="{BB962C8B-B14F-4D97-AF65-F5344CB8AC3E}">
@@ -29921,7 +30235,7 @@
           <p:cNvPr id="11" name="组合 10">
             <a:extLst>
               <a:ext uri="{FF2B5EF4-FFF2-40B4-BE49-F238E27FC236}">
-                <a16:creationId xmlns="" xmlns:a16="http://schemas.microsoft.com/office/drawing/2014/main" id="{AF102071-4EB0-4C8F-ACE5-A6CB18278323}"/>
+                <a16:creationId xmlns:a16="http://schemas.microsoft.com/office/drawing/2014/main" xmlns="" id="{AF102071-4EB0-4C8F-ACE5-A6CB18278323}"/>
               </a:ext>
             </a:extLst>
           </p:cNvPr>
@@ -30250,7 +30564,7 @@
           <p:cNvPr id="13" name="组合 12">
             <a:extLst>
               <a:ext uri="{FF2B5EF4-FFF2-40B4-BE49-F238E27FC236}">
-                <a16:creationId xmlns="" xmlns:a16="http://schemas.microsoft.com/office/drawing/2014/main" id="{1207D76C-BF37-4F01-B8BB-FE57B607A375}"/>
+                <a16:creationId xmlns:a16="http://schemas.microsoft.com/office/drawing/2014/main" xmlns="" id="{1207D76C-BF37-4F01-B8BB-FE57B607A375}"/>
               </a:ext>
             </a:extLst>
           </p:cNvPr>
@@ -30887,7 +31201,7 @@
           <p:cNvPr id="6" name="Rounded Rectangle 12">
             <a:extLst>
               <a:ext uri="{FF2B5EF4-FFF2-40B4-BE49-F238E27FC236}">
-                <a16:creationId xmlns="" xmlns:a16="http://schemas.microsoft.com/office/drawing/2014/main" id="{E6FD45EB-4B3B-4DD8-A910-EDA5C8EB7707}"/>
+                <a16:creationId xmlns:a16="http://schemas.microsoft.com/office/drawing/2014/main" xmlns="" id="{E6FD45EB-4B3B-4DD8-A910-EDA5C8EB7707}"/>
               </a:ext>
             </a:extLst>
           </p:cNvPr>
@@ -30950,7 +31264,7 @@
           <p:cNvPr id="7" name="Rounded Rectangle 16">
             <a:extLst>
               <a:ext uri="{FF2B5EF4-FFF2-40B4-BE49-F238E27FC236}">
-                <a16:creationId xmlns="" xmlns:a16="http://schemas.microsoft.com/office/drawing/2014/main" id="{4E284F8D-B632-4833-9BDA-C5CC6FBBFC2F}"/>
+                <a16:creationId xmlns:a16="http://schemas.microsoft.com/office/drawing/2014/main" xmlns="" id="{4E284F8D-B632-4833-9BDA-C5CC6FBBFC2F}"/>
               </a:ext>
             </a:extLst>
           </p:cNvPr>
@@ -31013,7 +31327,7 @@
           <p:cNvPr id="9" name="文本框 8">
             <a:extLst>
               <a:ext uri="{FF2B5EF4-FFF2-40B4-BE49-F238E27FC236}">
-                <a16:creationId xmlns="" xmlns:a16="http://schemas.microsoft.com/office/drawing/2014/main" id="{D94569BB-535D-4D52-8D4F-1F9923A08119}"/>
+                <a16:creationId xmlns:a16="http://schemas.microsoft.com/office/drawing/2014/main" xmlns="" id="{D94569BB-535D-4D52-8D4F-1F9923A08119}"/>
               </a:ext>
             </a:extLst>
           </p:cNvPr>
@@ -31170,7 +31484,7 @@
           <p:cNvPr id="11" name="文本框 10">
             <a:extLst>
               <a:ext uri="{FF2B5EF4-FFF2-40B4-BE49-F238E27FC236}">
-                <a16:creationId xmlns="" xmlns:a16="http://schemas.microsoft.com/office/drawing/2014/main" id="{23E09859-6C96-41D8-8401-3AAF912A453A}"/>
+                <a16:creationId xmlns:a16="http://schemas.microsoft.com/office/drawing/2014/main" xmlns="" id="{23E09859-6C96-41D8-8401-3AAF912A453A}"/>
               </a:ext>
             </a:extLst>
           </p:cNvPr>
@@ -31327,7 +31641,7 @@
           <p:cNvPr id="13" name="文本框 12">
             <a:extLst>
               <a:ext uri="{FF2B5EF4-FFF2-40B4-BE49-F238E27FC236}">
-                <a16:creationId xmlns="" xmlns:a16="http://schemas.microsoft.com/office/drawing/2014/main" id="{99A86963-B1B8-4349-AAE8-E18C812A6C5A}"/>
+                <a16:creationId xmlns:a16="http://schemas.microsoft.com/office/drawing/2014/main" xmlns="" id="{99A86963-B1B8-4349-AAE8-E18C812A6C5A}"/>
               </a:ext>
             </a:extLst>
           </p:cNvPr>
@@ -31384,7 +31698,7 @@
           <p:cNvPr id="14" name="矩形 13">
             <a:extLst>
               <a:ext uri="{FF2B5EF4-FFF2-40B4-BE49-F238E27FC236}">
-                <a16:creationId xmlns="" xmlns:a16="http://schemas.microsoft.com/office/drawing/2014/main" id="{3A33F266-8553-485A-86D9-E9E07B77F2D6}"/>
+                <a16:creationId xmlns:a16="http://schemas.microsoft.com/office/drawing/2014/main" xmlns="" id="{3A33F266-8553-485A-86D9-E9E07B77F2D6}"/>
               </a:ext>
             </a:extLst>
           </p:cNvPr>
@@ -31418,7 +31732,7 @@
           <p:cNvPr id="16" name="矩形 15">
             <a:extLst>
               <a:ext uri="{FF2B5EF4-FFF2-40B4-BE49-F238E27FC236}">
-                <a16:creationId xmlns="" xmlns:a16="http://schemas.microsoft.com/office/drawing/2014/main" id="{C619AE70-C8E5-4169-8061-82946C8F8782}"/>
+                <a16:creationId xmlns:a16="http://schemas.microsoft.com/office/drawing/2014/main" xmlns="" id="{C619AE70-C8E5-4169-8061-82946C8F8782}"/>
               </a:ext>
             </a:extLst>
           </p:cNvPr>
@@ -31495,7 +31809,7 @@
           <p:cNvPr id="12" name="Rounded Rectangle 12">
             <a:extLst>
               <a:ext uri="{FF2B5EF4-FFF2-40B4-BE49-F238E27FC236}">
-                <a16:creationId xmlns="" xmlns:a16="http://schemas.microsoft.com/office/drawing/2014/main" id="{73BDC5C9-072C-4EDB-B3CA-BFBEACEFAD5E}"/>
+                <a16:creationId xmlns:a16="http://schemas.microsoft.com/office/drawing/2014/main" xmlns="" id="{73BDC5C9-072C-4EDB-B3CA-BFBEACEFAD5E}"/>
               </a:ext>
             </a:extLst>
           </p:cNvPr>
@@ -31559,7 +31873,7 @@
           <p:cNvPr id="15" name="文本框 14">
             <a:extLst>
               <a:ext uri="{FF2B5EF4-FFF2-40B4-BE49-F238E27FC236}">
-                <a16:creationId xmlns="" xmlns:a16="http://schemas.microsoft.com/office/drawing/2014/main" id="{C7C5E76A-5286-48C9-8883-95C90A40DCBD}"/>
+                <a16:creationId xmlns:a16="http://schemas.microsoft.com/office/drawing/2014/main" xmlns="" id="{C7C5E76A-5286-48C9-8883-95C90A40DCBD}"/>
               </a:ext>
             </a:extLst>
           </p:cNvPr>
@@ -31746,7 +32060,7 @@
           <p:cNvPr id="6" name="Rounded Rectangle 12">
             <a:extLst>
               <a:ext uri="{FF2B5EF4-FFF2-40B4-BE49-F238E27FC236}">
-                <a16:creationId xmlns="" xmlns:a16="http://schemas.microsoft.com/office/drawing/2014/main" id="{E6FD45EB-4B3B-4DD8-A910-EDA5C8EB7707}"/>
+                <a16:creationId xmlns:a16="http://schemas.microsoft.com/office/drawing/2014/main" xmlns="" id="{E6FD45EB-4B3B-4DD8-A910-EDA5C8EB7707}"/>
               </a:ext>
             </a:extLst>
           </p:cNvPr>
@@ -31809,7 +32123,7 @@
           <p:cNvPr id="7" name="Rounded Rectangle 16">
             <a:extLst>
               <a:ext uri="{FF2B5EF4-FFF2-40B4-BE49-F238E27FC236}">
-                <a16:creationId xmlns="" xmlns:a16="http://schemas.microsoft.com/office/drawing/2014/main" id="{4E284F8D-B632-4833-9BDA-C5CC6FBBFC2F}"/>
+                <a16:creationId xmlns:a16="http://schemas.microsoft.com/office/drawing/2014/main" xmlns="" id="{4E284F8D-B632-4833-9BDA-C5CC6FBBFC2F}"/>
               </a:ext>
             </a:extLst>
           </p:cNvPr>
@@ -31879,7 +32193,7 @@
           <p:cNvPr id="8" name="文本框 7">
             <a:extLst>
               <a:ext uri="{FF2B5EF4-FFF2-40B4-BE49-F238E27FC236}">
-                <a16:creationId xmlns="" xmlns:a16="http://schemas.microsoft.com/office/drawing/2014/main" id="{F9B4833B-9A8C-4FB8-B16C-F5D22E97BF2D}"/>
+                <a16:creationId xmlns:a16="http://schemas.microsoft.com/office/drawing/2014/main" xmlns="" id="{F9B4833B-9A8C-4FB8-B16C-F5D22E97BF2D}"/>
               </a:ext>
             </a:extLst>
           </p:cNvPr>
@@ -31889,7 +32203,7 @@
         <p:spPr>
           <a:xfrm>
             <a:off x="3434113" y="1936486"/>
-            <a:ext cx="6894874" cy="1323439"/>
+            <a:ext cx="6894874" cy="1015663"/>
           </a:xfrm>
           <a:prstGeom prst="rect">
             <a:avLst/>
@@ -32015,15 +32329,69 @@
                 <a:latin typeface="微软雅黑" panose="020B0503020204020204" pitchFamily="34" charset="-122"/>
                 <a:ea typeface="微软雅黑" panose="020B0503020204020204" pitchFamily="34" charset="-122"/>
               </a:rPr>
-              <a:t>地址运行过的任务，把词典用户的“功能需求”和“使用需求”相结合，进行科学的分析推论，编者们就可以对词库系统做出设置，使得词汇的查询向不同用户导出不同的最合适信息</a:t>
-            </a:r>
-            <a:r>
-              <a:rPr lang="zh-CN" altLang="en-US" dirty="0">
+              <a:t>地址运行过的</a:t>
+            </a:r>
+            <a:r>
+              <a:rPr lang="zh-CN" altLang="en-US" sz="2000" dirty="0" smtClean="0">
                 <a:latin typeface="微软雅黑" panose="020B0503020204020204" pitchFamily="34" charset="-122"/>
                 <a:ea typeface="微软雅黑" panose="020B0503020204020204" pitchFamily="34" charset="-122"/>
               </a:rPr>
-              <a:t>。 </a:t>
-            </a:r>
+              <a:t>任务</a:t>
+            </a:r>
+            <a:endParaRPr lang="zh-CN" altLang="en-US" sz="2000" dirty="0">
+              <a:latin typeface="微软雅黑" panose="020B0503020204020204" pitchFamily="34" charset="-122"/>
+              <a:ea typeface="微软雅黑" panose="020B0503020204020204" pitchFamily="34" charset="-122"/>
+            </a:endParaRPr>
+          </a:p>
+          <a:p>
+            <a:r>
+              <a:rPr lang="zh-CN" altLang="en-US" sz="2000" dirty="0" smtClean="0">
+                <a:latin typeface="微软雅黑" panose="020B0503020204020204" pitchFamily="34" charset="-122"/>
+                <a:ea typeface="微软雅黑" panose="020B0503020204020204" pitchFamily="34" charset="-122"/>
+              </a:rPr>
+              <a:t> “</a:t>
+            </a:r>
+            <a:r>
+              <a:rPr lang="zh-CN" altLang="en-US" sz="2000" dirty="0">
+                <a:latin typeface="微软雅黑" panose="020B0503020204020204" pitchFamily="34" charset="-122"/>
+                <a:ea typeface="微软雅黑" panose="020B0503020204020204" pitchFamily="34" charset="-122"/>
+              </a:rPr>
+              <a:t>功能需求”和“使用需求”相</a:t>
+            </a:r>
+            <a:r>
+              <a:rPr lang="zh-CN" altLang="en-US" sz="2000" dirty="0" smtClean="0">
+                <a:latin typeface="微软雅黑" panose="020B0503020204020204" pitchFamily="34" charset="-122"/>
+                <a:ea typeface="微软雅黑" panose="020B0503020204020204" pitchFamily="34" charset="-122"/>
+              </a:rPr>
+              <a:t>结合</a:t>
+            </a:r>
+          </a:p>
+          <a:p>
+            <a:r>
+              <a:rPr lang="zh-CN" altLang="en-US" sz="2000" dirty="0" smtClean="0">
+                <a:latin typeface="微软雅黑" panose="020B0503020204020204" pitchFamily="34" charset="-122"/>
+                <a:ea typeface="微软雅黑" panose="020B0503020204020204" pitchFamily="34" charset="-122"/>
+              </a:rPr>
+              <a:t>向</a:t>
+            </a:r>
+            <a:r>
+              <a:rPr lang="zh-CN" altLang="en-US" sz="2000" dirty="0">
+                <a:latin typeface="微软雅黑" panose="020B0503020204020204" pitchFamily="34" charset="-122"/>
+                <a:ea typeface="微软雅黑" panose="020B0503020204020204" pitchFamily="34" charset="-122"/>
+              </a:rPr>
+              <a:t>不同用户导出不同的最合适</a:t>
+            </a:r>
+            <a:r>
+              <a:rPr lang="zh-CN" altLang="en-US" sz="2000" dirty="0" smtClean="0">
+                <a:latin typeface="微软雅黑" panose="020B0503020204020204" pitchFamily="34" charset="-122"/>
+                <a:ea typeface="微软雅黑" panose="020B0503020204020204" pitchFamily="34" charset="-122"/>
+              </a:rPr>
+              <a:t>信息</a:t>
+            </a:r>
+            <a:endParaRPr lang="zh-CN" altLang="en-US" dirty="0">
+              <a:latin typeface="微软雅黑" panose="020B0503020204020204" pitchFamily="34" charset="-122"/>
+              <a:ea typeface="微软雅黑" panose="020B0503020204020204" pitchFamily="34" charset="-122"/>
+            </a:endParaRPr>
           </a:p>
         </p:txBody>
       </p:sp>
@@ -32032,7 +32400,7 @@
           <p:cNvPr id="10" name="文本框 9">
             <a:extLst>
               <a:ext uri="{FF2B5EF4-FFF2-40B4-BE49-F238E27FC236}">
-                <a16:creationId xmlns="" xmlns:a16="http://schemas.microsoft.com/office/drawing/2014/main" id="{36746D78-A16E-4069-9EBA-58DD2D39F13B}"/>
+                <a16:creationId xmlns:a16="http://schemas.microsoft.com/office/drawing/2014/main" xmlns="" id="{36746D78-A16E-4069-9EBA-58DD2D39F13B}"/>
               </a:ext>
             </a:extLst>
           </p:cNvPr>
@@ -32224,7 +32592,7 @@
           <p:cNvPr id="14" name="矩形 13">
             <a:extLst>
               <a:ext uri="{FF2B5EF4-FFF2-40B4-BE49-F238E27FC236}">
-                <a16:creationId xmlns="" xmlns:a16="http://schemas.microsoft.com/office/drawing/2014/main" id="{3A33F266-8553-485A-86D9-E9E07B77F2D6}"/>
+                <a16:creationId xmlns:a16="http://schemas.microsoft.com/office/drawing/2014/main" xmlns="" id="{3A33F266-8553-485A-86D9-E9E07B77F2D6}"/>
               </a:ext>
             </a:extLst>
           </p:cNvPr>
@@ -32258,7 +32626,7 @@
           <p:cNvPr id="16" name="矩形 15">
             <a:extLst>
               <a:ext uri="{FF2B5EF4-FFF2-40B4-BE49-F238E27FC236}">
-                <a16:creationId xmlns="" xmlns:a16="http://schemas.microsoft.com/office/drawing/2014/main" id="{C619AE70-C8E5-4169-8061-82946C8F8782}"/>
+                <a16:creationId xmlns:a16="http://schemas.microsoft.com/office/drawing/2014/main" xmlns="" id="{C619AE70-C8E5-4169-8061-82946C8F8782}"/>
               </a:ext>
             </a:extLst>
           </p:cNvPr>
@@ -32365,7 +32733,7 @@
           <p:cNvPr id="6" name="Rounded Rectangle 12">
             <a:extLst>
               <a:ext uri="{FF2B5EF4-FFF2-40B4-BE49-F238E27FC236}">
-                <a16:creationId xmlns="" xmlns:a16="http://schemas.microsoft.com/office/drawing/2014/main" id="{E6FD45EB-4B3B-4DD8-A910-EDA5C8EB7707}"/>
+                <a16:creationId xmlns:a16="http://schemas.microsoft.com/office/drawing/2014/main" xmlns="" id="{E6FD45EB-4B3B-4DD8-A910-EDA5C8EB7707}"/>
               </a:ext>
             </a:extLst>
           </p:cNvPr>
@@ -32424,7 +32792,7 @@
           <p:cNvPr id="7" name="Rounded Rectangle 16">
             <a:extLst>
               <a:ext uri="{FF2B5EF4-FFF2-40B4-BE49-F238E27FC236}">
-                <a16:creationId xmlns="" xmlns:a16="http://schemas.microsoft.com/office/drawing/2014/main" id="{4E284F8D-B632-4833-9BDA-C5CC6FBBFC2F}"/>
+                <a16:creationId xmlns:a16="http://schemas.microsoft.com/office/drawing/2014/main" xmlns="" id="{4E284F8D-B632-4833-9BDA-C5CC6FBBFC2F}"/>
               </a:ext>
             </a:extLst>
           </p:cNvPr>
@@ -32494,7 +32862,7 @@
           <p:cNvPr id="9" name="文本框 8">
             <a:extLst>
               <a:ext uri="{FF2B5EF4-FFF2-40B4-BE49-F238E27FC236}">
-                <a16:creationId xmlns="" xmlns:a16="http://schemas.microsoft.com/office/drawing/2014/main" id="{D94569BB-535D-4D52-8D4F-1F9923A08119}"/>
+                <a16:creationId xmlns:a16="http://schemas.microsoft.com/office/drawing/2014/main" xmlns="" id="{D94569BB-535D-4D52-8D4F-1F9923A08119}"/>
               </a:ext>
             </a:extLst>
           </p:cNvPr>
@@ -32629,7 +32997,7 @@
           <p:cNvPr id="10" name="文本框 9">
             <a:extLst>
               <a:ext uri="{FF2B5EF4-FFF2-40B4-BE49-F238E27FC236}">
-                <a16:creationId xmlns="" xmlns:a16="http://schemas.microsoft.com/office/drawing/2014/main" id="{36746D78-A16E-4069-9EBA-58DD2D39F13B}"/>
+                <a16:creationId xmlns:a16="http://schemas.microsoft.com/office/drawing/2014/main" xmlns="" id="{36746D78-A16E-4069-9EBA-58DD2D39F13B}"/>
               </a:ext>
             </a:extLst>
           </p:cNvPr>
@@ -32751,7 +33119,62 @@
                 <a:latin typeface="微软雅黑" panose="020B0503020204020204" pitchFamily="34" charset="-122"/>
                 <a:ea typeface="微软雅黑" panose="020B0503020204020204" pitchFamily="34" charset="-122"/>
               </a:rPr>
-              <a:t>增加词条与其它词条的映射链接关系的呈现：相关词，联想词，词条所属概念体系的其它常用词，提供同义词，近义词，易混词辨析以及与该词条语义上下位关系的词</a:t>
+              <a:t>增加词条与其它词条的映射链接关系的呈现：相关词，联想词，词条所属概念体系的其它</a:t>
+            </a:r>
+            <a:r>
+              <a:rPr lang="zh-CN" altLang="en-US" dirty="0" smtClean="0">
+                <a:latin typeface="微软雅黑" panose="020B0503020204020204" pitchFamily="34" charset="-122"/>
+                <a:ea typeface="微软雅黑" panose="020B0503020204020204" pitchFamily="34" charset="-122"/>
+              </a:rPr>
+              <a:t>常用词</a:t>
+            </a:r>
+            <a:endParaRPr lang="zh-CN" altLang="en-US" dirty="0">
+              <a:latin typeface="微软雅黑" panose="020B0503020204020204" pitchFamily="34" charset="-122"/>
+              <a:ea typeface="微软雅黑" panose="020B0503020204020204" pitchFamily="34" charset="-122"/>
+            </a:endParaRPr>
+          </a:p>
+          <a:p>
+            <a:r>
+              <a:rPr lang="zh-CN" altLang="en-US" dirty="0" smtClean="0">
+                <a:latin typeface="微软雅黑" panose="020B0503020204020204" pitchFamily="34" charset="-122"/>
+                <a:ea typeface="微软雅黑" panose="020B0503020204020204" pitchFamily="34" charset="-122"/>
+              </a:rPr>
+              <a:t>同义，</a:t>
+            </a:r>
+            <a:r>
+              <a:rPr lang="zh-CN" altLang="en-US" dirty="0">
+                <a:latin typeface="微软雅黑" panose="020B0503020204020204" pitchFamily="34" charset="-122"/>
+                <a:ea typeface="微软雅黑" panose="020B0503020204020204" pitchFamily="34" charset="-122"/>
+              </a:rPr>
+              <a:t>近义词，易混词</a:t>
+            </a:r>
+            <a:r>
+              <a:rPr lang="zh-CN" altLang="en-US" dirty="0" smtClean="0">
+                <a:latin typeface="微软雅黑" panose="020B0503020204020204" pitchFamily="34" charset="-122"/>
+                <a:ea typeface="微软雅黑" panose="020B0503020204020204" pitchFamily="34" charset="-122"/>
+              </a:rPr>
+              <a:t>辨析</a:t>
+            </a:r>
+            <a:r>
+              <a:rPr lang="zh-CN" altLang="en-US" dirty="0">
+                <a:latin typeface="微软雅黑" panose="020B0503020204020204" pitchFamily="34" charset="-122"/>
+                <a:ea typeface="微软雅黑" panose="020B0503020204020204" pitchFamily="34" charset="-122"/>
+              </a:rPr>
+              <a:t> </a:t>
+            </a:r>
+            <a:r>
+              <a:rPr lang="zh-CN" altLang="en-US" dirty="0" smtClean="0">
+                <a:latin typeface="微软雅黑" panose="020B0503020204020204" pitchFamily="34" charset="-122"/>
+                <a:ea typeface="微软雅黑" panose="020B0503020204020204" pitchFamily="34" charset="-122"/>
+              </a:rPr>
+              <a:t>与</a:t>
+            </a:r>
+            <a:r>
+              <a:rPr lang="zh-CN" altLang="en-US" dirty="0">
+                <a:latin typeface="微软雅黑" panose="020B0503020204020204" pitchFamily="34" charset="-122"/>
+                <a:ea typeface="微软雅黑" panose="020B0503020204020204" pitchFamily="34" charset="-122"/>
+              </a:rPr>
+              <a:t>该词条语义上下位关系的词</a:t>
             </a:r>
             <a:endParaRPr lang="en-US" altLang="zh-CN" kern="0" noProof="0" dirty="0">
               <a:ln>
@@ -32777,7 +33200,7 @@
           <p:cNvPr id="14" name="矩形 13">
             <a:extLst>
               <a:ext uri="{FF2B5EF4-FFF2-40B4-BE49-F238E27FC236}">
-                <a16:creationId xmlns="" xmlns:a16="http://schemas.microsoft.com/office/drawing/2014/main" id="{3A33F266-8553-485A-86D9-E9E07B77F2D6}"/>
+                <a16:creationId xmlns:a16="http://schemas.microsoft.com/office/drawing/2014/main" xmlns="" id="{3A33F266-8553-485A-86D9-E9E07B77F2D6}"/>
               </a:ext>
             </a:extLst>
           </p:cNvPr>
@@ -32811,7 +33234,7 @@
           <p:cNvPr id="16" name="矩形 15">
             <a:extLst>
               <a:ext uri="{FF2B5EF4-FFF2-40B4-BE49-F238E27FC236}">
-                <a16:creationId xmlns="" xmlns:a16="http://schemas.microsoft.com/office/drawing/2014/main" id="{C619AE70-C8E5-4169-8061-82946C8F8782}"/>
+                <a16:creationId xmlns:a16="http://schemas.microsoft.com/office/drawing/2014/main" xmlns="" id="{C619AE70-C8E5-4169-8061-82946C8F8782}"/>
               </a:ext>
             </a:extLst>
           </p:cNvPr>
@@ -32918,7 +33341,7 @@
           <p:cNvPr id="5" name="内容占位符 4" descr="图片包含 屏幕截图&#10;&#10;自动生成的说明">
             <a:extLst>
               <a:ext uri="{FF2B5EF4-FFF2-40B4-BE49-F238E27FC236}">
-                <a16:creationId xmlns="" xmlns:a16="http://schemas.microsoft.com/office/drawing/2014/main" id="{02845697-ABF6-4BE8-A4DF-3A96F1504884}"/>
+                <a16:creationId xmlns:a16="http://schemas.microsoft.com/office/drawing/2014/main" xmlns="" id="{02845697-ABF6-4BE8-A4DF-3A96F1504884}"/>
               </a:ext>
             </a:extLst>
           </p:cNvPr>
@@ -32983,7 +33406,7 @@
           <p:cNvPr id="5" name="图片 4" descr="图片包含 文字&#10;&#10;自动生成的说明">
             <a:extLst>
               <a:ext uri="{FF2B5EF4-FFF2-40B4-BE49-F238E27FC236}">
-                <a16:creationId xmlns="" xmlns:a16="http://schemas.microsoft.com/office/drawing/2014/main" id="{869D53BA-0CDE-41BA-9412-D00A8B9B3467}"/>
+                <a16:creationId xmlns:a16="http://schemas.microsoft.com/office/drawing/2014/main" xmlns="" id="{869D53BA-0CDE-41BA-9412-D00A8B9B3467}"/>
               </a:ext>
             </a:extLst>
           </p:cNvPr>
@@ -33175,7 +33598,7 @@
           <p:cNvPr id="7" name="文本框 6">
             <a:extLst>
               <a:ext uri="{FF2B5EF4-FFF2-40B4-BE49-F238E27FC236}">
-                <a16:creationId xmlns="" xmlns:a16="http://schemas.microsoft.com/office/drawing/2014/main" id="{41273B1A-0A9A-4893-85C8-2032A006493D}"/>
+                <a16:creationId xmlns:a16="http://schemas.microsoft.com/office/drawing/2014/main" xmlns="" id="{41273B1A-0A9A-4893-85C8-2032A006493D}"/>
               </a:ext>
             </a:extLst>
           </p:cNvPr>
@@ -33216,7 +33639,7 @@
           <p:cNvPr id="8" name="文本框 7">
             <a:extLst>
               <a:ext uri="{FF2B5EF4-FFF2-40B4-BE49-F238E27FC236}">
-                <a16:creationId xmlns="" xmlns:a16="http://schemas.microsoft.com/office/drawing/2014/main" id="{2030E6C3-6D08-42B0-AE21-0AF65A099FF5}"/>
+                <a16:creationId xmlns:a16="http://schemas.microsoft.com/office/drawing/2014/main" xmlns="" id="{2030E6C3-6D08-42B0-AE21-0AF65A099FF5}"/>
               </a:ext>
             </a:extLst>
           </p:cNvPr>
@@ -33471,7 +33894,7 @@
           <p:cNvPr id="2" name="椭圆 1">
             <a:extLst>
               <a:ext uri="{FF2B5EF4-FFF2-40B4-BE49-F238E27FC236}">
-                <a16:creationId xmlns="" xmlns:a16="http://schemas.microsoft.com/office/drawing/2014/main" id="{7FA72E45-BA5D-4DBB-B8D5-3CC7C0A63E6A}"/>
+                <a16:creationId xmlns:a16="http://schemas.microsoft.com/office/drawing/2014/main" xmlns="" id="{7FA72E45-BA5D-4DBB-B8D5-3CC7C0A63E6A}"/>
               </a:ext>
             </a:extLst>
           </p:cNvPr>
@@ -33527,7 +33950,7 @@
           <p:cNvPr id="3" name="文本框 2">
             <a:extLst>
               <a:ext uri="{FF2B5EF4-FFF2-40B4-BE49-F238E27FC236}">
-                <a16:creationId xmlns="" xmlns:a16="http://schemas.microsoft.com/office/drawing/2014/main" id="{91659A41-69E8-4CE1-A8A2-63974D6F5889}"/>
+                <a16:creationId xmlns:a16="http://schemas.microsoft.com/office/drawing/2014/main" xmlns="" id="{91659A41-69E8-4CE1-A8A2-63974D6F5889}"/>
               </a:ext>
             </a:extLst>
           </p:cNvPr>
@@ -33568,7 +33991,7 @@
           <p:cNvPr id="4" name="椭圆 3">
             <a:extLst>
               <a:ext uri="{FF2B5EF4-FFF2-40B4-BE49-F238E27FC236}">
-                <a16:creationId xmlns="" xmlns:a16="http://schemas.microsoft.com/office/drawing/2014/main" id="{CBF29D2C-4A12-405A-9244-78104A486F0E}"/>
+                <a16:creationId xmlns:a16="http://schemas.microsoft.com/office/drawing/2014/main" xmlns="" id="{CBF29D2C-4A12-405A-9244-78104A486F0E}"/>
               </a:ext>
             </a:extLst>
           </p:cNvPr>
@@ -33626,7 +34049,7 @@
           <p:cNvPr id="13" name="椭圆 12">
             <a:extLst>
               <a:ext uri="{FF2B5EF4-FFF2-40B4-BE49-F238E27FC236}">
-                <a16:creationId xmlns="" xmlns:a16="http://schemas.microsoft.com/office/drawing/2014/main" id="{CFF23A4E-1782-4970-9965-7B9806374928}"/>
+                <a16:creationId xmlns:a16="http://schemas.microsoft.com/office/drawing/2014/main" xmlns="" id="{CFF23A4E-1782-4970-9965-7B9806374928}"/>
               </a:ext>
             </a:extLst>
           </p:cNvPr>
@@ -33684,7 +34107,7 @@
           <p:cNvPr id="14" name="椭圆 13">
             <a:extLst>
               <a:ext uri="{FF2B5EF4-FFF2-40B4-BE49-F238E27FC236}">
-                <a16:creationId xmlns="" xmlns:a16="http://schemas.microsoft.com/office/drawing/2014/main" id="{A87DE1FC-0A46-4A16-A6F3-83FE6831B0B9}"/>
+                <a16:creationId xmlns:a16="http://schemas.microsoft.com/office/drawing/2014/main" xmlns="" id="{A87DE1FC-0A46-4A16-A6F3-83FE6831B0B9}"/>
               </a:ext>
             </a:extLst>
           </p:cNvPr>
@@ -33742,7 +34165,7 @@
           <p:cNvPr id="15" name="椭圆 14">
             <a:extLst>
               <a:ext uri="{FF2B5EF4-FFF2-40B4-BE49-F238E27FC236}">
-                <a16:creationId xmlns="" xmlns:a16="http://schemas.microsoft.com/office/drawing/2014/main" id="{D4D6D67D-564B-475B-826C-77764DE4EF2C}"/>
+                <a16:creationId xmlns:a16="http://schemas.microsoft.com/office/drawing/2014/main" xmlns="" id="{D4D6D67D-564B-475B-826C-77764DE4EF2C}"/>
               </a:ext>
             </a:extLst>
           </p:cNvPr>
@@ -33800,7 +34223,7 @@
           <p:cNvPr id="16" name="椭圆 15">
             <a:extLst>
               <a:ext uri="{FF2B5EF4-FFF2-40B4-BE49-F238E27FC236}">
-                <a16:creationId xmlns="" xmlns:a16="http://schemas.microsoft.com/office/drawing/2014/main" id="{28285C35-0D2D-4AF9-8D67-BCF22B7C9035}"/>
+                <a16:creationId xmlns:a16="http://schemas.microsoft.com/office/drawing/2014/main" xmlns="" id="{28285C35-0D2D-4AF9-8D67-BCF22B7C9035}"/>
               </a:ext>
             </a:extLst>
           </p:cNvPr>
@@ -33858,7 +34281,7 @@
           <p:cNvPr id="20" name="组合 19">
             <a:extLst>
               <a:ext uri="{FF2B5EF4-FFF2-40B4-BE49-F238E27FC236}">
-                <a16:creationId xmlns="" xmlns:a16="http://schemas.microsoft.com/office/drawing/2014/main" id="{0FA7F2A0-BF41-43EE-ABD9-C5A661FABC8C}"/>
+                <a16:creationId xmlns:a16="http://schemas.microsoft.com/office/drawing/2014/main" xmlns="" id="{0FA7F2A0-BF41-43EE-ABD9-C5A661FABC8C}"/>
               </a:ext>
             </a:extLst>
           </p:cNvPr>
@@ -33878,7 +34301,7 @@
             <p:cNvPr id="18" name="矩形: 圆角 17">
               <a:extLst>
                 <a:ext uri="{FF2B5EF4-FFF2-40B4-BE49-F238E27FC236}">
-                  <a16:creationId xmlns="" xmlns:a16="http://schemas.microsoft.com/office/drawing/2014/main" id="{B74874E4-6A96-461A-8AF1-A816EBFAFC57}"/>
+                  <a16:creationId xmlns:a16="http://schemas.microsoft.com/office/drawing/2014/main" xmlns="" id="{B74874E4-6A96-461A-8AF1-A816EBFAFC57}"/>
                 </a:ext>
               </a:extLst>
             </p:cNvPr>
@@ -33930,7 +34353,7 @@
             <p:cNvPr id="19" name="文本框 18">
               <a:extLst>
                 <a:ext uri="{FF2B5EF4-FFF2-40B4-BE49-F238E27FC236}">
-                  <a16:creationId xmlns="" xmlns:a16="http://schemas.microsoft.com/office/drawing/2014/main" id="{1B09DDA9-3B1F-42A8-9AA3-B81E14C7A8C1}"/>
+                  <a16:creationId xmlns:a16="http://schemas.microsoft.com/office/drawing/2014/main" xmlns="" id="{1B09DDA9-3B1F-42A8-9AA3-B81E14C7A8C1}"/>
                 </a:ext>
               </a:extLst>
             </p:cNvPr>
@@ -34093,7 +34516,7 @@
           <p:cNvPr id="21" name="矩形: 圆角 20">
             <a:extLst>
               <a:ext uri="{FF2B5EF4-FFF2-40B4-BE49-F238E27FC236}">
-                <a16:creationId xmlns="" xmlns:a16="http://schemas.microsoft.com/office/drawing/2014/main" id="{E977BA27-9793-44E6-A225-D0E0BB1FF3CD}"/>
+                <a16:creationId xmlns:a16="http://schemas.microsoft.com/office/drawing/2014/main" xmlns="" id="{E977BA27-9793-44E6-A225-D0E0BB1FF3CD}"/>
               </a:ext>
             </a:extLst>
           </p:cNvPr>
@@ -34145,7 +34568,7 @@
           <p:cNvPr id="22" name="文本框 21">
             <a:extLst>
               <a:ext uri="{FF2B5EF4-FFF2-40B4-BE49-F238E27FC236}">
-                <a16:creationId xmlns="" xmlns:a16="http://schemas.microsoft.com/office/drawing/2014/main" id="{6EB62D2B-32EE-4F67-924E-3ED0419A1972}"/>
+                <a16:creationId xmlns:a16="http://schemas.microsoft.com/office/drawing/2014/main" xmlns="" id="{6EB62D2B-32EE-4F67-924E-3ED0419A1972}"/>
               </a:ext>
             </a:extLst>
           </p:cNvPr>
@@ -34189,7 +34612,7 @@
           <p:cNvPr id="23" name="矩形: 圆角 22">
             <a:extLst>
               <a:ext uri="{FF2B5EF4-FFF2-40B4-BE49-F238E27FC236}">
-                <a16:creationId xmlns="" xmlns:a16="http://schemas.microsoft.com/office/drawing/2014/main" id="{124F1534-677C-42BA-A08C-A4F67FA7F98C}"/>
+                <a16:creationId xmlns:a16="http://schemas.microsoft.com/office/drawing/2014/main" xmlns="" id="{124F1534-677C-42BA-A08C-A4F67FA7F98C}"/>
               </a:ext>
             </a:extLst>
           </p:cNvPr>
@@ -34241,7 +34664,7 @@
           <p:cNvPr id="24" name="文本框 23">
             <a:extLst>
               <a:ext uri="{FF2B5EF4-FFF2-40B4-BE49-F238E27FC236}">
-                <a16:creationId xmlns="" xmlns:a16="http://schemas.microsoft.com/office/drawing/2014/main" id="{EC0D9FAB-0A33-4269-9633-360D15B930A4}"/>
+                <a16:creationId xmlns:a16="http://schemas.microsoft.com/office/drawing/2014/main" xmlns="" id="{EC0D9FAB-0A33-4269-9633-360D15B930A4}"/>
               </a:ext>
             </a:extLst>
           </p:cNvPr>
@@ -34341,7 +34764,7 @@
           <p:cNvPr id="25" name="矩形: 圆角 24">
             <a:extLst>
               <a:ext uri="{FF2B5EF4-FFF2-40B4-BE49-F238E27FC236}">
-                <a16:creationId xmlns="" xmlns:a16="http://schemas.microsoft.com/office/drawing/2014/main" id="{FF024270-F1AE-4C60-90EC-B121618F5159}"/>
+                <a16:creationId xmlns:a16="http://schemas.microsoft.com/office/drawing/2014/main" xmlns="" id="{FF024270-F1AE-4C60-90EC-B121618F5159}"/>
               </a:ext>
             </a:extLst>
           </p:cNvPr>
@@ -34393,7 +34816,7 @@
           <p:cNvPr id="26" name="文本框 25">
             <a:extLst>
               <a:ext uri="{FF2B5EF4-FFF2-40B4-BE49-F238E27FC236}">
-                <a16:creationId xmlns="" xmlns:a16="http://schemas.microsoft.com/office/drawing/2014/main" id="{1FF3640D-F3A9-4685-9837-32EA4A78D4B7}"/>
+                <a16:creationId xmlns:a16="http://schemas.microsoft.com/office/drawing/2014/main" xmlns="" id="{1FF3640D-F3A9-4685-9837-32EA4A78D4B7}"/>
               </a:ext>
             </a:extLst>
           </p:cNvPr>
@@ -36122,7 +36545,7 @@
           <p:cNvPr id="8" name="文本框 7">
             <a:extLst>
               <a:ext uri="{FF2B5EF4-FFF2-40B4-BE49-F238E27FC236}">
-                <a16:creationId xmlns="" xmlns:a16="http://schemas.microsoft.com/office/drawing/2014/main" id="{2030E6C3-6D08-42B0-AE21-0AF65A099FF5}"/>
+                <a16:creationId xmlns:a16="http://schemas.microsoft.com/office/drawing/2014/main" xmlns="" id="{2030E6C3-6D08-42B0-AE21-0AF65A099FF5}"/>
               </a:ext>
             </a:extLst>
           </p:cNvPr>
@@ -36898,7 +37321,7 @@
           <p:cNvPr id="19" name="文本框 18">
             <a:extLst>
               <a:ext uri="{FF2B5EF4-FFF2-40B4-BE49-F238E27FC236}">
-                <a16:creationId xmlns="" xmlns:a16="http://schemas.microsoft.com/office/drawing/2014/main" id="{D96C8DEE-2B12-4999-A8A3-EB70C0DD6154}"/>
+                <a16:creationId xmlns:a16="http://schemas.microsoft.com/office/drawing/2014/main" xmlns="" id="{D96C8DEE-2B12-4999-A8A3-EB70C0DD6154}"/>
               </a:ext>
             </a:extLst>
           </p:cNvPr>
@@ -36947,7 +37370,7 @@
           <p:cNvPr id="23" name="文本框 22">
             <a:extLst>
               <a:ext uri="{FF2B5EF4-FFF2-40B4-BE49-F238E27FC236}">
-                <a16:creationId xmlns="" xmlns:a16="http://schemas.microsoft.com/office/drawing/2014/main" id="{9727FEFB-5E60-4158-B373-1EC985E77D5C}"/>
+                <a16:creationId xmlns:a16="http://schemas.microsoft.com/office/drawing/2014/main" xmlns="" id="{9727FEFB-5E60-4158-B373-1EC985E77D5C}"/>
               </a:ext>
             </a:extLst>
           </p:cNvPr>
@@ -36996,7 +37419,7 @@
           <p:cNvPr id="24" name="文本框 23">
             <a:extLst>
               <a:ext uri="{FF2B5EF4-FFF2-40B4-BE49-F238E27FC236}">
-                <a16:creationId xmlns="" xmlns:a16="http://schemas.microsoft.com/office/drawing/2014/main" id="{DD98CE8E-EDEF-48EF-8E06-D36DEB775E77}"/>
+                <a16:creationId xmlns:a16="http://schemas.microsoft.com/office/drawing/2014/main" xmlns="" id="{DD98CE8E-EDEF-48EF-8E06-D36DEB775E77}"/>
               </a:ext>
             </a:extLst>
           </p:cNvPr>
@@ -37075,7 +37498,7 @@
           <p:cNvPr id="4" name="椭圆 3">
             <a:extLst>
               <a:ext uri="{FF2B5EF4-FFF2-40B4-BE49-F238E27FC236}">
-                <a16:creationId xmlns="" xmlns:a16="http://schemas.microsoft.com/office/drawing/2014/main" id="{8D2B5B3F-3CB5-42B7-BBDF-D12156F91010}"/>
+                <a16:creationId xmlns:a16="http://schemas.microsoft.com/office/drawing/2014/main" xmlns="" id="{8D2B5B3F-3CB5-42B7-BBDF-D12156F91010}"/>
               </a:ext>
             </a:extLst>
           </p:cNvPr>
@@ -37127,7 +37550,7 @@
           <p:cNvPr id="7" name="文本框 6">
             <a:extLst>
               <a:ext uri="{FF2B5EF4-FFF2-40B4-BE49-F238E27FC236}">
-                <a16:creationId xmlns="" xmlns:a16="http://schemas.microsoft.com/office/drawing/2014/main" id="{379ECFDC-06CB-48E6-8748-DBF7CA915365}"/>
+                <a16:creationId xmlns:a16="http://schemas.microsoft.com/office/drawing/2014/main" xmlns="" id="{379ECFDC-06CB-48E6-8748-DBF7CA915365}"/>
               </a:ext>
             </a:extLst>
           </p:cNvPr>
@@ -37165,7 +37588,7 @@
           <p:cNvPr id="9" name="椭圆 8">
             <a:extLst>
               <a:ext uri="{FF2B5EF4-FFF2-40B4-BE49-F238E27FC236}">
-                <a16:creationId xmlns="" xmlns:a16="http://schemas.microsoft.com/office/drawing/2014/main" id="{62AD7252-080D-445E-9D18-19ACC6A0906E}"/>
+                <a16:creationId xmlns:a16="http://schemas.microsoft.com/office/drawing/2014/main" xmlns="" id="{62AD7252-080D-445E-9D18-19ACC6A0906E}"/>
               </a:ext>
             </a:extLst>
           </p:cNvPr>
@@ -37217,7 +37640,7 @@
           <p:cNvPr id="12" name="文本框 11">
             <a:extLst>
               <a:ext uri="{FF2B5EF4-FFF2-40B4-BE49-F238E27FC236}">
-                <a16:creationId xmlns="" xmlns:a16="http://schemas.microsoft.com/office/drawing/2014/main" id="{642799FD-76FA-420D-9286-AD4AC1DF402E}"/>
+                <a16:creationId xmlns:a16="http://schemas.microsoft.com/office/drawing/2014/main" xmlns="" id="{642799FD-76FA-420D-9286-AD4AC1DF402E}"/>
               </a:ext>
             </a:extLst>
           </p:cNvPr>
@@ -37488,7 +37911,7 @@
           <p:cNvPr id="3" name="文本框 2">
             <a:extLst>
               <a:ext uri="{FF2B5EF4-FFF2-40B4-BE49-F238E27FC236}">
-                <a16:creationId xmlns="" xmlns:a16="http://schemas.microsoft.com/office/drawing/2014/main" id="{A351FB82-D77B-4358-8F4B-DF0F2F56BEDB}"/>
+                <a16:creationId xmlns:a16="http://schemas.microsoft.com/office/drawing/2014/main" xmlns="" id="{A351FB82-D77B-4358-8F4B-DF0F2F56BEDB}"/>
               </a:ext>
             </a:extLst>
           </p:cNvPr>
@@ -37743,7 +38166,7 @@
           <p:cNvPr id="2" name="矩形 1">
             <a:extLst>
               <a:ext uri="{FF2B5EF4-FFF2-40B4-BE49-F238E27FC236}">
-                <a16:creationId xmlns="" xmlns:a16="http://schemas.microsoft.com/office/drawing/2014/main" id="{73016DA7-04CC-4301-B919-D5BA942F4036}"/>
+                <a16:creationId xmlns:a16="http://schemas.microsoft.com/office/drawing/2014/main" xmlns="" id="{73016DA7-04CC-4301-B919-D5BA942F4036}"/>
               </a:ext>
             </a:extLst>
           </p:cNvPr>
@@ -37903,7 +38326,7 @@
           <p:cNvPr id="4" name="椭圆 3">
             <a:extLst>
               <a:ext uri="{FF2B5EF4-FFF2-40B4-BE49-F238E27FC236}">
-                <a16:creationId xmlns="" xmlns:a16="http://schemas.microsoft.com/office/drawing/2014/main" id="{8D2B5B3F-3CB5-42B7-BBDF-D12156F91010}"/>
+                <a16:creationId xmlns:a16="http://schemas.microsoft.com/office/drawing/2014/main" xmlns="" id="{8D2B5B3F-3CB5-42B7-BBDF-D12156F91010}"/>
               </a:ext>
             </a:extLst>
           </p:cNvPr>
@@ -37955,7 +38378,7 @@
           <p:cNvPr id="6" name="图片 5" descr="图片包含 屏幕截图&#10;&#10;自动生成的说明">
             <a:extLst>
               <a:ext uri="{FF2B5EF4-FFF2-40B4-BE49-F238E27FC236}">
-                <a16:creationId xmlns="" xmlns:a16="http://schemas.microsoft.com/office/drawing/2014/main" id="{488EF7BC-F038-4866-A483-0F8994B928D5}"/>
+                <a16:creationId xmlns:a16="http://schemas.microsoft.com/office/drawing/2014/main" xmlns="" id="{488EF7BC-F038-4866-A483-0F8994B928D5}"/>
               </a:ext>
             </a:extLst>
           </p:cNvPr>
@@ -37991,7 +38414,7 @@
           <p:cNvPr id="7" name="文本框 6">
             <a:extLst>
               <a:ext uri="{FF2B5EF4-FFF2-40B4-BE49-F238E27FC236}">
-                <a16:creationId xmlns="" xmlns:a16="http://schemas.microsoft.com/office/drawing/2014/main" id="{379ECFDC-06CB-48E6-8748-DBF7CA915365}"/>
+                <a16:creationId xmlns:a16="http://schemas.microsoft.com/office/drawing/2014/main" xmlns="" id="{379ECFDC-06CB-48E6-8748-DBF7CA915365}"/>
               </a:ext>
             </a:extLst>
           </p:cNvPr>
@@ -38029,7 +38452,7 @@
           <p:cNvPr id="9" name="椭圆 8">
             <a:extLst>
               <a:ext uri="{FF2B5EF4-FFF2-40B4-BE49-F238E27FC236}">
-                <a16:creationId xmlns="" xmlns:a16="http://schemas.microsoft.com/office/drawing/2014/main" id="{62AD7252-080D-445E-9D18-19ACC6A0906E}"/>
+                <a16:creationId xmlns:a16="http://schemas.microsoft.com/office/drawing/2014/main" xmlns="" id="{62AD7252-080D-445E-9D18-19ACC6A0906E}"/>
               </a:ext>
             </a:extLst>
           </p:cNvPr>
@@ -38081,7 +38504,7 @@
           <p:cNvPr id="12" name="文本框 11">
             <a:extLst>
               <a:ext uri="{FF2B5EF4-FFF2-40B4-BE49-F238E27FC236}">
-                <a16:creationId xmlns="" xmlns:a16="http://schemas.microsoft.com/office/drawing/2014/main" id="{642799FD-76FA-420D-9286-AD4AC1DF402E}"/>
+                <a16:creationId xmlns:a16="http://schemas.microsoft.com/office/drawing/2014/main" xmlns="" id="{642799FD-76FA-420D-9286-AD4AC1DF402E}"/>
               </a:ext>
             </a:extLst>
           </p:cNvPr>
@@ -38090,8 +38513,8 @@
         </p:nvSpPr>
         <p:spPr>
           <a:xfrm>
-            <a:off x="2159238" y="1370182"/>
-            <a:ext cx="6177064" cy="3966150"/>
+            <a:off x="2342080" y="3429000"/>
+            <a:ext cx="6177064" cy="2613023"/>
           </a:xfrm>
           <a:prstGeom prst="rect">
             <a:avLst/>
@@ -38110,13 +38533,13 @@
               </a:lnSpc>
             </a:pPr>
             <a:r>
-              <a:rPr lang="zh-CN" altLang="en-US" sz="2800" dirty="0">
+              <a:rPr lang="zh-CN" altLang="en-US" dirty="0" smtClean="0">
                 <a:latin typeface="微软雅黑" panose="020B0503020204020204" pitchFamily="34" charset="-122"/>
                 <a:ea typeface="微软雅黑" panose="020B0503020204020204" pitchFamily="34" charset="-122"/>
               </a:rPr>
               <a:t>相同点：检索方式</a:t>
             </a:r>
-            <a:endParaRPr lang="en-US" altLang="zh-CN" sz="2800" dirty="0">
+            <a:endParaRPr lang="en-US" altLang="zh-CN" dirty="0" smtClean="0">
               <a:latin typeface="微软雅黑" panose="020B0503020204020204" pitchFamily="34" charset="-122"/>
               <a:ea typeface="微软雅黑" panose="020B0503020204020204" pitchFamily="34" charset="-122"/>
             </a:endParaRPr>
@@ -38128,20 +38551,20 @@
               </a:lnSpc>
             </a:pPr>
             <a:r>
-              <a:rPr lang="en-US" altLang="zh-CN" sz="2800" dirty="0">
+              <a:rPr lang="en-US" altLang="zh-CN" dirty="0" smtClean="0">
                 <a:latin typeface="微软雅黑" panose="020B0503020204020204" pitchFamily="34" charset="-122"/>
                 <a:ea typeface="微软雅黑" panose="020B0503020204020204" pitchFamily="34" charset="-122"/>
               </a:rPr>
               <a:t>              </a:t>
             </a:r>
             <a:r>
-              <a:rPr lang="zh-CN" altLang="en-US" sz="2800" dirty="0">
+              <a:rPr lang="zh-CN" altLang="en-US" dirty="0" smtClean="0">
                 <a:latin typeface="微软雅黑" panose="020B0503020204020204" pitchFamily="34" charset="-122"/>
                 <a:ea typeface="微软雅黑" panose="020B0503020204020204" pitchFamily="34" charset="-122"/>
               </a:rPr>
               <a:t>数据来源</a:t>
             </a:r>
-            <a:endParaRPr lang="en-US" altLang="zh-CN" sz="2800" dirty="0">
+            <a:endParaRPr lang="en-US" altLang="zh-CN" dirty="0" smtClean="0">
               <a:latin typeface="微软雅黑" panose="020B0503020204020204" pitchFamily="34" charset="-122"/>
               <a:ea typeface="微软雅黑" panose="020B0503020204020204" pitchFamily="34" charset="-122"/>
             </a:endParaRPr>
@@ -38153,20 +38576,20 @@
               </a:lnSpc>
             </a:pPr>
             <a:r>
-              <a:rPr lang="en-US" altLang="zh-CN" sz="2800" dirty="0">
+              <a:rPr lang="en-US" altLang="zh-CN" dirty="0" smtClean="0">
                 <a:latin typeface="微软雅黑" panose="020B0503020204020204" pitchFamily="34" charset="-122"/>
                 <a:ea typeface="微软雅黑" panose="020B0503020204020204" pitchFamily="34" charset="-122"/>
               </a:rPr>
               <a:t>              </a:t>
             </a:r>
             <a:r>
-              <a:rPr lang="zh-CN" altLang="en-US" sz="2800" dirty="0">
+              <a:rPr lang="zh-CN" altLang="en-US" dirty="0" smtClean="0">
                 <a:latin typeface="微软雅黑" panose="020B0503020204020204" pitchFamily="34" charset="-122"/>
                 <a:ea typeface="微软雅黑" panose="020B0503020204020204" pitchFamily="34" charset="-122"/>
               </a:rPr>
               <a:t>呈现形式</a:t>
             </a:r>
-            <a:endParaRPr lang="en-US" altLang="zh-CN" sz="2800" dirty="0">
+            <a:endParaRPr lang="en-US" altLang="zh-CN" dirty="0" smtClean="0">
               <a:latin typeface="微软雅黑" panose="020B0503020204020204" pitchFamily="34" charset="-122"/>
               <a:ea typeface="微软雅黑" panose="020B0503020204020204" pitchFamily="34" charset="-122"/>
             </a:endParaRPr>
@@ -38177,7 +38600,7 @@
                 <a:spcPct val="130000"/>
               </a:lnSpc>
             </a:pPr>
-            <a:endParaRPr lang="en-US" altLang="zh-CN" sz="2800" dirty="0">
+            <a:endParaRPr lang="en-US" altLang="zh-CN" dirty="0" smtClean="0">
               <a:latin typeface="微软雅黑" panose="020B0503020204020204" pitchFamily="34" charset="-122"/>
               <a:ea typeface="微软雅黑" panose="020B0503020204020204" pitchFamily="34" charset="-122"/>
             </a:endParaRPr>
@@ -38189,13 +38612,13 @@
               </a:lnSpc>
             </a:pPr>
             <a:r>
-              <a:rPr lang="zh-CN" altLang="en-US" sz="2800" dirty="0">
+              <a:rPr lang="zh-CN" altLang="en-US" dirty="0" smtClean="0">
                 <a:latin typeface="微软雅黑" panose="020B0503020204020204" pitchFamily="34" charset="-122"/>
                 <a:ea typeface="微软雅黑" panose="020B0503020204020204" pitchFamily="34" charset="-122"/>
               </a:rPr>
               <a:t>不同点： 包含论文例句</a:t>
             </a:r>
-            <a:endParaRPr lang="en-US" altLang="zh-CN" sz="2800" dirty="0">
+            <a:endParaRPr lang="en-US" altLang="zh-CN" dirty="0" smtClean="0">
               <a:latin typeface="微软雅黑" panose="020B0503020204020204" pitchFamily="34" charset="-122"/>
               <a:ea typeface="微软雅黑" panose="020B0503020204020204" pitchFamily="34" charset="-122"/>
             </a:endParaRPr>
@@ -38207,20 +38630,20 @@
               </a:lnSpc>
             </a:pPr>
             <a:r>
-              <a:rPr lang="en-US" altLang="zh-CN" sz="2800" dirty="0">
+              <a:rPr lang="en-US" altLang="zh-CN" dirty="0" smtClean="0">
                 <a:latin typeface="微软雅黑" panose="020B0503020204020204" pitchFamily="34" charset="-122"/>
                 <a:ea typeface="微软雅黑" panose="020B0503020204020204" pitchFamily="34" charset="-122"/>
               </a:rPr>
               <a:t>              </a:t>
             </a:r>
             <a:r>
-              <a:rPr lang="zh-CN" altLang="en-US" sz="2800" dirty="0">
+              <a:rPr lang="zh-CN" altLang="en-US" dirty="0" smtClean="0">
                 <a:latin typeface="微软雅黑" panose="020B0503020204020204" pitchFamily="34" charset="-122"/>
                 <a:ea typeface="微软雅黑" panose="020B0503020204020204" pitchFamily="34" charset="-122"/>
               </a:rPr>
               <a:t>首选释义为医学释义</a:t>
             </a:r>
-            <a:endParaRPr lang="en-US" altLang="zh-CN" sz="2800" dirty="0">
+            <a:endParaRPr lang="en-US" altLang="zh-CN" dirty="0" smtClean="0">
               <a:latin typeface="微软雅黑" panose="020B0503020204020204" pitchFamily="34" charset="-122"/>
               <a:ea typeface="微软雅黑" panose="020B0503020204020204" pitchFamily="34" charset="-122"/>
             </a:endParaRPr>
@@ -38232,20 +38655,20 @@
               </a:lnSpc>
             </a:pPr>
             <a:r>
-              <a:rPr lang="en-US" altLang="zh-CN" sz="2800" dirty="0">
+              <a:rPr lang="en-US" altLang="zh-CN" dirty="0" smtClean="0">
                 <a:latin typeface="微软雅黑" panose="020B0503020204020204" pitchFamily="34" charset="-122"/>
                 <a:ea typeface="微软雅黑" panose="020B0503020204020204" pitchFamily="34" charset="-122"/>
               </a:rPr>
               <a:t>              </a:t>
             </a:r>
             <a:r>
-              <a:rPr lang="zh-CN" altLang="en-US" sz="2800" dirty="0">
+              <a:rPr lang="zh-CN" altLang="en-US" dirty="0" smtClean="0">
                 <a:latin typeface="微软雅黑" panose="020B0503020204020204" pitchFamily="34" charset="-122"/>
                 <a:ea typeface="微软雅黑" panose="020B0503020204020204" pitchFamily="34" charset="-122"/>
               </a:rPr>
               <a:t>包含百科</a:t>
             </a:r>
-            <a:endParaRPr lang="zh-CN" altLang="en-US" dirty="0"/>
+            <a:endParaRPr lang="zh-CN" altLang="en-US" sz="1200" dirty="0"/>
           </a:p>
         </p:txBody>
       </p:sp>
@@ -38254,7 +38677,7 @@
           <p:cNvPr id="15" name="图片 14" descr="图片包含 屏幕截图&#10;&#10;自动生成的说明">
             <a:extLst>
               <a:ext uri="{FF2B5EF4-FFF2-40B4-BE49-F238E27FC236}">
-                <a16:creationId xmlns="" xmlns:a16="http://schemas.microsoft.com/office/drawing/2014/main" id="{F65B923F-989D-446B-891C-AE4D51848520}"/>
+                <a16:creationId xmlns:a16="http://schemas.microsoft.com/office/drawing/2014/main" xmlns="" id="{F65B923F-989D-446B-891C-AE4D51848520}"/>
               </a:ext>
             </a:extLst>
           </p:cNvPr>
@@ -38285,6 +38708,329 @@
           </a:prstGeom>
         </p:spPr>
       </p:pic>
+      <p:sp>
+        <p:nvSpPr>
+          <p:cNvPr id="3" name="Rectangle 2"/>
+          <p:cNvSpPr/>
+          <p:nvPr/>
+        </p:nvSpPr>
+        <p:spPr>
+          <a:xfrm>
+            <a:off x="2423144" y="922214"/>
+            <a:ext cx="6096000" cy="2332946"/>
+          </a:xfrm>
+          <a:prstGeom prst="rect">
+            <a:avLst/>
+          </a:prstGeom>
+        </p:spPr>
+        <p:txBody>
+          <a:bodyPr>
+            <a:spAutoFit/>
+          </a:bodyPr>
+          <a:lstStyle/>
+          <a:p>
+            <a:pPr>
+              <a:lnSpc>
+                <a:spcPct val="130000"/>
+              </a:lnSpc>
+            </a:pPr>
+            <a:r>
+              <a:rPr lang="zh-CN" altLang="en-US" sz="1600" dirty="0">
+                <a:latin typeface="微软雅黑" panose="020B0503020204020204" pitchFamily="34" charset="-122"/>
+                <a:ea typeface="微软雅黑" panose="020B0503020204020204" pitchFamily="34" charset="-122"/>
+              </a:rPr>
+              <a:t>医学</a:t>
+            </a:r>
+            <a:r>
+              <a:rPr lang="zh-CN" altLang="en-US" sz="1600" dirty="0">
+                <a:latin typeface="微软雅黑" panose="020B0503020204020204" pitchFamily="34" charset="-122"/>
+                <a:ea typeface="微软雅黑" panose="020B0503020204020204" pitchFamily="34" charset="-122"/>
+              </a:rPr>
+              <a:t>辞典已经做成</a:t>
+            </a:r>
+            <a:r>
+              <a:rPr lang="en-US" altLang="zh-CN" sz="1600" dirty="0">
+                <a:latin typeface="微软雅黑" panose="020B0503020204020204" pitchFamily="34" charset="-122"/>
+                <a:ea typeface="微软雅黑" panose="020B0503020204020204" pitchFamily="34" charset="-122"/>
+              </a:rPr>
+              <a:t>APP</a:t>
+            </a:r>
+            <a:r>
+              <a:rPr lang="zh-CN" altLang="en-US" sz="1600" dirty="0">
+                <a:latin typeface="微软雅黑" panose="020B0503020204020204" pitchFamily="34" charset="-122"/>
+                <a:ea typeface="微软雅黑" panose="020B0503020204020204" pitchFamily="34" charset="-122"/>
+              </a:rPr>
+              <a:t>的有以下几</a:t>
+            </a:r>
+            <a:r>
+              <a:rPr lang="zh-CN" altLang="en-US" sz="1600" dirty="0">
+                <a:latin typeface="微软雅黑" panose="020B0503020204020204" pitchFamily="34" charset="-122"/>
+                <a:ea typeface="微软雅黑" panose="020B0503020204020204" pitchFamily="34" charset="-122"/>
+              </a:rPr>
+              <a:t>个</a:t>
+            </a:r>
+            <a:r>
+              <a:rPr lang="en-US" altLang="zh-CN" sz="1600" dirty="0">
+                <a:latin typeface="微软雅黑" panose="020B0503020204020204" pitchFamily="34" charset="-122"/>
+                <a:ea typeface="微软雅黑" panose="020B0503020204020204" pitchFamily="34" charset="-122"/>
+              </a:rPr>
+              <a:t>:</a:t>
+            </a:r>
+            <a:endParaRPr lang="zh-CN" altLang="en-US" sz="1600" dirty="0">
+              <a:latin typeface="微软雅黑" panose="020B0503020204020204" pitchFamily="34" charset="-122"/>
+              <a:ea typeface="微软雅黑" panose="020B0503020204020204" pitchFamily="34" charset="-122"/>
+            </a:endParaRPr>
+          </a:p>
+          <a:p>
+            <a:pPr>
+              <a:lnSpc>
+                <a:spcPct val="130000"/>
+              </a:lnSpc>
+            </a:pPr>
+            <a:r>
+              <a:rPr lang="zh-CN" altLang="en-US" sz="1600" dirty="0">
+                <a:latin typeface="微软雅黑" panose="020B0503020204020204" pitchFamily="34" charset="-122"/>
+                <a:ea typeface="微软雅黑" panose="020B0503020204020204" pitchFamily="34" charset="-122"/>
+              </a:rPr>
+              <a:t> </a:t>
+            </a:r>
+            <a:r>
+              <a:rPr lang="en-US" altLang="zh-CN" sz="1600" dirty="0">
+                <a:latin typeface="微软雅黑" panose="020B0503020204020204" pitchFamily="34" charset="-122"/>
+                <a:ea typeface="微软雅黑" panose="020B0503020204020204" pitchFamily="34" charset="-122"/>
+              </a:rPr>
+              <a:t>1.</a:t>
+            </a:r>
+            <a:r>
+              <a:rPr lang="zh-CN" altLang="en-US" sz="1600" dirty="0">
+                <a:latin typeface="微软雅黑" panose="020B0503020204020204" pitchFamily="34" charset="-122"/>
+                <a:ea typeface="微软雅黑" panose="020B0503020204020204" pitchFamily="34" charset="-122"/>
+              </a:rPr>
+              <a:t>医学辞典</a:t>
+            </a:r>
+            <a:r>
+              <a:rPr lang="en-US" altLang="zh-CN" sz="1600" dirty="0">
+                <a:latin typeface="微软雅黑" panose="020B0503020204020204" pitchFamily="34" charset="-122"/>
+                <a:ea typeface="微软雅黑" panose="020B0503020204020204" pitchFamily="34" charset="-122"/>
+              </a:rPr>
+              <a:t>;</a:t>
+            </a:r>
+            <a:endParaRPr lang="zh-CN" altLang="en-US" sz="1600" dirty="0">
+              <a:latin typeface="微软雅黑" panose="020B0503020204020204" pitchFamily="34" charset="-122"/>
+              <a:ea typeface="微软雅黑" panose="020B0503020204020204" pitchFamily="34" charset="-122"/>
+            </a:endParaRPr>
+          </a:p>
+          <a:p>
+            <a:pPr>
+              <a:lnSpc>
+                <a:spcPct val="130000"/>
+              </a:lnSpc>
+            </a:pPr>
+            <a:r>
+              <a:rPr lang="en-US" altLang="zh-CN" sz="1600" dirty="0">
+                <a:latin typeface="微软雅黑" panose="020B0503020204020204" pitchFamily="34" charset="-122"/>
+                <a:ea typeface="微软雅黑" panose="020B0503020204020204" pitchFamily="34" charset="-122"/>
+              </a:rPr>
+              <a:t> </a:t>
+            </a:r>
+            <a:r>
+              <a:rPr lang="en-US" altLang="zh-CN" sz="1600" dirty="0">
+                <a:latin typeface="微软雅黑" panose="020B0503020204020204" pitchFamily="34" charset="-122"/>
+                <a:ea typeface="微软雅黑" panose="020B0503020204020204" pitchFamily="34" charset="-122"/>
+              </a:rPr>
+              <a:t>2.</a:t>
+            </a:r>
+            <a:r>
+              <a:rPr lang="zh-CN" altLang="en-US" sz="1600" dirty="0">
+                <a:latin typeface="微软雅黑" panose="020B0503020204020204" pitchFamily="34" charset="-122"/>
+                <a:ea typeface="微软雅黑" panose="020B0503020204020204" pitchFamily="34" charset="-122"/>
+              </a:rPr>
+              <a:t>医药学大词典</a:t>
+            </a:r>
+            <a:r>
+              <a:rPr lang="en-US" altLang="zh-CN" sz="1600" dirty="0">
+                <a:latin typeface="微软雅黑" panose="020B0503020204020204" pitchFamily="34" charset="-122"/>
+                <a:ea typeface="微软雅黑" panose="020B0503020204020204" pitchFamily="34" charset="-122"/>
+              </a:rPr>
+              <a:t>;</a:t>
+            </a:r>
+            <a:endParaRPr lang="zh-CN" altLang="en-US" sz="1600" dirty="0">
+              <a:latin typeface="微软雅黑" panose="020B0503020204020204" pitchFamily="34" charset="-122"/>
+              <a:ea typeface="微软雅黑" panose="020B0503020204020204" pitchFamily="34" charset="-122"/>
+            </a:endParaRPr>
+          </a:p>
+          <a:p>
+            <a:pPr>
+              <a:lnSpc>
+                <a:spcPct val="130000"/>
+              </a:lnSpc>
+            </a:pPr>
+            <a:r>
+              <a:rPr lang="en-US" altLang="zh-CN" sz="1600" dirty="0">
+                <a:latin typeface="微软雅黑" panose="020B0503020204020204" pitchFamily="34" charset="-122"/>
+                <a:ea typeface="微软雅黑" panose="020B0503020204020204" pitchFamily="34" charset="-122"/>
+              </a:rPr>
+              <a:t> </a:t>
+            </a:r>
+            <a:r>
+              <a:rPr lang="en-US" altLang="zh-CN" sz="1600" dirty="0">
+                <a:latin typeface="微软雅黑" panose="020B0503020204020204" pitchFamily="34" charset="-122"/>
+                <a:ea typeface="微软雅黑" panose="020B0503020204020204" pitchFamily="34" charset="-122"/>
+              </a:rPr>
+              <a:t>3.</a:t>
+            </a:r>
+            <a:r>
+              <a:rPr lang="zh-CN" altLang="en-US" sz="1600" dirty="0">
+                <a:latin typeface="微软雅黑" panose="020B0503020204020204" pitchFamily="34" charset="-122"/>
+                <a:ea typeface="微软雅黑" panose="020B0503020204020204" pitchFamily="34" charset="-122"/>
+              </a:rPr>
+              <a:t>外教社医学词汇手册</a:t>
+            </a:r>
+            <a:r>
+              <a:rPr lang="en-US" altLang="zh-CN" sz="1600" dirty="0">
+                <a:latin typeface="微软雅黑" panose="020B0503020204020204" pitchFamily="34" charset="-122"/>
+                <a:ea typeface="微软雅黑" panose="020B0503020204020204" pitchFamily="34" charset="-122"/>
+              </a:rPr>
+              <a:t>; </a:t>
+            </a:r>
+            <a:endParaRPr lang="zh-CN" altLang="en-US" sz="1600" dirty="0">
+              <a:latin typeface="微软雅黑" panose="020B0503020204020204" pitchFamily="34" charset="-122"/>
+              <a:ea typeface="微软雅黑" panose="020B0503020204020204" pitchFamily="34" charset="-122"/>
+            </a:endParaRPr>
+          </a:p>
+          <a:p>
+            <a:pPr>
+              <a:lnSpc>
+                <a:spcPct val="130000"/>
+              </a:lnSpc>
+            </a:pPr>
+            <a:r>
+              <a:rPr lang="zh-CN" altLang="en-US" sz="1600" dirty="0">
+                <a:latin typeface="微软雅黑" panose="020B0503020204020204" pitchFamily="34" charset="-122"/>
+                <a:ea typeface="微软雅黑" panose="020B0503020204020204" pitchFamily="34" charset="-122"/>
+              </a:rPr>
+              <a:t> </a:t>
+            </a:r>
+            <a:r>
+              <a:rPr lang="en-US" altLang="zh-CN" sz="1600" dirty="0">
+                <a:latin typeface="微软雅黑" panose="020B0503020204020204" pitchFamily="34" charset="-122"/>
+                <a:ea typeface="微软雅黑" panose="020B0503020204020204" pitchFamily="34" charset="-122"/>
+              </a:rPr>
+              <a:t>4</a:t>
+            </a:r>
+            <a:r>
+              <a:rPr lang="en-US" altLang="zh-CN" sz="1600" dirty="0">
+                <a:latin typeface="微软雅黑" panose="020B0503020204020204" pitchFamily="34" charset="-122"/>
+                <a:ea typeface="微软雅黑" panose="020B0503020204020204" pitchFamily="34" charset="-122"/>
+              </a:rPr>
+              <a:t>.</a:t>
+            </a:r>
+            <a:r>
+              <a:rPr lang="zh-CN" altLang="en-US" sz="1600" dirty="0">
+                <a:latin typeface="微软雅黑" panose="020B0503020204020204" pitchFamily="34" charset="-122"/>
+                <a:ea typeface="微软雅黑" panose="020B0503020204020204" pitchFamily="34" charset="-122"/>
+              </a:rPr>
+              <a:t>道兰氏图解医学词典</a:t>
+            </a:r>
+            <a:r>
+              <a:rPr lang="en-US" altLang="zh-CN" sz="1600" dirty="0">
+                <a:latin typeface="微软雅黑" panose="020B0503020204020204" pitchFamily="34" charset="-122"/>
+                <a:ea typeface="微软雅黑" panose="020B0503020204020204" pitchFamily="34" charset="-122"/>
+              </a:rPr>
+              <a:t>; </a:t>
+            </a:r>
+            <a:endParaRPr lang="zh-CN" altLang="en-US" sz="1600" dirty="0">
+              <a:latin typeface="微软雅黑" panose="020B0503020204020204" pitchFamily="34" charset="-122"/>
+              <a:ea typeface="微软雅黑" panose="020B0503020204020204" pitchFamily="34" charset="-122"/>
+            </a:endParaRPr>
+          </a:p>
+          <a:p>
+            <a:pPr>
+              <a:lnSpc>
+                <a:spcPct val="130000"/>
+              </a:lnSpc>
+            </a:pPr>
+            <a:r>
+              <a:rPr lang="zh-CN" altLang="en-US" sz="1600" dirty="0">
+                <a:latin typeface="微软雅黑" panose="020B0503020204020204" pitchFamily="34" charset="-122"/>
+                <a:ea typeface="微软雅黑" panose="020B0503020204020204" pitchFamily="34" charset="-122"/>
+              </a:rPr>
+              <a:t> </a:t>
+            </a:r>
+            <a:r>
+              <a:rPr lang="en-US" altLang="zh-CN" sz="1600" dirty="0">
+                <a:latin typeface="微软雅黑" panose="020B0503020204020204" pitchFamily="34" charset="-122"/>
+                <a:ea typeface="微软雅黑" panose="020B0503020204020204" pitchFamily="34" charset="-122"/>
+              </a:rPr>
+              <a:t>5</a:t>
+            </a:r>
+            <a:r>
+              <a:rPr lang="en-US" altLang="zh-CN" sz="1600" dirty="0">
+                <a:latin typeface="微软雅黑" panose="020B0503020204020204" pitchFamily="34" charset="-122"/>
+                <a:ea typeface="微软雅黑" panose="020B0503020204020204" pitchFamily="34" charset="-122"/>
+              </a:rPr>
+              <a:t>.</a:t>
+            </a:r>
+            <a:r>
+              <a:rPr lang="zh-CN" altLang="en-US" sz="1600" dirty="0">
+                <a:latin typeface="微软雅黑" panose="020B0503020204020204" pitchFamily="34" charset="-122"/>
+                <a:ea typeface="微软雅黑" panose="020B0503020204020204" pitchFamily="34" charset="-122"/>
+              </a:rPr>
+              <a:t>牛津简明医学辞典</a:t>
+            </a:r>
+            <a:r>
+              <a:rPr lang="en-US" altLang="zh-CN" sz="1600" dirty="0">
+                <a:latin typeface="微软雅黑" panose="020B0503020204020204" pitchFamily="34" charset="-122"/>
+                <a:ea typeface="微软雅黑" panose="020B0503020204020204" pitchFamily="34" charset="-122"/>
+              </a:rPr>
+              <a:t>; </a:t>
+            </a:r>
+            <a:endParaRPr lang="zh-CN" altLang="en-US" sz="1600" dirty="0">
+              <a:latin typeface="微软雅黑" panose="020B0503020204020204" pitchFamily="34" charset="-122"/>
+              <a:ea typeface="微软雅黑" panose="020B0503020204020204" pitchFamily="34" charset="-122"/>
+            </a:endParaRPr>
+          </a:p>
+          <a:p>
+            <a:pPr>
+              <a:lnSpc>
+                <a:spcPct val="130000"/>
+              </a:lnSpc>
+            </a:pPr>
+            <a:r>
+              <a:rPr lang="zh-CN" altLang="en-US" sz="1600" dirty="0" smtClean="0">
+                <a:latin typeface="微软雅黑" panose="020B0503020204020204" pitchFamily="34" charset="-122"/>
+                <a:ea typeface="微软雅黑" panose="020B0503020204020204" pitchFamily="34" charset="-122"/>
+              </a:rPr>
+              <a:t> </a:t>
+            </a:r>
+            <a:r>
+              <a:rPr lang="en-US" altLang="zh-CN" sz="1600" dirty="0" smtClean="0">
+                <a:latin typeface="微软雅黑" panose="020B0503020204020204" pitchFamily="34" charset="-122"/>
+                <a:ea typeface="微软雅黑" panose="020B0503020204020204" pitchFamily="34" charset="-122"/>
+              </a:rPr>
+              <a:t>6</a:t>
+            </a:r>
+            <a:r>
+              <a:rPr lang="en-US" altLang="zh-CN" sz="1600" dirty="0">
+                <a:latin typeface="微软雅黑" panose="020B0503020204020204" pitchFamily="34" charset="-122"/>
+                <a:ea typeface="微软雅黑" panose="020B0503020204020204" pitchFamily="34" charset="-122"/>
+              </a:rPr>
+              <a:t>.</a:t>
+            </a:r>
+            <a:r>
+              <a:rPr lang="zh-CN" altLang="en-US" sz="1600" dirty="0">
+                <a:latin typeface="微软雅黑" panose="020B0503020204020204" pitchFamily="34" charset="-122"/>
+                <a:ea typeface="微软雅黑" panose="020B0503020204020204" pitchFamily="34" charset="-122"/>
+              </a:rPr>
+              <a:t>湘雅医药学大词典</a:t>
+            </a:r>
+            <a:endParaRPr lang="en-US" sz="1600" dirty="0">
+              <a:latin typeface="微软雅黑" panose="020B0503020204020204" pitchFamily="34" charset="-122"/>
+              <a:ea typeface="微软雅黑" panose="020B0503020204020204" pitchFamily="34" charset="-122"/>
+            </a:endParaRPr>
+          </a:p>
+        </p:txBody>
+      </p:sp>
     </p:spTree>
     <p:extLst>
       <p:ext uri="{BB962C8B-B14F-4D97-AF65-F5344CB8AC3E}">
@@ -38459,7 +39205,7 @@
           <p:cNvPr id="4" name="椭圆 3">
             <a:extLst>
               <a:ext uri="{FF2B5EF4-FFF2-40B4-BE49-F238E27FC236}">
-                <a16:creationId xmlns="" xmlns:a16="http://schemas.microsoft.com/office/drawing/2014/main" id="{8D2B5B3F-3CB5-42B7-BBDF-D12156F91010}"/>
+                <a16:creationId xmlns:a16="http://schemas.microsoft.com/office/drawing/2014/main" xmlns="" id="{8D2B5B3F-3CB5-42B7-BBDF-D12156F91010}"/>
               </a:ext>
             </a:extLst>
           </p:cNvPr>
@@ -38540,7 +39286,7 @@
           <p:cNvPr id="7" name="文本框 6">
             <a:extLst>
               <a:ext uri="{FF2B5EF4-FFF2-40B4-BE49-F238E27FC236}">
-                <a16:creationId xmlns="" xmlns:a16="http://schemas.microsoft.com/office/drawing/2014/main" id="{379ECFDC-06CB-48E6-8748-DBF7CA915365}"/>
+                <a16:creationId xmlns:a16="http://schemas.microsoft.com/office/drawing/2014/main" xmlns="" id="{379ECFDC-06CB-48E6-8748-DBF7CA915365}"/>
               </a:ext>
             </a:extLst>
           </p:cNvPr>
@@ -38605,7 +39351,7 @@
           <p:cNvPr id="9" name="椭圆 8">
             <a:extLst>
               <a:ext uri="{FF2B5EF4-FFF2-40B4-BE49-F238E27FC236}">
-                <a16:creationId xmlns="" xmlns:a16="http://schemas.microsoft.com/office/drawing/2014/main" id="{62AD7252-080D-445E-9D18-19ACC6A0906E}"/>
+                <a16:creationId xmlns:a16="http://schemas.microsoft.com/office/drawing/2014/main" xmlns="" id="{62AD7252-080D-445E-9D18-19ACC6A0906E}"/>
               </a:ext>
             </a:extLst>
           </p:cNvPr>
@@ -38686,7 +39432,7 @@
           <p:cNvPr id="12" name="文本框 11">
             <a:extLst>
               <a:ext uri="{FF2B5EF4-FFF2-40B4-BE49-F238E27FC236}">
-                <a16:creationId xmlns="" xmlns:a16="http://schemas.microsoft.com/office/drawing/2014/main" id="{642799FD-76FA-420D-9286-AD4AC1DF402E}"/>
+                <a16:creationId xmlns:a16="http://schemas.microsoft.com/office/drawing/2014/main" xmlns="" id="{642799FD-76FA-420D-9286-AD4AC1DF402E}"/>
               </a:ext>
             </a:extLst>
           </p:cNvPr>
@@ -39212,7 +39958,7 @@
           <p:cNvPr id="6" name="图片 5">
             <a:extLst>
               <a:ext uri="{FF2B5EF4-FFF2-40B4-BE49-F238E27FC236}">
-                <a16:creationId xmlns="" xmlns:a16="http://schemas.microsoft.com/office/drawing/2014/main" id="{8F1D9C09-DA1F-4402-9237-745A1C5FA43B}"/>
+                <a16:creationId xmlns:a16="http://schemas.microsoft.com/office/drawing/2014/main" xmlns="" id="{8F1D9C09-DA1F-4402-9237-745A1C5FA43B}"/>
               </a:ext>
             </a:extLst>
           </p:cNvPr>
@@ -39248,7 +39994,7 @@
           <p:cNvPr id="10" name="图片 9">
             <a:extLst>
               <a:ext uri="{FF2B5EF4-FFF2-40B4-BE49-F238E27FC236}">
-                <a16:creationId xmlns="" xmlns:a16="http://schemas.microsoft.com/office/drawing/2014/main" id="{ACD17D9B-18E0-4725-9596-B3ADD3709D47}"/>
+                <a16:creationId xmlns:a16="http://schemas.microsoft.com/office/drawing/2014/main" xmlns="" id="{ACD17D9B-18E0-4725-9596-B3ADD3709D47}"/>
               </a:ext>
             </a:extLst>
           </p:cNvPr>
@@ -39284,7 +40030,7 @@
           <p:cNvPr id="2" name="矩形 1">
             <a:extLst>
               <a:ext uri="{FF2B5EF4-FFF2-40B4-BE49-F238E27FC236}">
-                <a16:creationId xmlns="" xmlns:a16="http://schemas.microsoft.com/office/drawing/2014/main" id="{03FE93DB-D0C7-427B-8A95-EFBEC4CEA5EA}"/>
+                <a16:creationId xmlns:a16="http://schemas.microsoft.com/office/drawing/2014/main" xmlns="" id="{03FE93DB-D0C7-427B-8A95-EFBEC4CEA5EA}"/>
               </a:ext>
             </a:extLst>
           </p:cNvPr>
@@ -39874,7 +40620,7 @@
           <p:cNvPr id="5" name="矩形 4">
             <a:extLst>
               <a:ext uri="{FF2B5EF4-FFF2-40B4-BE49-F238E27FC236}">
-                <a16:creationId xmlns="" xmlns:a16="http://schemas.microsoft.com/office/drawing/2014/main" id="{F384C8E3-3405-48EE-BD9A-87083A5443CC}"/>
+                <a16:creationId xmlns:a16="http://schemas.microsoft.com/office/drawing/2014/main" xmlns="" id="{F384C8E3-3405-48EE-BD9A-87083A5443CC}"/>
               </a:ext>
             </a:extLst>
           </p:cNvPr>
@@ -39926,7 +40672,7 @@
           <p:cNvPr id="4" name="图片 3">
             <a:extLst>
               <a:ext uri="{FF2B5EF4-FFF2-40B4-BE49-F238E27FC236}">
-                <a16:creationId xmlns="" xmlns:a16="http://schemas.microsoft.com/office/drawing/2014/main" id="{39239570-43B6-43A9-9B2E-6A907167C9E0}"/>
+                <a16:creationId xmlns:a16="http://schemas.microsoft.com/office/drawing/2014/main" xmlns="" id="{39239570-43B6-43A9-9B2E-6A907167C9E0}"/>
               </a:ext>
             </a:extLst>
           </p:cNvPr>
@@ -39956,7 +40702,7 @@
           <p:cNvPr id="7" name="图片 6">
             <a:extLst>
               <a:ext uri="{FF2B5EF4-FFF2-40B4-BE49-F238E27FC236}">
-                <a16:creationId xmlns="" xmlns:a16="http://schemas.microsoft.com/office/drawing/2014/main" id="{FEF6F4B4-C280-4A50-872E-64A42CBA95E0}"/>
+                <a16:creationId xmlns:a16="http://schemas.microsoft.com/office/drawing/2014/main" xmlns="" id="{FEF6F4B4-C280-4A50-872E-64A42CBA95E0}"/>
               </a:ext>
             </a:extLst>
           </p:cNvPr>
@@ -39992,7 +40738,7 @@
           <p:cNvPr id="12" name="文本框 11">
             <a:extLst>
               <a:ext uri="{FF2B5EF4-FFF2-40B4-BE49-F238E27FC236}">
-                <a16:creationId xmlns="" xmlns:a16="http://schemas.microsoft.com/office/drawing/2014/main" id="{65B038FA-DAFF-44E4-92A4-E8CFDA779233}"/>
+                <a16:creationId xmlns:a16="http://schemas.microsoft.com/office/drawing/2014/main" xmlns="" id="{65B038FA-DAFF-44E4-92A4-E8CFDA779233}"/>
               </a:ext>
             </a:extLst>
           </p:cNvPr>
@@ -40194,7 +40940,7 @@
           <p:cNvPr id="2" name="矩形 1">
             <a:extLst>
               <a:ext uri="{FF2B5EF4-FFF2-40B4-BE49-F238E27FC236}">
-                <a16:creationId xmlns="" xmlns:a16="http://schemas.microsoft.com/office/drawing/2014/main" id="{61F8065C-AD27-4FF6-BBFE-33209836471B}"/>
+                <a16:creationId xmlns:a16="http://schemas.microsoft.com/office/drawing/2014/main" xmlns="" id="{61F8065C-AD27-4FF6-BBFE-33209836471B}"/>
               </a:ext>
             </a:extLst>
           </p:cNvPr>
@@ -40416,7 +41162,7 @@
           <p:cNvPr id="4" name="图片 3">
             <a:extLst>
               <a:ext uri="{FF2B5EF4-FFF2-40B4-BE49-F238E27FC236}">
-                <a16:creationId xmlns="" xmlns:a16="http://schemas.microsoft.com/office/drawing/2014/main" id="{0D3BEF45-3252-4088-BE97-63D31C51F24F}"/>
+                <a16:creationId xmlns:a16="http://schemas.microsoft.com/office/drawing/2014/main" xmlns="" id="{0D3BEF45-3252-4088-BE97-63D31C51F24F}"/>
               </a:ext>
             </a:extLst>
           </p:cNvPr>
@@ -40446,7 +41192,7 @@
           <p:cNvPr id="5" name="Rectangle 12">
             <a:extLst>
               <a:ext uri="{FF2B5EF4-FFF2-40B4-BE49-F238E27FC236}">
-                <a16:creationId xmlns="" xmlns:a16="http://schemas.microsoft.com/office/drawing/2014/main" id="{1B1F0133-CBA4-4A29-8DB2-B8B994A4C7B9}"/>
+                <a16:creationId xmlns:a16="http://schemas.microsoft.com/office/drawing/2014/main" xmlns="" id="{1B1F0133-CBA4-4A29-8DB2-B8B994A4C7B9}"/>
               </a:ext>
             </a:extLst>
           </p:cNvPr>
@@ -40761,7 +41507,7 @@
   <a:extraClrSchemeLst/>
   <a:extLst>
     <a:ext uri="{05A4C25C-085E-4340-85A3-A5531E510DB2}">
-      <thm15:themeFamily xmlns="" xmlns:thm15="http://schemas.microsoft.com/office/thememl/2012/main" name="Office Theme" id="{62F939B6-93AF-4DB8-9C6B-D6C7DFDC589F}" vid="{4A3C46E8-61CC-4603-A589-7422A47A8E4A}"/>
+      <thm15:themeFamily xmlns:thm15="http://schemas.microsoft.com/office/thememl/2012/main" name="Office Theme" id="{62F939B6-93AF-4DB8-9C6B-D6C7DFDC589F}" vid="{4A3C46E8-61CC-4603-A589-7422A47A8E4A}"/>
     </a:ext>
   </a:extLst>
 </a:theme>
@@ -41022,7 +41768,7 @@
   <a:extraClrSchemeLst/>
   <a:extLst>
     <a:ext uri="{05A4C25C-085E-4340-85A3-A5531E510DB2}">
-      <thm15:themeFamily xmlns="" xmlns:thm15="http://schemas.microsoft.com/office/thememl/2012/main" name="Office Theme" id="{62F939B6-93AF-4DB8-9C6B-D6C7DFDC589F}" vid="{4A3C46E8-61CC-4603-A589-7422A47A8E4A}"/>
+      <thm15:themeFamily xmlns:thm15="http://schemas.microsoft.com/office/thememl/2012/main" name="Office Theme" id="{62F939B6-93AF-4DB8-9C6B-D6C7DFDC589F}" vid="{4A3C46E8-61CC-4603-A589-7422A47A8E4A}"/>
     </a:ext>
   </a:extLst>
 </a:theme>

--- a/电子词典需求分析.pptx
+++ b/电子词典需求分析.pptx
@@ -5,7 +5,7 @@
     <p:sldMasterId id="2147483648" r:id="rId1"/>
   </p:sldMasterIdLst>
   <p:notesMasterIdLst>
-    <p:notesMasterId r:id="rId35"/>
+    <p:notesMasterId r:id="rId36"/>
   </p:notesMasterIdLst>
   <p:sldIdLst>
     <p:sldId id="256" r:id="rId2"/>
@@ -40,7 +40,8 @@
     <p:sldId id="319" r:id="rId31"/>
     <p:sldId id="317" r:id="rId32"/>
     <p:sldId id="330" r:id="rId33"/>
-    <p:sldId id="300" r:id="rId34"/>
+    <p:sldId id="333" r:id="rId34"/>
+    <p:sldId id="300" r:id="rId35"/>
   </p:sldIdLst>
   <p:sldSz cx="12192000" cy="6858000"/>
   <p:notesSz cx="6858000" cy="9144000"/>
@@ -141,7 +142,7 @@
   </p:defaultTextStyle>
   <p:extLst>
     <p:ext uri="{EFAFB233-063F-42B5-8137-9DF3F51BA10A}">
-      <p15:sldGuideLst xmlns:p15="http://schemas.microsoft.com/office/powerpoint/2012/main">
+      <p15:sldGuideLst xmlns:p15="http://schemas.microsoft.com/office/powerpoint/2012/main" xmlns="">
         <p15:guide id="1" orient="horz" pos="1502" userDrawn="1">
           <p15:clr>
             <a:srgbClr val="A4A3A4"/>
@@ -4051,7 +4052,7 @@
           <p:cNvPr id="6" name="Rounded Rectangle 12">
             <a:extLst>
               <a:ext uri="{FF2B5EF4-FFF2-40B4-BE49-F238E27FC236}">
-                <a16:creationId xmlns:a16="http://schemas.microsoft.com/office/drawing/2014/main" xmlns="" id="{E6FD45EB-4B3B-4DD8-A910-EDA5C8EB7707}"/>
+                <a16:creationId xmlns="" xmlns:a16="http://schemas.microsoft.com/office/drawing/2014/main" id="{E6FD45EB-4B3B-4DD8-A910-EDA5C8EB7707}"/>
               </a:ext>
             </a:extLst>
           </p:cNvPr>
@@ -4121,7 +4122,7 @@
           <p:cNvPr id="7" name="Rounded Rectangle 16">
             <a:extLst>
               <a:ext uri="{FF2B5EF4-FFF2-40B4-BE49-F238E27FC236}">
-                <a16:creationId xmlns:a16="http://schemas.microsoft.com/office/drawing/2014/main" xmlns="" id="{4E284F8D-B632-4833-9BDA-C5CC6FBBFC2F}"/>
+                <a16:creationId xmlns="" xmlns:a16="http://schemas.microsoft.com/office/drawing/2014/main" id="{4E284F8D-B632-4833-9BDA-C5CC6FBBFC2F}"/>
               </a:ext>
             </a:extLst>
           </p:cNvPr>
@@ -4191,7 +4192,7 @@
           <p:cNvPr id="13" name="文本框 12">
             <a:extLst>
               <a:ext uri="{FF2B5EF4-FFF2-40B4-BE49-F238E27FC236}">
-                <a16:creationId xmlns:a16="http://schemas.microsoft.com/office/drawing/2014/main" xmlns="" id="{99A86963-B1B8-4349-AAE8-E18C812A6C5A}"/>
+                <a16:creationId xmlns="" xmlns:a16="http://schemas.microsoft.com/office/drawing/2014/main" id="{99A86963-B1B8-4349-AAE8-E18C812A6C5A}"/>
               </a:ext>
             </a:extLst>
           </p:cNvPr>
@@ -4248,7 +4249,7 @@
           <p:cNvPr id="14" name="矩形 13">
             <a:extLst>
               <a:ext uri="{FF2B5EF4-FFF2-40B4-BE49-F238E27FC236}">
-                <a16:creationId xmlns:a16="http://schemas.microsoft.com/office/drawing/2014/main" xmlns="" id="{3A33F266-8553-485A-86D9-E9E07B77F2D6}"/>
+                <a16:creationId xmlns="" xmlns:a16="http://schemas.microsoft.com/office/drawing/2014/main" id="{3A33F266-8553-485A-86D9-E9E07B77F2D6}"/>
               </a:ext>
             </a:extLst>
           </p:cNvPr>
@@ -4292,7 +4293,7 @@
           <p:cNvPr id="16" name="矩形 15">
             <a:extLst>
               <a:ext uri="{FF2B5EF4-FFF2-40B4-BE49-F238E27FC236}">
-                <a16:creationId xmlns:a16="http://schemas.microsoft.com/office/drawing/2014/main" xmlns="" id="{C619AE70-C8E5-4169-8061-82946C8F8782}"/>
+                <a16:creationId xmlns="" xmlns:a16="http://schemas.microsoft.com/office/drawing/2014/main" id="{C619AE70-C8E5-4169-8061-82946C8F8782}"/>
               </a:ext>
             </a:extLst>
           </p:cNvPr>
@@ -6183,7 +6184,7 @@
           <p:cNvPr id="4" name="矩形: 圆角 3">
             <a:extLst>
               <a:ext uri="{FF2B5EF4-FFF2-40B4-BE49-F238E27FC236}">
-                <a16:creationId xmlns:a16="http://schemas.microsoft.com/office/drawing/2014/main" xmlns="" id="{413DA64A-DFE6-4C8E-8C8C-CB685A248235}"/>
+                <a16:creationId xmlns="" xmlns:a16="http://schemas.microsoft.com/office/drawing/2014/main" id="{413DA64A-DFE6-4C8E-8C8C-CB685A248235}"/>
               </a:ext>
             </a:extLst>
           </p:cNvPr>
@@ -6239,7 +6240,7 @@
           <p:cNvPr id="6" name="Rectangle 1">
             <a:extLst>
               <a:ext uri="{FF2B5EF4-FFF2-40B4-BE49-F238E27FC236}">
-                <a16:creationId xmlns:a16="http://schemas.microsoft.com/office/drawing/2014/main" xmlns="" id="{67851DDF-58F8-4FC1-976B-A9298F885374}"/>
+                <a16:creationId xmlns="" xmlns:a16="http://schemas.microsoft.com/office/drawing/2014/main" id="{67851DDF-58F8-4FC1-976B-A9298F885374}"/>
               </a:ext>
             </a:extLst>
           </p:cNvPr>
@@ -6526,7 +6527,7 @@
           <p:cNvPr id="7" name="文本框 6">
             <a:extLst>
               <a:ext uri="{FF2B5EF4-FFF2-40B4-BE49-F238E27FC236}">
-                <a16:creationId xmlns:a16="http://schemas.microsoft.com/office/drawing/2014/main" xmlns="" id="{8AB5E823-CBEE-492B-81A1-EBF6FAC24438}"/>
+                <a16:creationId xmlns="" xmlns:a16="http://schemas.microsoft.com/office/drawing/2014/main" id="{8AB5E823-CBEE-492B-81A1-EBF6FAC24438}"/>
               </a:ext>
             </a:extLst>
           </p:cNvPr>
@@ -20605,7 +20606,7 @@
           <p:cNvPr id="58" name="文本框 57">
             <a:extLst>
               <a:ext uri="{FF2B5EF4-FFF2-40B4-BE49-F238E27FC236}">
-                <a16:creationId xmlns:a16="http://schemas.microsoft.com/office/drawing/2014/main" xmlns="" id="{CA25C765-3360-4F62-944D-CE9911A527C5}"/>
+                <a16:creationId xmlns="" xmlns:a16="http://schemas.microsoft.com/office/drawing/2014/main" id="{CA25C765-3360-4F62-944D-CE9911A527C5}"/>
               </a:ext>
             </a:extLst>
           </p:cNvPr>
@@ -25670,7 +25671,7 @@
           <p:cNvPr id="34" name="Rectangle 12">
             <a:extLst>
               <a:ext uri="{FF2B5EF4-FFF2-40B4-BE49-F238E27FC236}">
-                <a16:creationId xmlns:a16="http://schemas.microsoft.com/office/drawing/2014/main" xmlns="" id="{F7876CFB-5C00-4B8B-944D-91E0146C608C}"/>
+                <a16:creationId xmlns="" xmlns:a16="http://schemas.microsoft.com/office/drawing/2014/main" id="{F7876CFB-5C00-4B8B-944D-91E0146C608C}"/>
               </a:ext>
             </a:extLst>
           </p:cNvPr>
@@ -30235,7 +30236,7 @@
           <p:cNvPr id="11" name="组合 10">
             <a:extLst>
               <a:ext uri="{FF2B5EF4-FFF2-40B4-BE49-F238E27FC236}">
-                <a16:creationId xmlns:a16="http://schemas.microsoft.com/office/drawing/2014/main" xmlns="" id="{AF102071-4EB0-4C8F-ACE5-A6CB18278323}"/>
+                <a16:creationId xmlns="" xmlns:a16="http://schemas.microsoft.com/office/drawing/2014/main" id="{AF102071-4EB0-4C8F-ACE5-A6CB18278323}"/>
               </a:ext>
             </a:extLst>
           </p:cNvPr>
@@ -30564,7 +30565,7 @@
           <p:cNvPr id="13" name="组合 12">
             <a:extLst>
               <a:ext uri="{FF2B5EF4-FFF2-40B4-BE49-F238E27FC236}">
-                <a16:creationId xmlns:a16="http://schemas.microsoft.com/office/drawing/2014/main" xmlns="" id="{1207D76C-BF37-4F01-B8BB-FE57B607A375}"/>
+                <a16:creationId xmlns="" xmlns:a16="http://schemas.microsoft.com/office/drawing/2014/main" id="{1207D76C-BF37-4F01-B8BB-FE57B607A375}"/>
               </a:ext>
             </a:extLst>
           </p:cNvPr>
@@ -31201,7 +31202,7 @@
           <p:cNvPr id="6" name="Rounded Rectangle 12">
             <a:extLst>
               <a:ext uri="{FF2B5EF4-FFF2-40B4-BE49-F238E27FC236}">
-                <a16:creationId xmlns:a16="http://schemas.microsoft.com/office/drawing/2014/main" xmlns="" id="{E6FD45EB-4B3B-4DD8-A910-EDA5C8EB7707}"/>
+                <a16:creationId xmlns="" xmlns:a16="http://schemas.microsoft.com/office/drawing/2014/main" id="{E6FD45EB-4B3B-4DD8-A910-EDA5C8EB7707}"/>
               </a:ext>
             </a:extLst>
           </p:cNvPr>
@@ -31264,7 +31265,7 @@
           <p:cNvPr id="7" name="Rounded Rectangle 16">
             <a:extLst>
               <a:ext uri="{FF2B5EF4-FFF2-40B4-BE49-F238E27FC236}">
-                <a16:creationId xmlns:a16="http://schemas.microsoft.com/office/drawing/2014/main" xmlns="" id="{4E284F8D-B632-4833-9BDA-C5CC6FBBFC2F}"/>
+                <a16:creationId xmlns="" xmlns:a16="http://schemas.microsoft.com/office/drawing/2014/main" id="{4E284F8D-B632-4833-9BDA-C5CC6FBBFC2F}"/>
               </a:ext>
             </a:extLst>
           </p:cNvPr>
@@ -31327,7 +31328,7 @@
           <p:cNvPr id="9" name="文本框 8">
             <a:extLst>
               <a:ext uri="{FF2B5EF4-FFF2-40B4-BE49-F238E27FC236}">
-                <a16:creationId xmlns:a16="http://schemas.microsoft.com/office/drawing/2014/main" xmlns="" id="{D94569BB-535D-4D52-8D4F-1F9923A08119}"/>
+                <a16:creationId xmlns="" xmlns:a16="http://schemas.microsoft.com/office/drawing/2014/main" id="{D94569BB-535D-4D52-8D4F-1F9923A08119}"/>
               </a:ext>
             </a:extLst>
           </p:cNvPr>
@@ -31484,7 +31485,7 @@
           <p:cNvPr id="11" name="文本框 10">
             <a:extLst>
               <a:ext uri="{FF2B5EF4-FFF2-40B4-BE49-F238E27FC236}">
-                <a16:creationId xmlns:a16="http://schemas.microsoft.com/office/drawing/2014/main" xmlns="" id="{23E09859-6C96-41D8-8401-3AAF912A453A}"/>
+                <a16:creationId xmlns="" xmlns:a16="http://schemas.microsoft.com/office/drawing/2014/main" id="{23E09859-6C96-41D8-8401-3AAF912A453A}"/>
               </a:ext>
             </a:extLst>
           </p:cNvPr>
@@ -31641,7 +31642,7 @@
           <p:cNvPr id="13" name="文本框 12">
             <a:extLst>
               <a:ext uri="{FF2B5EF4-FFF2-40B4-BE49-F238E27FC236}">
-                <a16:creationId xmlns:a16="http://schemas.microsoft.com/office/drawing/2014/main" xmlns="" id="{99A86963-B1B8-4349-AAE8-E18C812A6C5A}"/>
+                <a16:creationId xmlns="" xmlns:a16="http://schemas.microsoft.com/office/drawing/2014/main" id="{99A86963-B1B8-4349-AAE8-E18C812A6C5A}"/>
               </a:ext>
             </a:extLst>
           </p:cNvPr>
@@ -31698,7 +31699,7 @@
           <p:cNvPr id="14" name="矩形 13">
             <a:extLst>
               <a:ext uri="{FF2B5EF4-FFF2-40B4-BE49-F238E27FC236}">
-                <a16:creationId xmlns:a16="http://schemas.microsoft.com/office/drawing/2014/main" xmlns="" id="{3A33F266-8553-485A-86D9-E9E07B77F2D6}"/>
+                <a16:creationId xmlns="" xmlns:a16="http://schemas.microsoft.com/office/drawing/2014/main" id="{3A33F266-8553-485A-86D9-E9E07B77F2D6}"/>
               </a:ext>
             </a:extLst>
           </p:cNvPr>
@@ -31732,7 +31733,7 @@
           <p:cNvPr id="16" name="矩形 15">
             <a:extLst>
               <a:ext uri="{FF2B5EF4-FFF2-40B4-BE49-F238E27FC236}">
-                <a16:creationId xmlns:a16="http://schemas.microsoft.com/office/drawing/2014/main" xmlns="" id="{C619AE70-C8E5-4169-8061-82946C8F8782}"/>
+                <a16:creationId xmlns="" xmlns:a16="http://schemas.microsoft.com/office/drawing/2014/main" id="{C619AE70-C8E5-4169-8061-82946C8F8782}"/>
               </a:ext>
             </a:extLst>
           </p:cNvPr>
@@ -31809,7 +31810,7 @@
           <p:cNvPr id="12" name="Rounded Rectangle 12">
             <a:extLst>
               <a:ext uri="{FF2B5EF4-FFF2-40B4-BE49-F238E27FC236}">
-                <a16:creationId xmlns:a16="http://schemas.microsoft.com/office/drawing/2014/main" xmlns="" id="{73BDC5C9-072C-4EDB-B3CA-BFBEACEFAD5E}"/>
+                <a16:creationId xmlns="" xmlns:a16="http://schemas.microsoft.com/office/drawing/2014/main" id="{73BDC5C9-072C-4EDB-B3CA-BFBEACEFAD5E}"/>
               </a:ext>
             </a:extLst>
           </p:cNvPr>
@@ -31873,7 +31874,7 @@
           <p:cNvPr id="15" name="文本框 14">
             <a:extLst>
               <a:ext uri="{FF2B5EF4-FFF2-40B4-BE49-F238E27FC236}">
-                <a16:creationId xmlns:a16="http://schemas.microsoft.com/office/drawing/2014/main" xmlns="" id="{C7C5E76A-5286-48C9-8883-95C90A40DCBD}"/>
+                <a16:creationId xmlns="" xmlns:a16="http://schemas.microsoft.com/office/drawing/2014/main" id="{C7C5E76A-5286-48C9-8883-95C90A40DCBD}"/>
               </a:ext>
             </a:extLst>
           </p:cNvPr>
@@ -32060,7 +32061,7 @@
           <p:cNvPr id="6" name="Rounded Rectangle 12">
             <a:extLst>
               <a:ext uri="{FF2B5EF4-FFF2-40B4-BE49-F238E27FC236}">
-                <a16:creationId xmlns:a16="http://schemas.microsoft.com/office/drawing/2014/main" xmlns="" id="{E6FD45EB-4B3B-4DD8-A910-EDA5C8EB7707}"/>
+                <a16:creationId xmlns="" xmlns:a16="http://schemas.microsoft.com/office/drawing/2014/main" id="{E6FD45EB-4B3B-4DD8-A910-EDA5C8EB7707}"/>
               </a:ext>
             </a:extLst>
           </p:cNvPr>
@@ -32123,7 +32124,7 @@
           <p:cNvPr id="7" name="Rounded Rectangle 16">
             <a:extLst>
               <a:ext uri="{FF2B5EF4-FFF2-40B4-BE49-F238E27FC236}">
-                <a16:creationId xmlns:a16="http://schemas.microsoft.com/office/drawing/2014/main" xmlns="" id="{4E284F8D-B632-4833-9BDA-C5CC6FBBFC2F}"/>
+                <a16:creationId xmlns="" xmlns:a16="http://schemas.microsoft.com/office/drawing/2014/main" id="{4E284F8D-B632-4833-9BDA-C5CC6FBBFC2F}"/>
               </a:ext>
             </a:extLst>
           </p:cNvPr>
@@ -32193,7 +32194,7 @@
           <p:cNvPr id="8" name="文本框 7">
             <a:extLst>
               <a:ext uri="{FF2B5EF4-FFF2-40B4-BE49-F238E27FC236}">
-                <a16:creationId xmlns:a16="http://schemas.microsoft.com/office/drawing/2014/main" xmlns="" id="{F9B4833B-9A8C-4FB8-B16C-F5D22E97BF2D}"/>
+                <a16:creationId xmlns="" xmlns:a16="http://schemas.microsoft.com/office/drawing/2014/main" id="{F9B4833B-9A8C-4FB8-B16C-F5D22E97BF2D}"/>
               </a:ext>
             </a:extLst>
           </p:cNvPr>
@@ -32400,7 +32401,7 @@
           <p:cNvPr id="10" name="文本框 9">
             <a:extLst>
               <a:ext uri="{FF2B5EF4-FFF2-40B4-BE49-F238E27FC236}">
-                <a16:creationId xmlns:a16="http://schemas.microsoft.com/office/drawing/2014/main" xmlns="" id="{36746D78-A16E-4069-9EBA-58DD2D39F13B}"/>
+                <a16:creationId xmlns="" xmlns:a16="http://schemas.microsoft.com/office/drawing/2014/main" id="{36746D78-A16E-4069-9EBA-58DD2D39F13B}"/>
               </a:ext>
             </a:extLst>
           </p:cNvPr>
@@ -32592,7 +32593,7 @@
           <p:cNvPr id="14" name="矩形 13">
             <a:extLst>
               <a:ext uri="{FF2B5EF4-FFF2-40B4-BE49-F238E27FC236}">
-                <a16:creationId xmlns:a16="http://schemas.microsoft.com/office/drawing/2014/main" xmlns="" id="{3A33F266-8553-485A-86D9-E9E07B77F2D6}"/>
+                <a16:creationId xmlns="" xmlns:a16="http://schemas.microsoft.com/office/drawing/2014/main" id="{3A33F266-8553-485A-86D9-E9E07B77F2D6}"/>
               </a:ext>
             </a:extLst>
           </p:cNvPr>
@@ -32626,7 +32627,7 @@
           <p:cNvPr id="16" name="矩形 15">
             <a:extLst>
               <a:ext uri="{FF2B5EF4-FFF2-40B4-BE49-F238E27FC236}">
-                <a16:creationId xmlns:a16="http://schemas.microsoft.com/office/drawing/2014/main" xmlns="" id="{C619AE70-C8E5-4169-8061-82946C8F8782}"/>
+                <a16:creationId xmlns="" xmlns:a16="http://schemas.microsoft.com/office/drawing/2014/main" id="{C619AE70-C8E5-4169-8061-82946C8F8782}"/>
               </a:ext>
             </a:extLst>
           </p:cNvPr>
@@ -32733,7 +32734,7 @@
           <p:cNvPr id="6" name="Rounded Rectangle 12">
             <a:extLst>
               <a:ext uri="{FF2B5EF4-FFF2-40B4-BE49-F238E27FC236}">
-                <a16:creationId xmlns:a16="http://schemas.microsoft.com/office/drawing/2014/main" xmlns="" id="{E6FD45EB-4B3B-4DD8-A910-EDA5C8EB7707}"/>
+                <a16:creationId xmlns="" xmlns:a16="http://schemas.microsoft.com/office/drawing/2014/main" id="{E6FD45EB-4B3B-4DD8-A910-EDA5C8EB7707}"/>
               </a:ext>
             </a:extLst>
           </p:cNvPr>
@@ -32792,7 +32793,7 @@
           <p:cNvPr id="7" name="Rounded Rectangle 16">
             <a:extLst>
               <a:ext uri="{FF2B5EF4-FFF2-40B4-BE49-F238E27FC236}">
-                <a16:creationId xmlns:a16="http://schemas.microsoft.com/office/drawing/2014/main" xmlns="" id="{4E284F8D-B632-4833-9BDA-C5CC6FBBFC2F}"/>
+                <a16:creationId xmlns="" xmlns:a16="http://schemas.microsoft.com/office/drawing/2014/main" id="{4E284F8D-B632-4833-9BDA-C5CC6FBBFC2F}"/>
               </a:ext>
             </a:extLst>
           </p:cNvPr>
@@ -32862,7 +32863,7 @@
           <p:cNvPr id="9" name="文本框 8">
             <a:extLst>
               <a:ext uri="{FF2B5EF4-FFF2-40B4-BE49-F238E27FC236}">
-                <a16:creationId xmlns:a16="http://schemas.microsoft.com/office/drawing/2014/main" xmlns="" id="{D94569BB-535D-4D52-8D4F-1F9923A08119}"/>
+                <a16:creationId xmlns="" xmlns:a16="http://schemas.microsoft.com/office/drawing/2014/main" id="{D94569BB-535D-4D52-8D4F-1F9923A08119}"/>
               </a:ext>
             </a:extLst>
           </p:cNvPr>
@@ -32997,7 +32998,7 @@
           <p:cNvPr id="10" name="文本框 9">
             <a:extLst>
               <a:ext uri="{FF2B5EF4-FFF2-40B4-BE49-F238E27FC236}">
-                <a16:creationId xmlns:a16="http://schemas.microsoft.com/office/drawing/2014/main" xmlns="" id="{36746D78-A16E-4069-9EBA-58DD2D39F13B}"/>
+                <a16:creationId xmlns="" xmlns:a16="http://schemas.microsoft.com/office/drawing/2014/main" id="{36746D78-A16E-4069-9EBA-58DD2D39F13B}"/>
               </a:ext>
             </a:extLst>
           </p:cNvPr>
@@ -33200,7 +33201,7 @@
           <p:cNvPr id="14" name="矩形 13">
             <a:extLst>
               <a:ext uri="{FF2B5EF4-FFF2-40B4-BE49-F238E27FC236}">
-                <a16:creationId xmlns:a16="http://schemas.microsoft.com/office/drawing/2014/main" xmlns="" id="{3A33F266-8553-485A-86D9-E9E07B77F2D6}"/>
+                <a16:creationId xmlns="" xmlns:a16="http://schemas.microsoft.com/office/drawing/2014/main" id="{3A33F266-8553-485A-86D9-E9E07B77F2D6}"/>
               </a:ext>
             </a:extLst>
           </p:cNvPr>
@@ -33234,7 +33235,7 @@
           <p:cNvPr id="16" name="矩形 15">
             <a:extLst>
               <a:ext uri="{FF2B5EF4-FFF2-40B4-BE49-F238E27FC236}">
-                <a16:creationId xmlns:a16="http://schemas.microsoft.com/office/drawing/2014/main" xmlns="" id="{C619AE70-C8E5-4169-8061-82946C8F8782}"/>
+                <a16:creationId xmlns="" xmlns:a16="http://schemas.microsoft.com/office/drawing/2014/main" id="{C619AE70-C8E5-4169-8061-82946C8F8782}"/>
               </a:ext>
             </a:extLst>
           </p:cNvPr>
@@ -33341,7 +33342,7 @@
           <p:cNvPr id="5" name="内容占位符 4" descr="图片包含 屏幕截图&#10;&#10;自动生成的说明">
             <a:extLst>
               <a:ext uri="{FF2B5EF4-FFF2-40B4-BE49-F238E27FC236}">
-                <a16:creationId xmlns:a16="http://schemas.microsoft.com/office/drawing/2014/main" xmlns="" id="{02845697-ABF6-4BE8-A4DF-3A96F1504884}"/>
+                <a16:creationId xmlns="" xmlns:a16="http://schemas.microsoft.com/office/drawing/2014/main" id="{02845697-ABF6-4BE8-A4DF-3A96F1504884}"/>
               </a:ext>
             </a:extLst>
           </p:cNvPr>
@@ -33406,7 +33407,7 @@
           <p:cNvPr id="5" name="图片 4" descr="图片包含 文字&#10;&#10;自动生成的说明">
             <a:extLst>
               <a:ext uri="{FF2B5EF4-FFF2-40B4-BE49-F238E27FC236}">
-                <a16:creationId xmlns:a16="http://schemas.microsoft.com/office/drawing/2014/main" xmlns="" id="{869D53BA-0CDE-41BA-9412-D00A8B9B3467}"/>
+                <a16:creationId xmlns="" xmlns:a16="http://schemas.microsoft.com/office/drawing/2014/main" id="{869D53BA-0CDE-41BA-9412-D00A8B9B3467}"/>
               </a:ext>
             </a:extLst>
           </p:cNvPr>
@@ -33598,7 +33599,7 @@
           <p:cNvPr id="7" name="文本框 6">
             <a:extLst>
               <a:ext uri="{FF2B5EF4-FFF2-40B4-BE49-F238E27FC236}">
-                <a16:creationId xmlns:a16="http://schemas.microsoft.com/office/drawing/2014/main" xmlns="" id="{41273B1A-0A9A-4893-85C8-2032A006493D}"/>
+                <a16:creationId xmlns="" xmlns:a16="http://schemas.microsoft.com/office/drawing/2014/main" id="{41273B1A-0A9A-4893-85C8-2032A006493D}"/>
               </a:ext>
             </a:extLst>
           </p:cNvPr>
@@ -33639,7 +33640,7 @@
           <p:cNvPr id="8" name="文本框 7">
             <a:extLst>
               <a:ext uri="{FF2B5EF4-FFF2-40B4-BE49-F238E27FC236}">
-                <a16:creationId xmlns:a16="http://schemas.microsoft.com/office/drawing/2014/main" xmlns="" id="{2030E6C3-6D08-42B0-AE21-0AF65A099FF5}"/>
+                <a16:creationId xmlns="" xmlns:a16="http://schemas.microsoft.com/office/drawing/2014/main" id="{2030E6C3-6D08-42B0-AE21-0AF65A099FF5}"/>
               </a:ext>
             </a:extLst>
           </p:cNvPr>
@@ -33869,6 +33870,13 @@
   <p:clrMapOvr>
     <a:masterClrMapping/>
   </p:clrMapOvr>
+  <p:timing>
+    <p:tnLst>
+      <p:par>
+        <p:cTn id="1" dur="indefinite" restart="never" nodeType="tmRoot"/>
+      </p:par>
+    </p:tnLst>
+  </p:timing>
 </p:sld>
 </file>
 
@@ -33894,7 +33902,7 @@
           <p:cNvPr id="2" name="椭圆 1">
             <a:extLst>
               <a:ext uri="{FF2B5EF4-FFF2-40B4-BE49-F238E27FC236}">
-                <a16:creationId xmlns:a16="http://schemas.microsoft.com/office/drawing/2014/main" xmlns="" id="{7FA72E45-BA5D-4DBB-B8D5-3CC7C0A63E6A}"/>
+                <a16:creationId xmlns="" xmlns:a16="http://schemas.microsoft.com/office/drawing/2014/main" id="{7FA72E45-BA5D-4DBB-B8D5-3CC7C0A63E6A}"/>
               </a:ext>
             </a:extLst>
           </p:cNvPr>
@@ -33950,7 +33958,7 @@
           <p:cNvPr id="3" name="文本框 2">
             <a:extLst>
               <a:ext uri="{FF2B5EF4-FFF2-40B4-BE49-F238E27FC236}">
-                <a16:creationId xmlns:a16="http://schemas.microsoft.com/office/drawing/2014/main" xmlns="" id="{91659A41-69E8-4CE1-A8A2-63974D6F5889}"/>
+                <a16:creationId xmlns="" xmlns:a16="http://schemas.microsoft.com/office/drawing/2014/main" id="{91659A41-69E8-4CE1-A8A2-63974D6F5889}"/>
               </a:ext>
             </a:extLst>
           </p:cNvPr>
@@ -33991,7 +33999,7 @@
           <p:cNvPr id="4" name="椭圆 3">
             <a:extLst>
               <a:ext uri="{FF2B5EF4-FFF2-40B4-BE49-F238E27FC236}">
-                <a16:creationId xmlns:a16="http://schemas.microsoft.com/office/drawing/2014/main" xmlns="" id="{CBF29D2C-4A12-405A-9244-78104A486F0E}"/>
+                <a16:creationId xmlns="" xmlns:a16="http://schemas.microsoft.com/office/drawing/2014/main" id="{CBF29D2C-4A12-405A-9244-78104A486F0E}"/>
               </a:ext>
             </a:extLst>
           </p:cNvPr>
@@ -34049,7 +34057,7 @@
           <p:cNvPr id="13" name="椭圆 12">
             <a:extLst>
               <a:ext uri="{FF2B5EF4-FFF2-40B4-BE49-F238E27FC236}">
-                <a16:creationId xmlns:a16="http://schemas.microsoft.com/office/drawing/2014/main" xmlns="" id="{CFF23A4E-1782-4970-9965-7B9806374928}"/>
+                <a16:creationId xmlns="" xmlns:a16="http://schemas.microsoft.com/office/drawing/2014/main" id="{CFF23A4E-1782-4970-9965-7B9806374928}"/>
               </a:ext>
             </a:extLst>
           </p:cNvPr>
@@ -34107,7 +34115,7 @@
           <p:cNvPr id="14" name="椭圆 13">
             <a:extLst>
               <a:ext uri="{FF2B5EF4-FFF2-40B4-BE49-F238E27FC236}">
-                <a16:creationId xmlns:a16="http://schemas.microsoft.com/office/drawing/2014/main" xmlns="" id="{A87DE1FC-0A46-4A16-A6F3-83FE6831B0B9}"/>
+                <a16:creationId xmlns="" xmlns:a16="http://schemas.microsoft.com/office/drawing/2014/main" id="{A87DE1FC-0A46-4A16-A6F3-83FE6831B0B9}"/>
               </a:ext>
             </a:extLst>
           </p:cNvPr>
@@ -34165,7 +34173,7 @@
           <p:cNvPr id="15" name="椭圆 14">
             <a:extLst>
               <a:ext uri="{FF2B5EF4-FFF2-40B4-BE49-F238E27FC236}">
-                <a16:creationId xmlns:a16="http://schemas.microsoft.com/office/drawing/2014/main" xmlns="" id="{D4D6D67D-564B-475B-826C-77764DE4EF2C}"/>
+                <a16:creationId xmlns="" xmlns:a16="http://schemas.microsoft.com/office/drawing/2014/main" id="{D4D6D67D-564B-475B-826C-77764DE4EF2C}"/>
               </a:ext>
             </a:extLst>
           </p:cNvPr>
@@ -34223,7 +34231,7 @@
           <p:cNvPr id="16" name="椭圆 15">
             <a:extLst>
               <a:ext uri="{FF2B5EF4-FFF2-40B4-BE49-F238E27FC236}">
-                <a16:creationId xmlns:a16="http://schemas.microsoft.com/office/drawing/2014/main" xmlns="" id="{28285C35-0D2D-4AF9-8D67-BCF22B7C9035}"/>
+                <a16:creationId xmlns="" xmlns:a16="http://schemas.microsoft.com/office/drawing/2014/main" id="{28285C35-0D2D-4AF9-8D67-BCF22B7C9035}"/>
               </a:ext>
             </a:extLst>
           </p:cNvPr>
@@ -34281,7 +34289,7 @@
           <p:cNvPr id="20" name="组合 19">
             <a:extLst>
               <a:ext uri="{FF2B5EF4-FFF2-40B4-BE49-F238E27FC236}">
-                <a16:creationId xmlns:a16="http://schemas.microsoft.com/office/drawing/2014/main" xmlns="" id="{0FA7F2A0-BF41-43EE-ABD9-C5A661FABC8C}"/>
+                <a16:creationId xmlns="" xmlns:a16="http://schemas.microsoft.com/office/drawing/2014/main" id="{0FA7F2A0-BF41-43EE-ABD9-C5A661FABC8C}"/>
               </a:ext>
             </a:extLst>
           </p:cNvPr>
@@ -34301,7 +34309,7 @@
             <p:cNvPr id="18" name="矩形: 圆角 17">
               <a:extLst>
                 <a:ext uri="{FF2B5EF4-FFF2-40B4-BE49-F238E27FC236}">
-                  <a16:creationId xmlns:a16="http://schemas.microsoft.com/office/drawing/2014/main" xmlns="" id="{B74874E4-6A96-461A-8AF1-A816EBFAFC57}"/>
+                  <a16:creationId xmlns="" xmlns:a16="http://schemas.microsoft.com/office/drawing/2014/main" id="{B74874E4-6A96-461A-8AF1-A816EBFAFC57}"/>
                 </a:ext>
               </a:extLst>
             </p:cNvPr>
@@ -34353,7 +34361,7 @@
             <p:cNvPr id="19" name="文本框 18">
               <a:extLst>
                 <a:ext uri="{FF2B5EF4-FFF2-40B4-BE49-F238E27FC236}">
-                  <a16:creationId xmlns:a16="http://schemas.microsoft.com/office/drawing/2014/main" xmlns="" id="{1B09DDA9-3B1F-42A8-9AA3-B81E14C7A8C1}"/>
+                  <a16:creationId xmlns="" xmlns:a16="http://schemas.microsoft.com/office/drawing/2014/main" id="{1B09DDA9-3B1F-42A8-9AA3-B81E14C7A8C1}"/>
                 </a:ext>
               </a:extLst>
             </p:cNvPr>
@@ -34516,7 +34524,7 @@
           <p:cNvPr id="21" name="矩形: 圆角 20">
             <a:extLst>
               <a:ext uri="{FF2B5EF4-FFF2-40B4-BE49-F238E27FC236}">
-                <a16:creationId xmlns:a16="http://schemas.microsoft.com/office/drawing/2014/main" xmlns="" id="{E977BA27-9793-44E6-A225-D0E0BB1FF3CD}"/>
+                <a16:creationId xmlns="" xmlns:a16="http://schemas.microsoft.com/office/drawing/2014/main" id="{E977BA27-9793-44E6-A225-D0E0BB1FF3CD}"/>
               </a:ext>
             </a:extLst>
           </p:cNvPr>
@@ -34568,7 +34576,7 @@
           <p:cNvPr id="22" name="文本框 21">
             <a:extLst>
               <a:ext uri="{FF2B5EF4-FFF2-40B4-BE49-F238E27FC236}">
-                <a16:creationId xmlns:a16="http://schemas.microsoft.com/office/drawing/2014/main" xmlns="" id="{6EB62D2B-32EE-4F67-924E-3ED0419A1972}"/>
+                <a16:creationId xmlns="" xmlns:a16="http://schemas.microsoft.com/office/drawing/2014/main" id="{6EB62D2B-32EE-4F67-924E-3ED0419A1972}"/>
               </a:ext>
             </a:extLst>
           </p:cNvPr>
@@ -34612,7 +34620,7 @@
           <p:cNvPr id="23" name="矩形: 圆角 22">
             <a:extLst>
               <a:ext uri="{FF2B5EF4-FFF2-40B4-BE49-F238E27FC236}">
-                <a16:creationId xmlns:a16="http://schemas.microsoft.com/office/drawing/2014/main" xmlns="" id="{124F1534-677C-42BA-A08C-A4F67FA7F98C}"/>
+                <a16:creationId xmlns="" xmlns:a16="http://schemas.microsoft.com/office/drawing/2014/main" id="{124F1534-677C-42BA-A08C-A4F67FA7F98C}"/>
               </a:ext>
             </a:extLst>
           </p:cNvPr>
@@ -34664,7 +34672,7 @@
           <p:cNvPr id="24" name="文本框 23">
             <a:extLst>
               <a:ext uri="{FF2B5EF4-FFF2-40B4-BE49-F238E27FC236}">
-                <a16:creationId xmlns:a16="http://schemas.microsoft.com/office/drawing/2014/main" xmlns="" id="{EC0D9FAB-0A33-4269-9633-360D15B930A4}"/>
+                <a16:creationId xmlns="" xmlns:a16="http://schemas.microsoft.com/office/drawing/2014/main" id="{EC0D9FAB-0A33-4269-9633-360D15B930A4}"/>
               </a:ext>
             </a:extLst>
           </p:cNvPr>
@@ -34764,7 +34772,7 @@
           <p:cNvPr id="25" name="矩形: 圆角 24">
             <a:extLst>
               <a:ext uri="{FF2B5EF4-FFF2-40B4-BE49-F238E27FC236}">
-                <a16:creationId xmlns:a16="http://schemas.microsoft.com/office/drawing/2014/main" xmlns="" id="{FF024270-F1AE-4C60-90EC-B121618F5159}"/>
+                <a16:creationId xmlns="" xmlns:a16="http://schemas.microsoft.com/office/drawing/2014/main" id="{FF024270-F1AE-4C60-90EC-B121618F5159}"/>
               </a:ext>
             </a:extLst>
           </p:cNvPr>
@@ -34816,7 +34824,7 @@
           <p:cNvPr id="26" name="文本框 25">
             <a:extLst>
               <a:ext uri="{FF2B5EF4-FFF2-40B4-BE49-F238E27FC236}">
-                <a16:creationId xmlns:a16="http://schemas.microsoft.com/office/drawing/2014/main" xmlns="" id="{1FF3640D-F3A9-4685-9837-32EA4A78D4B7}"/>
+                <a16:creationId xmlns="" xmlns:a16="http://schemas.microsoft.com/office/drawing/2014/main" id="{1FF3640D-F3A9-4685-9837-32EA4A78D4B7}"/>
               </a:ext>
             </a:extLst>
           </p:cNvPr>
@@ -36545,7 +36553,7 @@
           <p:cNvPr id="8" name="文本框 7">
             <a:extLst>
               <a:ext uri="{FF2B5EF4-FFF2-40B4-BE49-F238E27FC236}">
-                <a16:creationId xmlns:a16="http://schemas.microsoft.com/office/drawing/2014/main" xmlns="" id="{2030E6C3-6D08-42B0-AE21-0AF65A099FF5}"/>
+                <a16:creationId xmlns="" xmlns:a16="http://schemas.microsoft.com/office/drawing/2014/main" id="{2030E6C3-6D08-42B0-AE21-0AF65A099FF5}"/>
               </a:ext>
             </a:extLst>
           </p:cNvPr>
@@ -36824,10 +36832,622 @@
   <p:clrMapOvr>
     <a:masterClrMapping/>
   </p:clrMapOvr>
+  <p:timing>
+    <p:tnLst>
+      <p:par>
+        <p:cTn id="1" dur="indefinite" restart="never" nodeType="tmRoot"/>
+      </p:par>
+    </p:tnLst>
+  </p:timing>
 </p:sld>
 </file>
 
 <file path=ppt/slides/slide33.xml><?xml version="1.0" encoding="utf-8"?>
+<p:sld xmlns:a="http://schemas.openxmlformats.org/drawingml/2006/main" xmlns:r="http://schemas.openxmlformats.org/officeDocument/2006/relationships" xmlns:p="http://schemas.openxmlformats.org/presentationml/2006/main">
+  <p:cSld>
+    <p:spTree>
+      <p:nvGrpSpPr>
+        <p:cNvPr id="1" name=""/>
+        <p:cNvGrpSpPr/>
+        <p:nvPr/>
+      </p:nvGrpSpPr>
+      <p:grpSpPr>
+        <a:xfrm>
+          <a:off x="0" y="0"/>
+          <a:ext cx="0" cy="0"/>
+          <a:chOff x="0" y="0"/>
+          <a:chExt cx="0" cy="0"/>
+        </a:xfrm>
+      </p:grpSpPr>
+      <p:sp>
+        <p:nvSpPr>
+          <p:cNvPr id="2" name="标题 1"/>
+          <p:cNvSpPr>
+            <a:spLocks noGrp="1"/>
+          </p:cNvSpPr>
+          <p:nvPr>
+            <p:ph type="title"/>
+          </p:nvPr>
+        </p:nvSpPr>
+        <p:spPr/>
+        <p:txBody>
+          <a:bodyPr/>
+          <a:lstStyle/>
+          <a:p>
+            <a:r>
+              <a:rPr lang="zh-CN" altLang="en-US" dirty="0" smtClean="0">
+                <a:latin typeface="微软雅黑" panose="020B0503020204020204" pitchFamily="34" charset="-122"/>
+                <a:ea typeface="微软雅黑" panose="020B0503020204020204" pitchFamily="34" charset="-122"/>
+              </a:rPr>
+              <a:t>参考文献</a:t>
+            </a:r>
+            <a:endParaRPr lang="zh-CN" altLang="en-US" dirty="0">
+              <a:latin typeface="微软雅黑" panose="020B0503020204020204" pitchFamily="34" charset="-122"/>
+              <a:ea typeface="微软雅黑" panose="020B0503020204020204" pitchFamily="34" charset="-122"/>
+            </a:endParaRPr>
+          </a:p>
+        </p:txBody>
+      </p:sp>
+      <p:sp>
+        <p:nvSpPr>
+          <p:cNvPr id="3" name="内容占位符 2"/>
+          <p:cNvSpPr>
+            <a:spLocks noGrp="1"/>
+          </p:cNvSpPr>
+          <p:nvPr>
+            <p:ph idx="1"/>
+          </p:nvPr>
+        </p:nvSpPr>
+        <p:spPr/>
+        <p:txBody>
+          <a:bodyPr>
+            <a:normAutofit fontScale="77500" lnSpcReduction="20000"/>
+          </a:bodyPr>
+          <a:lstStyle/>
+          <a:p>
+            <a:r>
+              <a:rPr lang="zh-CN" altLang="zh-CN" dirty="0">
+                <a:latin typeface="微软雅黑" panose="020B0503020204020204" pitchFamily="34" charset="-122"/>
+                <a:ea typeface="微软雅黑" panose="020B0503020204020204" pitchFamily="34" charset="-122"/>
+              </a:rPr>
+              <a:t>丁骏</a:t>
+            </a:r>
+            <a:r>
+              <a:rPr lang="en-US" altLang="zh-CN" dirty="0">
+                <a:latin typeface="微软雅黑" panose="020B0503020204020204" pitchFamily="34" charset="-122"/>
+                <a:ea typeface="微软雅黑" panose="020B0503020204020204" pitchFamily="34" charset="-122"/>
+              </a:rPr>
+              <a:t>. </a:t>
+            </a:r>
+            <a:r>
+              <a:rPr lang="zh-CN" altLang="zh-CN" dirty="0">
+                <a:latin typeface="微软雅黑" panose="020B0503020204020204" pitchFamily="34" charset="-122"/>
+                <a:ea typeface="微软雅黑" panose="020B0503020204020204" pitchFamily="34" charset="-122"/>
+              </a:rPr>
+              <a:t>网络医学健康词库</a:t>
+            </a:r>
+            <a:r>
+              <a:rPr lang="en-US" altLang="zh-CN" dirty="0">
+                <a:latin typeface="微软雅黑" panose="020B0503020204020204" pitchFamily="34" charset="-122"/>
+                <a:ea typeface="微软雅黑" panose="020B0503020204020204" pitchFamily="34" charset="-122"/>
+              </a:rPr>
+              <a:t>(HTF)</a:t>
+            </a:r>
+            <a:r>
+              <a:rPr lang="zh-CN" altLang="zh-CN" dirty="0">
+                <a:latin typeface="微软雅黑" panose="020B0503020204020204" pitchFamily="34" charset="-122"/>
+                <a:ea typeface="微软雅黑" panose="020B0503020204020204" pitchFamily="34" charset="-122"/>
+              </a:rPr>
+              <a:t>的建设及其汉化</a:t>
+            </a:r>
+            <a:r>
+              <a:rPr lang="en-US" altLang="zh-CN" dirty="0">
+                <a:latin typeface="微软雅黑" panose="020B0503020204020204" pitchFamily="34" charset="-122"/>
+                <a:ea typeface="微软雅黑" panose="020B0503020204020204" pitchFamily="34" charset="-122"/>
+              </a:rPr>
+              <a:t>[J]. </a:t>
+            </a:r>
+            <a:r>
+              <a:rPr lang="zh-CN" altLang="zh-CN" dirty="0">
+                <a:latin typeface="微软雅黑" panose="020B0503020204020204" pitchFamily="34" charset="-122"/>
+                <a:ea typeface="微软雅黑" panose="020B0503020204020204" pitchFamily="34" charset="-122"/>
+              </a:rPr>
+              <a:t>复旦外国语言文学论丛</a:t>
+            </a:r>
+            <a:r>
+              <a:rPr lang="en-US" altLang="zh-CN" dirty="0">
+                <a:latin typeface="微软雅黑" panose="020B0503020204020204" pitchFamily="34" charset="-122"/>
+                <a:ea typeface="微软雅黑" panose="020B0503020204020204" pitchFamily="34" charset="-122"/>
+              </a:rPr>
+              <a:t>, 2017(1).</a:t>
+            </a:r>
+            <a:endParaRPr lang="zh-CN" altLang="zh-CN" dirty="0">
+              <a:latin typeface="微软雅黑" panose="020B0503020204020204" pitchFamily="34" charset="-122"/>
+              <a:ea typeface="微软雅黑" panose="020B0503020204020204" pitchFamily="34" charset="-122"/>
+            </a:endParaRPr>
+          </a:p>
+          <a:p>
+            <a:r>
+              <a:rPr lang="zh-CN" altLang="zh-CN" dirty="0">
+                <a:latin typeface="微软雅黑" panose="020B0503020204020204" pitchFamily="34" charset="-122"/>
+                <a:ea typeface="微软雅黑" panose="020B0503020204020204" pitchFamily="34" charset="-122"/>
+              </a:rPr>
+              <a:t>李定钧</a:t>
+            </a:r>
+            <a:r>
+              <a:rPr lang="en-US" altLang="zh-CN" dirty="0">
+                <a:latin typeface="微软雅黑" panose="020B0503020204020204" pitchFamily="34" charset="-122"/>
+                <a:ea typeface="微软雅黑" panose="020B0503020204020204" pitchFamily="34" charset="-122"/>
+              </a:rPr>
+              <a:t>. </a:t>
+            </a:r>
+            <a:r>
+              <a:rPr lang="zh-CN" altLang="zh-CN" dirty="0">
+                <a:latin typeface="微软雅黑" panose="020B0503020204020204" pitchFamily="34" charset="-122"/>
+                <a:ea typeface="微软雅黑" panose="020B0503020204020204" pitchFamily="34" charset="-122"/>
+              </a:rPr>
+              <a:t>百年英汉医学辞典史——从高氏本到陈氏本</a:t>
+            </a:r>
+            <a:r>
+              <a:rPr lang="en-US" altLang="zh-CN" dirty="0">
+                <a:latin typeface="微软雅黑" panose="020B0503020204020204" pitchFamily="34" charset="-122"/>
+                <a:ea typeface="微软雅黑" panose="020B0503020204020204" pitchFamily="34" charset="-122"/>
+              </a:rPr>
+              <a:t>[J]. </a:t>
+            </a:r>
+            <a:r>
+              <a:rPr lang="zh-CN" altLang="zh-CN" dirty="0">
+                <a:latin typeface="微软雅黑" panose="020B0503020204020204" pitchFamily="34" charset="-122"/>
+                <a:ea typeface="微软雅黑" panose="020B0503020204020204" pitchFamily="34" charset="-122"/>
+              </a:rPr>
+              <a:t>东方翻译</a:t>
+            </a:r>
+            <a:r>
+              <a:rPr lang="en-US" altLang="zh-CN" dirty="0">
+                <a:latin typeface="微软雅黑" panose="020B0503020204020204" pitchFamily="34" charset="-122"/>
+                <a:ea typeface="微软雅黑" panose="020B0503020204020204" pitchFamily="34" charset="-122"/>
+              </a:rPr>
+              <a:t>, 2016(2):44-56.</a:t>
+            </a:r>
+            <a:endParaRPr lang="zh-CN" altLang="zh-CN" dirty="0">
+              <a:latin typeface="微软雅黑" panose="020B0503020204020204" pitchFamily="34" charset="-122"/>
+              <a:ea typeface="微软雅黑" panose="020B0503020204020204" pitchFamily="34" charset="-122"/>
+            </a:endParaRPr>
+          </a:p>
+          <a:p>
+            <a:r>
+              <a:rPr lang="zh-CN" altLang="zh-CN" dirty="0">
+                <a:latin typeface="微软雅黑" panose="020B0503020204020204" pitchFamily="34" charset="-122"/>
+                <a:ea typeface="微软雅黑" panose="020B0503020204020204" pitchFamily="34" charset="-122"/>
+              </a:rPr>
+              <a:t>李丹亚</a:t>
+            </a:r>
+            <a:r>
+              <a:rPr lang="en-US" altLang="zh-CN" dirty="0">
+                <a:latin typeface="微软雅黑" panose="020B0503020204020204" pitchFamily="34" charset="-122"/>
+                <a:ea typeface="微软雅黑" panose="020B0503020204020204" pitchFamily="34" charset="-122"/>
+              </a:rPr>
+              <a:t>, </a:t>
+            </a:r>
+            <a:r>
+              <a:rPr lang="zh-CN" altLang="zh-CN" dirty="0">
+                <a:latin typeface="微软雅黑" panose="020B0503020204020204" pitchFamily="34" charset="-122"/>
+                <a:ea typeface="微软雅黑" panose="020B0503020204020204" pitchFamily="34" charset="-122"/>
+              </a:rPr>
+              <a:t>李军莲</a:t>
+            </a:r>
+            <a:r>
+              <a:rPr lang="en-US" altLang="zh-CN" dirty="0">
+                <a:latin typeface="微软雅黑" panose="020B0503020204020204" pitchFamily="34" charset="-122"/>
+                <a:ea typeface="微软雅黑" panose="020B0503020204020204" pitchFamily="34" charset="-122"/>
+              </a:rPr>
+              <a:t>, </a:t>
+            </a:r>
+            <a:r>
+              <a:rPr lang="zh-CN" altLang="zh-CN" dirty="0">
+                <a:latin typeface="微软雅黑" panose="020B0503020204020204" pitchFamily="34" charset="-122"/>
+                <a:ea typeface="微软雅黑" panose="020B0503020204020204" pitchFamily="34" charset="-122"/>
+              </a:rPr>
+              <a:t>李晓瑛</a:t>
+            </a:r>
+            <a:r>
+              <a:rPr lang="en-US" altLang="zh-CN" dirty="0">
+                <a:latin typeface="微软雅黑" panose="020B0503020204020204" pitchFamily="34" charset="-122"/>
+                <a:ea typeface="微软雅黑" panose="020B0503020204020204" pitchFamily="34" charset="-122"/>
+              </a:rPr>
+              <a:t>,</a:t>
+            </a:r>
+            <a:r>
+              <a:rPr lang="zh-CN" altLang="zh-CN" dirty="0">
+                <a:latin typeface="微软雅黑" panose="020B0503020204020204" pitchFamily="34" charset="-122"/>
+                <a:ea typeface="微软雅黑" panose="020B0503020204020204" pitchFamily="34" charset="-122"/>
+              </a:rPr>
+              <a:t>等</a:t>
+            </a:r>
+            <a:r>
+              <a:rPr lang="en-US" altLang="zh-CN" dirty="0">
+                <a:latin typeface="微软雅黑" panose="020B0503020204020204" pitchFamily="34" charset="-122"/>
+                <a:ea typeface="微软雅黑" panose="020B0503020204020204" pitchFamily="34" charset="-122"/>
+              </a:rPr>
+              <a:t>. </a:t>
+            </a:r>
+            <a:r>
+              <a:rPr lang="zh-CN" altLang="zh-CN" dirty="0">
+                <a:latin typeface="微软雅黑" panose="020B0503020204020204" pitchFamily="34" charset="-122"/>
+                <a:ea typeface="微软雅黑" panose="020B0503020204020204" pitchFamily="34" charset="-122"/>
+              </a:rPr>
+              <a:t>医学知识组织体系发展现状及研究重点</a:t>
+            </a:r>
+            <a:r>
+              <a:rPr lang="en-US" altLang="zh-CN" dirty="0">
+                <a:latin typeface="微软雅黑" panose="020B0503020204020204" pitchFamily="34" charset="-122"/>
+                <a:ea typeface="微软雅黑" panose="020B0503020204020204" pitchFamily="34" charset="-122"/>
+              </a:rPr>
+              <a:t>[J]. </a:t>
+            </a:r>
+            <a:r>
+              <a:rPr lang="zh-CN" altLang="zh-CN" dirty="0">
+                <a:latin typeface="微软雅黑" panose="020B0503020204020204" pitchFamily="34" charset="-122"/>
+                <a:ea typeface="微软雅黑" panose="020B0503020204020204" pitchFamily="34" charset="-122"/>
+              </a:rPr>
+              <a:t>数字图书馆论坛</a:t>
+            </a:r>
+            <a:r>
+              <a:rPr lang="en-US" altLang="zh-CN" dirty="0">
+                <a:latin typeface="微软雅黑" panose="020B0503020204020204" pitchFamily="34" charset="-122"/>
+                <a:ea typeface="微软雅黑" panose="020B0503020204020204" pitchFamily="34" charset="-122"/>
+              </a:rPr>
+              <a:t>, 2012(12):12-20.</a:t>
+            </a:r>
+            <a:endParaRPr lang="zh-CN" altLang="zh-CN" dirty="0">
+              <a:latin typeface="微软雅黑" panose="020B0503020204020204" pitchFamily="34" charset="-122"/>
+              <a:ea typeface="微软雅黑" panose="020B0503020204020204" pitchFamily="34" charset="-122"/>
+            </a:endParaRPr>
+          </a:p>
+          <a:p>
+            <a:r>
+              <a:rPr lang="zh-CN" altLang="zh-CN" dirty="0">
+                <a:latin typeface="微软雅黑" panose="020B0503020204020204" pitchFamily="34" charset="-122"/>
+                <a:ea typeface="微软雅黑" panose="020B0503020204020204" pitchFamily="34" charset="-122"/>
+              </a:rPr>
+              <a:t>邱君瑞</a:t>
+            </a:r>
+            <a:r>
+              <a:rPr lang="en-US" altLang="zh-CN" dirty="0">
+                <a:latin typeface="微软雅黑" panose="020B0503020204020204" pitchFamily="34" charset="-122"/>
+                <a:ea typeface="微软雅黑" panose="020B0503020204020204" pitchFamily="34" charset="-122"/>
+              </a:rPr>
+              <a:t>. </a:t>
+            </a:r>
+            <a:r>
+              <a:rPr lang="zh-CN" altLang="zh-CN" dirty="0">
+                <a:latin typeface="微软雅黑" panose="020B0503020204020204" pitchFamily="34" charset="-122"/>
+                <a:ea typeface="微软雅黑" panose="020B0503020204020204" pitchFamily="34" charset="-122"/>
+              </a:rPr>
+              <a:t>论</a:t>
+            </a:r>
+            <a:r>
+              <a:rPr lang="en-US" altLang="zh-CN" dirty="0">
+                <a:latin typeface="微软雅黑" panose="020B0503020204020204" pitchFamily="34" charset="-122"/>
+                <a:ea typeface="微软雅黑" panose="020B0503020204020204" pitchFamily="34" charset="-122"/>
+              </a:rPr>
+              <a:t>UMLS</a:t>
+            </a:r>
+            <a:r>
+              <a:rPr lang="zh-CN" altLang="zh-CN" dirty="0">
+                <a:latin typeface="微软雅黑" panose="020B0503020204020204" pitchFamily="34" charset="-122"/>
+                <a:ea typeface="微软雅黑" panose="020B0503020204020204" pitchFamily="34" charset="-122"/>
+              </a:rPr>
+              <a:t>超级叙词表的概念表达</a:t>
+            </a:r>
+            <a:r>
+              <a:rPr lang="en-US" altLang="zh-CN" dirty="0">
+                <a:latin typeface="微软雅黑" panose="020B0503020204020204" pitchFamily="34" charset="-122"/>
+                <a:ea typeface="微软雅黑" panose="020B0503020204020204" pitchFamily="34" charset="-122"/>
+              </a:rPr>
+              <a:t>[J]. </a:t>
+            </a:r>
+            <a:r>
+              <a:rPr lang="zh-CN" altLang="zh-CN" dirty="0">
+                <a:latin typeface="微软雅黑" panose="020B0503020204020204" pitchFamily="34" charset="-122"/>
+                <a:ea typeface="微软雅黑" panose="020B0503020204020204" pitchFamily="34" charset="-122"/>
+              </a:rPr>
+              <a:t>医学信息</a:t>
+            </a:r>
+            <a:r>
+              <a:rPr lang="en-US" altLang="zh-CN" dirty="0">
+                <a:latin typeface="微软雅黑" panose="020B0503020204020204" pitchFamily="34" charset="-122"/>
+                <a:ea typeface="微软雅黑" panose="020B0503020204020204" pitchFamily="34" charset="-122"/>
+              </a:rPr>
+              <a:t>(</a:t>
+            </a:r>
+            <a:r>
+              <a:rPr lang="zh-CN" altLang="zh-CN" dirty="0">
+                <a:latin typeface="微软雅黑" panose="020B0503020204020204" pitchFamily="34" charset="-122"/>
+                <a:ea typeface="微软雅黑" panose="020B0503020204020204" pitchFamily="34" charset="-122"/>
+              </a:rPr>
+              <a:t>上旬刊</a:t>
+            </a:r>
+            <a:r>
+              <a:rPr lang="en-US" altLang="zh-CN" dirty="0">
+                <a:latin typeface="微软雅黑" panose="020B0503020204020204" pitchFamily="34" charset="-122"/>
+                <a:ea typeface="微软雅黑" panose="020B0503020204020204" pitchFamily="34" charset="-122"/>
+              </a:rPr>
+              <a:t>), 2002, 11(3):301-302.</a:t>
+            </a:r>
+            <a:endParaRPr lang="zh-CN" altLang="zh-CN" dirty="0">
+              <a:latin typeface="微软雅黑" panose="020B0503020204020204" pitchFamily="34" charset="-122"/>
+              <a:ea typeface="微软雅黑" panose="020B0503020204020204" pitchFamily="34" charset="-122"/>
+            </a:endParaRPr>
+          </a:p>
+          <a:p>
+            <a:r>
+              <a:rPr lang="zh-CN" altLang="zh-CN" dirty="0">
+                <a:latin typeface="微软雅黑" panose="020B0503020204020204" pitchFamily="34" charset="-122"/>
+                <a:ea typeface="微软雅黑" panose="020B0503020204020204" pitchFamily="34" charset="-122"/>
+              </a:rPr>
+              <a:t>孙月萍</a:t>
+            </a:r>
+            <a:r>
+              <a:rPr lang="en-US" altLang="zh-CN" dirty="0">
+                <a:latin typeface="微软雅黑" panose="020B0503020204020204" pitchFamily="34" charset="-122"/>
+                <a:ea typeface="微软雅黑" panose="020B0503020204020204" pitchFamily="34" charset="-122"/>
+              </a:rPr>
+              <a:t>, </a:t>
+            </a:r>
+            <a:r>
+              <a:rPr lang="zh-CN" altLang="zh-CN" dirty="0">
+                <a:latin typeface="微软雅黑" panose="020B0503020204020204" pitchFamily="34" charset="-122"/>
+                <a:ea typeface="微软雅黑" panose="020B0503020204020204" pitchFamily="34" charset="-122"/>
+              </a:rPr>
+              <a:t>侯震</a:t>
+            </a:r>
+            <a:r>
+              <a:rPr lang="en-US" altLang="zh-CN" dirty="0">
+                <a:latin typeface="微软雅黑" panose="020B0503020204020204" pitchFamily="34" charset="-122"/>
+                <a:ea typeface="微软雅黑" panose="020B0503020204020204" pitchFamily="34" charset="-122"/>
+              </a:rPr>
+              <a:t>, </a:t>
+            </a:r>
+            <a:r>
+              <a:rPr lang="zh-CN" altLang="zh-CN" dirty="0">
+                <a:latin typeface="微软雅黑" panose="020B0503020204020204" pitchFamily="34" charset="-122"/>
+                <a:ea typeface="微软雅黑" panose="020B0503020204020204" pitchFamily="34" charset="-122"/>
+              </a:rPr>
+              <a:t>侯丽</a:t>
+            </a:r>
+            <a:r>
+              <a:rPr lang="en-US" altLang="zh-CN" dirty="0">
+                <a:latin typeface="微软雅黑" panose="020B0503020204020204" pitchFamily="34" charset="-122"/>
+                <a:ea typeface="微软雅黑" panose="020B0503020204020204" pitchFamily="34" charset="-122"/>
+              </a:rPr>
+              <a:t>,</a:t>
+            </a:r>
+            <a:r>
+              <a:rPr lang="zh-CN" altLang="zh-CN" dirty="0">
+                <a:latin typeface="微软雅黑" panose="020B0503020204020204" pitchFamily="34" charset="-122"/>
+                <a:ea typeface="微软雅黑" panose="020B0503020204020204" pitchFamily="34" charset="-122"/>
+              </a:rPr>
+              <a:t>等</a:t>
+            </a:r>
+            <a:r>
+              <a:rPr lang="en-US" altLang="zh-CN" dirty="0">
+                <a:latin typeface="微软雅黑" panose="020B0503020204020204" pitchFamily="34" charset="-122"/>
+                <a:ea typeface="微软雅黑" panose="020B0503020204020204" pitchFamily="34" charset="-122"/>
+              </a:rPr>
+              <a:t>. </a:t>
+            </a:r>
+            <a:r>
+              <a:rPr lang="zh-CN" altLang="zh-CN" dirty="0">
+                <a:latin typeface="微软雅黑" panose="020B0503020204020204" pitchFamily="34" charset="-122"/>
+                <a:ea typeface="微软雅黑" panose="020B0503020204020204" pitchFamily="34" charset="-122"/>
+              </a:rPr>
+              <a:t>医学知识库语言学特征比较分析</a:t>
+            </a:r>
+            <a:r>
+              <a:rPr lang="en-US" altLang="zh-CN" dirty="0">
+                <a:latin typeface="微软雅黑" panose="020B0503020204020204" pitchFamily="34" charset="-122"/>
+                <a:ea typeface="微软雅黑" panose="020B0503020204020204" pitchFamily="34" charset="-122"/>
+              </a:rPr>
+              <a:t>[J]. </a:t>
+            </a:r>
+            <a:r>
+              <a:rPr lang="zh-CN" altLang="zh-CN" dirty="0">
+                <a:latin typeface="微软雅黑" panose="020B0503020204020204" pitchFamily="34" charset="-122"/>
+                <a:ea typeface="微软雅黑" panose="020B0503020204020204" pitchFamily="34" charset="-122"/>
+              </a:rPr>
+              <a:t>医学信息学杂志</a:t>
+            </a:r>
+            <a:r>
+              <a:rPr lang="en-US" altLang="zh-CN" dirty="0">
+                <a:latin typeface="微软雅黑" panose="020B0503020204020204" pitchFamily="34" charset="-122"/>
+                <a:ea typeface="微软雅黑" panose="020B0503020204020204" pitchFamily="34" charset="-122"/>
+              </a:rPr>
+              <a:t>, 2018, 39(1):46-50.</a:t>
+            </a:r>
+            <a:endParaRPr lang="zh-CN" altLang="zh-CN" dirty="0">
+              <a:latin typeface="微软雅黑" panose="020B0503020204020204" pitchFamily="34" charset="-122"/>
+              <a:ea typeface="微软雅黑" panose="020B0503020204020204" pitchFamily="34" charset="-122"/>
+            </a:endParaRPr>
+          </a:p>
+          <a:p>
+            <a:r>
+              <a:rPr lang="zh-CN" altLang="zh-CN" dirty="0">
+                <a:latin typeface="微软雅黑" panose="020B0503020204020204" pitchFamily="34" charset="-122"/>
+                <a:ea typeface="微软雅黑" panose="020B0503020204020204" pitchFamily="34" charset="-122"/>
+              </a:rPr>
+              <a:t>王红</a:t>
+            </a:r>
+            <a:r>
+              <a:rPr lang="en-US" altLang="zh-CN" dirty="0">
+                <a:latin typeface="微软雅黑" panose="020B0503020204020204" pitchFamily="34" charset="-122"/>
+                <a:ea typeface="微软雅黑" panose="020B0503020204020204" pitchFamily="34" charset="-122"/>
+              </a:rPr>
+              <a:t>, </a:t>
+            </a:r>
+            <a:r>
+              <a:rPr lang="zh-CN" altLang="zh-CN" dirty="0">
+                <a:latin typeface="微软雅黑" panose="020B0503020204020204" pitchFamily="34" charset="-122"/>
+                <a:ea typeface="微软雅黑" panose="020B0503020204020204" pitchFamily="34" charset="-122"/>
+              </a:rPr>
+              <a:t>李咏梅</a:t>
+            </a:r>
+            <a:r>
+              <a:rPr lang="en-US" altLang="zh-CN" dirty="0">
+                <a:latin typeface="微软雅黑" panose="020B0503020204020204" pitchFamily="34" charset="-122"/>
+                <a:ea typeface="微软雅黑" panose="020B0503020204020204" pitchFamily="34" charset="-122"/>
+              </a:rPr>
+              <a:t>, </a:t>
+            </a:r>
+            <a:r>
+              <a:rPr lang="zh-CN" altLang="zh-CN" dirty="0">
+                <a:latin typeface="微软雅黑" panose="020B0503020204020204" pitchFamily="34" charset="-122"/>
+                <a:ea typeface="微软雅黑" panose="020B0503020204020204" pitchFamily="34" charset="-122"/>
+              </a:rPr>
+              <a:t>朱研</a:t>
+            </a:r>
+            <a:r>
+              <a:rPr lang="en-US" altLang="zh-CN" dirty="0">
+                <a:latin typeface="微软雅黑" panose="020B0503020204020204" pitchFamily="34" charset="-122"/>
+                <a:ea typeface="微软雅黑" panose="020B0503020204020204" pitchFamily="34" charset="-122"/>
+              </a:rPr>
+              <a:t>,</a:t>
+            </a:r>
+            <a:r>
+              <a:rPr lang="zh-CN" altLang="zh-CN" dirty="0">
+                <a:latin typeface="微软雅黑" panose="020B0503020204020204" pitchFamily="34" charset="-122"/>
+                <a:ea typeface="微软雅黑" panose="020B0503020204020204" pitchFamily="34" charset="-122"/>
+              </a:rPr>
+              <a:t>等</a:t>
+            </a:r>
+            <a:r>
+              <a:rPr lang="en-US" altLang="zh-CN" dirty="0">
+                <a:latin typeface="微软雅黑" panose="020B0503020204020204" pitchFamily="34" charset="-122"/>
+                <a:ea typeface="微软雅黑" panose="020B0503020204020204" pitchFamily="34" charset="-122"/>
+              </a:rPr>
+              <a:t>. </a:t>
+            </a:r>
+            <a:r>
+              <a:rPr lang="zh-CN" altLang="zh-CN" dirty="0">
+                <a:latin typeface="微软雅黑" panose="020B0503020204020204" pitchFamily="34" charset="-122"/>
+                <a:ea typeface="微软雅黑" panose="020B0503020204020204" pitchFamily="34" charset="-122"/>
+              </a:rPr>
+              <a:t>俄英医学同义术语的类型划分及英俄、汉俄医学词典编纂启示</a:t>
+            </a:r>
+            <a:r>
+              <a:rPr lang="en-US" altLang="zh-CN" dirty="0">
+                <a:latin typeface="微软雅黑" panose="020B0503020204020204" pitchFamily="34" charset="-122"/>
+                <a:ea typeface="微软雅黑" panose="020B0503020204020204" pitchFamily="34" charset="-122"/>
+              </a:rPr>
+              <a:t>[J]. </a:t>
+            </a:r>
+            <a:r>
+              <a:rPr lang="zh-CN" altLang="zh-CN" dirty="0">
+                <a:latin typeface="微软雅黑" panose="020B0503020204020204" pitchFamily="34" charset="-122"/>
+                <a:ea typeface="微软雅黑" panose="020B0503020204020204" pitchFamily="34" charset="-122"/>
+              </a:rPr>
+              <a:t>中国科技术语</a:t>
+            </a:r>
+            <a:r>
+              <a:rPr lang="en-US" altLang="zh-CN" dirty="0">
+                <a:latin typeface="微软雅黑" panose="020B0503020204020204" pitchFamily="34" charset="-122"/>
+                <a:ea typeface="微软雅黑" panose="020B0503020204020204" pitchFamily="34" charset="-122"/>
+              </a:rPr>
+              <a:t>, 2018(1):34-39.</a:t>
+            </a:r>
+            <a:endParaRPr lang="zh-CN" altLang="zh-CN" dirty="0">
+              <a:latin typeface="微软雅黑" panose="020B0503020204020204" pitchFamily="34" charset="-122"/>
+              <a:ea typeface="微软雅黑" panose="020B0503020204020204" pitchFamily="34" charset="-122"/>
+            </a:endParaRPr>
+          </a:p>
+          <a:p>
+            <a:r>
+              <a:rPr lang="zh-CN" altLang="zh-CN" dirty="0">
+                <a:latin typeface="微软雅黑" panose="020B0503020204020204" pitchFamily="34" charset="-122"/>
+                <a:ea typeface="微软雅黑" panose="020B0503020204020204" pitchFamily="34" charset="-122"/>
+              </a:rPr>
+              <a:t>王永芳</a:t>
+            </a:r>
+            <a:r>
+              <a:rPr lang="en-US" altLang="zh-CN" dirty="0">
+                <a:latin typeface="微软雅黑" panose="020B0503020204020204" pitchFamily="34" charset="-122"/>
+                <a:ea typeface="微软雅黑" panose="020B0503020204020204" pitchFamily="34" charset="-122"/>
+              </a:rPr>
+              <a:t>, </a:t>
+            </a:r>
+            <a:r>
+              <a:rPr lang="zh-CN" altLang="zh-CN" dirty="0">
+                <a:latin typeface="微软雅黑" panose="020B0503020204020204" pitchFamily="34" charset="-122"/>
+                <a:ea typeface="微软雅黑" panose="020B0503020204020204" pitchFamily="34" charset="-122"/>
+              </a:rPr>
+              <a:t>邰杨芳</a:t>
+            </a:r>
+            <a:r>
+              <a:rPr lang="en-US" altLang="zh-CN" dirty="0">
+                <a:latin typeface="微软雅黑" panose="020B0503020204020204" pitchFamily="34" charset="-122"/>
+                <a:ea typeface="微软雅黑" panose="020B0503020204020204" pitchFamily="34" charset="-122"/>
+              </a:rPr>
+              <a:t>. UMIS</a:t>
+            </a:r>
+            <a:r>
+              <a:rPr lang="zh-CN" altLang="zh-CN" dirty="0">
+                <a:latin typeface="微软雅黑" panose="020B0503020204020204" pitchFamily="34" charset="-122"/>
+                <a:ea typeface="微软雅黑" panose="020B0503020204020204" pitchFamily="34" charset="-122"/>
+              </a:rPr>
+              <a:t>语义网络在社会化标注系统中的应用研究</a:t>
+            </a:r>
+            <a:r>
+              <a:rPr lang="en-US" altLang="zh-CN" dirty="0">
+                <a:latin typeface="微软雅黑" panose="020B0503020204020204" pitchFamily="34" charset="-122"/>
+                <a:ea typeface="微软雅黑" panose="020B0503020204020204" pitchFamily="34" charset="-122"/>
+              </a:rPr>
+              <a:t>[J]. </a:t>
+            </a:r>
+            <a:r>
+              <a:rPr lang="zh-CN" altLang="zh-CN" dirty="0">
+                <a:latin typeface="微软雅黑" panose="020B0503020204020204" pitchFamily="34" charset="-122"/>
+                <a:ea typeface="微软雅黑" panose="020B0503020204020204" pitchFamily="34" charset="-122"/>
+              </a:rPr>
+              <a:t>图书情报工作</a:t>
+            </a:r>
+            <a:r>
+              <a:rPr lang="en-US" altLang="zh-CN" dirty="0">
+                <a:latin typeface="微软雅黑" panose="020B0503020204020204" pitchFamily="34" charset="-122"/>
+                <a:ea typeface="微软雅黑" panose="020B0503020204020204" pitchFamily="34" charset="-122"/>
+              </a:rPr>
+              <a:t>, 2017(1):89-99.</a:t>
+            </a:r>
+            <a:endParaRPr lang="zh-CN" altLang="zh-CN" dirty="0">
+              <a:latin typeface="微软雅黑" panose="020B0503020204020204" pitchFamily="34" charset="-122"/>
+              <a:ea typeface="微软雅黑" panose="020B0503020204020204" pitchFamily="34" charset="-122"/>
+            </a:endParaRPr>
+          </a:p>
+          <a:p>
+            <a:endParaRPr lang="zh-CN" altLang="en-US" dirty="0"/>
+          </a:p>
+        </p:txBody>
+      </p:sp>
+    </p:spTree>
+    <p:extLst>
+      <p:ext uri="{BB962C8B-B14F-4D97-AF65-F5344CB8AC3E}">
+        <p14:creationId xmlns:p14="http://schemas.microsoft.com/office/powerpoint/2010/main" val="16488008"/>
+      </p:ext>
+    </p:extLst>
+  </p:cSld>
+  <p:clrMapOvr>
+    <a:masterClrMapping/>
+  </p:clrMapOvr>
+  <p:timing>
+    <p:tnLst>
+      <p:par>
+        <p:cTn id="1" dur="indefinite" restart="never" nodeType="tmRoot"/>
+      </p:par>
+    </p:tnLst>
+  </p:timing>
+</p:sld>
+</file>
+
+<file path=ppt/slides/slide34.xml><?xml version="1.0" encoding="utf-8"?>
 <p:sld xmlns:a="http://schemas.openxmlformats.org/drawingml/2006/main" xmlns:r="http://schemas.openxmlformats.org/officeDocument/2006/relationships" xmlns:p="http://schemas.openxmlformats.org/presentationml/2006/main">
   <p:cSld>
     <p:spTree>
@@ -37321,7 +37941,7 @@
           <p:cNvPr id="19" name="文本框 18">
             <a:extLst>
               <a:ext uri="{FF2B5EF4-FFF2-40B4-BE49-F238E27FC236}">
-                <a16:creationId xmlns:a16="http://schemas.microsoft.com/office/drawing/2014/main" xmlns="" id="{D96C8DEE-2B12-4999-A8A3-EB70C0DD6154}"/>
+                <a16:creationId xmlns="" xmlns:a16="http://schemas.microsoft.com/office/drawing/2014/main" id="{D96C8DEE-2B12-4999-A8A3-EB70C0DD6154}"/>
               </a:ext>
             </a:extLst>
           </p:cNvPr>
@@ -37370,7 +37990,7 @@
           <p:cNvPr id="23" name="文本框 22">
             <a:extLst>
               <a:ext uri="{FF2B5EF4-FFF2-40B4-BE49-F238E27FC236}">
-                <a16:creationId xmlns:a16="http://schemas.microsoft.com/office/drawing/2014/main" xmlns="" id="{9727FEFB-5E60-4158-B373-1EC985E77D5C}"/>
+                <a16:creationId xmlns="" xmlns:a16="http://schemas.microsoft.com/office/drawing/2014/main" id="{9727FEFB-5E60-4158-B373-1EC985E77D5C}"/>
               </a:ext>
             </a:extLst>
           </p:cNvPr>
@@ -37419,7 +38039,7 @@
           <p:cNvPr id="24" name="文本框 23">
             <a:extLst>
               <a:ext uri="{FF2B5EF4-FFF2-40B4-BE49-F238E27FC236}">
-                <a16:creationId xmlns:a16="http://schemas.microsoft.com/office/drawing/2014/main" xmlns="" id="{DD98CE8E-EDEF-48EF-8E06-D36DEB775E77}"/>
+                <a16:creationId xmlns="" xmlns:a16="http://schemas.microsoft.com/office/drawing/2014/main" id="{DD98CE8E-EDEF-48EF-8E06-D36DEB775E77}"/>
               </a:ext>
             </a:extLst>
           </p:cNvPr>
@@ -37498,7 +38118,7 @@
           <p:cNvPr id="4" name="椭圆 3">
             <a:extLst>
               <a:ext uri="{FF2B5EF4-FFF2-40B4-BE49-F238E27FC236}">
-                <a16:creationId xmlns:a16="http://schemas.microsoft.com/office/drawing/2014/main" xmlns="" id="{8D2B5B3F-3CB5-42B7-BBDF-D12156F91010}"/>
+                <a16:creationId xmlns="" xmlns:a16="http://schemas.microsoft.com/office/drawing/2014/main" id="{8D2B5B3F-3CB5-42B7-BBDF-D12156F91010}"/>
               </a:ext>
             </a:extLst>
           </p:cNvPr>
@@ -37550,7 +38170,7 @@
           <p:cNvPr id="7" name="文本框 6">
             <a:extLst>
               <a:ext uri="{FF2B5EF4-FFF2-40B4-BE49-F238E27FC236}">
-                <a16:creationId xmlns:a16="http://schemas.microsoft.com/office/drawing/2014/main" xmlns="" id="{379ECFDC-06CB-48E6-8748-DBF7CA915365}"/>
+                <a16:creationId xmlns="" xmlns:a16="http://schemas.microsoft.com/office/drawing/2014/main" id="{379ECFDC-06CB-48E6-8748-DBF7CA915365}"/>
               </a:ext>
             </a:extLst>
           </p:cNvPr>
@@ -37588,7 +38208,7 @@
           <p:cNvPr id="9" name="椭圆 8">
             <a:extLst>
               <a:ext uri="{FF2B5EF4-FFF2-40B4-BE49-F238E27FC236}">
-                <a16:creationId xmlns:a16="http://schemas.microsoft.com/office/drawing/2014/main" xmlns="" id="{62AD7252-080D-445E-9D18-19ACC6A0906E}"/>
+                <a16:creationId xmlns="" xmlns:a16="http://schemas.microsoft.com/office/drawing/2014/main" id="{62AD7252-080D-445E-9D18-19ACC6A0906E}"/>
               </a:ext>
             </a:extLst>
           </p:cNvPr>
@@ -37640,7 +38260,7 @@
           <p:cNvPr id="12" name="文本框 11">
             <a:extLst>
               <a:ext uri="{FF2B5EF4-FFF2-40B4-BE49-F238E27FC236}">
-                <a16:creationId xmlns:a16="http://schemas.microsoft.com/office/drawing/2014/main" xmlns="" id="{642799FD-76FA-420D-9286-AD4AC1DF402E}"/>
+                <a16:creationId xmlns="" xmlns:a16="http://schemas.microsoft.com/office/drawing/2014/main" id="{642799FD-76FA-420D-9286-AD4AC1DF402E}"/>
               </a:ext>
             </a:extLst>
           </p:cNvPr>
@@ -37911,7 +38531,7 @@
           <p:cNvPr id="3" name="文本框 2">
             <a:extLst>
               <a:ext uri="{FF2B5EF4-FFF2-40B4-BE49-F238E27FC236}">
-                <a16:creationId xmlns:a16="http://schemas.microsoft.com/office/drawing/2014/main" xmlns="" id="{A351FB82-D77B-4358-8F4B-DF0F2F56BEDB}"/>
+                <a16:creationId xmlns="" xmlns:a16="http://schemas.microsoft.com/office/drawing/2014/main" id="{A351FB82-D77B-4358-8F4B-DF0F2F56BEDB}"/>
               </a:ext>
             </a:extLst>
           </p:cNvPr>
@@ -38166,7 +38786,7 @@
           <p:cNvPr id="2" name="矩形 1">
             <a:extLst>
               <a:ext uri="{FF2B5EF4-FFF2-40B4-BE49-F238E27FC236}">
-                <a16:creationId xmlns:a16="http://schemas.microsoft.com/office/drawing/2014/main" xmlns="" id="{73016DA7-04CC-4301-B919-D5BA942F4036}"/>
+                <a16:creationId xmlns="" xmlns:a16="http://schemas.microsoft.com/office/drawing/2014/main" id="{73016DA7-04CC-4301-B919-D5BA942F4036}"/>
               </a:ext>
             </a:extLst>
           </p:cNvPr>
@@ -38326,7 +38946,7 @@
           <p:cNvPr id="4" name="椭圆 3">
             <a:extLst>
               <a:ext uri="{FF2B5EF4-FFF2-40B4-BE49-F238E27FC236}">
-                <a16:creationId xmlns:a16="http://schemas.microsoft.com/office/drawing/2014/main" xmlns="" id="{8D2B5B3F-3CB5-42B7-BBDF-D12156F91010}"/>
+                <a16:creationId xmlns="" xmlns:a16="http://schemas.microsoft.com/office/drawing/2014/main" id="{8D2B5B3F-3CB5-42B7-BBDF-D12156F91010}"/>
               </a:ext>
             </a:extLst>
           </p:cNvPr>
@@ -38378,7 +38998,7 @@
           <p:cNvPr id="6" name="图片 5" descr="图片包含 屏幕截图&#10;&#10;自动生成的说明">
             <a:extLst>
               <a:ext uri="{FF2B5EF4-FFF2-40B4-BE49-F238E27FC236}">
-                <a16:creationId xmlns:a16="http://schemas.microsoft.com/office/drawing/2014/main" xmlns="" id="{488EF7BC-F038-4866-A483-0F8994B928D5}"/>
+                <a16:creationId xmlns="" xmlns:a16="http://schemas.microsoft.com/office/drawing/2014/main" id="{488EF7BC-F038-4866-A483-0F8994B928D5}"/>
               </a:ext>
             </a:extLst>
           </p:cNvPr>
@@ -38414,7 +39034,7 @@
           <p:cNvPr id="7" name="文本框 6">
             <a:extLst>
               <a:ext uri="{FF2B5EF4-FFF2-40B4-BE49-F238E27FC236}">
-                <a16:creationId xmlns:a16="http://schemas.microsoft.com/office/drawing/2014/main" xmlns="" id="{379ECFDC-06CB-48E6-8748-DBF7CA915365}"/>
+                <a16:creationId xmlns="" xmlns:a16="http://schemas.microsoft.com/office/drawing/2014/main" id="{379ECFDC-06CB-48E6-8748-DBF7CA915365}"/>
               </a:ext>
             </a:extLst>
           </p:cNvPr>
@@ -38452,7 +39072,7 @@
           <p:cNvPr id="9" name="椭圆 8">
             <a:extLst>
               <a:ext uri="{FF2B5EF4-FFF2-40B4-BE49-F238E27FC236}">
-                <a16:creationId xmlns:a16="http://schemas.microsoft.com/office/drawing/2014/main" xmlns="" id="{62AD7252-080D-445E-9D18-19ACC6A0906E}"/>
+                <a16:creationId xmlns="" xmlns:a16="http://schemas.microsoft.com/office/drawing/2014/main" id="{62AD7252-080D-445E-9D18-19ACC6A0906E}"/>
               </a:ext>
             </a:extLst>
           </p:cNvPr>
@@ -38504,7 +39124,7 @@
           <p:cNvPr id="12" name="文本框 11">
             <a:extLst>
               <a:ext uri="{FF2B5EF4-FFF2-40B4-BE49-F238E27FC236}">
-                <a16:creationId xmlns:a16="http://schemas.microsoft.com/office/drawing/2014/main" xmlns="" id="{642799FD-76FA-420D-9286-AD4AC1DF402E}"/>
+                <a16:creationId xmlns="" xmlns:a16="http://schemas.microsoft.com/office/drawing/2014/main" id="{642799FD-76FA-420D-9286-AD4AC1DF402E}"/>
               </a:ext>
             </a:extLst>
           </p:cNvPr>
@@ -38677,7 +39297,7 @@
           <p:cNvPr id="15" name="图片 14" descr="图片包含 屏幕截图&#10;&#10;自动生成的说明">
             <a:extLst>
               <a:ext uri="{FF2B5EF4-FFF2-40B4-BE49-F238E27FC236}">
-                <a16:creationId xmlns:a16="http://schemas.microsoft.com/office/drawing/2014/main" xmlns="" id="{F65B923F-989D-446B-891C-AE4D51848520}"/>
+                <a16:creationId xmlns="" xmlns:a16="http://schemas.microsoft.com/office/drawing/2014/main" id="{F65B923F-989D-446B-891C-AE4D51848520}"/>
               </a:ext>
             </a:extLst>
           </p:cNvPr>
@@ -38739,35 +39359,21 @@
                 <a:latin typeface="微软雅黑" panose="020B0503020204020204" pitchFamily="34" charset="-122"/>
                 <a:ea typeface="微软雅黑" panose="020B0503020204020204" pitchFamily="34" charset="-122"/>
               </a:rPr>
-              <a:t>医学</a:t>
+              <a:t>医学辞典已经做成</a:t>
+            </a:r>
+            <a:r>
+              <a:rPr lang="en-US" altLang="zh-CN" sz="1600" dirty="0">
+                <a:latin typeface="微软雅黑" panose="020B0503020204020204" pitchFamily="34" charset="-122"/>
+                <a:ea typeface="微软雅黑" panose="020B0503020204020204" pitchFamily="34" charset="-122"/>
+              </a:rPr>
+              <a:t>APP</a:t>
             </a:r>
             <a:r>
               <a:rPr lang="zh-CN" altLang="en-US" sz="1600" dirty="0">
                 <a:latin typeface="微软雅黑" panose="020B0503020204020204" pitchFamily="34" charset="-122"/>
                 <a:ea typeface="微软雅黑" panose="020B0503020204020204" pitchFamily="34" charset="-122"/>
               </a:rPr>
-              <a:t>辞典已经做成</a:t>
-            </a:r>
-            <a:r>
-              <a:rPr lang="en-US" altLang="zh-CN" sz="1600" dirty="0">
-                <a:latin typeface="微软雅黑" panose="020B0503020204020204" pitchFamily="34" charset="-122"/>
-                <a:ea typeface="微软雅黑" panose="020B0503020204020204" pitchFamily="34" charset="-122"/>
-              </a:rPr>
-              <a:t>APP</a:t>
-            </a:r>
-            <a:r>
-              <a:rPr lang="zh-CN" altLang="en-US" sz="1600" dirty="0">
-                <a:latin typeface="微软雅黑" panose="020B0503020204020204" pitchFamily="34" charset="-122"/>
-                <a:ea typeface="微软雅黑" panose="020B0503020204020204" pitchFamily="34" charset="-122"/>
-              </a:rPr>
-              <a:t>的有以下几</a:t>
-            </a:r>
-            <a:r>
-              <a:rPr lang="zh-CN" altLang="en-US" sz="1600" dirty="0">
-                <a:latin typeface="微软雅黑" panose="020B0503020204020204" pitchFamily="34" charset="-122"/>
-                <a:ea typeface="微软雅黑" panose="020B0503020204020204" pitchFamily="34" charset="-122"/>
-              </a:rPr>
-              <a:t>个</a:t>
+              <a:t>的有以下几个</a:t>
             </a:r>
             <a:r>
               <a:rPr lang="en-US" altLang="zh-CN" sz="1600" dirty="0">
@@ -38831,14 +39437,7 @@
                 <a:latin typeface="微软雅黑" panose="020B0503020204020204" pitchFamily="34" charset="-122"/>
                 <a:ea typeface="微软雅黑" panose="020B0503020204020204" pitchFamily="34" charset="-122"/>
               </a:rPr>
-              <a:t> </a:t>
-            </a:r>
-            <a:r>
-              <a:rPr lang="en-US" altLang="zh-CN" sz="1600" dirty="0">
-                <a:latin typeface="微软雅黑" panose="020B0503020204020204" pitchFamily="34" charset="-122"/>
-                <a:ea typeface="微软雅黑" panose="020B0503020204020204" pitchFamily="34" charset="-122"/>
-              </a:rPr>
-              <a:t>2.</a:t>
+              <a:t> 2.</a:t>
             </a:r>
             <a:r>
               <a:rPr lang="zh-CN" altLang="en-US" sz="1600" dirty="0">
@@ -38870,14 +39469,7 @@
                 <a:latin typeface="微软雅黑" panose="020B0503020204020204" pitchFamily="34" charset="-122"/>
                 <a:ea typeface="微软雅黑" panose="020B0503020204020204" pitchFamily="34" charset="-122"/>
               </a:rPr>
-              <a:t> </a:t>
-            </a:r>
-            <a:r>
-              <a:rPr lang="en-US" altLang="zh-CN" sz="1600" dirty="0">
-                <a:latin typeface="微软雅黑" panose="020B0503020204020204" pitchFamily="34" charset="-122"/>
-                <a:ea typeface="微软雅黑" panose="020B0503020204020204" pitchFamily="34" charset="-122"/>
-              </a:rPr>
-              <a:t>3.</a:t>
+              <a:t> 3.</a:t>
             </a:r>
             <a:r>
               <a:rPr lang="zh-CN" altLang="en-US" sz="1600" dirty="0">
@@ -38916,14 +39508,7 @@
                 <a:latin typeface="微软雅黑" panose="020B0503020204020204" pitchFamily="34" charset="-122"/>
                 <a:ea typeface="微软雅黑" panose="020B0503020204020204" pitchFamily="34" charset="-122"/>
               </a:rPr>
-              <a:t>4</a:t>
-            </a:r>
-            <a:r>
-              <a:rPr lang="en-US" altLang="zh-CN" sz="1600" dirty="0">
-                <a:latin typeface="微软雅黑" panose="020B0503020204020204" pitchFamily="34" charset="-122"/>
-                <a:ea typeface="微软雅黑" panose="020B0503020204020204" pitchFamily="34" charset="-122"/>
-              </a:rPr>
-              <a:t>.</a:t>
+              <a:t>4.</a:t>
             </a:r>
             <a:r>
               <a:rPr lang="zh-CN" altLang="en-US" sz="1600" dirty="0">
@@ -38962,14 +39547,7 @@
                 <a:latin typeface="微软雅黑" panose="020B0503020204020204" pitchFamily="34" charset="-122"/>
                 <a:ea typeface="微软雅黑" panose="020B0503020204020204" pitchFamily="34" charset="-122"/>
               </a:rPr>
-              <a:t>5</a:t>
-            </a:r>
-            <a:r>
-              <a:rPr lang="en-US" altLang="zh-CN" sz="1600" dirty="0">
-                <a:latin typeface="微软雅黑" panose="020B0503020204020204" pitchFamily="34" charset="-122"/>
-                <a:ea typeface="微软雅黑" panose="020B0503020204020204" pitchFamily="34" charset="-122"/>
-              </a:rPr>
-              <a:t>.</a:t>
+              <a:t>5.</a:t>
             </a:r>
             <a:r>
               <a:rPr lang="zh-CN" altLang="en-US" sz="1600" dirty="0">
@@ -39205,7 +39783,7 @@
           <p:cNvPr id="4" name="椭圆 3">
             <a:extLst>
               <a:ext uri="{FF2B5EF4-FFF2-40B4-BE49-F238E27FC236}">
-                <a16:creationId xmlns:a16="http://schemas.microsoft.com/office/drawing/2014/main" xmlns="" id="{8D2B5B3F-3CB5-42B7-BBDF-D12156F91010}"/>
+                <a16:creationId xmlns="" xmlns:a16="http://schemas.microsoft.com/office/drawing/2014/main" id="{8D2B5B3F-3CB5-42B7-BBDF-D12156F91010}"/>
               </a:ext>
             </a:extLst>
           </p:cNvPr>
@@ -39286,7 +39864,7 @@
           <p:cNvPr id="7" name="文本框 6">
             <a:extLst>
               <a:ext uri="{FF2B5EF4-FFF2-40B4-BE49-F238E27FC236}">
-                <a16:creationId xmlns:a16="http://schemas.microsoft.com/office/drawing/2014/main" xmlns="" id="{379ECFDC-06CB-48E6-8748-DBF7CA915365}"/>
+                <a16:creationId xmlns="" xmlns:a16="http://schemas.microsoft.com/office/drawing/2014/main" id="{379ECFDC-06CB-48E6-8748-DBF7CA915365}"/>
               </a:ext>
             </a:extLst>
           </p:cNvPr>
@@ -39351,7 +39929,7 @@
           <p:cNvPr id="9" name="椭圆 8">
             <a:extLst>
               <a:ext uri="{FF2B5EF4-FFF2-40B4-BE49-F238E27FC236}">
-                <a16:creationId xmlns:a16="http://schemas.microsoft.com/office/drawing/2014/main" xmlns="" id="{62AD7252-080D-445E-9D18-19ACC6A0906E}"/>
+                <a16:creationId xmlns="" xmlns:a16="http://schemas.microsoft.com/office/drawing/2014/main" id="{62AD7252-080D-445E-9D18-19ACC6A0906E}"/>
               </a:ext>
             </a:extLst>
           </p:cNvPr>
@@ -39432,7 +40010,7 @@
           <p:cNvPr id="12" name="文本框 11">
             <a:extLst>
               <a:ext uri="{FF2B5EF4-FFF2-40B4-BE49-F238E27FC236}">
-                <a16:creationId xmlns:a16="http://schemas.microsoft.com/office/drawing/2014/main" xmlns="" id="{642799FD-76FA-420D-9286-AD4AC1DF402E}"/>
+                <a16:creationId xmlns="" xmlns:a16="http://schemas.microsoft.com/office/drawing/2014/main" id="{642799FD-76FA-420D-9286-AD4AC1DF402E}"/>
               </a:ext>
             </a:extLst>
           </p:cNvPr>
@@ -39958,7 +40536,7 @@
           <p:cNvPr id="6" name="图片 5">
             <a:extLst>
               <a:ext uri="{FF2B5EF4-FFF2-40B4-BE49-F238E27FC236}">
-                <a16:creationId xmlns:a16="http://schemas.microsoft.com/office/drawing/2014/main" xmlns="" id="{8F1D9C09-DA1F-4402-9237-745A1C5FA43B}"/>
+                <a16:creationId xmlns="" xmlns:a16="http://schemas.microsoft.com/office/drawing/2014/main" id="{8F1D9C09-DA1F-4402-9237-745A1C5FA43B}"/>
               </a:ext>
             </a:extLst>
           </p:cNvPr>
@@ -39994,7 +40572,7 @@
           <p:cNvPr id="10" name="图片 9">
             <a:extLst>
               <a:ext uri="{FF2B5EF4-FFF2-40B4-BE49-F238E27FC236}">
-                <a16:creationId xmlns:a16="http://schemas.microsoft.com/office/drawing/2014/main" xmlns="" id="{ACD17D9B-18E0-4725-9596-B3ADD3709D47}"/>
+                <a16:creationId xmlns="" xmlns:a16="http://schemas.microsoft.com/office/drawing/2014/main" id="{ACD17D9B-18E0-4725-9596-B3ADD3709D47}"/>
               </a:ext>
             </a:extLst>
           </p:cNvPr>
@@ -40030,7 +40608,7 @@
           <p:cNvPr id="2" name="矩形 1">
             <a:extLst>
               <a:ext uri="{FF2B5EF4-FFF2-40B4-BE49-F238E27FC236}">
-                <a16:creationId xmlns:a16="http://schemas.microsoft.com/office/drawing/2014/main" xmlns="" id="{03FE93DB-D0C7-427B-8A95-EFBEC4CEA5EA}"/>
+                <a16:creationId xmlns="" xmlns:a16="http://schemas.microsoft.com/office/drawing/2014/main" id="{03FE93DB-D0C7-427B-8A95-EFBEC4CEA5EA}"/>
               </a:ext>
             </a:extLst>
           </p:cNvPr>
@@ -40620,7 +41198,7 @@
           <p:cNvPr id="5" name="矩形 4">
             <a:extLst>
               <a:ext uri="{FF2B5EF4-FFF2-40B4-BE49-F238E27FC236}">
-                <a16:creationId xmlns:a16="http://schemas.microsoft.com/office/drawing/2014/main" xmlns="" id="{F384C8E3-3405-48EE-BD9A-87083A5443CC}"/>
+                <a16:creationId xmlns="" xmlns:a16="http://schemas.microsoft.com/office/drawing/2014/main" id="{F384C8E3-3405-48EE-BD9A-87083A5443CC}"/>
               </a:ext>
             </a:extLst>
           </p:cNvPr>
@@ -40672,7 +41250,7 @@
           <p:cNvPr id="4" name="图片 3">
             <a:extLst>
               <a:ext uri="{FF2B5EF4-FFF2-40B4-BE49-F238E27FC236}">
-                <a16:creationId xmlns:a16="http://schemas.microsoft.com/office/drawing/2014/main" xmlns="" id="{39239570-43B6-43A9-9B2E-6A907167C9E0}"/>
+                <a16:creationId xmlns="" xmlns:a16="http://schemas.microsoft.com/office/drawing/2014/main" id="{39239570-43B6-43A9-9B2E-6A907167C9E0}"/>
               </a:ext>
             </a:extLst>
           </p:cNvPr>
@@ -40702,7 +41280,7 @@
           <p:cNvPr id="7" name="图片 6">
             <a:extLst>
               <a:ext uri="{FF2B5EF4-FFF2-40B4-BE49-F238E27FC236}">
-                <a16:creationId xmlns:a16="http://schemas.microsoft.com/office/drawing/2014/main" xmlns="" id="{FEF6F4B4-C280-4A50-872E-64A42CBA95E0}"/>
+                <a16:creationId xmlns="" xmlns:a16="http://schemas.microsoft.com/office/drawing/2014/main" id="{FEF6F4B4-C280-4A50-872E-64A42CBA95E0}"/>
               </a:ext>
             </a:extLst>
           </p:cNvPr>
@@ -40738,7 +41316,7 @@
           <p:cNvPr id="12" name="文本框 11">
             <a:extLst>
               <a:ext uri="{FF2B5EF4-FFF2-40B4-BE49-F238E27FC236}">
-                <a16:creationId xmlns:a16="http://schemas.microsoft.com/office/drawing/2014/main" xmlns="" id="{65B038FA-DAFF-44E4-92A4-E8CFDA779233}"/>
+                <a16:creationId xmlns="" xmlns:a16="http://schemas.microsoft.com/office/drawing/2014/main" id="{65B038FA-DAFF-44E4-92A4-E8CFDA779233}"/>
               </a:ext>
             </a:extLst>
           </p:cNvPr>
@@ -40940,7 +41518,7 @@
           <p:cNvPr id="2" name="矩形 1">
             <a:extLst>
               <a:ext uri="{FF2B5EF4-FFF2-40B4-BE49-F238E27FC236}">
-                <a16:creationId xmlns:a16="http://schemas.microsoft.com/office/drawing/2014/main" xmlns="" id="{61F8065C-AD27-4FF6-BBFE-33209836471B}"/>
+                <a16:creationId xmlns="" xmlns:a16="http://schemas.microsoft.com/office/drawing/2014/main" id="{61F8065C-AD27-4FF6-BBFE-33209836471B}"/>
               </a:ext>
             </a:extLst>
           </p:cNvPr>
@@ -41162,7 +41740,7 @@
           <p:cNvPr id="4" name="图片 3">
             <a:extLst>
               <a:ext uri="{FF2B5EF4-FFF2-40B4-BE49-F238E27FC236}">
-                <a16:creationId xmlns:a16="http://schemas.microsoft.com/office/drawing/2014/main" xmlns="" id="{0D3BEF45-3252-4088-BE97-63D31C51F24F}"/>
+                <a16:creationId xmlns="" xmlns:a16="http://schemas.microsoft.com/office/drawing/2014/main" id="{0D3BEF45-3252-4088-BE97-63D31C51F24F}"/>
               </a:ext>
             </a:extLst>
           </p:cNvPr>
@@ -41192,7 +41770,7 @@
           <p:cNvPr id="5" name="Rectangle 12">
             <a:extLst>
               <a:ext uri="{FF2B5EF4-FFF2-40B4-BE49-F238E27FC236}">
-                <a16:creationId xmlns:a16="http://schemas.microsoft.com/office/drawing/2014/main" xmlns="" id="{1B1F0133-CBA4-4A29-8DB2-B8B994A4C7B9}"/>
+                <a16:creationId xmlns="" xmlns:a16="http://schemas.microsoft.com/office/drawing/2014/main" id="{1B1F0133-CBA4-4A29-8DB2-B8B994A4C7B9}"/>
               </a:ext>
             </a:extLst>
           </p:cNvPr>
@@ -41507,7 +42085,7 @@
   <a:extraClrSchemeLst/>
   <a:extLst>
     <a:ext uri="{05A4C25C-085E-4340-85A3-A5531E510DB2}">
-      <thm15:themeFamily xmlns:thm15="http://schemas.microsoft.com/office/thememl/2012/main" name="Office Theme" id="{62F939B6-93AF-4DB8-9C6B-D6C7DFDC589F}" vid="{4A3C46E8-61CC-4603-A589-7422A47A8E4A}"/>
+      <thm15:themeFamily xmlns:thm15="http://schemas.microsoft.com/office/thememl/2012/main" xmlns="" name="Office Theme" id="{62F939B6-93AF-4DB8-9C6B-D6C7DFDC589F}" vid="{4A3C46E8-61CC-4603-A589-7422A47A8E4A}"/>
     </a:ext>
   </a:extLst>
 </a:theme>
@@ -41768,7 +42346,7 @@
   <a:extraClrSchemeLst/>
   <a:extLst>
     <a:ext uri="{05A4C25C-085E-4340-85A3-A5531E510DB2}">
-      <thm15:themeFamily xmlns:thm15="http://schemas.microsoft.com/office/thememl/2012/main" name="Office Theme" id="{62F939B6-93AF-4DB8-9C6B-D6C7DFDC589F}" vid="{4A3C46E8-61CC-4603-A589-7422A47A8E4A}"/>
+      <thm15:themeFamily xmlns:thm15="http://schemas.microsoft.com/office/thememl/2012/main" xmlns="" name="Office Theme" id="{62F939B6-93AF-4DB8-9C6B-D6C7DFDC589F}" vid="{4A3C46E8-61CC-4603-A589-7422A47A8E4A}"/>
     </a:ext>
   </a:extLst>
 </a:theme>

--- a/电子词典需求分析.pptx
+++ b/电子词典需求分析.pptx
@@ -5,7 +5,7 @@
     <p:sldMasterId id="2147483648" r:id="rId1"/>
   </p:sldMasterIdLst>
   <p:notesMasterIdLst>
-    <p:notesMasterId r:id="rId35"/>
+    <p:notesMasterId r:id="rId34"/>
   </p:notesMasterIdLst>
   <p:sldIdLst>
     <p:sldId id="256" r:id="rId2"/>
@@ -39,8 +39,7 @@
     <p:sldId id="315" r:id="rId30"/>
     <p:sldId id="319" r:id="rId31"/>
     <p:sldId id="317" r:id="rId32"/>
-    <p:sldId id="330" r:id="rId33"/>
-    <p:sldId id="300" r:id="rId34"/>
+    <p:sldId id="300" r:id="rId33"/>
   </p:sldIdLst>
   <p:sldSz cx="12192000" cy="6858000"/>
   <p:notesSz cx="6858000" cy="9144000"/>
@@ -505,6 +504,90 @@
     </a:lvl9pPr>
   </p:notesStyle>
 </p:notesMaster>
+</file>
+
+<file path=ppt/notesSlides/notesSlide1.xml><?xml version="1.0" encoding="utf-8"?>
+<p:notes xmlns:a="http://schemas.openxmlformats.org/drawingml/2006/main" xmlns:r="http://schemas.openxmlformats.org/officeDocument/2006/relationships" xmlns:p="http://schemas.openxmlformats.org/presentationml/2006/main">
+  <p:cSld>
+    <p:spTree>
+      <p:nvGrpSpPr>
+        <p:cNvPr id="1" name=""/>
+        <p:cNvGrpSpPr/>
+        <p:nvPr/>
+      </p:nvGrpSpPr>
+      <p:grpSpPr>
+        <a:xfrm>
+          <a:off x="0" y="0"/>
+          <a:ext cx="0" cy="0"/>
+          <a:chOff x="0" y="0"/>
+          <a:chExt cx="0" cy="0"/>
+        </a:xfrm>
+      </p:grpSpPr>
+      <p:sp>
+        <p:nvSpPr>
+          <p:cNvPr id="2" name="幻灯片图像占位符 1"/>
+          <p:cNvSpPr>
+            <a:spLocks noGrp="1" noRot="1" noChangeAspect="1"/>
+          </p:cNvSpPr>
+          <p:nvPr>
+            <p:ph type="sldImg"/>
+          </p:nvPr>
+        </p:nvSpPr>
+        <p:spPr/>
+      </p:sp>
+      <p:sp>
+        <p:nvSpPr>
+          <p:cNvPr id="3" name="备注占位符 2"/>
+          <p:cNvSpPr>
+            <a:spLocks noGrp="1"/>
+          </p:cNvSpPr>
+          <p:nvPr>
+            <p:ph type="body" idx="1"/>
+          </p:nvPr>
+        </p:nvSpPr>
+        <p:spPr/>
+        <p:txBody>
+          <a:bodyPr/>
+          <a:lstStyle/>
+          <a:p>
+            <a:endParaRPr lang="zh-CN" altLang="en-US" dirty="0"/>
+          </a:p>
+        </p:txBody>
+      </p:sp>
+      <p:sp>
+        <p:nvSpPr>
+          <p:cNvPr id="4" name="灯片编号占位符 3"/>
+          <p:cNvSpPr>
+            <a:spLocks noGrp="1"/>
+          </p:cNvSpPr>
+          <p:nvPr>
+            <p:ph type="sldNum" sz="quarter" idx="5"/>
+          </p:nvPr>
+        </p:nvSpPr>
+        <p:spPr/>
+        <p:txBody>
+          <a:bodyPr/>
+          <a:lstStyle/>
+          <a:p>
+            <a:fld id="{FF40C0CE-DE93-4043-AC17-75AC4DB3EC7E}" type="slidenum">
+              <a:rPr lang="zh-CN" altLang="en-US" smtClean="0"/>
+              <a:t>16</a:t>
+            </a:fld>
+            <a:endParaRPr lang="zh-CN" altLang="en-US"/>
+          </a:p>
+        </p:txBody>
+      </p:sp>
+    </p:spTree>
+    <p:extLst>
+      <p:ext uri="{BB962C8B-B14F-4D97-AF65-F5344CB8AC3E}">
+        <p14:creationId xmlns:p14="http://schemas.microsoft.com/office/powerpoint/2010/main" val="1159711197"/>
+      </p:ext>
+    </p:extLst>
+  </p:cSld>
+  <p:clrMapOvr>
+    <a:masterClrMapping/>
+  </p:clrMapOvr>
+</p:notes>
 </file>
 
 <file path=ppt/slideLayouts/slideLayout1.xml><?xml version="1.0" encoding="utf-8"?>
@@ -3583,28 +3666,14 @@
                 <a:latin typeface="微软雅黑" pitchFamily="34" charset="-122"/>
                 <a:ea typeface="微软雅黑" pitchFamily="34" charset="-122"/>
               </a:rPr>
-              <a:t>5</a:t>
-            </a:r>
-            <a:r>
-              <a:rPr lang="en-US" altLang="zh-CN" dirty="0" smtClean="0">
-                <a:latin typeface="微软雅黑" pitchFamily="34" charset="-122"/>
-                <a:ea typeface="微软雅黑" pitchFamily="34" charset="-122"/>
-              </a:rPr>
-              <a:t>.</a:t>
-            </a:r>
-            <a:r>
-              <a:rPr lang="zh-CN" altLang="en-US" dirty="0" smtClean="0">
-                <a:latin typeface="微软雅黑" pitchFamily="34" charset="-122"/>
-                <a:ea typeface="微软雅黑" pitchFamily="34" charset="-122"/>
-              </a:rPr>
-              <a:t>随着</a:t>
+              <a:t>5.</a:t>
             </a:r>
             <a:r>
               <a:rPr lang="zh-CN" altLang="en-US" dirty="0">
                 <a:latin typeface="微软雅黑" pitchFamily="34" charset="-122"/>
                 <a:ea typeface="微软雅黑" pitchFamily="34" charset="-122"/>
               </a:rPr>
-              <a:t>新时代语言服务行业的发展，译员对电子词典的需求也变得与传统越来越不同。</a:t>
+              <a:t>随着新时代语言服务行业的发展，译员对电子词典的需求也变得与传统越来越不同。</a:t>
             </a:r>
           </a:p>
           <a:p>
@@ -3613,28 +3682,14 @@
                 <a:latin typeface="微软雅黑" pitchFamily="34" charset="-122"/>
                 <a:ea typeface="微软雅黑" pitchFamily="34" charset="-122"/>
               </a:rPr>
-              <a:t>A</a:t>
-            </a:r>
-            <a:r>
-              <a:rPr lang="en-US" altLang="zh-CN" dirty="0" smtClean="0">
-                <a:latin typeface="微软雅黑" pitchFamily="34" charset="-122"/>
-                <a:ea typeface="微软雅黑" pitchFamily="34" charset="-122"/>
-              </a:rPr>
-              <a:t>. </a:t>
-            </a:r>
-            <a:r>
-              <a:rPr lang="zh-CN" altLang="en-US" dirty="0" smtClean="0">
-                <a:latin typeface="微软雅黑" pitchFamily="34" charset="-122"/>
-                <a:ea typeface="微软雅黑" pitchFamily="34" charset="-122"/>
-              </a:rPr>
-              <a:t>现有</a:t>
+              <a:t>A. </a:t>
             </a:r>
             <a:r>
               <a:rPr lang="zh-CN" altLang="en-US" dirty="0">
                 <a:latin typeface="微软雅黑" pitchFamily="34" charset="-122"/>
                 <a:ea typeface="微软雅黑" pitchFamily="34" charset="-122"/>
               </a:rPr>
-              <a:t>许多比较流行的专业领域词典，如金融、法律、计算机、医学等，请总结这些专业领域电子词典的，比较专业领域电子词典与普通词典的异同。</a:t>
+              <a:t>现有许多比较流行的专业领域词典，如金融、法律、计算机、医学等，请总结这些专业领域电子词典的，比较专业领域电子词典与普通词典的异同。</a:t>
             </a:r>
           </a:p>
           <a:p>
@@ -3643,130 +3698,74 @@
                 <a:latin typeface="微软雅黑" pitchFamily="34" charset="-122"/>
                 <a:ea typeface="微软雅黑" pitchFamily="34" charset="-122"/>
               </a:rPr>
-              <a:t>B</a:t>
-            </a:r>
-            <a:r>
-              <a:rPr lang="en-US" altLang="zh-CN" dirty="0" smtClean="0">
-                <a:latin typeface="微软雅黑" pitchFamily="34" charset="-122"/>
-                <a:ea typeface="微软雅黑" pitchFamily="34" charset="-122"/>
-              </a:rPr>
-              <a:t>.</a:t>
-            </a:r>
-            <a:r>
-              <a:rPr lang="zh-CN" altLang="en-US" dirty="0" smtClean="0">
-                <a:latin typeface="微软雅黑" pitchFamily="34" charset="-122"/>
-                <a:ea typeface="微软雅黑" pitchFamily="34" charset="-122"/>
-              </a:rPr>
-              <a:t>与</a:t>
+              <a:t>B.</a:t>
             </a:r>
             <a:r>
               <a:rPr lang="zh-CN" altLang="en-US" dirty="0">
                 <a:latin typeface="微软雅黑" pitchFamily="34" charset="-122"/>
                 <a:ea typeface="微软雅黑" pitchFamily="34" charset="-122"/>
               </a:rPr>
-              <a:t>传统的电子词典相比你觉得新时代语言服务行业在专业领域词典中最需要什么内容？请进行仔细思考，并</a:t>
-            </a:r>
-            <a:r>
-              <a:rPr lang="zh-CN" altLang="en-US" dirty="0" smtClean="0">
+              <a:t>与传统的电子词典相比你觉得新时代语言服务行业在专业领域词典中最需要什么内容？请进行仔细思考，并找出特定的需求。</a:t>
+            </a:r>
+          </a:p>
+          <a:p>
+            <a:r>
+              <a:rPr lang="en-US" altLang="zh-CN" dirty="0">
                 <a:latin typeface="微软雅黑" pitchFamily="34" charset="-122"/>
                 <a:ea typeface="微软雅黑" pitchFamily="34" charset="-122"/>
               </a:rPr>
-              <a:t>找出特定</a:t>
+              <a:t>C.</a:t>
             </a:r>
             <a:r>
               <a:rPr lang="zh-CN" altLang="en-US" dirty="0">
                 <a:latin typeface="微软雅黑" pitchFamily="34" charset="-122"/>
                 <a:ea typeface="微软雅黑" pitchFamily="34" charset="-122"/>
               </a:rPr>
-              <a:t>的需求。</a:t>
-            </a:r>
-          </a:p>
-          <a:p>
+              <a:t>针对医学</a:t>
+            </a:r>
             <a:r>
               <a:rPr lang="en-US" altLang="zh-CN" dirty="0">
                 <a:latin typeface="微软雅黑" pitchFamily="34" charset="-122"/>
                 <a:ea typeface="微软雅黑" pitchFamily="34" charset="-122"/>
               </a:rPr>
-              <a:t>C</a:t>
-            </a:r>
-            <a:r>
-              <a:rPr lang="en-US" altLang="zh-CN" dirty="0" smtClean="0">
-                <a:latin typeface="微软雅黑" pitchFamily="34" charset="-122"/>
-                <a:ea typeface="微软雅黑" pitchFamily="34" charset="-122"/>
-              </a:rPr>
-              <a:t>.</a:t>
-            </a:r>
-            <a:r>
-              <a:rPr lang="zh-CN" altLang="en-US" dirty="0" smtClean="0">
-                <a:latin typeface="微软雅黑" pitchFamily="34" charset="-122"/>
-                <a:ea typeface="微软雅黑" pitchFamily="34" charset="-122"/>
-              </a:rPr>
-              <a:t>针对</a:t>
+              <a:t>/</a:t>
             </a:r>
             <a:r>
               <a:rPr lang="zh-CN" altLang="en-US" dirty="0">
                 <a:latin typeface="微软雅黑" pitchFamily="34" charset="-122"/>
                 <a:ea typeface="微软雅黑" pitchFamily="34" charset="-122"/>
               </a:rPr>
-              <a:t>医学</a:t>
+              <a:t>法律等特别领域，请先仔细分析相关领域术语研究的进展，比如最大的词表</a:t>
             </a:r>
             <a:r>
               <a:rPr lang="en-US" altLang="zh-CN" dirty="0">
                 <a:latin typeface="微软雅黑" pitchFamily="34" charset="-122"/>
                 <a:ea typeface="微软雅黑" pitchFamily="34" charset="-122"/>
               </a:rPr>
-              <a:t>/</a:t>
+              <a:t>UMLS</a:t>
             </a:r>
             <a:r>
               <a:rPr lang="zh-CN" altLang="en-US" dirty="0">
                 <a:latin typeface="微软雅黑" pitchFamily="34" charset="-122"/>
                 <a:ea typeface="微软雅黑" pitchFamily="34" charset="-122"/>
               </a:rPr>
-              <a:t>法律等特别领域，请先仔细分析相关领域术语研究的进展，比如最大的词表</a:t>
-            </a:r>
+              <a:t>，畅想医学电子词典的编纂模式、呈现形态、交互方式。</a:t>
+            </a:r>
+          </a:p>
+          <a:p>
             <a:r>
               <a:rPr lang="en-US" altLang="zh-CN" dirty="0">
                 <a:latin typeface="微软雅黑" pitchFamily="34" charset="-122"/>
                 <a:ea typeface="微软雅黑" pitchFamily="34" charset="-122"/>
               </a:rPr>
-              <a:t>UMLS</a:t>
+              <a:t>D.</a:t>
             </a:r>
             <a:r>
               <a:rPr lang="zh-CN" altLang="en-US" dirty="0">
                 <a:latin typeface="微软雅黑" pitchFamily="34" charset="-122"/>
                 <a:ea typeface="微软雅黑" pitchFamily="34" charset="-122"/>
               </a:rPr>
-              <a:t>，畅想医学电子词典的编纂模式、呈现形态、交互方式。</a:t>
-            </a:r>
-          </a:p>
-          <a:p>
-            <a:r>
-              <a:rPr lang="en-US" altLang="zh-CN" dirty="0">
-                <a:latin typeface="微软雅黑" pitchFamily="34" charset="-122"/>
-                <a:ea typeface="微软雅黑" pitchFamily="34" charset="-122"/>
-              </a:rPr>
-              <a:t>D</a:t>
-            </a:r>
-            <a:r>
-              <a:rPr lang="en-US" altLang="zh-CN" dirty="0" smtClean="0">
-                <a:latin typeface="微软雅黑" pitchFamily="34" charset="-122"/>
-                <a:ea typeface="微软雅黑" pitchFamily="34" charset="-122"/>
-              </a:rPr>
-              <a:t>.</a:t>
-            </a:r>
-            <a:r>
-              <a:rPr lang="zh-CN" altLang="en-US" dirty="0" smtClean="0">
-                <a:latin typeface="微软雅黑" pitchFamily="34" charset="-122"/>
-                <a:ea typeface="微软雅黑" pitchFamily="34" charset="-122"/>
-              </a:rPr>
-              <a:t>这</a:t>
-            </a:r>
-            <a:r>
-              <a:rPr lang="zh-CN" altLang="en-US" dirty="0">
-                <a:latin typeface="微软雅黑" pitchFamily="34" charset="-122"/>
-                <a:ea typeface="微软雅黑" pitchFamily="34" charset="-122"/>
-              </a:rPr>
-              <a:t>道题，特别是最后一问，需要访谈特点专业的学者和学生。</a:t>
+              <a:t>这道题，特别是最后一问，需要访谈特点专业的学者和学生。</a:t>
             </a:r>
           </a:p>
         </p:txBody>
@@ -4051,7 +4050,7 @@
           <p:cNvPr id="6" name="Rounded Rectangle 12">
             <a:extLst>
               <a:ext uri="{FF2B5EF4-FFF2-40B4-BE49-F238E27FC236}">
-                <a16:creationId xmlns:a16="http://schemas.microsoft.com/office/drawing/2014/main" xmlns="" id="{E6FD45EB-4B3B-4DD8-A910-EDA5C8EB7707}"/>
+                <a16:creationId xmlns:a16="http://schemas.microsoft.com/office/drawing/2014/main" id="{E6FD45EB-4B3B-4DD8-A910-EDA5C8EB7707}"/>
               </a:ext>
             </a:extLst>
           </p:cNvPr>
@@ -4121,7 +4120,7 @@
           <p:cNvPr id="7" name="Rounded Rectangle 16">
             <a:extLst>
               <a:ext uri="{FF2B5EF4-FFF2-40B4-BE49-F238E27FC236}">
-                <a16:creationId xmlns:a16="http://schemas.microsoft.com/office/drawing/2014/main" xmlns="" id="{4E284F8D-B632-4833-9BDA-C5CC6FBBFC2F}"/>
+                <a16:creationId xmlns:a16="http://schemas.microsoft.com/office/drawing/2014/main" id="{4E284F8D-B632-4833-9BDA-C5CC6FBBFC2F}"/>
               </a:ext>
             </a:extLst>
           </p:cNvPr>
@@ -4191,7 +4190,7 @@
           <p:cNvPr id="13" name="文本框 12">
             <a:extLst>
               <a:ext uri="{FF2B5EF4-FFF2-40B4-BE49-F238E27FC236}">
-                <a16:creationId xmlns:a16="http://schemas.microsoft.com/office/drawing/2014/main" xmlns="" id="{99A86963-B1B8-4349-AAE8-E18C812A6C5A}"/>
+                <a16:creationId xmlns:a16="http://schemas.microsoft.com/office/drawing/2014/main" id="{99A86963-B1B8-4349-AAE8-E18C812A6C5A}"/>
               </a:ext>
             </a:extLst>
           </p:cNvPr>
@@ -4248,7 +4247,7 @@
           <p:cNvPr id="14" name="矩形 13">
             <a:extLst>
               <a:ext uri="{FF2B5EF4-FFF2-40B4-BE49-F238E27FC236}">
-                <a16:creationId xmlns:a16="http://schemas.microsoft.com/office/drawing/2014/main" xmlns="" id="{3A33F266-8553-485A-86D9-E9E07B77F2D6}"/>
+                <a16:creationId xmlns:a16="http://schemas.microsoft.com/office/drawing/2014/main" id="{3A33F266-8553-485A-86D9-E9E07B77F2D6}"/>
               </a:ext>
             </a:extLst>
           </p:cNvPr>
@@ -4292,7 +4291,7 @@
           <p:cNvPr id="16" name="矩形 15">
             <a:extLst>
               <a:ext uri="{FF2B5EF4-FFF2-40B4-BE49-F238E27FC236}">
-                <a16:creationId xmlns:a16="http://schemas.microsoft.com/office/drawing/2014/main" xmlns="" id="{C619AE70-C8E5-4169-8061-82946C8F8782}"/>
+                <a16:creationId xmlns:a16="http://schemas.microsoft.com/office/drawing/2014/main" id="{C619AE70-C8E5-4169-8061-82946C8F8782}"/>
               </a:ext>
             </a:extLst>
           </p:cNvPr>
@@ -6183,7 +6182,7 @@
           <p:cNvPr id="4" name="矩形: 圆角 3">
             <a:extLst>
               <a:ext uri="{FF2B5EF4-FFF2-40B4-BE49-F238E27FC236}">
-                <a16:creationId xmlns:a16="http://schemas.microsoft.com/office/drawing/2014/main" xmlns="" id="{413DA64A-DFE6-4C8E-8C8C-CB685A248235}"/>
+                <a16:creationId xmlns:a16="http://schemas.microsoft.com/office/drawing/2014/main" id="{413DA64A-DFE6-4C8E-8C8C-CB685A248235}"/>
               </a:ext>
             </a:extLst>
           </p:cNvPr>
@@ -6239,7 +6238,7 @@
           <p:cNvPr id="6" name="Rectangle 1">
             <a:extLst>
               <a:ext uri="{FF2B5EF4-FFF2-40B4-BE49-F238E27FC236}">
-                <a16:creationId xmlns:a16="http://schemas.microsoft.com/office/drawing/2014/main" xmlns="" id="{67851DDF-58F8-4FC1-976B-A9298F885374}"/>
+                <a16:creationId xmlns:a16="http://schemas.microsoft.com/office/drawing/2014/main" id="{67851DDF-58F8-4FC1-976B-A9298F885374}"/>
               </a:ext>
             </a:extLst>
           </p:cNvPr>
@@ -6526,7 +6525,7 @@
           <p:cNvPr id="7" name="文本框 6">
             <a:extLst>
               <a:ext uri="{FF2B5EF4-FFF2-40B4-BE49-F238E27FC236}">
-                <a16:creationId xmlns:a16="http://schemas.microsoft.com/office/drawing/2014/main" xmlns="" id="{8AB5E823-CBEE-492B-81A1-EBF6FAC24438}"/>
+                <a16:creationId xmlns:a16="http://schemas.microsoft.com/office/drawing/2014/main" id="{8AB5E823-CBEE-492B-81A1-EBF6FAC24438}"/>
               </a:ext>
             </a:extLst>
           </p:cNvPr>
@@ -20605,7 +20604,7 @@
           <p:cNvPr id="58" name="文本框 57">
             <a:extLst>
               <a:ext uri="{FF2B5EF4-FFF2-40B4-BE49-F238E27FC236}">
-                <a16:creationId xmlns:a16="http://schemas.microsoft.com/office/drawing/2014/main" xmlns="" id="{CA25C765-3360-4F62-944D-CE9911A527C5}"/>
+                <a16:creationId xmlns:a16="http://schemas.microsoft.com/office/drawing/2014/main" id="{CA25C765-3360-4F62-944D-CE9911A527C5}"/>
               </a:ext>
             </a:extLst>
           </p:cNvPr>
@@ -21019,7 +21018,7 @@
         <p:spPr>
           <a:xfrm>
             <a:off x="666750" y="2545715"/>
-            <a:ext cx="4539615" cy="830997"/>
+            <a:ext cx="4539615" cy="787523"/>
           </a:xfrm>
           <a:prstGeom prst="rect">
             <a:avLst/>
@@ -21126,7 +21125,7 @@
             </a:lvl9pPr>
           </a:lstStyle>
           <a:p>
-            <a:pPr indent="0" algn="r" fontAlgn="auto">
+            <a:pPr indent="0" fontAlgn="auto">
               <a:lnSpc>
                 <a:spcPct val="150000"/>
               </a:lnSpc>
@@ -25670,7 +25669,7 @@
           <p:cNvPr id="34" name="Rectangle 12">
             <a:extLst>
               <a:ext uri="{FF2B5EF4-FFF2-40B4-BE49-F238E27FC236}">
-                <a16:creationId xmlns:a16="http://schemas.microsoft.com/office/drawing/2014/main" xmlns="" id="{F7876CFB-5C00-4B8B-944D-91E0146C608C}"/>
+                <a16:creationId xmlns:a16="http://schemas.microsoft.com/office/drawing/2014/main" id="{F7876CFB-5C00-4B8B-944D-91E0146C608C}"/>
               </a:ext>
             </a:extLst>
           </p:cNvPr>
@@ -30235,7 +30234,7 @@
           <p:cNvPr id="11" name="组合 10">
             <a:extLst>
               <a:ext uri="{FF2B5EF4-FFF2-40B4-BE49-F238E27FC236}">
-                <a16:creationId xmlns:a16="http://schemas.microsoft.com/office/drawing/2014/main" xmlns="" id="{AF102071-4EB0-4C8F-ACE5-A6CB18278323}"/>
+                <a16:creationId xmlns:a16="http://schemas.microsoft.com/office/drawing/2014/main" id="{AF102071-4EB0-4C8F-ACE5-A6CB18278323}"/>
               </a:ext>
             </a:extLst>
           </p:cNvPr>
@@ -30564,7 +30563,7 @@
           <p:cNvPr id="13" name="组合 12">
             <a:extLst>
               <a:ext uri="{FF2B5EF4-FFF2-40B4-BE49-F238E27FC236}">
-                <a16:creationId xmlns:a16="http://schemas.microsoft.com/office/drawing/2014/main" xmlns="" id="{1207D76C-BF37-4F01-B8BB-FE57B607A375}"/>
+                <a16:creationId xmlns:a16="http://schemas.microsoft.com/office/drawing/2014/main" id="{1207D76C-BF37-4F01-B8BB-FE57B607A375}"/>
               </a:ext>
             </a:extLst>
           </p:cNvPr>
@@ -31201,7 +31200,7 @@
           <p:cNvPr id="6" name="Rounded Rectangle 12">
             <a:extLst>
               <a:ext uri="{FF2B5EF4-FFF2-40B4-BE49-F238E27FC236}">
-                <a16:creationId xmlns:a16="http://schemas.microsoft.com/office/drawing/2014/main" xmlns="" id="{E6FD45EB-4B3B-4DD8-A910-EDA5C8EB7707}"/>
+                <a16:creationId xmlns:a16="http://schemas.microsoft.com/office/drawing/2014/main" id="{E6FD45EB-4B3B-4DD8-A910-EDA5C8EB7707}"/>
               </a:ext>
             </a:extLst>
           </p:cNvPr>
@@ -31264,7 +31263,7 @@
           <p:cNvPr id="7" name="Rounded Rectangle 16">
             <a:extLst>
               <a:ext uri="{FF2B5EF4-FFF2-40B4-BE49-F238E27FC236}">
-                <a16:creationId xmlns:a16="http://schemas.microsoft.com/office/drawing/2014/main" xmlns="" id="{4E284F8D-B632-4833-9BDA-C5CC6FBBFC2F}"/>
+                <a16:creationId xmlns:a16="http://schemas.microsoft.com/office/drawing/2014/main" id="{4E284F8D-B632-4833-9BDA-C5CC6FBBFC2F}"/>
               </a:ext>
             </a:extLst>
           </p:cNvPr>
@@ -31327,7 +31326,7 @@
           <p:cNvPr id="9" name="文本框 8">
             <a:extLst>
               <a:ext uri="{FF2B5EF4-FFF2-40B4-BE49-F238E27FC236}">
-                <a16:creationId xmlns:a16="http://schemas.microsoft.com/office/drawing/2014/main" xmlns="" id="{D94569BB-535D-4D52-8D4F-1F9923A08119}"/>
+                <a16:creationId xmlns:a16="http://schemas.microsoft.com/office/drawing/2014/main" id="{D94569BB-535D-4D52-8D4F-1F9923A08119}"/>
               </a:ext>
             </a:extLst>
           </p:cNvPr>
@@ -31484,7 +31483,7 @@
           <p:cNvPr id="11" name="文本框 10">
             <a:extLst>
               <a:ext uri="{FF2B5EF4-FFF2-40B4-BE49-F238E27FC236}">
-                <a16:creationId xmlns:a16="http://schemas.microsoft.com/office/drawing/2014/main" xmlns="" id="{23E09859-6C96-41D8-8401-3AAF912A453A}"/>
+                <a16:creationId xmlns:a16="http://schemas.microsoft.com/office/drawing/2014/main" id="{23E09859-6C96-41D8-8401-3AAF912A453A}"/>
               </a:ext>
             </a:extLst>
           </p:cNvPr>
@@ -31641,7 +31640,7 @@
           <p:cNvPr id="13" name="文本框 12">
             <a:extLst>
               <a:ext uri="{FF2B5EF4-FFF2-40B4-BE49-F238E27FC236}">
-                <a16:creationId xmlns:a16="http://schemas.microsoft.com/office/drawing/2014/main" xmlns="" id="{99A86963-B1B8-4349-AAE8-E18C812A6C5A}"/>
+                <a16:creationId xmlns:a16="http://schemas.microsoft.com/office/drawing/2014/main" id="{99A86963-B1B8-4349-AAE8-E18C812A6C5A}"/>
               </a:ext>
             </a:extLst>
           </p:cNvPr>
@@ -31698,7 +31697,7 @@
           <p:cNvPr id="14" name="矩形 13">
             <a:extLst>
               <a:ext uri="{FF2B5EF4-FFF2-40B4-BE49-F238E27FC236}">
-                <a16:creationId xmlns:a16="http://schemas.microsoft.com/office/drawing/2014/main" xmlns="" id="{3A33F266-8553-485A-86D9-E9E07B77F2D6}"/>
+                <a16:creationId xmlns:a16="http://schemas.microsoft.com/office/drawing/2014/main" id="{3A33F266-8553-485A-86D9-E9E07B77F2D6}"/>
               </a:ext>
             </a:extLst>
           </p:cNvPr>
@@ -31732,7 +31731,7 @@
           <p:cNvPr id="16" name="矩形 15">
             <a:extLst>
               <a:ext uri="{FF2B5EF4-FFF2-40B4-BE49-F238E27FC236}">
-                <a16:creationId xmlns:a16="http://schemas.microsoft.com/office/drawing/2014/main" xmlns="" id="{C619AE70-C8E5-4169-8061-82946C8F8782}"/>
+                <a16:creationId xmlns:a16="http://schemas.microsoft.com/office/drawing/2014/main" id="{C619AE70-C8E5-4169-8061-82946C8F8782}"/>
               </a:ext>
             </a:extLst>
           </p:cNvPr>
@@ -31809,7 +31808,7 @@
           <p:cNvPr id="12" name="Rounded Rectangle 12">
             <a:extLst>
               <a:ext uri="{FF2B5EF4-FFF2-40B4-BE49-F238E27FC236}">
-                <a16:creationId xmlns:a16="http://schemas.microsoft.com/office/drawing/2014/main" xmlns="" id="{73BDC5C9-072C-4EDB-B3CA-BFBEACEFAD5E}"/>
+                <a16:creationId xmlns:a16="http://schemas.microsoft.com/office/drawing/2014/main" id="{73BDC5C9-072C-4EDB-B3CA-BFBEACEFAD5E}"/>
               </a:ext>
             </a:extLst>
           </p:cNvPr>
@@ -31873,7 +31872,7 @@
           <p:cNvPr id="15" name="文本框 14">
             <a:extLst>
               <a:ext uri="{FF2B5EF4-FFF2-40B4-BE49-F238E27FC236}">
-                <a16:creationId xmlns:a16="http://schemas.microsoft.com/office/drawing/2014/main" xmlns="" id="{C7C5E76A-5286-48C9-8883-95C90A40DCBD}"/>
+                <a16:creationId xmlns:a16="http://schemas.microsoft.com/office/drawing/2014/main" id="{C7C5E76A-5286-48C9-8883-95C90A40DCBD}"/>
               </a:ext>
             </a:extLst>
           </p:cNvPr>
@@ -32060,7 +32059,7 @@
           <p:cNvPr id="6" name="Rounded Rectangle 12">
             <a:extLst>
               <a:ext uri="{FF2B5EF4-FFF2-40B4-BE49-F238E27FC236}">
-                <a16:creationId xmlns:a16="http://schemas.microsoft.com/office/drawing/2014/main" xmlns="" id="{E6FD45EB-4B3B-4DD8-A910-EDA5C8EB7707}"/>
+                <a16:creationId xmlns:a16="http://schemas.microsoft.com/office/drawing/2014/main" id="{E6FD45EB-4B3B-4DD8-A910-EDA5C8EB7707}"/>
               </a:ext>
             </a:extLst>
           </p:cNvPr>
@@ -32123,7 +32122,7 @@
           <p:cNvPr id="7" name="Rounded Rectangle 16">
             <a:extLst>
               <a:ext uri="{FF2B5EF4-FFF2-40B4-BE49-F238E27FC236}">
-                <a16:creationId xmlns:a16="http://schemas.microsoft.com/office/drawing/2014/main" xmlns="" id="{4E284F8D-B632-4833-9BDA-C5CC6FBBFC2F}"/>
+                <a16:creationId xmlns:a16="http://schemas.microsoft.com/office/drawing/2014/main" id="{4E284F8D-B632-4833-9BDA-C5CC6FBBFC2F}"/>
               </a:ext>
             </a:extLst>
           </p:cNvPr>
@@ -32193,7 +32192,7 @@
           <p:cNvPr id="8" name="文本框 7">
             <a:extLst>
               <a:ext uri="{FF2B5EF4-FFF2-40B4-BE49-F238E27FC236}">
-                <a16:creationId xmlns:a16="http://schemas.microsoft.com/office/drawing/2014/main" xmlns="" id="{F9B4833B-9A8C-4FB8-B16C-F5D22E97BF2D}"/>
+                <a16:creationId xmlns:a16="http://schemas.microsoft.com/office/drawing/2014/main" id="{F9B4833B-9A8C-4FB8-B16C-F5D22E97BF2D}"/>
               </a:ext>
             </a:extLst>
           </p:cNvPr>
@@ -32329,64 +32328,25 @@
                 <a:latin typeface="微软雅黑" panose="020B0503020204020204" pitchFamily="34" charset="-122"/>
                 <a:ea typeface="微软雅黑" panose="020B0503020204020204" pitchFamily="34" charset="-122"/>
               </a:rPr>
-              <a:t>地址运行过的</a:t>
-            </a:r>
-            <a:r>
-              <a:rPr lang="zh-CN" altLang="en-US" sz="2000" dirty="0" smtClean="0">
-                <a:latin typeface="微软雅黑" panose="020B0503020204020204" pitchFamily="34" charset="-122"/>
-                <a:ea typeface="微软雅黑" panose="020B0503020204020204" pitchFamily="34" charset="-122"/>
-              </a:rPr>
-              <a:t>任务</a:t>
-            </a:r>
-            <a:endParaRPr lang="zh-CN" altLang="en-US" sz="2000" dirty="0">
-              <a:latin typeface="微软雅黑" panose="020B0503020204020204" pitchFamily="34" charset="-122"/>
-              <a:ea typeface="微软雅黑" panose="020B0503020204020204" pitchFamily="34" charset="-122"/>
-            </a:endParaRPr>
+              <a:t>地址运行过的任务</a:t>
+            </a:r>
           </a:p>
           <a:p>
-            <a:r>
-              <a:rPr lang="zh-CN" altLang="en-US" sz="2000" dirty="0" smtClean="0">
-                <a:latin typeface="微软雅黑" panose="020B0503020204020204" pitchFamily="34" charset="-122"/>
-                <a:ea typeface="微软雅黑" panose="020B0503020204020204" pitchFamily="34" charset="-122"/>
-              </a:rPr>
-              <a:t> “</a:t>
-            </a:r>
             <a:r>
               <a:rPr lang="zh-CN" altLang="en-US" sz="2000" dirty="0">
                 <a:latin typeface="微软雅黑" panose="020B0503020204020204" pitchFamily="34" charset="-122"/>
                 <a:ea typeface="微软雅黑" panose="020B0503020204020204" pitchFamily="34" charset="-122"/>
               </a:rPr>
-              <a:t>功能需求”和“使用需求”相</a:t>
-            </a:r>
-            <a:r>
-              <a:rPr lang="zh-CN" altLang="en-US" sz="2000" dirty="0" smtClean="0">
-                <a:latin typeface="微软雅黑" panose="020B0503020204020204" pitchFamily="34" charset="-122"/>
-                <a:ea typeface="微软雅黑" panose="020B0503020204020204" pitchFamily="34" charset="-122"/>
-              </a:rPr>
-              <a:t>结合</a:t>
+              <a:t> “功能需求”和“使用需求”相结合</a:t>
             </a:r>
           </a:p>
           <a:p>
-            <a:r>
-              <a:rPr lang="zh-CN" altLang="en-US" sz="2000" dirty="0" smtClean="0">
-                <a:latin typeface="微软雅黑" panose="020B0503020204020204" pitchFamily="34" charset="-122"/>
-                <a:ea typeface="微软雅黑" panose="020B0503020204020204" pitchFamily="34" charset="-122"/>
-              </a:rPr>
-              <a:t>向</a:t>
-            </a:r>
             <a:r>
               <a:rPr lang="zh-CN" altLang="en-US" sz="2000" dirty="0">
                 <a:latin typeface="微软雅黑" panose="020B0503020204020204" pitchFamily="34" charset="-122"/>
                 <a:ea typeface="微软雅黑" panose="020B0503020204020204" pitchFamily="34" charset="-122"/>
               </a:rPr>
-              <a:t>不同用户导出不同的最合适</a:t>
-            </a:r>
-            <a:r>
-              <a:rPr lang="zh-CN" altLang="en-US" sz="2000" dirty="0" smtClean="0">
-                <a:latin typeface="微软雅黑" panose="020B0503020204020204" pitchFamily="34" charset="-122"/>
-                <a:ea typeface="微软雅黑" panose="020B0503020204020204" pitchFamily="34" charset="-122"/>
-              </a:rPr>
-              <a:t>信息</a:t>
+              <a:t>向不同用户导出不同的最合适信息</a:t>
             </a:r>
             <a:endParaRPr lang="zh-CN" altLang="en-US" dirty="0">
               <a:latin typeface="微软雅黑" panose="020B0503020204020204" pitchFamily="34" charset="-122"/>
@@ -32400,7 +32360,7 @@
           <p:cNvPr id="10" name="文本框 9">
             <a:extLst>
               <a:ext uri="{FF2B5EF4-FFF2-40B4-BE49-F238E27FC236}">
-                <a16:creationId xmlns:a16="http://schemas.microsoft.com/office/drawing/2014/main" xmlns="" id="{36746D78-A16E-4069-9EBA-58DD2D39F13B}"/>
+                <a16:creationId xmlns:a16="http://schemas.microsoft.com/office/drawing/2014/main" id="{36746D78-A16E-4069-9EBA-58DD2D39F13B}"/>
               </a:ext>
             </a:extLst>
           </p:cNvPr>
@@ -32522,7 +32482,7 @@
                 <a:latin typeface="微软雅黑" panose="020B0503020204020204" pitchFamily="34" charset="-122"/>
                 <a:ea typeface="微软雅黑" panose="020B0503020204020204" pitchFamily="34" charset="-122"/>
               </a:rPr>
-              <a:t>金融词典、百科全书和医学文献为一体的 “多媒体工具书”</a:t>
+              <a:t>词典、百科全书和医学文献为一体的 “多媒体工具书”</a:t>
             </a:r>
           </a:p>
           <a:p>
@@ -32592,7 +32552,7 @@
           <p:cNvPr id="14" name="矩形 13">
             <a:extLst>
               <a:ext uri="{FF2B5EF4-FFF2-40B4-BE49-F238E27FC236}">
-                <a16:creationId xmlns:a16="http://schemas.microsoft.com/office/drawing/2014/main" xmlns="" id="{3A33F266-8553-485A-86D9-E9E07B77F2D6}"/>
+                <a16:creationId xmlns:a16="http://schemas.microsoft.com/office/drawing/2014/main" id="{3A33F266-8553-485A-86D9-E9E07B77F2D6}"/>
               </a:ext>
             </a:extLst>
           </p:cNvPr>
@@ -32626,7 +32586,7 @@
           <p:cNvPr id="16" name="矩形 15">
             <a:extLst>
               <a:ext uri="{FF2B5EF4-FFF2-40B4-BE49-F238E27FC236}">
-                <a16:creationId xmlns:a16="http://schemas.microsoft.com/office/drawing/2014/main" xmlns="" id="{C619AE70-C8E5-4169-8061-82946C8F8782}"/>
+                <a16:creationId xmlns:a16="http://schemas.microsoft.com/office/drawing/2014/main" id="{C619AE70-C8E5-4169-8061-82946C8F8782}"/>
               </a:ext>
             </a:extLst>
           </p:cNvPr>
@@ -32733,7 +32693,7 @@
           <p:cNvPr id="6" name="Rounded Rectangle 12">
             <a:extLst>
               <a:ext uri="{FF2B5EF4-FFF2-40B4-BE49-F238E27FC236}">
-                <a16:creationId xmlns:a16="http://schemas.microsoft.com/office/drawing/2014/main" xmlns="" id="{E6FD45EB-4B3B-4DD8-A910-EDA5C8EB7707}"/>
+                <a16:creationId xmlns:a16="http://schemas.microsoft.com/office/drawing/2014/main" id="{E6FD45EB-4B3B-4DD8-A910-EDA5C8EB7707}"/>
               </a:ext>
             </a:extLst>
           </p:cNvPr>
@@ -32792,7 +32752,7 @@
           <p:cNvPr id="7" name="Rounded Rectangle 16">
             <a:extLst>
               <a:ext uri="{FF2B5EF4-FFF2-40B4-BE49-F238E27FC236}">
-                <a16:creationId xmlns:a16="http://schemas.microsoft.com/office/drawing/2014/main" xmlns="" id="{4E284F8D-B632-4833-9BDA-C5CC6FBBFC2F}"/>
+                <a16:creationId xmlns:a16="http://schemas.microsoft.com/office/drawing/2014/main" id="{4E284F8D-B632-4833-9BDA-C5CC6FBBFC2F}"/>
               </a:ext>
             </a:extLst>
           </p:cNvPr>
@@ -32862,7 +32822,7 @@
           <p:cNvPr id="9" name="文本框 8">
             <a:extLst>
               <a:ext uri="{FF2B5EF4-FFF2-40B4-BE49-F238E27FC236}">
-                <a16:creationId xmlns:a16="http://schemas.microsoft.com/office/drawing/2014/main" xmlns="" id="{D94569BB-535D-4D52-8D4F-1F9923A08119}"/>
+                <a16:creationId xmlns:a16="http://schemas.microsoft.com/office/drawing/2014/main" id="{D94569BB-535D-4D52-8D4F-1F9923A08119}"/>
               </a:ext>
             </a:extLst>
           </p:cNvPr>
@@ -32997,7 +32957,7 @@
           <p:cNvPr id="10" name="文本框 9">
             <a:extLst>
               <a:ext uri="{FF2B5EF4-FFF2-40B4-BE49-F238E27FC236}">
-                <a16:creationId xmlns:a16="http://schemas.microsoft.com/office/drawing/2014/main" xmlns="" id="{36746D78-A16E-4069-9EBA-58DD2D39F13B}"/>
+                <a16:creationId xmlns:a16="http://schemas.microsoft.com/office/drawing/2014/main" id="{36746D78-A16E-4069-9EBA-58DD2D39F13B}"/>
               </a:ext>
             </a:extLst>
           </p:cNvPr>
@@ -33119,62 +33079,16 @@
                 <a:latin typeface="微软雅黑" panose="020B0503020204020204" pitchFamily="34" charset="-122"/>
                 <a:ea typeface="微软雅黑" panose="020B0503020204020204" pitchFamily="34" charset="-122"/>
               </a:rPr>
-              <a:t>增加词条与其它词条的映射链接关系的呈现：相关词，联想词，词条所属概念体系的其它</a:t>
-            </a:r>
-            <a:r>
-              <a:rPr lang="zh-CN" altLang="en-US" dirty="0" smtClean="0">
-                <a:latin typeface="微软雅黑" panose="020B0503020204020204" pitchFamily="34" charset="-122"/>
-                <a:ea typeface="微软雅黑" panose="020B0503020204020204" pitchFamily="34" charset="-122"/>
-              </a:rPr>
-              <a:t>常用词</a:t>
-            </a:r>
-            <a:endParaRPr lang="zh-CN" altLang="en-US" dirty="0">
-              <a:latin typeface="微软雅黑" panose="020B0503020204020204" pitchFamily="34" charset="-122"/>
-              <a:ea typeface="微软雅黑" panose="020B0503020204020204" pitchFamily="34" charset="-122"/>
-            </a:endParaRPr>
+              <a:t>增加词条与其它词条的映射链接关系的呈现：相关词，联想词，词条所属概念体系的其它常用词</a:t>
+            </a:r>
           </a:p>
           <a:p>
-            <a:r>
-              <a:rPr lang="zh-CN" altLang="en-US" dirty="0" smtClean="0">
-                <a:latin typeface="微软雅黑" panose="020B0503020204020204" pitchFamily="34" charset="-122"/>
-                <a:ea typeface="微软雅黑" panose="020B0503020204020204" pitchFamily="34" charset="-122"/>
-              </a:rPr>
-              <a:t>同义，</a:t>
-            </a:r>
             <a:r>
               <a:rPr lang="zh-CN" altLang="en-US" dirty="0">
                 <a:latin typeface="微软雅黑" panose="020B0503020204020204" pitchFamily="34" charset="-122"/>
                 <a:ea typeface="微软雅黑" panose="020B0503020204020204" pitchFamily="34" charset="-122"/>
               </a:rPr>
-              <a:t>近义词，易混词</a:t>
-            </a:r>
-            <a:r>
-              <a:rPr lang="zh-CN" altLang="en-US" dirty="0" smtClean="0">
-                <a:latin typeface="微软雅黑" panose="020B0503020204020204" pitchFamily="34" charset="-122"/>
-                <a:ea typeface="微软雅黑" panose="020B0503020204020204" pitchFamily="34" charset="-122"/>
-              </a:rPr>
-              <a:t>辨析</a:t>
-            </a:r>
-            <a:r>
-              <a:rPr lang="zh-CN" altLang="en-US" dirty="0">
-                <a:latin typeface="微软雅黑" panose="020B0503020204020204" pitchFamily="34" charset="-122"/>
-                <a:ea typeface="微软雅黑" panose="020B0503020204020204" pitchFamily="34" charset="-122"/>
-              </a:rPr>
-              <a:t> </a:t>
-            </a:r>
-            <a:r>
-              <a:rPr lang="zh-CN" altLang="en-US" dirty="0" smtClean="0">
-                <a:latin typeface="微软雅黑" panose="020B0503020204020204" pitchFamily="34" charset="-122"/>
-                <a:ea typeface="微软雅黑" panose="020B0503020204020204" pitchFamily="34" charset="-122"/>
-              </a:rPr>
-              <a:t>与</a:t>
-            </a:r>
-            <a:r>
-              <a:rPr lang="zh-CN" altLang="en-US" dirty="0">
-                <a:latin typeface="微软雅黑" panose="020B0503020204020204" pitchFamily="34" charset="-122"/>
-                <a:ea typeface="微软雅黑" panose="020B0503020204020204" pitchFamily="34" charset="-122"/>
-              </a:rPr>
-              <a:t>该词条语义上下位关系的词</a:t>
+              <a:t>同义，近义词，易混词辨析 与该词条语义上下位关系的词</a:t>
             </a:r>
             <a:endParaRPr lang="en-US" altLang="zh-CN" kern="0" noProof="0" dirty="0">
               <a:ln>
@@ -33200,7 +33114,7 @@
           <p:cNvPr id="14" name="矩形 13">
             <a:extLst>
               <a:ext uri="{FF2B5EF4-FFF2-40B4-BE49-F238E27FC236}">
-                <a16:creationId xmlns:a16="http://schemas.microsoft.com/office/drawing/2014/main" xmlns="" id="{3A33F266-8553-485A-86D9-E9E07B77F2D6}"/>
+                <a16:creationId xmlns:a16="http://schemas.microsoft.com/office/drawing/2014/main" id="{3A33F266-8553-485A-86D9-E9E07B77F2D6}"/>
               </a:ext>
             </a:extLst>
           </p:cNvPr>
@@ -33234,7 +33148,7 @@
           <p:cNvPr id="16" name="矩形 15">
             <a:extLst>
               <a:ext uri="{FF2B5EF4-FFF2-40B4-BE49-F238E27FC236}">
-                <a16:creationId xmlns:a16="http://schemas.microsoft.com/office/drawing/2014/main" xmlns="" id="{C619AE70-C8E5-4169-8061-82946C8F8782}"/>
+                <a16:creationId xmlns:a16="http://schemas.microsoft.com/office/drawing/2014/main" id="{C619AE70-C8E5-4169-8061-82946C8F8782}"/>
               </a:ext>
             </a:extLst>
           </p:cNvPr>
@@ -33341,7 +33255,7 @@
           <p:cNvPr id="5" name="内容占位符 4" descr="图片包含 屏幕截图&#10;&#10;自动生成的说明">
             <a:extLst>
               <a:ext uri="{FF2B5EF4-FFF2-40B4-BE49-F238E27FC236}">
-                <a16:creationId xmlns:a16="http://schemas.microsoft.com/office/drawing/2014/main" xmlns="" id="{02845697-ABF6-4BE8-A4DF-3A96F1504884}"/>
+                <a16:creationId xmlns:a16="http://schemas.microsoft.com/office/drawing/2014/main" id="{02845697-ABF6-4BE8-A4DF-3A96F1504884}"/>
               </a:ext>
             </a:extLst>
           </p:cNvPr>
@@ -33406,7 +33320,7 @@
           <p:cNvPr id="5" name="图片 4" descr="图片包含 文字&#10;&#10;自动生成的说明">
             <a:extLst>
               <a:ext uri="{FF2B5EF4-FFF2-40B4-BE49-F238E27FC236}">
-                <a16:creationId xmlns:a16="http://schemas.microsoft.com/office/drawing/2014/main" xmlns="" id="{869D53BA-0CDE-41BA-9412-D00A8B9B3467}"/>
+                <a16:creationId xmlns:a16="http://schemas.microsoft.com/office/drawing/2014/main" id="{869D53BA-0CDE-41BA-9412-D00A8B9B3467}"/>
               </a:ext>
             </a:extLst>
           </p:cNvPr>
@@ -33598,7 +33512,7 @@
           <p:cNvPr id="7" name="文本框 6">
             <a:extLst>
               <a:ext uri="{FF2B5EF4-FFF2-40B4-BE49-F238E27FC236}">
-                <a16:creationId xmlns:a16="http://schemas.microsoft.com/office/drawing/2014/main" xmlns="" id="{41273B1A-0A9A-4893-85C8-2032A006493D}"/>
+                <a16:creationId xmlns:a16="http://schemas.microsoft.com/office/drawing/2014/main" id="{41273B1A-0A9A-4893-85C8-2032A006493D}"/>
               </a:ext>
             </a:extLst>
           </p:cNvPr>
@@ -33639,7 +33553,7 @@
           <p:cNvPr id="8" name="文本框 7">
             <a:extLst>
               <a:ext uri="{FF2B5EF4-FFF2-40B4-BE49-F238E27FC236}">
-                <a16:creationId xmlns:a16="http://schemas.microsoft.com/office/drawing/2014/main" xmlns="" id="{2030E6C3-6D08-42B0-AE21-0AF65A099FF5}"/>
+                <a16:creationId xmlns:a16="http://schemas.microsoft.com/office/drawing/2014/main" id="{2030E6C3-6D08-42B0-AE21-0AF65A099FF5}"/>
               </a:ext>
             </a:extLst>
           </p:cNvPr>
@@ -33894,7 +33808,7 @@
           <p:cNvPr id="2" name="椭圆 1">
             <a:extLst>
               <a:ext uri="{FF2B5EF4-FFF2-40B4-BE49-F238E27FC236}">
-                <a16:creationId xmlns:a16="http://schemas.microsoft.com/office/drawing/2014/main" xmlns="" id="{7FA72E45-BA5D-4DBB-B8D5-3CC7C0A63E6A}"/>
+                <a16:creationId xmlns:a16="http://schemas.microsoft.com/office/drawing/2014/main" id="{7FA72E45-BA5D-4DBB-B8D5-3CC7C0A63E6A}"/>
               </a:ext>
             </a:extLst>
           </p:cNvPr>
@@ -33950,7 +33864,7 @@
           <p:cNvPr id="3" name="文本框 2">
             <a:extLst>
               <a:ext uri="{FF2B5EF4-FFF2-40B4-BE49-F238E27FC236}">
-                <a16:creationId xmlns:a16="http://schemas.microsoft.com/office/drawing/2014/main" xmlns="" id="{91659A41-69E8-4CE1-A8A2-63974D6F5889}"/>
+                <a16:creationId xmlns:a16="http://schemas.microsoft.com/office/drawing/2014/main" id="{91659A41-69E8-4CE1-A8A2-63974D6F5889}"/>
               </a:ext>
             </a:extLst>
           </p:cNvPr>
@@ -33991,7 +33905,7 @@
           <p:cNvPr id="4" name="椭圆 3">
             <a:extLst>
               <a:ext uri="{FF2B5EF4-FFF2-40B4-BE49-F238E27FC236}">
-                <a16:creationId xmlns:a16="http://schemas.microsoft.com/office/drawing/2014/main" xmlns="" id="{CBF29D2C-4A12-405A-9244-78104A486F0E}"/>
+                <a16:creationId xmlns:a16="http://schemas.microsoft.com/office/drawing/2014/main" id="{CBF29D2C-4A12-405A-9244-78104A486F0E}"/>
               </a:ext>
             </a:extLst>
           </p:cNvPr>
@@ -34049,7 +33963,7 @@
           <p:cNvPr id="13" name="椭圆 12">
             <a:extLst>
               <a:ext uri="{FF2B5EF4-FFF2-40B4-BE49-F238E27FC236}">
-                <a16:creationId xmlns:a16="http://schemas.microsoft.com/office/drawing/2014/main" xmlns="" id="{CFF23A4E-1782-4970-9965-7B9806374928}"/>
+                <a16:creationId xmlns:a16="http://schemas.microsoft.com/office/drawing/2014/main" id="{CFF23A4E-1782-4970-9965-7B9806374928}"/>
               </a:ext>
             </a:extLst>
           </p:cNvPr>
@@ -34107,7 +34021,7 @@
           <p:cNvPr id="14" name="椭圆 13">
             <a:extLst>
               <a:ext uri="{FF2B5EF4-FFF2-40B4-BE49-F238E27FC236}">
-                <a16:creationId xmlns:a16="http://schemas.microsoft.com/office/drawing/2014/main" xmlns="" id="{A87DE1FC-0A46-4A16-A6F3-83FE6831B0B9}"/>
+                <a16:creationId xmlns:a16="http://schemas.microsoft.com/office/drawing/2014/main" id="{A87DE1FC-0A46-4A16-A6F3-83FE6831B0B9}"/>
               </a:ext>
             </a:extLst>
           </p:cNvPr>
@@ -34165,7 +34079,7 @@
           <p:cNvPr id="15" name="椭圆 14">
             <a:extLst>
               <a:ext uri="{FF2B5EF4-FFF2-40B4-BE49-F238E27FC236}">
-                <a16:creationId xmlns:a16="http://schemas.microsoft.com/office/drawing/2014/main" xmlns="" id="{D4D6D67D-564B-475B-826C-77764DE4EF2C}"/>
+                <a16:creationId xmlns:a16="http://schemas.microsoft.com/office/drawing/2014/main" id="{D4D6D67D-564B-475B-826C-77764DE4EF2C}"/>
               </a:ext>
             </a:extLst>
           </p:cNvPr>
@@ -34223,7 +34137,7 @@
           <p:cNvPr id="16" name="椭圆 15">
             <a:extLst>
               <a:ext uri="{FF2B5EF4-FFF2-40B4-BE49-F238E27FC236}">
-                <a16:creationId xmlns:a16="http://schemas.microsoft.com/office/drawing/2014/main" xmlns="" id="{28285C35-0D2D-4AF9-8D67-BCF22B7C9035}"/>
+                <a16:creationId xmlns:a16="http://schemas.microsoft.com/office/drawing/2014/main" id="{28285C35-0D2D-4AF9-8D67-BCF22B7C9035}"/>
               </a:ext>
             </a:extLst>
           </p:cNvPr>
@@ -34281,7 +34195,7 @@
           <p:cNvPr id="20" name="组合 19">
             <a:extLst>
               <a:ext uri="{FF2B5EF4-FFF2-40B4-BE49-F238E27FC236}">
-                <a16:creationId xmlns:a16="http://schemas.microsoft.com/office/drawing/2014/main" xmlns="" id="{0FA7F2A0-BF41-43EE-ABD9-C5A661FABC8C}"/>
+                <a16:creationId xmlns:a16="http://schemas.microsoft.com/office/drawing/2014/main" id="{0FA7F2A0-BF41-43EE-ABD9-C5A661FABC8C}"/>
               </a:ext>
             </a:extLst>
           </p:cNvPr>
@@ -34301,7 +34215,7 @@
             <p:cNvPr id="18" name="矩形: 圆角 17">
               <a:extLst>
                 <a:ext uri="{FF2B5EF4-FFF2-40B4-BE49-F238E27FC236}">
-                  <a16:creationId xmlns:a16="http://schemas.microsoft.com/office/drawing/2014/main" xmlns="" id="{B74874E4-6A96-461A-8AF1-A816EBFAFC57}"/>
+                  <a16:creationId xmlns:a16="http://schemas.microsoft.com/office/drawing/2014/main" id="{B74874E4-6A96-461A-8AF1-A816EBFAFC57}"/>
                 </a:ext>
               </a:extLst>
             </p:cNvPr>
@@ -34353,7 +34267,7 @@
             <p:cNvPr id="19" name="文本框 18">
               <a:extLst>
                 <a:ext uri="{FF2B5EF4-FFF2-40B4-BE49-F238E27FC236}">
-                  <a16:creationId xmlns:a16="http://schemas.microsoft.com/office/drawing/2014/main" xmlns="" id="{1B09DDA9-3B1F-42A8-9AA3-B81E14C7A8C1}"/>
+                  <a16:creationId xmlns:a16="http://schemas.microsoft.com/office/drawing/2014/main" id="{1B09DDA9-3B1F-42A8-9AA3-B81E14C7A8C1}"/>
                 </a:ext>
               </a:extLst>
             </p:cNvPr>
@@ -34516,7 +34430,7 @@
           <p:cNvPr id="21" name="矩形: 圆角 20">
             <a:extLst>
               <a:ext uri="{FF2B5EF4-FFF2-40B4-BE49-F238E27FC236}">
-                <a16:creationId xmlns:a16="http://schemas.microsoft.com/office/drawing/2014/main" xmlns="" id="{E977BA27-9793-44E6-A225-D0E0BB1FF3CD}"/>
+                <a16:creationId xmlns:a16="http://schemas.microsoft.com/office/drawing/2014/main" id="{E977BA27-9793-44E6-A225-D0E0BB1FF3CD}"/>
               </a:ext>
             </a:extLst>
           </p:cNvPr>
@@ -34568,7 +34482,7 @@
           <p:cNvPr id="22" name="文本框 21">
             <a:extLst>
               <a:ext uri="{FF2B5EF4-FFF2-40B4-BE49-F238E27FC236}">
-                <a16:creationId xmlns:a16="http://schemas.microsoft.com/office/drawing/2014/main" xmlns="" id="{6EB62D2B-32EE-4F67-924E-3ED0419A1972}"/>
+                <a16:creationId xmlns:a16="http://schemas.microsoft.com/office/drawing/2014/main" id="{6EB62D2B-32EE-4F67-924E-3ED0419A1972}"/>
               </a:ext>
             </a:extLst>
           </p:cNvPr>
@@ -34612,7 +34526,7 @@
           <p:cNvPr id="23" name="矩形: 圆角 22">
             <a:extLst>
               <a:ext uri="{FF2B5EF4-FFF2-40B4-BE49-F238E27FC236}">
-                <a16:creationId xmlns:a16="http://schemas.microsoft.com/office/drawing/2014/main" xmlns="" id="{124F1534-677C-42BA-A08C-A4F67FA7F98C}"/>
+                <a16:creationId xmlns:a16="http://schemas.microsoft.com/office/drawing/2014/main" id="{124F1534-677C-42BA-A08C-A4F67FA7F98C}"/>
               </a:ext>
             </a:extLst>
           </p:cNvPr>
@@ -34664,7 +34578,7 @@
           <p:cNvPr id="24" name="文本框 23">
             <a:extLst>
               <a:ext uri="{FF2B5EF4-FFF2-40B4-BE49-F238E27FC236}">
-                <a16:creationId xmlns:a16="http://schemas.microsoft.com/office/drawing/2014/main" xmlns="" id="{EC0D9FAB-0A33-4269-9633-360D15B930A4}"/>
+                <a16:creationId xmlns:a16="http://schemas.microsoft.com/office/drawing/2014/main" id="{EC0D9FAB-0A33-4269-9633-360D15B930A4}"/>
               </a:ext>
             </a:extLst>
           </p:cNvPr>
@@ -34764,7 +34678,7 @@
           <p:cNvPr id="25" name="矩形: 圆角 24">
             <a:extLst>
               <a:ext uri="{FF2B5EF4-FFF2-40B4-BE49-F238E27FC236}">
-                <a16:creationId xmlns:a16="http://schemas.microsoft.com/office/drawing/2014/main" xmlns="" id="{FF024270-F1AE-4C60-90EC-B121618F5159}"/>
+                <a16:creationId xmlns:a16="http://schemas.microsoft.com/office/drawing/2014/main" id="{FF024270-F1AE-4C60-90EC-B121618F5159}"/>
               </a:ext>
             </a:extLst>
           </p:cNvPr>
@@ -34816,7 +34730,7 @@
           <p:cNvPr id="26" name="文本框 25">
             <a:extLst>
               <a:ext uri="{FF2B5EF4-FFF2-40B4-BE49-F238E27FC236}">
-                <a16:creationId xmlns:a16="http://schemas.microsoft.com/office/drawing/2014/main" xmlns="" id="{1FF3640D-F3A9-4685-9837-32EA4A78D4B7}"/>
+                <a16:creationId xmlns:a16="http://schemas.microsoft.com/office/drawing/2014/main" id="{1FF3640D-F3A9-4685-9837-32EA4A78D4B7}"/>
               </a:ext>
             </a:extLst>
           </p:cNvPr>
@@ -36540,310 +36454,6 @@
           <a:chExt cx="0" cy="0"/>
         </a:xfrm>
       </p:grpSpPr>
-      <p:sp>
-        <p:nvSpPr>
-          <p:cNvPr id="8" name="文本框 7">
-            <a:extLst>
-              <a:ext uri="{FF2B5EF4-FFF2-40B4-BE49-F238E27FC236}">
-                <a16:creationId xmlns:a16="http://schemas.microsoft.com/office/drawing/2014/main" xmlns="" id="{2030E6C3-6D08-42B0-AE21-0AF65A099FF5}"/>
-              </a:ext>
-            </a:extLst>
-          </p:cNvPr>
-          <p:cNvSpPr txBox="1"/>
-          <p:nvPr/>
-        </p:nvSpPr>
-        <p:spPr>
-          <a:xfrm>
-            <a:off x="2664459" y="975290"/>
-            <a:ext cx="8530689" cy="4647426"/>
-          </a:xfrm>
-          <a:prstGeom prst="rect">
-            <a:avLst/>
-          </a:prstGeom>
-          <a:noFill/>
-        </p:spPr>
-        <p:txBody>
-          <a:bodyPr wrap="square" rtlCol="0">
-            <a:spAutoFit/>
-          </a:bodyPr>
-          <a:lstStyle/>
-          <a:p>
-            <a:r>
-              <a:rPr lang="zh-CN" altLang="en-US" sz="3200" b="1" dirty="0">
-                <a:solidFill>
-                  <a:srgbClr val="002060"/>
-                </a:solidFill>
-                <a:latin typeface="微软雅黑" panose="020B0503020204020204" pitchFamily="34" charset="-122"/>
-                <a:ea typeface="微软雅黑" panose="020B0503020204020204" pitchFamily="34" charset="-122"/>
-              </a:rPr>
-              <a:t>搜索方式</a:t>
-            </a:r>
-            <a:endParaRPr lang="en-US" altLang="zh-CN" sz="3200" b="1" dirty="0">
-              <a:solidFill>
-                <a:srgbClr val="002060"/>
-              </a:solidFill>
-              <a:latin typeface="微软雅黑" panose="020B0503020204020204" pitchFamily="34" charset="-122"/>
-              <a:ea typeface="微软雅黑" panose="020B0503020204020204" pitchFamily="34" charset="-122"/>
-            </a:endParaRPr>
-          </a:p>
-          <a:p>
-            <a:pPr marL="457200" indent="-457200">
-              <a:buFont typeface="Arial" panose="020B0604020202020204" pitchFamily="34" charset="0"/>
-              <a:buChar char="•"/>
-            </a:pPr>
-            <a:r>
-              <a:rPr lang="zh-CN" altLang="en-US" sz="2800" dirty="0">
-                <a:solidFill>
-                  <a:srgbClr val="002060"/>
-                </a:solidFill>
-                <a:latin typeface="微软雅黑" panose="020B0503020204020204" pitchFamily="34" charset="-122"/>
-                <a:ea typeface="微软雅黑" panose="020B0503020204020204" pitchFamily="34" charset="-122"/>
-              </a:rPr>
-              <a:t>全文检索</a:t>
-            </a:r>
-            <a:r>
-              <a:rPr lang="en-US" altLang="zh-CN" sz="2800" dirty="0">
-                <a:solidFill>
-                  <a:srgbClr val="002060"/>
-                </a:solidFill>
-                <a:latin typeface="微软雅黑" panose="020B0503020204020204" pitchFamily="34" charset="-122"/>
-                <a:ea typeface="微软雅黑" panose="020B0503020204020204" pitchFamily="34" charset="-122"/>
-              </a:rPr>
-              <a:t>+</a:t>
-            </a:r>
-            <a:r>
-              <a:rPr lang="zh-CN" altLang="en-US" sz="2800" dirty="0">
-                <a:solidFill>
-                  <a:srgbClr val="002060"/>
-                </a:solidFill>
-                <a:latin typeface="微软雅黑" panose="020B0503020204020204" pitchFamily="34" charset="-122"/>
-                <a:ea typeface="微软雅黑" panose="020B0503020204020204" pitchFamily="34" charset="-122"/>
-              </a:rPr>
-              <a:t>目录检索 </a:t>
-            </a:r>
-          </a:p>
-          <a:p>
-            <a:pPr marL="457200" indent="-457200">
-              <a:buFont typeface="Arial" panose="020B0604020202020204" pitchFamily="34" charset="0"/>
-              <a:buChar char="•"/>
-            </a:pPr>
-            <a:r>
-              <a:rPr lang="zh-CN" altLang="en-US" sz="2800" dirty="0">
-                <a:solidFill>
-                  <a:srgbClr val="002060"/>
-                </a:solidFill>
-                <a:latin typeface="微软雅黑" panose="020B0503020204020204" pitchFamily="34" charset="-122"/>
-                <a:ea typeface="微软雅黑" panose="020B0503020204020204" pitchFamily="34" charset="-122"/>
-              </a:rPr>
-              <a:t>模糊检索和简单的高级检索</a:t>
-            </a:r>
-          </a:p>
-          <a:p>
-            <a:pPr marL="457200" indent="-457200">
-              <a:buFont typeface="Arial" panose="020B0604020202020204" pitchFamily="34" charset="0"/>
-              <a:buChar char="•"/>
-            </a:pPr>
-            <a:r>
-              <a:rPr lang="zh-CN" altLang="en-US" sz="2800" dirty="0">
-                <a:solidFill>
-                  <a:srgbClr val="002060"/>
-                </a:solidFill>
-                <a:latin typeface="微软雅黑" panose="020B0503020204020204" pitchFamily="34" charset="-122"/>
-                <a:ea typeface="微软雅黑" panose="020B0503020204020204" pitchFamily="34" charset="-122"/>
-              </a:rPr>
-              <a:t>划词取词检索</a:t>
-            </a:r>
-            <a:endParaRPr lang="en-US" altLang="zh-CN" sz="2800" dirty="0">
-              <a:solidFill>
-                <a:srgbClr val="002060"/>
-              </a:solidFill>
-              <a:latin typeface="微软雅黑" panose="020B0503020204020204" pitchFamily="34" charset="-122"/>
-              <a:ea typeface="微软雅黑" panose="020B0503020204020204" pitchFamily="34" charset="-122"/>
-            </a:endParaRPr>
-          </a:p>
-          <a:p>
-            <a:pPr marL="457200" indent="-457200">
-              <a:buFont typeface="Arial" panose="020B0604020202020204" pitchFamily="34" charset="0"/>
-              <a:buChar char="•"/>
-            </a:pPr>
-            <a:r>
-              <a:rPr lang="zh-CN" altLang="en-US" sz="2800" dirty="0">
-                <a:solidFill>
-                  <a:srgbClr val="002060"/>
-                </a:solidFill>
-                <a:latin typeface="微软雅黑" panose="020B0503020204020204" pitchFamily="34" charset="-122"/>
-                <a:ea typeface="微软雅黑" panose="020B0503020204020204" pitchFamily="34" charset="-122"/>
-              </a:rPr>
-              <a:t>口语化词与</a:t>
-            </a:r>
-            <a:r>
-              <a:rPr lang="en-US" altLang="zh-CN" sz="2800" dirty="0">
-                <a:solidFill>
-                  <a:srgbClr val="002060"/>
-                </a:solidFill>
-                <a:latin typeface="微软雅黑" panose="020B0503020204020204" pitchFamily="34" charset="-122"/>
-                <a:ea typeface="微软雅黑" panose="020B0503020204020204" pitchFamily="34" charset="-122"/>
-              </a:rPr>
-              <a:t>UMLS</a:t>
-            </a:r>
-            <a:r>
-              <a:rPr lang="zh-CN" altLang="en-US" sz="2800" dirty="0">
-                <a:solidFill>
-                  <a:srgbClr val="002060"/>
-                </a:solidFill>
-                <a:latin typeface="微软雅黑" panose="020B0503020204020204" pitchFamily="34" charset="-122"/>
-                <a:ea typeface="微软雅黑" panose="020B0503020204020204" pitchFamily="34" charset="-122"/>
-              </a:rPr>
-              <a:t>映射</a:t>
-            </a:r>
-          </a:p>
-          <a:p>
-            <a:r>
-              <a:rPr lang="zh-CN" altLang="en-US" sz="3200" b="1" dirty="0">
-                <a:solidFill>
-                  <a:srgbClr val="002060"/>
-                </a:solidFill>
-                <a:latin typeface="微软雅黑" panose="020B0503020204020204" pitchFamily="34" charset="-122"/>
-                <a:ea typeface="微软雅黑" panose="020B0503020204020204" pitchFamily="34" charset="-122"/>
-              </a:rPr>
-              <a:t>个性化设置</a:t>
-            </a:r>
-            <a:endParaRPr lang="en-US" altLang="zh-CN" sz="3200" b="1" dirty="0">
-              <a:solidFill>
-                <a:srgbClr val="002060"/>
-              </a:solidFill>
-              <a:latin typeface="微软雅黑" panose="020B0503020204020204" pitchFamily="34" charset="-122"/>
-              <a:ea typeface="微软雅黑" panose="020B0503020204020204" pitchFamily="34" charset="-122"/>
-            </a:endParaRPr>
-          </a:p>
-          <a:p>
-            <a:pPr marL="457200" indent="-457200">
-              <a:buFont typeface="Arial" panose="020B0604020202020204" pitchFamily="34" charset="0"/>
-              <a:buChar char="•"/>
-            </a:pPr>
-            <a:r>
-              <a:rPr lang="zh-CN" altLang="en-US" sz="2800" dirty="0">
-                <a:solidFill>
-                  <a:srgbClr val="002060"/>
-                </a:solidFill>
-                <a:latin typeface="微软雅黑" panose="020B0503020204020204" pitchFamily="34" charset="-122"/>
-                <a:ea typeface="微软雅黑" panose="020B0503020204020204" pitchFamily="34" charset="-122"/>
-              </a:rPr>
-              <a:t>词条收藏 个人单词本 批量导出</a:t>
-            </a:r>
-          </a:p>
-          <a:p>
-            <a:r>
-              <a:rPr lang="zh-CN" altLang="en-US" sz="3200" b="1" dirty="0">
-                <a:solidFill>
-                  <a:srgbClr val="002060"/>
-                </a:solidFill>
-                <a:latin typeface="微软雅黑" panose="020B0503020204020204" pitchFamily="34" charset="-122"/>
-                <a:ea typeface="微软雅黑" panose="020B0503020204020204" pitchFamily="34" charset="-122"/>
-              </a:rPr>
-              <a:t>平台支持</a:t>
-            </a:r>
-          </a:p>
-          <a:p>
-            <a:pPr marL="457200" indent="-457200">
-              <a:buFont typeface="Arial" panose="020B0604020202020204" pitchFamily="34" charset="0"/>
-              <a:buChar char="•"/>
-            </a:pPr>
-            <a:r>
-              <a:rPr lang="zh-CN" altLang="en-US" sz="2800" dirty="0">
-                <a:solidFill>
-                  <a:srgbClr val="002060"/>
-                </a:solidFill>
-                <a:latin typeface="微软雅黑" panose="020B0503020204020204" pitchFamily="34" charset="-122"/>
-                <a:ea typeface="微软雅黑" panose="020B0503020204020204" pitchFamily="34" charset="-122"/>
-              </a:rPr>
-              <a:t>电脑软件 手机</a:t>
-            </a:r>
-            <a:r>
-              <a:rPr lang="en-US" altLang="zh-CN" sz="2800" dirty="0">
-                <a:solidFill>
-                  <a:srgbClr val="002060"/>
-                </a:solidFill>
-                <a:latin typeface="微软雅黑" panose="020B0503020204020204" pitchFamily="34" charset="-122"/>
-                <a:ea typeface="微软雅黑" panose="020B0503020204020204" pitchFamily="34" charset="-122"/>
-              </a:rPr>
-              <a:t>app</a:t>
-            </a:r>
-            <a:r>
-              <a:rPr lang="zh-CN" altLang="en-US" sz="2800" dirty="0">
-                <a:solidFill>
-                  <a:srgbClr val="002060"/>
-                </a:solidFill>
-                <a:latin typeface="微软雅黑" panose="020B0503020204020204" pitchFamily="34" charset="-122"/>
-                <a:ea typeface="微软雅黑" panose="020B0503020204020204" pitchFamily="34" charset="-122"/>
-              </a:rPr>
-              <a:t> 内嵌插件 </a:t>
-            </a:r>
-            <a:r>
-              <a:rPr lang="en-US" altLang="zh-CN" sz="2800" dirty="0">
-                <a:solidFill>
-                  <a:srgbClr val="002060"/>
-                </a:solidFill>
-                <a:latin typeface="微软雅黑" panose="020B0503020204020204" pitchFamily="34" charset="-122"/>
-                <a:ea typeface="微软雅黑" panose="020B0503020204020204" pitchFamily="34" charset="-122"/>
-              </a:rPr>
-              <a:t>API</a:t>
-            </a:r>
-            <a:r>
-              <a:rPr lang="zh-CN" altLang="en-US" sz="2800" dirty="0">
-                <a:solidFill>
-                  <a:srgbClr val="002060"/>
-                </a:solidFill>
-                <a:latin typeface="微软雅黑" panose="020B0503020204020204" pitchFamily="34" charset="-122"/>
-                <a:ea typeface="微软雅黑" panose="020B0503020204020204" pitchFamily="34" charset="-122"/>
-              </a:rPr>
-              <a:t>接口 </a:t>
-            </a:r>
-          </a:p>
-          <a:p>
-            <a:r>
-              <a:rPr lang="zh-CN" altLang="en-US" sz="3200" b="1" dirty="0">
-                <a:solidFill>
-                  <a:srgbClr val="002060"/>
-                </a:solidFill>
-                <a:latin typeface="微软雅黑" panose="020B0503020204020204" pitchFamily="34" charset="-122"/>
-                <a:ea typeface="微软雅黑" panose="020B0503020204020204" pitchFamily="34" charset="-122"/>
-              </a:rPr>
-              <a:t>篇章翻译功能</a:t>
-            </a:r>
-          </a:p>
-        </p:txBody>
-      </p:sp>
-    </p:spTree>
-    <p:extLst>
-      <p:ext uri="{BB962C8B-B14F-4D97-AF65-F5344CB8AC3E}">
-        <p14:creationId xmlns:p14="http://schemas.microsoft.com/office/powerpoint/2010/main" val="1826947619"/>
-      </p:ext>
-    </p:extLst>
-  </p:cSld>
-  <p:clrMapOvr>
-    <a:masterClrMapping/>
-  </p:clrMapOvr>
-</p:sld>
-</file>
-
-<file path=ppt/slides/slide33.xml><?xml version="1.0" encoding="utf-8"?>
-<p:sld xmlns:a="http://schemas.openxmlformats.org/drawingml/2006/main" xmlns:r="http://schemas.openxmlformats.org/officeDocument/2006/relationships" xmlns:p="http://schemas.openxmlformats.org/presentationml/2006/main">
-  <p:cSld>
-    <p:spTree>
-      <p:nvGrpSpPr>
-        <p:cNvPr id="1" name=""/>
-        <p:cNvGrpSpPr/>
-        <p:nvPr/>
-      </p:nvGrpSpPr>
-      <p:grpSpPr>
-        <a:xfrm>
-          <a:off x="0" y="0"/>
-          <a:ext cx="0" cy="0"/>
-          <a:chOff x="0" y="0"/>
-          <a:chExt cx="0" cy="0"/>
-        </a:xfrm>
-      </p:grpSpPr>
       <p:pic>
         <p:nvPicPr>
           <p:cNvPr id="4" name="图片 3" descr="1"/>
@@ -37321,7 +36931,7 @@
           <p:cNvPr id="19" name="文本框 18">
             <a:extLst>
               <a:ext uri="{FF2B5EF4-FFF2-40B4-BE49-F238E27FC236}">
-                <a16:creationId xmlns:a16="http://schemas.microsoft.com/office/drawing/2014/main" xmlns="" id="{D96C8DEE-2B12-4999-A8A3-EB70C0DD6154}"/>
+                <a16:creationId xmlns:a16="http://schemas.microsoft.com/office/drawing/2014/main" id="{D96C8DEE-2B12-4999-A8A3-EB70C0DD6154}"/>
               </a:ext>
             </a:extLst>
           </p:cNvPr>
@@ -37370,7 +36980,7 @@
           <p:cNvPr id="23" name="文本框 22">
             <a:extLst>
               <a:ext uri="{FF2B5EF4-FFF2-40B4-BE49-F238E27FC236}">
-                <a16:creationId xmlns:a16="http://schemas.microsoft.com/office/drawing/2014/main" xmlns="" id="{9727FEFB-5E60-4158-B373-1EC985E77D5C}"/>
+                <a16:creationId xmlns:a16="http://schemas.microsoft.com/office/drawing/2014/main" id="{9727FEFB-5E60-4158-B373-1EC985E77D5C}"/>
               </a:ext>
             </a:extLst>
           </p:cNvPr>
@@ -37419,7 +37029,7 @@
           <p:cNvPr id="24" name="文本框 23">
             <a:extLst>
               <a:ext uri="{FF2B5EF4-FFF2-40B4-BE49-F238E27FC236}">
-                <a16:creationId xmlns:a16="http://schemas.microsoft.com/office/drawing/2014/main" xmlns="" id="{DD98CE8E-EDEF-48EF-8E06-D36DEB775E77}"/>
+                <a16:creationId xmlns:a16="http://schemas.microsoft.com/office/drawing/2014/main" id="{DD98CE8E-EDEF-48EF-8E06-D36DEB775E77}"/>
               </a:ext>
             </a:extLst>
           </p:cNvPr>
@@ -37498,7 +37108,7 @@
           <p:cNvPr id="4" name="椭圆 3">
             <a:extLst>
               <a:ext uri="{FF2B5EF4-FFF2-40B4-BE49-F238E27FC236}">
-                <a16:creationId xmlns:a16="http://schemas.microsoft.com/office/drawing/2014/main" xmlns="" id="{8D2B5B3F-3CB5-42B7-BBDF-D12156F91010}"/>
+                <a16:creationId xmlns:a16="http://schemas.microsoft.com/office/drawing/2014/main" id="{8D2B5B3F-3CB5-42B7-BBDF-D12156F91010}"/>
               </a:ext>
             </a:extLst>
           </p:cNvPr>
@@ -37550,7 +37160,7 @@
           <p:cNvPr id="7" name="文本框 6">
             <a:extLst>
               <a:ext uri="{FF2B5EF4-FFF2-40B4-BE49-F238E27FC236}">
-                <a16:creationId xmlns:a16="http://schemas.microsoft.com/office/drawing/2014/main" xmlns="" id="{379ECFDC-06CB-48E6-8748-DBF7CA915365}"/>
+                <a16:creationId xmlns:a16="http://schemas.microsoft.com/office/drawing/2014/main" id="{379ECFDC-06CB-48E6-8748-DBF7CA915365}"/>
               </a:ext>
             </a:extLst>
           </p:cNvPr>
@@ -37588,7 +37198,7 @@
           <p:cNvPr id="9" name="椭圆 8">
             <a:extLst>
               <a:ext uri="{FF2B5EF4-FFF2-40B4-BE49-F238E27FC236}">
-                <a16:creationId xmlns:a16="http://schemas.microsoft.com/office/drawing/2014/main" xmlns="" id="{62AD7252-080D-445E-9D18-19ACC6A0906E}"/>
+                <a16:creationId xmlns:a16="http://schemas.microsoft.com/office/drawing/2014/main" id="{62AD7252-080D-445E-9D18-19ACC6A0906E}"/>
               </a:ext>
             </a:extLst>
           </p:cNvPr>
@@ -37640,7 +37250,7 @@
           <p:cNvPr id="12" name="文本框 11">
             <a:extLst>
               <a:ext uri="{FF2B5EF4-FFF2-40B4-BE49-F238E27FC236}">
-                <a16:creationId xmlns:a16="http://schemas.microsoft.com/office/drawing/2014/main" xmlns="" id="{642799FD-76FA-420D-9286-AD4AC1DF402E}"/>
+                <a16:creationId xmlns:a16="http://schemas.microsoft.com/office/drawing/2014/main" id="{642799FD-76FA-420D-9286-AD4AC1DF402E}"/>
               </a:ext>
             </a:extLst>
           </p:cNvPr>
@@ -37801,10 +37411,6 @@
             </a:r>
           </a:p>
           <a:p>
-            <a:r>
-              <a:rPr lang="zh-CN" altLang="en-US" sz="2800" dirty="0"/>
-              <a:t/>
-            </a:r>
             <a:br>
               <a:rPr lang="zh-CN" altLang="en-US" sz="2800" dirty="0"/>
             </a:br>
@@ -37911,7 +37517,7 @@
           <p:cNvPr id="3" name="文本框 2">
             <a:extLst>
               <a:ext uri="{FF2B5EF4-FFF2-40B4-BE49-F238E27FC236}">
-                <a16:creationId xmlns:a16="http://schemas.microsoft.com/office/drawing/2014/main" xmlns="" id="{A351FB82-D77B-4358-8F4B-DF0F2F56BEDB}"/>
+                <a16:creationId xmlns:a16="http://schemas.microsoft.com/office/drawing/2014/main" id="{A351FB82-D77B-4358-8F4B-DF0F2F56BEDB}"/>
               </a:ext>
             </a:extLst>
           </p:cNvPr>
@@ -38079,13 +37685,13 @@
               <a:t>https://www.wallstreetoasis.com/finance-dictionary</a:t>
             </a:r>
             <a:r>
-              <a:rPr lang="zh-CN" altLang="en-GB" sz="1600" dirty="0" smtClean="0">
+              <a:rPr lang="zh-CN" altLang="en-GB" sz="1600" dirty="0">
                 <a:latin typeface="微软雅黑" panose="020B0503020204020204" pitchFamily="34" charset="-122"/>
                 <a:ea typeface="微软雅黑" panose="020B0503020204020204" pitchFamily="34" charset="-122"/>
               </a:rPr>
               <a:t>）</a:t>
             </a:r>
-            <a:endParaRPr lang="en-US" altLang="zh-CN" sz="1600" dirty="0" smtClean="0">
+            <a:endParaRPr lang="en-US" altLang="zh-CN" sz="1600" dirty="0">
               <a:latin typeface="微软雅黑" panose="020B0503020204020204" pitchFamily="34" charset="-122"/>
               <a:ea typeface="微软雅黑" panose="020B0503020204020204" pitchFamily="34" charset="-122"/>
             </a:endParaRPr>
@@ -38166,7 +37772,7 @@
           <p:cNvPr id="2" name="矩形 1">
             <a:extLst>
               <a:ext uri="{FF2B5EF4-FFF2-40B4-BE49-F238E27FC236}">
-                <a16:creationId xmlns:a16="http://schemas.microsoft.com/office/drawing/2014/main" xmlns="" id="{73016DA7-04CC-4301-B919-D5BA942F4036}"/>
+                <a16:creationId xmlns:a16="http://schemas.microsoft.com/office/drawing/2014/main" id="{73016DA7-04CC-4301-B919-D5BA942F4036}"/>
               </a:ext>
             </a:extLst>
           </p:cNvPr>
@@ -38326,7 +37932,7 @@
           <p:cNvPr id="4" name="椭圆 3">
             <a:extLst>
               <a:ext uri="{FF2B5EF4-FFF2-40B4-BE49-F238E27FC236}">
-                <a16:creationId xmlns:a16="http://schemas.microsoft.com/office/drawing/2014/main" xmlns="" id="{8D2B5B3F-3CB5-42B7-BBDF-D12156F91010}"/>
+                <a16:creationId xmlns:a16="http://schemas.microsoft.com/office/drawing/2014/main" id="{8D2B5B3F-3CB5-42B7-BBDF-D12156F91010}"/>
               </a:ext>
             </a:extLst>
           </p:cNvPr>
@@ -38378,7 +37984,7 @@
           <p:cNvPr id="6" name="图片 5" descr="图片包含 屏幕截图&#10;&#10;自动生成的说明">
             <a:extLst>
               <a:ext uri="{FF2B5EF4-FFF2-40B4-BE49-F238E27FC236}">
-                <a16:creationId xmlns:a16="http://schemas.microsoft.com/office/drawing/2014/main" xmlns="" id="{488EF7BC-F038-4866-A483-0F8994B928D5}"/>
+                <a16:creationId xmlns:a16="http://schemas.microsoft.com/office/drawing/2014/main" id="{488EF7BC-F038-4866-A483-0F8994B928D5}"/>
               </a:ext>
             </a:extLst>
           </p:cNvPr>
@@ -38414,7 +38020,7 @@
           <p:cNvPr id="7" name="文本框 6">
             <a:extLst>
               <a:ext uri="{FF2B5EF4-FFF2-40B4-BE49-F238E27FC236}">
-                <a16:creationId xmlns:a16="http://schemas.microsoft.com/office/drawing/2014/main" xmlns="" id="{379ECFDC-06CB-48E6-8748-DBF7CA915365}"/>
+                <a16:creationId xmlns:a16="http://schemas.microsoft.com/office/drawing/2014/main" id="{379ECFDC-06CB-48E6-8748-DBF7CA915365}"/>
               </a:ext>
             </a:extLst>
           </p:cNvPr>
@@ -38452,7 +38058,7 @@
           <p:cNvPr id="9" name="椭圆 8">
             <a:extLst>
               <a:ext uri="{FF2B5EF4-FFF2-40B4-BE49-F238E27FC236}">
-                <a16:creationId xmlns:a16="http://schemas.microsoft.com/office/drawing/2014/main" xmlns="" id="{62AD7252-080D-445E-9D18-19ACC6A0906E}"/>
+                <a16:creationId xmlns:a16="http://schemas.microsoft.com/office/drawing/2014/main" id="{62AD7252-080D-445E-9D18-19ACC6A0906E}"/>
               </a:ext>
             </a:extLst>
           </p:cNvPr>
@@ -38504,7 +38110,7 @@
           <p:cNvPr id="12" name="文本框 11">
             <a:extLst>
               <a:ext uri="{FF2B5EF4-FFF2-40B4-BE49-F238E27FC236}">
-                <a16:creationId xmlns:a16="http://schemas.microsoft.com/office/drawing/2014/main" xmlns="" id="{642799FD-76FA-420D-9286-AD4AC1DF402E}"/>
+                <a16:creationId xmlns:a16="http://schemas.microsoft.com/office/drawing/2014/main" id="{642799FD-76FA-420D-9286-AD4AC1DF402E}"/>
               </a:ext>
             </a:extLst>
           </p:cNvPr>
@@ -38513,8 +38119,8 @@
         </p:nvSpPr>
         <p:spPr>
           <a:xfrm>
-            <a:off x="2342080" y="3429000"/>
-            <a:ext cx="6177064" cy="2613023"/>
+            <a:off x="2347098" y="1507262"/>
+            <a:ext cx="6177064" cy="3966150"/>
           </a:xfrm>
           <a:prstGeom prst="rect">
             <a:avLst/>
@@ -38533,13 +38139,13 @@
               </a:lnSpc>
             </a:pPr>
             <a:r>
-              <a:rPr lang="zh-CN" altLang="en-US" dirty="0" smtClean="0">
+              <a:rPr lang="zh-CN" altLang="en-US" sz="2800" dirty="0">
                 <a:latin typeface="微软雅黑" panose="020B0503020204020204" pitchFamily="34" charset="-122"/>
                 <a:ea typeface="微软雅黑" panose="020B0503020204020204" pitchFamily="34" charset="-122"/>
               </a:rPr>
               <a:t>相同点：检索方式</a:t>
             </a:r>
-            <a:endParaRPr lang="en-US" altLang="zh-CN" dirty="0" smtClean="0">
+            <a:endParaRPr lang="en-US" altLang="zh-CN" sz="2800" dirty="0">
               <a:latin typeface="微软雅黑" panose="020B0503020204020204" pitchFamily="34" charset="-122"/>
               <a:ea typeface="微软雅黑" panose="020B0503020204020204" pitchFamily="34" charset="-122"/>
             </a:endParaRPr>
@@ -38551,20 +38157,20 @@
               </a:lnSpc>
             </a:pPr>
             <a:r>
-              <a:rPr lang="en-US" altLang="zh-CN" dirty="0" smtClean="0">
+              <a:rPr lang="en-US" altLang="zh-CN" sz="2800" dirty="0">
                 <a:latin typeface="微软雅黑" panose="020B0503020204020204" pitchFamily="34" charset="-122"/>
                 <a:ea typeface="微软雅黑" panose="020B0503020204020204" pitchFamily="34" charset="-122"/>
               </a:rPr>
               <a:t>              </a:t>
             </a:r>
             <a:r>
-              <a:rPr lang="zh-CN" altLang="en-US" dirty="0" smtClean="0">
+              <a:rPr lang="zh-CN" altLang="en-US" sz="2800" dirty="0">
                 <a:latin typeface="微软雅黑" panose="020B0503020204020204" pitchFamily="34" charset="-122"/>
                 <a:ea typeface="微软雅黑" panose="020B0503020204020204" pitchFamily="34" charset="-122"/>
               </a:rPr>
               <a:t>数据来源</a:t>
             </a:r>
-            <a:endParaRPr lang="en-US" altLang="zh-CN" dirty="0" smtClean="0">
+            <a:endParaRPr lang="en-US" altLang="zh-CN" sz="2800" dirty="0">
               <a:latin typeface="微软雅黑" panose="020B0503020204020204" pitchFamily="34" charset="-122"/>
               <a:ea typeface="微软雅黑" panose="020B0503020204020204" pitchFamily="34" charset="-122"/>
             </a:endParaRPr>
@@ -38576,20 +38182,20 @@
               </a:lnSpc>
             </a:pPr>
             <a:r>
-              <a:rPr lang="en-US" altLang="zh-CN" dirty="0" smtClean="0">
+              <a:rPr lang="en-US" altLang="zh-CN" sz="2800" dirty="0">
                 <a:latin typeface="微软雅黑" panose="020B0503020204020204" pitchFamily="34" charset="-122"/>
                 <a:ea typeface="微软雅黑" panose="020B0503020204020204" pitchFamily="34" charset="-122"/>
               </a:rPr>
               <a:t>              </a:t>
             </a:r>
             <a:r>
-              <a:rPr lang="zh-CN" altLang="en-US" dirty="0" smtClean="0">
+              <a:rPr lang="zh-CN" altLang="en-US" sz="2800" dirty="0">
                 <a:latin typeface="微软雅黑" panose="020B0503020204020204" pitchFamily="34" charset="-122"/>
                 <a:ea typeface="微软雅黑" panose="020B0503020204020204" pitchFamily="34" charset="-122"/>
               </a:rPr>
               <a:t>呈现形式</a:t>
             </a:r>
-            <a:endParaRPr lang="en-US" altLang="zh-CN" dirty="0" smtClean="0">
+            <a:endParaRPr lang="en-US" altLang="zh-CN" sz="2800" dirty="0">
               <a:latin typeface="微软雅黑" panose="020B0503020204020204" pitchFamily="34" charset="-122"/>
               <a:ea typeface="微软雅黑" panose="020B0503020204020204" pitchFamily="34" charset="-122"/>
             </a:endParaRPr>
@@ -38600,7 +38206,7 @@
                 <a:spcPct val="130000"/>
               </a:lnSpc>
             </a:pPr>
-            <a:endParaRPr lang="en-US" altLang="zh-CN" dirty="0" smtClean="0">
+            <a:endParaRPr lang="en-US" altLang="zh-CN" sz="2800" dirty="0">
               <a:latin typeface="微软雅黑" panose="020B0503020204020204" pitchFamily="34" charset="-122"/>
               <a:ea typeface="微软雅黑" panose="020B0503020204020204" pitchFamily="34" charset="-122"/>
             </a:endParaRPr>
@@ -38612,13 +38218,13 @@
               </a:lnSpc>
             </a:pPr>
             <a:r>
-              <a:rPr lang="zh-CN" altLang="en-US" dirty="0" smtClean="0">
+              <a:rPr lang="zh-CN" altLang="en-US" sz="2800" dirty="0">
                 <a:latin typeface="微软雅黑" panose="020B0503020204020204" pitchFamily="34" charset="-122"/>
                 <a:ea typeface="微软雅黑" panose="020B0503020204020204" pitchFamily="34" charset="-122"/>
               </a:rPr>
               <a:t>不同点： 包含论文例句</a:t>
             </a:r>
-            <a:endParaRPr lang="en-US" altLang="zh-CN" dirty="0" smtClean="0">
+            <a:endParaRPr lang="en-US" altLang="zh-CN" sz="2800" dirty="0">
               <a:latin typeface="微软雅黑" panose="020B0503020204020204" pitchFamily="34" charset="-122"/>
               <a:ea typeface="微软雅黑" panose="020B0503020204020204" pitchFamily="34" charset="-122"/>
             </a:endParaRPr>
@@ -38630,20 +38236,20 @@
               </a:lnSpc>
             </a:pPr>
             <a:r>
-              <a:rPr lang="en-US" altLang="zh-CN" dirty="0" smtClean="0">
+              <a:rPr lang="en-US" altLang="zh-CN" sz="2800" dirty="0">
                 <a:latin typeface="微软雅黑" panose="020B0503020204020204" pitchFamily="34" charset="-122"/>
                 <a:ea typeface="微软雅黑" panose="020B0503020204020204" pitchFamily="34" charset="-122"/>
               </a:rPr>
               <a:t>              </a:t>
             </a:r>
             <a:r>
-              <a:rPr lang="zh-CN" altLang="en-US" dirty="0" smtClean="0">
+              <a:rPr lang="zh-CN" altLang="en-US" sz="2800" dirty="0">
                 <a:latin typeface="微软雅黑" panose="020B0503020204020204" pitchFamily="34" charset="-122"/>
                 <a:ea typeface="微软雅黑" panose="020B0503020204020204" pitchFamily="34" charset="-122"/>
               </a:rPr>
               <a:t>首选释义为医学释义</a:t>
             </a:r>
-            <a:endParaRPr lang="en-US" altLang="zh-CN" dirty="0" smtClean="0">
+            <a:endParaRPr lang="en-US" altLang="zh-CN" sz="2800" dirty="0">
               <a:latin typeface="微软雅黑" panose="020B0503020204020204" pitchFamily="34" charset="-122"/>
               <a:ea typeface="微软雅黑" panose="020B0503020204020204" pitchFamily="34" charset="-122"/>
             </a:endParaRPr>
@@ -38655,20 +38261,20 @@
               </a:lnSpc>
             </a:pPr>
             <a:r>
-              <a:rPr lang="en-US" altLang="zh-CN" dirty="0" smtClean="0">
+              <a:rPr lang="en-US" altLang="zh-CN" sz="2800" dirty="0">
                 <a:latin typeface="微软雅黑" panose="020B0503020204020204" pitchFamily="34" charset="-122"/>
                 <a:ea typeface="微软雅黑" panose="020B0503020204020204" pitchFamily="34" charset="-122"/>
               </a:rPr>
               <a:t>              </a:t>
             </a:r>
             <a:r>
-              <a:rPr lang="zh-CN" altLang="en-US" dirty="0" smtClean="0">
+              <a:rPr lang="zh-CN" altLang="en-US" sz="2800" dirty="0">
                 <a:latin typeface="微软雅黑" panose="020B0503020204020204" pitchFamily="34" charset="-122"/>
                 <a:ea typeface="微软雅黑" panose="020B0503020204020204" pitchFamily="34" charset="-122"/>
               </a:rPr>
               <a:t>包含百科</a:t>
             </a:r>
-            <a:endParaRPr lang="zh-CN" altLang="en-US" sz="1200" dirty="0"/>
+            <a:endParaRPr lang="zh-CN" altLang="en-US" dirty="0"/>
           </a:p>
         </p:txBody>
       </p:sp>
@@ -38677,7 +38283,7 @@
           <p:cNvPr id="15" name="图片 14" descr="图片包含 屏幕截图&#10;&#10;自动生成的说明">
             <a:extLst>
               <a:ext uri="{FF2B5EF4-FFF2-40B4-BE49-F238E27FC236}">
-                <a16:creationId xmlns:a16="http://schemas.microsoft.com/office/drawing/2014/main" xmlns="" id="{F65B923F-989D-446B-891C-AE4D51848520}"/>
+                <a16:creationId xmlns:a16="http://schemas.microsoft.com/office/drawing/2014/main" id="{F65B923F-989D-446B-891C-AE4D51848520}"/>
               </a:ext>
             </a:extLst>
           </p:cNvPr>
@@ -38708,329 +38314,6 @@
           </a:prstGeom>
         </p:spPr>
       </p:pic>
-      <p:sp>
-        <p:nvSpPr>
-          <p:cNvPr id="3" name="Rectangle 2"/>
-          <p:cNvSpPr/>
-          <p:nvPr/>
-        </p:nvSpPr>
-        <p:spPr>
-          <a:xfrm>
-            <a:off x="2423144" y="922214"/>
-            <a:ext cx="6096000" cy="2332946"/>
-          </a:xfrm>
-          <a:prstGeom prst="rect">
-            <a:avLst/>
-          </a:prstGeom>
-        </p:spPr>
-        <p:txBody>
-          <a:bodyPr>
-            <a:spAutoFit/>
-          </a:bodyPr>
-          <a:lstStyle/>
-          <a:p>
-            <a:pPr>
-              <a:lnSpc>
-                <a:spcPct val="130000"/>
-              </a:lnSpc>
-            </a:pPr>
-            <a:r>
-              <a:rPr lang="zh-CN" altLang="en-US" sz="1600" dirty="0">
-                <a:latin typeface="微软雅黑" panose="020B0503020204020204" pitchFamily="34" charset="-122"/>
-                <a:ea typeface="微软雅黑" panose="020B0503020204020204" pitchFamily="34" charset="-122"/>
-              </a:rPr>
-              <a:t>医学</a:t>
-            </a:r>
-            <a:r>
-              <a:rPr lang="zh-CN" altLang="en-US" sz="1600" dirty="0">
-                <a:latin typeface="微软雅黑" panose="020B0503020204020204" pitchFamily="34" charset="-122"/>
-                <a:ea typeface="微软雅黑" panose="020B0503020204020204" pitchFamily="34" charset="-122"/>
-              </a:rPr>
-              <a:t>辞典已经做成</a:t>
-            </a:r>
-            <a:r>
-              <a:rPr lang="en-US" altLang="zh-CN" sz="1600" dirty="0">
-                <a:latin typeface="微软雅黑" panose="020B0503020204020204" pitchFamily="34" charset="-122"/>
-                <a:ea typeface="微软雅黑" panose="020B0503020204020204" pitchFamily="34" charset="-122"/>
-              </a:rPr>
-              <a:t>APP</a:t>
-            </a:r>
-            <a:r>
-              <a:rPr lang="zh-CN" altLang="en-US" sz="1600" dirty="0">
-                <a:latin typeface="微软雅黑" panose="020B0503020204020204" pitchFamily="34" charset="-122"/>
-                <a:ea typeface="微软雅黑" panose="020B0503020204020204" pitchFamily="34" charset="-122"/>
-              </a:rPr>
-              <a:t>的有以下几</a:t>
-            </a:r>
-            <a:r>
-              <a:rPr lang="zh-CN" altLang="en-US" sz="1600" dirty="0">
-                <a:latin typeface="微软雅黑" panose="020B0503020204020204" pitchFamily="34" charset="-122"/>
-                <a:ea typeface="微软雅黑" panose="020B0503020204020204" pitchFamily="34" charset="-122"/>
-              </a:rPr>
-              <a:t>个</a:t>
-            </a:r>
-            <a:r>
-              <a:rPr lang="en-US" altLang="zh-CN" sz="1600" dirty="0">
-                <a:latin typeface="微软雅黑" panose="020B0503020204020204" pitchFamily="34" charset="-122"/>
-                <a:ea typeface="微软雅黑" panose="020B0503020204020204" pitchFamily="34" charset="-122"/>
-              </a:rPr>
-              <a:t>:</a:t>
-            </a:r>
-            <a:endParaRPr lang="zh-CN" altLang="en-US" sz="1600" dirty="0">
-              <a:latin typeface="微软雅黑" panose="020B0503020204020204" pitchFamily="34" charset="-122"/>
-              <a:ea typeface="微软雅黑" panose="020B0503020204020204" pitchFamily="34" charset="-122"/>
-            </a:endParaRPr>
-          </a:p>
-          <a:p>
-            <a:pPr>
-              <a:lnSpc>
-                <a:spcPct val="130000"/>
-              </a:lnSpc>
-            </a:pPr>
-            <a:r>
-              <a:rPr lang="zh-CN" altLang="en-US" sz="1600" dirty="0">
-                <a:latin typeface="微软雅黑" panose="020B0503020204020204" pitchFamily="34" charset="-122"/>
-                <a:ea typeface="微软雅黑" panose="020B0503020204020204" pitchFamily="34" charset="-122"/>
-              </a:rPr>
-              <a:t> </a:t>
-            </a:r>
-            <a:r>
-              <a:rPr lang="en-US" altLang="zh-CN" sz="1600" dirty="0">
-                <a:latin typeface="微软雅黑" panose="020B0503020204020204" pitchFamily="34" charset="-122"/>
-                <a:ea typeface="微软雅黑" panose="020B0503020204020204" pitchFamily="34" charset="-122"/>
-              </a:rPr>
-              <a:t>1.</a:t>
-            </a:r>
-            <a:r>
-              <a:rPr lang="zh-CN" altLang="en-US" sz="1600" dirty="0">
-                <a:latin typeface="微软雅黑" panose="020B0503020204020204" pitchFamily="34" charset="-122"/>
-                <a:ea typeface="微软雅黑" panose="020B0503020204020204" pitchFamily="34" charset="-122"/>
-              </a:rPr>
-              <a:t>医学辞典</a:t>
-            </a:r>
-            <a:r>
-              <a:rPr lang="en-US" altLang="zh-CN" sz="1600" dirty="0">
-                <a:latin typeface="微软雅黑" panose="020B0503020204020204" pitchFamily="34" charset="-122"/>
-                <a:ea typeface="微软雅黑" panose="020B0503020204020204" pitchFamily="34" charset="-122"/>
-              </a:rPr>
-              <a:t>;</a:t>
-            </a:r>
-            <a:endParaRPr lang="zh-CN" altLang="en-US" sz="1600" dirty="0">
-              <a:latin typeface="微软雅黑" panose="020B0503020204020204" pitchFamily="34" charset="-122"/>
-              <a:ea typeface="微软雅黑" panose="020B0503020204020204" pitchFamily="34" charset="-122"/>
-            </a:endParaRPr>
-          </a:p>
-          <a:p>
-            <a:pPr>
-              <a:lnSpc>
-                <a:spcPct val="130000"/>
-              </a:lnSpc>
-            </a:pPr>
-            <a:r>
-              <a:rPr lang="en-US" altLang="zh-CN" sz="1600" dirty="0">
-                <a:latin typeface="微软雅黑" panose="020B0503020204020204" pitchFamily="34" charset="-122"/>
-                <a:ea typeface="微软雅黑" panose="020B0503020204020204" pitchFamily="34" charset="-122"/>
-              </a:rPr>
-              <a:t> </a:t>
-            </a:r>
-            <a:r>
-              <a:rPr lang="en-US" altLang="zh-CN" sz="1600" dirty="0">
-                <a:latin typeface="微软雅黑" panose="020B0503020204020204" pitchFamily="34" charset="-122"/>
-                <a:ea typeface="微软雅黑" panose="020B0503020204020204" pitchFamily="34" charset="-122"/>
-              </a:rPr>
-              <a:t>2.</a:t>
-            </a:r>
-            <a:r>
-              <a:rPr lang="zh-CN" altLang="en-US" sz="1600" dirty="0">
-                <a:latin typeface="微软雅黑" panose="020B0503020204020204" pitchFamily="34" charset="-122"/>
-                <a:ea typeface="微软雅黑" panose="020B0503020204020204" pitchFamily="34" charset="-122"/>
-              </a:rPr>
-              <a:t>医药学大词典</a:t>
-            </a:r>
-            <a:r>
-              <a:rPr lang="en-US" altLang="zh-CN" sz="1600" dirty="0">
-                <a:latin typeface="微软雅黑" panose="020B0503020204020204" pitchFamily="34" charset="-122"/>
-                <a:ea typeface="微软雅黑" panose="020B0503020204020204" pitchFamily="34" charset="-122"/>
-              </a:rPr>
-              <a:t>;</a:t>
-            </a:r>
-            <a:endParaRPr lang="zh-CN" altLang="en-US" sz="1600" dirty="0">
-              <a:latin typeface="微软雅黑" panose="020B0503020204020204" pitchFamily="34" charset="-122"/>
-              <a:ea typeface="微软雅黑" panose="020B0503020204020204" pitchFamily="34" charset="-122"/>
-            </a:endParaRPr>
-          </a:p>
-          <a:p>
-            <a:pPr>
-              <a:lnSpc>
-                <a:spcPct val="130000"/>
-              </a:lnSpc>
-            </a:pPr>
-            <a:r>
-              <a:rPr lang="en-US" altLang="zh-CN" sz="1600" dirty="0">
-                <a:latin typeface="微软雅黑" panose="020B0503020204020204" pitchFamily="34" charset="-122"/>
-                <a:ea typeface="微软雅黑" panose="020B0503020204020204" pitchFamily="34" charset="-122"/>
-              </a:rPr>
-              <a:t> </a:t>
-            </a:r>
-            <a:r>
-              <a:rPr lang="en-US" altLang="zh-CN" sz="1600" dirty="0">
-                <a:latin typeface="微软雅黑" panose="020B0503020204020204" pitchFamily="34" charset="-122"/>
-                <a:ea typeface="微软雅黑" panose="020B0503020204020204" pitchFamily="34" charset="-122"/>
-              </a:rPr>
-              <a:t>3.</a:t>
-            </a:r>
-            <a:r>
-              <a:rPr lang="zh-CN" altLang="en-US" sz="1600" dirty="0">
-                <a:latin typeface="微软雅黑" panose="020B0503020204020204" pitchFamily="34" charset="-122"/>
-                <a:ea typeface="微软雅黑" panose="020B0503020204020204" pitchFamily="34" charset="-122"/>
-              </a:rPr>
-              <a:t>外教社医学词汇手册</a:t>
-            </a:r>
-            <a:r>
-              <a:rPr lang="en-US" altLang="zh-CN" sz="1600" dirty="0">
-                <a:latin typeface="微软雅黑" panose="020B0503020204020204" pitchFamily="34" charset="-122"/>
-                <a:ea typeface="微软雅黑" panose="020B0503020204020204" pitchFamily="34" charset="-122"/>
-              </a:rPr>
-              <a:t>; </a:t>
-            </a:r>
-            <a:endParaRPr lang="zh-CN" altLang="en-US" sz="1600" dirty="0">
-              <a:latin typeface="微软雅黑" panose="020B0503020204020204" pitchFamily="34" charset="-122"/>
-              <a:ea typeface="微软雅黑" panose="020B0503020204020204" pitchFamily="34" charset="-122"/>
-            </a:endParaRPr>
-          </a:p>
-          <a:p>
-            <a:pPr>
-              <a:lnSpc>
-                <a:spcPct val="130000"/>
-              </a:lnSpc>
-            </a:pPr>
-            <a:r>
-              <a:rPr lang="zh-CN" altLang="en-US" sz="1600" dirty="0">
-                <a:latin typeface="微软雅黑" panose="020B0503020204020204" pitchFamily="34" charset="-122"/>
-                <a:ea typeface="微软雅黑" panose="020B0503020204020204" pitchFamily="34" charset="-122"/>
-              </a:rPr>
-              <a:t> </a:t>
-            </a:r>
-            <a:r>
-              <a:rPr lang="en-US" altLang="zh-CN" sz="1600" dirty="0">
-                <a:latin typeface="微软雅黑" panose="020B0503020204020204" pitchFamily="34" charset="-122"/>
-                <a:ea typeface="微软雅黑" panose="020B0503020204020204" pitchFamily="34" charset="-122"/>
-              </a:rPr>
-              <a:t>4</a:t>
-            </a:r>
-            <a:r>
-              <a:rPr lang="en-US" altLang="zh-CN" sz="1600" dirty="0">
-                <a:latin typeface="微软雅黑" panose="020B0503020204020204" pitchFamily="34" charset="-122"/>
-                <a:ea typeface="微软雅黑" panose="020B0503020204020204" pitchFamily="34" charset="-122"/>
-              </a:rPr>
-              <a:t>.</a:t>
-            </a:r>
-            <a:r>
-              <a:rPr lang="zh-CN" altLang="en-US" sz="1600" dirty="0">
-                <a:latin typeface="微软雅黑" panose="020B0503020204020204" pitchFamily="34" charset="-122"/>
-                <a:ea typeface="微软雅黑" panose="020B0503020204020204" pitchFamily="34" charset="-122"/>
-              </a:rPr>
-              <a:t>道兰氏图解医学词典</a:t>
-            </a:r>
-            <a:r>
-              <a:rPr lang="en-US" altLang="zh-CN" sz="1600" dirty="0">
-                <a:latin typeface="微软雅黑" panose="020B0503020204020204" pitchFamily="34" charset="-122"/>
-                <a:ea typeface="微软雅黑" panose="020B0503020204020204" pitchFamily="34" charset="-122"/>
-              </a:rPr>
-              <a:t>; </a:t>
-            </a:r>
-            <a:endParaRPr lang="zh-CN" altLang="en-US" sz="1600" dirty="0">
-              <a:latin typeface="微软雅黑" panose="020B0503020204020204" pitchFamily="34" charset="-122"/>
-              <a:ea typeface="微软雅黑" panose="020B0503020204020204" pitchFamily="34" charset="-122"/>
-            </a:endParaRPr>
-          </a:p>
-          <a:p>
-            <a:pPr>
-              <a:lnSpc>
-                <a:spcPct val="130000"/>
-              </a:lnSpc>
-            </a:pPr>
-            <a:r>
-              <a:rPr lang="zh-CN" altLang="en-US" sz="1600" dirty="0">
-                <a:latin typeface="微软雅黑" panose="020B0503020204020204" pitchFamily="34" charset="-122"/>
-                <a:ea typeface="微软雅黑" panose="020B0503020204020204" pitchFamily="34" charset="-122"/>
-              </a:rPr>
-              <a:t> </a:t>
-            </a:r>
-            <a:r>
-              <a:rPr lang="en-US" altLang="zh-CN" sz="1600" dirty="0">
-                <a:latin typeface="微软雅黑" panose="020B0503020204020204" pitchFamily="34" charset="-122"/>
-                <a:ea typeface="微软雅黑" panose="020B0503020204020204" pitchFamily="34" charset="-122"/>
-              </a:rPr>
-              <a:t>5</a:t>
-            </a:r>
-            <a:r>
-              <a:rPr lang="en-US" altLang="zh-CN" sz="1600" dirty="0">
-                <a:latin typeface="微软雅黑" panose="020B0503020204020204" pitchFamily="34" charset="-122"/>
-                <a:ea typeface="微软雅黑" panose="020B0503020204020204" pitchFamily="34" charset="-122"/>
-              </a:rPr>
-              <a:t>.</a:t>
-            </a:r>
-            <a:r>
-              <a:rPr lang="zh-CN" altLang="en-US" sz="1600" dirty="0">
-                <a:latin typeface="微软雅黑" panose="020B0503020204020204" pitchFamily="34" charset="-122"/>
-                <a:ea typeface="微软雅黑" panose="020B0503020204020204" pitchFamily="34" charset="-122"/>
-              </a:rPr>
-              <a:t>牛津简明医学辞典</a:t>
-            </a:r>
-            <a:r>
-              <a:rPr lang="en-US" altLang="zh-CN" sz="1600" dirty="0">
-                <a:latin typeface="微软雅黑" panose="020B0503020204020204" pitchFamily="34" charset="-122"/>
-                <a:ea typeface="微软雅黑" panose="020B0503020204020204" pitchFamily="34" charset="-122"/>
-              </a:rPr>
-              <a:t>; </a:t>
-            </a:r>
-            <a:endParaRPr lang="zh-CN" altLang="en-US" sz="1600" dirty="0">
-              <a:latin typeface="微软雅黑" panose="020B0503020204020204" pitchFamily="34" charset="-122"/>
-              <a:ea typeface="微软雅黑" panose="020B0503020204020204" pitchFamily="34" charset="-122"/>
-            </a:endParaRPr>
-          </a:p>
-          <a:p>
-            <a:pPr>
-              <a:lnSpc>
-                <a:spcPct val="130000"/>
-              </a:lnSpc>
-            </a:pPr>
-            <a:r>
-              <a:rPr lang="zh-CN" altLang="en-US" sz="1600" dirty="0" smtClean="0">
-                <a:latin typeface="微软雅黑" panose="020B0503020204020204" pitchFamily="34" charset="-122"/>
-                <a:ea typeface="微软雅黑" panose="020B0503020204020204" pitchFamily="34" charset="-122"/>
-              </a:rPr>
-              <a:t> </a:t>
-            </a:r>
-            <a:r>
-              <a:rPr lang="en-US" altLang="zh-CN" sz="1600" dirty="0" smtClean="0">
-                <a:latin typeface="微软雅黑" panose="020B0503020204020204" pitchFamily="34" charset="-122"/>
-                <a:ea typeface="微软雅黑" panose="020B0503020204020204" pitchFamily="34" charset="-122"/>
-              </a:rPr>
-              <a:t>6</a:t>
-            </a:r>
-            <a:r>
-              <a:rPr lang="en-US" altLang="zh-CN" sz="1600" dirty="0">
-                <a:latin typeface="微软雅黑" panose="020B0503020204020204" pitchFamily="34" charset="-122"/>
-                <a:ea typeface="微软雅黑" panose="020B0503020204020204" pitchFamily="34" charset="-122"/>
-              </a:rPr>
-              <a:t>.</a:t>
-            </a:r>
-            <a:r>
-              <a:rPr lang="zh-CN" altLang="en-US" sz="1600" dirty="0">
-                <a:latin typeface="微软雅黑" panose="020B0503020204020204" pitchFamily="34" charset="-122"/>
-                <a:ea typeface="微软雅黑" panose="020B0503020204020204" pitchFamily="34" charset="-122"/>
-              </a:rPr>
-              <a:t>湘雅医药学大词典</a:t>
-            </a:r>
-            <a:endParaRPr lang="en-US" sz="1600" dirty="0">
-              <a:latin typeface="微软雅黑" panose="020B0503020204020204" pitchFamily="34" charset="-122"/>
-              <a:ea typeface="微软雅黑" panose="020B0503020204020204" pitchFamily="34" charset="-122"/>
-            </a:endParaRPr>
-          </a:p>
-        </p:txBody>
-      </p:sp>
     </p:spTree>
     <p:extLst>
       <p:ext uri="{BB962C8B-B14F-4D97-AF65-F5344CB8AC3E}">
@@ -39205,7 +38488,7 @@
           <p:cNvPr id="4" name="椭圆 3">
             <a:extLst>
               <a:ext uri="{FF2B5EF4-FFF2-40B4-BE49-F238E27FC236}">
-                <a16:creationId xmlns:a16="http://schemas.microsoft.com/office/drawing/2014/main" xmlns="" id="{8D2B5B3F-3CB5-42B7-BBDF-D12156F91010}"/>
+                <a16:creationId xmlns:a16="http://schemas.microsoft.com/office/drawing/2014/main" id="{8D2B5B3F-3CB5-42B7-BBDF-D12156F91010}"/>
               </a:ext>
             </a:extLst>
           </p:cNvPr>
@@ -39286,7 +38569,7 @@
           <p:cNvPr id="7" name="文本框 6">
             <a:extLst>
               <a:ext uri="{FF2B5EF4-FFF2-40B4-BE49-F238E27FC236}">
-                <a16:creationId xmlns:a16="http://schemas.microsoft.com/office/drawing/2014/main" xmlns="" id="{379ECFDC-06CB-48E6-8748-DBF7CA915365}"/>
+                <a16:creationId xmlns:a16="http://schemas.microsoft.com/office/drawing/2014/main" id="{379ECFDC-06CB-48E6-8748-DBF7CA915365}"/>
               </a:ext>
             </a:extLst>
           </p:cNvPr>
@@ -39351,7 +38634,7 @@
           <p:cNvPr id="9" name="椭圆 8">
             <a:extLst>
               <a:ext uri="{FF2B5EF4-FFF2-40B4-BE49-F238E27FC236}">
-                <a16:creationId xmlns:a16="http://schemas.microsoft.com/office/drawing/2014/main" xmlns="" id="{62AD7252-080D-445E-9D18-19ACC6A0906E}"/>
+                <a16:creationId xmlns:a16="http://schemas.microsoft.com/office/drawing/2014/main" id="{62AD7252-080D-445E-9D18-19ACC6A0906E}"/>
               </a:ext>
             </a:extLst>
           </p:cNvPr>
@@ -39432,7 +38715,7 @@
           <p:cNvPr id="12" name="文本框 11">
             <a:extLst>
               <a:ext uri="{FF2B5EF4-FFF2-40B4-BE49-F238E27FC236}">
-                <a16:creationId xmlns:a16="http://schemas.microsoft.com/office/drawing/2014/main" xmlns="" id="{642799FD-76FA-420D-9286-AD4AC1DF402E}"/>
+                <a16:creationId xmlns:a16="http://schemas.microsoft.com/office/drawing/2014/main" id="{642799FD-76FA-420D-9286-AD4AC1DF402E}"/>
               </a:ext>
             </a:extLst>
           </p:cNvPr>
@@ -39903,23 +39186,6 @@
               <a:tabLst/>
               <a:defRPr/>
             </a:pPr>
-            <a:r>
-              <a:rPr kumimoji="0" lang="zh-CN" altLang="en-US" sz="2800" b="0" i="0" u="none" strike="noStrike" kern="1200" cap="none" spc="0" normalizeH="0" baseline="0" noProof="0" dirty="0">
-                <a:ln>
-                  <a:noFill/>
-                </a:ln>
-                <a:solidFill>
-                  <a:prstClr val="black"/>
-                </a:solidFill>
-                <a:effectLst/>
-                <a:uLnTx/>
-                <a:uFillTx/>
-                <a:latin typeface="Calibri"/>
-                <a:ea typeface="宋体" panose="02010600030101010101" pitchFamily="2" charset="-122"/>
-                <a:cs typeface="+mn-cs"/>
-              </a:rPr>
-              <a:t/>
-            </a:r>
             <a:br>
               <a:rPr kumimoji="0" lang="zh-CN" altLang="en-US" sz="2800" b="0" i="0" u="none" strike="noStrike" kern="1200" cap="none" spc="0" normalizeH="0" baseline="0" noProof="0" dirty="0">
                 <a:ln>
@@ -39958,7 +39224,7 @@
           <p:cNvPr id="6" name="图片 5">
             <a:extLst>
               <a:ext uri="{FF2B5EF4-FFF2-40B4-BE49-F238E27FC236}">
-                <a16:creationId xmlns:a16="http://schemas.microsoft.com/office/drawing/2014/main" xmlns="" id="{8F1D9C09-DA1F-4402-9237-745A1C5FA43B}"/>
+                <a16:creationId xmlns:a16="http://schemas.microsoft.com/office/drawing/2014/main" id="{8F1D9C09-DA1F-4402-9237-745A1C5FA43B}"/>
               </a:ext>
             </a:extLst>
           </p:cNvPr>
@@ -39994,7 +39260,7 @@
           <p:cNvPr id="10" name="图片 9">
             <a:extLst>
               <a:ext uri="{FF2B5EF4-FFF2-40B4-BE49-F238E27FC236}">
-                <a16:creationId xmlns:a16="http://schemas.microsoft.com/office/drawing/2014/main" xmlns="" id="{ACD17D9B-18E0-4725-9596-B3ADD3709D47}"/>
+                <a16:creationId xmlns:a16="http://schemas.microsoft.com/office/drawing/2014/main" id="{ACD17D9B-18E0-4725-9596-B3ADD3709D47}"/>
               </a:ext>
             </a:extLst>
           </p:cNvPr>
@@ -40030,7 +39296,7 @@
           <p:cNvPr id="2" name="矩形 1">
             <a:extLst>
               <a:ext uri="{FF2B5EF4-FFF2-40B4-BE49-F238E27FC236}">
-                <a16:creationId xmlns:a16="http://schemas.microsoft.com/office/drawing/2014/main" xmlns="" id="{03FE93DB-D0C7-427B-8A95-EFBEC4CEA5EA}"/>
+                <a16:creationId xmlns:a16="http://schemas.microsoft.com/office/drawing/2014/main" id="{03FE93DB-D0C7-427B-8A95-EFBEC4CEA5EA}"/>
               </a:ext>
             </a:extLst>
           </p:cNvPr>
@@ -40620,7 +39886,7 @@
           <p:cNvPr id="5" name="矩形 4">
             <a:extLst>
               <a:ext uri="{FF2B5EF4-FFF2-40B4-BE49-F238E27FC236}">
-                <a16:creationId xmlns:a16="http://schemas.microsoft.com/office/drawing/2014/main" xmlns="" id="{F384C8E3-3405-48EE-BD9A-87083A5443CC}"/>
+                <a16:creationId xmlns:a16="http://schemas.microsoft.com/office/drawing/2014/main" id="{F384C8E3-3405-48EE-BD9A-87083A5443CC}"/>
               </a:ext>
             </a:extLst>
           </p:cNvPr>
@@ -40672,7 +39938,7 @@
           <p:cNvPr id="4" name="图片 3">
             <a:extLst>
               <a:ext uri="{FF2B5EF4-FFF2-40B4-BE49-F238E27FC236}">
-                <a16:creationId xmlns:a16="http://schemas.microsoft.com/office/drawing/2014/main" xmlns="" id="{39239570-43B6-43A9-9B2E-6A907167C9E0}"/>
+                <a16:creationId xmlns:a16="http://schemas.microsoft.com/office/drawing/2014/main" id="{39239570-43B6-43A9-9B2E-6A907167C9E0}"/>
               </a:ext>
             </a:extLst>
           </p:cNvPr>
@@ -40702,7 +39968,7 @@
           <p:cNvPr id="7" name="图片 6">
             <a:extLst>
               <a:ext uri="{FF2B5EF4-FFF2-40B4-BE49-F238E27FC236}">
-                <a16:creationId xmlns:a16="http://schemas.microsoft.com/office/drawing/2014/main" xmlns="" id="{FEF6F4B4-C280-4A50-872E-64A42CBA95E0}"/>
+                <a16:creationId xmlns:a16="http://schemas.microsoft.com/office/drawing/2014/main" id="{FEF6F4B4-C280-4A50-872E-64A42CBA95E0}"/>
               </a:ext>
             </a:extLst>
           </p:cNvPr>
@@ -40738,7 +40004,7 @@
           <p:cNvPr id="12" name="文本框 11">
             <a:extLst>
               <a:ext uri="{FF2B5EF4-FFF2-40B4-BE49-F238E27FC236}">
-                <a16:creationId xmlns:a16="http://schemas.microsoft.com/office/drawing/2014/main" xmlns="" id="{65B038FA-DAFF-44E4-92A4-E8CFDA779233}"/>
+                <a16:creationId xmlns:a16="http://schemas.microsoft.com/office/drawing/2014/main" id="{65B038FA-DAFF-44E4-92A4-E8CFDA779233}"/>
               </a:ext>
             </a:extLst>
           </p:cNvPr>
@@ -40940,7 +40206,7 @@
           <p:cNvPr id="2" name="矩形 1">
             <a:extLst>
               <a:ext uri="{FF2B5EF4-FFF2-40B4-BE49-F238E27FC236}">
-                <a16:creationId xmlns:a16="http://schemas.microsoft.com/office/drawing/2014/main" xmlns="" id="{61F8065C-AD27-4FF6-BBFE-33209836471B}"/>
+                <a16:creationId xmlns:a16="http://schemas.microsoft.com/office/drawing/2014/main" id="{61F8065C-AD27-4FF6-BBFE-33209836471B}"/>
               </a:ext>
             </a:extLst>
           </p:cNvPr>
@@ -41162,7 +40428,7 @@
           <p:cNvPr id="4" name="图片 3">
             <a:extLst>
               <a:ext uri="{FF2B5EF4-FFF2-40B4-BE49-F238E27FC236}">
-                <a16:creationId xmlns:a16="http://schemas.microsoft.com/office/drawing/2014/main" xmlns="" id="{0D3BEF45-3252-4088-BE97-63D31C51F24F}"/>
+                <a16:creationId xmlns:a16="http://schemas.microsoft.com/office/drawing/2014/main" id="{0D3BEF45-3252-4088-BE97-63D31C51F24F}"/>
               </a:ext>
             </a:extLst>
           </p:cNvPr>
@@ -41192,7 +40458,7 @@
           <p:cNvPr id="5" name="Rectangle 12">
             <a:extLst>
               <a:ext uri="{FF2B5EF4-FFF2-40B4-BE49-F238E27FC236}">
-                <a16:creationId xmlns:a16="http://schemas.microsoft.com/office/drawing/2014/main" xmlns="" id="{1B1F0133-CBA4-4A29-8DB2-B8B994A4C7B9}"/>
+                <a16:creationId xmlns:a16="http://schemas.microsoft.com/office/drawing/2014/main" id="{1B1F0133-CBA4-4A29-8DB2-B8B994A4C7B9}"/>
               </a:ext>
             </a:extLst>
           </p:cNvPr>

--- a/电子词典需求分析.pptx
+++ b/电子词典需求分析.pptx
@@ -141,7 +141,7 @@
   </p:defaultTextStyle>
   <p:extLst>
     <p:ext uri="{EFAFB233-063F-42B5-8137-9DF3F51BA10A}">
-      <p15:sldGuideLst xmlns:p15="http://schemas.microsoft.com/office/powerpoint/2012/main" xmlns="">
+      <p15:sldGuideLst xmlns="" xmlns:p15="http://schemas.microsoft.com/office/powerpoint/2012/main">
         <p15:guide id="1" orient="horz" pos="1502" userDrawn="1">
           <p15:clr>
             <a:srgbClr val="A4A3A4"/>
@@ -4058,7 +4058,7 @@
           <p:cNvPr id="6" name="Rounded Rectangle 12">
             <a:extLst>
               <a:ext uri="{FF2B5EF4-FFF2-40B4-BE49-F238E27FC236}">
-                <a16:creationId xmlns:a16="http://schemas.microsoft.com/office/drawing/2014/main" xmlns="" id="{E6FD45EB-4B3B-4DD8-A910-EDA5C8EB7707}"/>
+                <a16:creationId xmlns="" xmlns:a16="http://schemas.microsoft.com/office/drawing/2014/main" id="{E6FD45EB-4B3B-4DD8-A910-EDA5C8EB7707}"/>
               </a:ext>
             </a:extLst>
           </p:cNvPr>
@@ -4128,7 +4128,7 @@
           <p:cNvPr id="7" name="Rounded Rectangle 16">
             <a:extLst>
               <a:ext uri="{FF2B5EF4-FFF2-40B4-BE49-F238E27FC236}">
-                <a16:creationId xmlns:a16="http://schemas.microsoft.com/office/drawing/2014/main" xmlns="" id="{4E284F8D-B632-4833-9BDA-C5CC6FBBFC2F}"/>
+                <a16:creationId xmlns="" xmlns:a16="http://schemas.microsoft.com/office/drawing/2014/main" id="{4E284F8D-B632-4833-9BDA-C5CC6FBBFC2F}"/>
               </a:ext>
             </a:extLst>
           </p:cNvPr>
@@ -4198,7 +4198,7 @@
           <p:cNvPr id="13" name="文本框 12">
             <a:extLst>
               <a:ext uri="{FF2B5EF4-FFF2-40B4-BE49-F238E27FC236}">
-                <a16:creationId xmlns:a16="http://schemas.microsoft.com/office/drawing/2014/main" xmlns="" id="{99A86963-B1B8-4349-AAE8-E18C812A6C5A}"/>
+                <a16:creationId xmlns="" xmlns:a16="http://schemas.microsoft.com/office/drawing/2014/main" id="{99A86963-B1B8-4349-AAE8-E18C812A6C5A}"/>
               </a:ext>
             </a:extLst>
           </p:cNvPr>
@@ -4255,7 +4255,7 @@
           <p:cNvPr id="14" name="矩形 13">
             <a:extLst>
               <a:ext uri="{FF2B5EF4-FFF2-40B4-BE49-F238E27FC236}">
-                <a16:creationId xmlns:a16="http://schemas.microsoft.com/office/drawing/2014/main" xmlns="" id="{3A33F266-8553-485A-86D9-E9E07B77F2D6}"/>
+                <a16:creationId xmlns="" xmlns:a16="http://schemas.microsoft.com/office/drawing/2014/main" id="{3A33F266-8553-485A-86D9-E9E07B77F2D6}"/>
               </a:ext>
             </a:extLst>
           </p:cNvPr>
@@ -4299,7 +4299,7 @@
           <p:cNvPr id="16" name="矩形 15">
             <a:extLst>
               <a:ext uri="{FF2B5EF4-FFF2-40B4-BE49-F238E27FC236}">
-                <a16:creationId xmlns:a16="http://schemas.microsoft.com/office/drawing/2014/main" xmlns="" id="{C619AE70-C8E5-4169-8061-82946C8F8782}"/>
+                <a16:creationId xmlns="" xmlns:a16="http://schemas.microsoft.com/office/drawing/2014/main" id="{C619AE70-C8E5-4169-8061-82946C8F8782}"/>
               </a:ext>
             </a:extLst>
           </p:cNvPr>
@@ -5968,7 +5968,7 @@
           <p:cNvPr id="4" name="矩形: 圆角 3">
             <a:extLst>
               <a:ext uri="{FF2B5EF4-FFF2-40B4-BE49-F238E27FC236}">
-                <a16:creationId xmlns:a16="http://schemas.microsoft.com/office/drawing/2014/main" xmlns="" id="{413DA64A-DFE6-4C8E-8C8C-CB685A248235}"/>
+                <a16:creationId xmlns="" xmlns:a16="http://schemas.microsoft.com/office/drawing/2014/main" id="{413DA64A-DFE6-4C8E-8C8C-CB685A248235}"/>
               </a:ext>
             </a:extLst>
           </p:cNvPr>
@@ -6024,7 +6024,7 @@
           <p:cNvPr id="6" name="Rectangle 1">
             <a:extLst>
               <a:ext uri="{FF2B5EF4-FFF2-40B4-BE49-F238E27FC236}">
-                <a16:creationId xmlns:a16="http://schemas.microsoft.com/office/drawing/2014/main" xmlns="" id="{67851DDF-58F8-4FC1-976B-A9298F885374}"/>
+                <a16:creationId xmlns="" xmlns:a16="http://schemas.microsoft.com/office/drawing/2014/main" id="{67851DDF-58F8-4FC1-976B-A9298F885374}"/>
               </a:ext>
             </a:extLst>
           </p:cNvPr>
@@ -6311,7 +6311,7 @@
           <p:cNvPr id="7" name="文本框 6">
             <a:extLst>
               <a:ext uri="{FF2B5EF4-FFF2-40B4-BE49-F238E27FC236}">
-                <a16:creationId xmlns:a16="http://schemas.microsoft.com/office/drawing/2014/main" xmlns="" id="{8AB5E823-CBEE-492B-81A1-EBF6FAC24438}"/>
+                <a16:creationId xmlns="" xmlns:a16="http://schemas.microsoft.com/office/drawing/2014/main" id="{8AB5E823-CBEE-492B-81A1-EBF6FAC24438}"/>
               </a:ext>
             </a:extLst>
           </p:cNvPr>
@@ -20404,7 +20404,7 @@
           <p:cNvPr id="58" name="文本框 57">
             <a:extLst>
               <a:ext uri="{FF2B5EF4-FFF2-40B4-BE49-F238E27FC236}">
-                <a16:creationId xmlns:a16="http://schemas.microsoft.com/office/drawing/2014/main" xmlns="" id="{CA25C765-3360-4F62-944D-CE9911A527C5}"/>
+                <a16:creationId xmlns="" xmlns:a16="http://schemas.microsoft.com/office/drawing/2014/main" id="{CA25C765-3360-4F62-944D-CE9911A527C5}"/>
               </a:ext>
             </a:extLst>
           </p:cNvPr>
@@ -22622,7 +22622,7 @@
           <p:cNvPr id="34" name="Rectangle 12">
             <a:extLst>
               <a:ext uri="{FF2B5EF4-FFF2-40B4-BE49-F238E27FC236}">
-                <a16:creationId xmlns:a16="http://schemas.microsoft.com/office/drawing/2014/main" xmlns="" id="{F7876CFB-5C00-4B8B-944D-91E0146C608C}"/>
+                <a16:creationId xmlns="" xmlns:a16="http://schemas.microsoft.com/office/drawing/2014/main" id="{F7876CFB-5C00-4B8B-944D-91E0146C608C}"/>
               </a:ext>
             </a:extLst>
           </p:cNvPr>
@@ -27236,7 +27236,7 @@
           <p:cNvPr id="11" name="组合 10">
             <a:extLst>
               <a:ext uri="{FF2B5EF4-FFF2-40B4-BE49-F238E27FC236}">
-                <a16:creationId xmlns:a16="http://schemas.microsoft.com/office/drawing/2014/main" xmlns="" id="{AF102071-4EB0-4C8F-ACE5-A6CB18278323}"/>
+                <a16:creationId xmlns="" xmlns:a16="http://schemas.microsoft.com/office/drawing/2014/main" id="{AF102071-4EB0-4C8F-ACE5-A6CB18278323}"/>
               </a:ext>
             </a:extLst>
           </p:cNvPr>
@@ -27565,7 +27565,7 @@
           <p:cNvPr id="13" name="组合 12">
             <a:extLst>
               <a:ext uri="{FF2B5EF4-FFF2-40B4-BE49-F238E27FC236}">
-                <a16:creationId xmlns:a16="http://schemas.microsoft.com/office/drawing/2014/main" xmlns="" id="{1207D76C-BF37-4F01-B8BB-FE57B607A375}"/>
+                <a16:creationId xmlns="" xmlns:a16="http://schemas.microsoft.com/office/drawing/2014/main" id="{1207D76C-BF37-4F01-B8BB-FE57B607A375}"/>
               </a:ext>
             </a:extLst>
           </p:cNvPr>
@@ -31048,7 +31048,7 @@
           <p:cNvPr id="6" name="Rounded Rectangle 12">
             <a:extLst>
               <a:ext uri="{FF2B5EF4-FFF2-40B4-BE49-F238E27FC236}">
-                <a16:creationId xmlns:a16="http://schemas.microsoft.com/office/drawing/2014/main" xmlns="" id="{E6FD45EB-4B3B-4DD8-A910-EDA5C8EB7707}"/>
+                <a16:creationId xmlns="" xmlns:a16="http://schemas.microsoft.com/office/drawing/2014/main" id="{E6FD45EB-4B3B-4DD8-A910-EDA5C8EB7707}"/>
               </a:ext>
             </a:extLst>
           </p:cNvPr>
@@ -31111,7 +31111,7 @@
           <p:cNvPr id="7" name="Rounded Rectangle 16">
             <a:extLst>
               <a:ext uri="{FF2B5EF4-FFF2-40B4-BE49-F238E27FC236}">
-                <a16:creationId xmlns:a16="http://schemas.microsoft.com/office/drawing/2014/main" xmlns="" id="{4E284F8D-B632-4833-9BDA-C5CC6FBBFC2F}"/>
+                <a16:creationId xmlns="" xmlns:a16="http://schemas.microsoft.com/office/drawing/2014/main" id="{4E284F8D-B632-4833-9BDA-C5CC6FBBFC2F}"/>
               </a:ext>
             </a:extLst>
           </p:cNvPr>
@@ -31174,7 +31174,7 @@
           <p:cNvPr id="9" name="文本框 8">
             <a:extLst>
               <a:ext uri="{FF2B5EF4-FFF2-40B4-BE49-F238E27FC236}">
-                <a16:creationId xmlns:a16="http://schemas.microsoft.com/office/drawing/2014/main" xmlns="" id="{D94569BB-535D-4D52-8D4F-1F9923A08119}"/>
+                <a16:creationId xmlns="" xmlns:a16="http://schemas.microsoft.com/office/drawing/2014/main" id="{D94569BB-535D-4D52-8D4F-1F9923A08119}"/>
               </a:ext>
             </a:extLst>
           </p:cNvPr>
@@ -31331,7 +31331,7 @@
           <p:cNvPr id="11" name="文本框 10">
             <a:extLst>
               <a:ext uri="{FF2B5EF4-FFF2-40B4-BE49-F238E27FC236}">
-                <a16:creationId xmlns:a16="http://schemas.microsoft.com/office/drawing/2014/main" xmlns="" id="{23E09859-6C96-41D8-8401-3AAF912A453A}"/>
+                <a16:creationId xmlns="" xmlns:a16="http://schemas.microsoft.com/office/drawing/2014/main" id="{23E09859-6C96-41D8-8401-3AAF912A453A}"/>
               </a:ext>
             </a:extLst>
           </p:cNvPr>
@@ -31488,7 +31488,7 @@
           <p:cNvPr id="13" name="文本框 12">
             <a:extLst>
               <a:ext uri="{FF2B5EF4-FFF2-40B4-BE49-F238E27FC236}">
-                <a16:creationId xmlns:a16="http://schemas.microsoft.com/office/drawing/2014/main" xmlns="" id="{99A86963-B1B8-4349-AAE8-E18C812A6C5A}"/>
+                <a16:creationId xmlns="" xmlns:a16="http://schemas.microsoft.com/office/drawing/2014/main" id="{99A86963-B1B8-4349-AAE8-E18C812A6C5A}"/>
               </a:ext>
             </a:extLst>
           </p:cNvPr>
@@ -31545,7 +31545,7 @@
           <p:cNvPr id="14" name="矩形 13">
             <a:extLst>
               <a:ext uri="{FF2B5EF4-FFF2-40B4-BE49-F238E27FC236}">
-                <a16:creationId xmlns:a16="http://schemas.microsoft.com/office/drawing/2014/main" xmlns="" id="{3A33F266-8553-485A-86D9-E9E07B77F2D6}"/>
+                <a16:creationId xmlns="" xmlns:a16="http://schemas.microsoft.com/office/drawing/2014/main" id="{3A33F266-8553-485A-86D9-E9E07B77F2D6}"/>
               </a:ext>
             </a:extLst>
           </p:cNvPr>
@@ -31579,7 +31579,7 @@
           <p:cNvPr id="16" name="矩形 15">
             <a:extLst>
               <a:ext uri="{FF2B5EF4-FFF2-40B4-BE49-F238E27FC236}">
-                <a16:creationId xmlns:a16="http://schemas.microsoft.com/office/drawing/2014/main" xmlns="" id="{C619AE70-C8E5-4169-8061-82946C8F8782}"/>
+                <a16:creationId xmlns="" xmlns:a16="http://schemas.microsoft.com/office/drawing/2014/main" id="{C619AE70-C8E5-4169-8061-82946C8F8782}"/>
               </a:ext>
             </a:extLst>
           </p:cNvPr>
@@ -31656,7 +31656,7 @@
           <p:cNvPr id="12" name="Rounded Rectangle 12">
             <a:extLst>
               <a:ext uri="{FF2B5EF4-FFF2-40B4-BE49-F238E27FC236}">
-                <a16:creationId xmlns:a16="http://schemas.microsoft.com/office/drawing/2014/main" xmlns="" id="{73BDC5C9-072C-4EDB-B3CA-BFBEACEFAD5E}"/>
+                <a16:creationId xmlns="" xmlns:a16="http://schemas.microsoft.com/office/drawing/2014/main" id="{73BDC5C9-072C-4EDB-B3CA-BFBEACEFAD5E}"/>
               </a:ext>
             </a:extLst>
           </p:cNvPr>
@@ -31720,7 +31720,7 @@
           <p:cNvPr id="15" name="文本框 14">
             <a:extLst>
               <a:ext uri="{FF2B5EF4-FFF2-40B4-BE49-F238E27FC236}">
-                <a16:creationId xmlns:a16="http://schemas.microsoft.com/office/drawing/2014/main" xmlns="" id="{C7C5E76A-5286-48C9-8883-95C90A40DCBD}"/>
+                <a16:creationId xmlns="" xmlns:a16="http://schemas.microsoft.com/office/drawing/2014/main" id="{C7C5E76A-5286-48C9-8883-95C90A40DCBD}"/>
               </a:ext>
             </a:extLst>
           </p:cNvPr>
@@ -31914,7 +31914,7 @@
           <p:cNvPr id="6" name="Rounded Rectangle 12">
             <a:extLst>
               <a:ext uri="{FF2B5EF4-FFF2-40B4-BE49-F238E27FC236}">
-                <a16:creationId xmlns:a16="http://schemas.microsoft.com/office/drawing/2014/main" xmlns="" id="{E6FD45EB-4B3B-4DD8-A910-EDA5C8EB7707}"/>
+                <a16:creationId xmlns="" xmlns:a16="http://schemas.microsoft.com/office/drawing/2014/main" id="{E6FD45EB-4B3B-4DD8-A910-EDA5C8EB7707}"/>
               </a:ext>
             </a:extLst>
           </p:cNvPr>
@@ -31977,7 +31977,7 @@
           <p:cNvPr id="7" name="Rounded Rectangle 16">
             <a:extLst>
               <a:ext uri="{FF2B5EF4-FFF2-40B4-BE49-F238E27FC236}">
-                <a16:creationId xmlns:a16="http://schemas.microsoft.com/office/drawing/2014/main" xmlns="" id="{4E284F8D-B632-4833-9BDA-C5CC6FBBFC2F}"/>
+                <a16:creationId xmlns="" xmlns:a16="http://schemas.microsoft.com/office/drawing/2014/main" id="{4E284F8D-B632-4833-9BDA-C5CC6FBBFC2F}"/>
               </a:ext>
             </a:extLst>
           </p:cNvPr>
@@ -32047,7 +32047,7 @@
           <p:cNvPr id="8" name="文本框 7">
             <a:extLst>
               <a:ext uri="{FF2B5EF4-FFF2-40B4-BE49-F238E27FC236}">
-                <a16:creationId xmlns:a16="http://schemas.microsoft.com/office/drawing/2014/main" xmlns="" id="{F9B4833B-9A8C-4FB8-B16C-F5D22E97BF2D}"/>
+                <a16:creationId xmlns="" xmlns:a16="http://schemas.microsoft.com/office/drawing/2014/main" id="{F9B4833B-9A8C-4FB8-B16C-F5D22E97BF2D}"/>
               </a:ext>
             </a:extLst>
           </p:cNvPr>
@@ -32215,7 +32215,7 @@
           <p:cNvPr id="10" name="文本框 9">
             <a:extLst>
               <a:ext uri="{FF2B5EF4-FFF2-40B4-BE49-F238E27FC236}">
-                <a16:creationId xmlns:a16="http://schemas.microsoft.com/office/drawing/2014/main" xmlns="" id="{36746D78-A16E-4069-9EBA-58DD2D39F13B}"/>
+                <a16:creationId xmlns="" xmlns:a16="http://schemas.microsoft.com/office/drawing/2014/main" id="{36746D78-A16E-4069-9EBA-58DD2D39F13B}"/>
               </a:ext>
             </a:extLst>
           </p:cNvPr>
@@ -32407,7 +32407,7 @@
           <p:cNvPr id="14" name="矩形 13">
             <a:extLst>
               <a:ext uri="{FF2B5EF4-FFF2-40B4-BE49-F238E27FC236}">
-                <a16:creationId xmlns:a16="http://schemas.microsoft.com/office/drawing/2014/main" xmlns="" id="{3A33F266-8553-485A-86D9-E9E07B77F2D6}"/>
+                <a16:creationId xmlns="" xmlns:a16="http://schemas.microsoft.com/office/drawing/2014/main" id="{3A33F266-8553-485A-86D9-E9E07B77F2D6}"/>
               </a:ext>
             </a:extLst>
           </p:cNvPr>
@@ -32441,7 +32441,7 @@
           <p:cNvPr id="16" name="矩形 15">
             <a:extLst>
               <a:ext uri="{FF2B5EF4-FFF2-40B4-BE49-F238E27FC236}">
-                <a16:creationId xmlns:a16="http://schemas.microsoft.com/office/drawing/2014/main" xmlns="" id="{C619AE70-C8E5-4169-8061-82946C8F8782}"/>
+                <a16:creationId xmlns="" xmlns:a16="http://schemas.microsoft.com/office/drawing/2014/main" id="{C619AE70-C8E5-4169-8061-82946C8F8782}"/>
               </a:ext>
             </a:extLst>
           </p:cNvPr>
@@ -32555,7 +32555,7 @@
           <p:cNvPr id="6" name="Rounded Rectangle 12">
             <a:extLst>
               <a:ext uri="{FF2B5EF4-FFF2-40B4-BE49-F238E27FC236}">
-                <a16:creationId xmlns:a16="http://schemas.microsoft.com/office/drawing/2014/main" xmlns="" id="{E6FD45EB-4B3B-4DD8-A910-EDA5C8EB7707}"/>
+                <a16:creationId xmlns="" xmlns:a16="http://schemas.microsoft.com/office/drawing/2014/main" id="{E6FD45EB-4B3B-4DD8-A910-EDA5C8EB7707}"/>
               </a:ext>
             </a:extLst>
           </p:cNvPr>
@@ -32614,7 +32614,7 @@
           <p:cNvPr id="7" name="Rounded Rectangle 16">
             <a:extLst>
               <a:ext uri="{FF2B5EF4-FFF2-40B4-BE49-F238E27FC236}">
-                <a16:creationId xmlns:a16="http://schemas.microsoft.com/office/drawing/2014/main" xmlns="" id="{4E284F8D-B632-4833-9BDA-C5CC6FBBFC2F}"/>
+                <a16:creationId xmlns="" xmlns:a16="http://schemas.microsoft.com/office/drawing/2014/main" id="{4E284F8D-B632-4833-9BDA-C5CC6FBBFC2F}"/>
               </a:ext>
             </a:extLst>
           </p:cNvPr>
@@ -32684,7 +32684,7 @@
           <p:cNvPr id="9" name="文本框 8">
             <a:extLst>
               <a:ext uri="{FF2B5EF4-FFF2-40B4-BE49-F238E27FC236}">
-                <a16:creationId xmlns:a16="http://schemas.microsoft.com/office/drawing/2014/main" xmlns="" id="{D94569BB-535D-4D52-8D4F-1F9923A08119}"/>
+                <a16:creationId xmlns="" xmlns:a16="http://schemas.microsoft.com/office/drawing/2014/main" id="{D94569BB-535D-4D52-8D4F-1F9923A08119}"/>
               </a:ext>
             </a:extLst>
           </p:cNvPr>
@@ -32819,7 +32819,7 @@
           <p:cNvPr id="10" name="文本框 9">
             <a:extLst>
               <a:ext uri="{FF2B5EF4-FFF2-40B4-BE49-F238E27FC236}">
-                <a16:creationId xmlns:a16="http://schemas.microsoft.com/office/drawing/2014/main" xmlns="" id="{36746D78-A16E-4069-9EBA-58DD2D39F13B}"/>
+                <a16:creationId xmlns="" xmlns:a16="http://schemas.microsoft.com/office/drawing/2014/main" id="{36746D78-A16E-4069-9EBA-58DD2D39F13B}"/>
               </a:ext>
             </a:extLst>
           </p:cNvPr>
@@ -32976,7 +32976,7 @@
           <p:cNvPr id="14" name="矩形 13">
             <a:extLst>
               <a:ext uri="{FF2B5EF4-FFF2-40B4-BE49-F238E27FC236}">
-                <a16:creationId xmlns:a16="http://schemas.microsoft.com/office/drawing/2014/main" xmlns="" id="{3A33F266-8553-485A-86D9-E9E07B77F2D6}"/>
+                <a16:creationId xmlns="" xmlns:a16="http://schemas.microsoft.com/office/drawing/2014/main" id="{3A33F266-8553-485A-86D9-E9E07B77F2D6}"/>
               </a:ext>
             </a:extLst>
           </p:cNvPr>
@@ -33010,7 +33010,7 @@
           <p:cNvPr id="16" name="矩形 15">
             <a:extLst>
               <a:ext uri="{FF2B5EF4-FFF2-40B4-BE49-F238E27FC236}">
-                <a16:creationId xmlns:a16="http://schemas.microsoft.com/office/drawing/2014/main" xmlns="" id="{C619AE70-C8E5-4169-8061-82946C8F8782}"/>
+                <a16:creationId xmlns="" xmlns:a16="http://schemas.microsoft.com/office/drawing/2014/main" id="{C619AE70-C8E5-4169-8061-82946C8F8782}"/>
               </a:ext>
             </a:extLst>
           </p:cNvPr>
@@ -33124,7 +33124,7 @@
           <p:cNvPr id="5" name="内容占位符 4" descr="图片包含 屏幕截图&#10;&#10;自动生成的说明">
             <a:extLst>
               <a:ext uri="{FF2B5EF4-FFF2-40B4-BE49-F238E27FC236}">
-                <a16:creationId xmlns:a16="http://schemas.microsoft.com/office/drawing/2014/main" xmlns="" id="{02845697-ABF6-4BE8-A4DF-3A96F1504884}"/>
+                <a16:creationId xmlns="" xmlns:a16="http://schemas.microsoft.com/office/drawing/2014/main" id="{02845697-ABF6-4BE8-A4DF-3A96F1504884}"/>
               </a:ext>
             </a:extLst>
           </p:cNvPr>
@@ -33196,7 +33196,7 @@
           <p:cNvPr id="5" name="图片 4" descr="图片包含 文字&#10;&#10;自动生成的说明">
             <a:extLst>
               <a:ext uri="{FF2B5EF4-FFF2-40B4-BE49-F238E27FC236}">
-                <a16:creationId xmlns:a16="http://schemas.microsoft.com/office/drawing/2014/main" xmlns="" id="{869D53BA-0CDE-41BA-9412-D00A8B9B3467}"/>
+                <a16:creationId xmlns="" xmlns:a16="http://schemas.microsoft.com/office/drawing/2014/main" id="{869D53BA-0CDE-41BA-9412-D00A8B9B3467}"/>
               </a:ext>
             </a:extLst>
           </p:cNvPr>
@@ -33402,7 +33402,7 @@
           <p:cNvPr id="7" name="文本框 6">
             <a:extLst>
               <a:ext uri="{FF2B5EF4-FFF2-40B4-BE49-F238E27FC236}">
-                <a16:creationId xmlns:a16="http://schemas.microsoft.com/office/drawing/2014/main" xmlns="" id="{41273B1A-0A9A-4893-85C8-2032A006493D}"/>
+                <a16:creationId xmlns="" xmlns:a16="http://schemas.microsoft.com/office/drawing/2014/main" id="{41273B1A-0A9A-4893-85C8-2032A006493D}"/>
               </a:ext>
             </a:extLst>
           </p:cNvPr>
@@ -33443,7 +33443,7 @@
           <p:cNvPr id="8" name="文本框 7">
             <a:extLst>
               <a:ext uri="{FF2B5EF4-FFF2-40B4-BE49-F238E27FC236}">
-                <a16:creationId xmlns:a16="http://schemas.microsoft.com/office/drawing/2014/main" xmlns="" id="{2030E6C3-6D08-42B0-AE21-0AF65A099FF5}"/>
+                <a16:creationId xmlns="" xmlns:a16="http://schemas.microsoft.com/office/drawing/2014/main" id="{2030E6C3-6D08-42B0-AE21-0AF65A099FF5}"/>
               </a:ext>
             </a:extLst>
           </p:cNvPr>
@@ -33705,7 +33705,7 @@
           <p:cNvPr id="2" name="椭圆 1">
             <a:extLst>
               <a:ext uri="{FF2B5EF4-FFF2-40B4-BE49-F238E27FC236}">
-                <a16:creationId xmlns:a16="http://schemas.microsoft.com/office/drawing/2014/main" xmlns="" id="{7FA72E45-BA5D-4DBB-B8D5-3CC7C0A63E6A}"/>
+                <a16:creationId xmlns="" xmlns:a16="http://schemas.microsoft.com/office/drawing/2014/main" id="{7FA72E45-BA5D-4DBB-B8D5-3CC7C0A63E6A}"/>
               </a:ext>
             </a:extLst>
           </p:cNvPr>
@@ -33761,7 +33761,7 @@
           <p:cNvPr id="3" name="文本框 2">
             <a:extLst>
               <a:ext uri="{FF2B5EF4-FFF2-40B4-BE49-F238E27FC236}">
-                <a16:creationId xmlns:a16="http://schemas.microsoft.com/office/drawing/2014/main" xmlns="" id="{91659A41-69E8-4CE1-A8A2-63974D6F5889}"/>
+                <a16:creationId xmlns="" xmlns:a16="http://schemas.microsoft.com/office/drawing/2014/main" id="{91659A41-69E8-4CE1-A8A2-63974D6F5889}"/>
               </a:ext>
             </a:extLst>
           </p:cNvPr>
@@ -33802,7 +33802,7 @@
           <p:cNvPr id="4" name="椭圆 3">
             <a:extLst>
               <a:ext uri="{FF2B5EF4-FFF2-40B4-BE49-F238E27FC236}">
-                <a16:creationId xmlns:a16="http://schemas.microsoft.com/office/drawing/2014/main" xmlns="" id="{CBF29D2C-4A12-405A-9244-78104A486F0E}"/>
+                <a16:creationId xmlns="" xmlns:a16="http://schemas.microsoft.com/office/drawing/2014/main" id="{CBF29D2C-4A12-405A-9244-78104A486F0E}"/>
               </a:ext>
             </a:extLst>
           </p:cNvPr>
@@ -33860,7 +33860,7 @@
           <p:cNvPr id="13" name="椭圆 12">
             <a:extLst>
               <a:ext uri="{FF2B5EF4-FFF2-40B4-BE49-F238E27FC236}">
-                <a16:creationId xmlns:a16="http://schemas.microsoft.com/office/drawing/2014/main" xmlns="" id="{CFF23A4E-1782-4970-9965-7B9806374928}"/>
+                <a16:creationId xmlns="" xmlns:a16="http://schemas.microsoft.com/office/drawing/2014/main" id="{CFF23A4E-1782-4970-9965-7B9806374928}"/>
               </a:ext>
             </a:extLst>
           </p:cNvPr>
@@ -33918,7 +33918,7 @@
           <p:cNvPr id="14" name="椭圆 13">
             <a:extLst>
               <a:ext uri="{FF2B5EF4-FFF2-40B4-BE49-F238E27FC236}">
-                <a16:creationId xmlns:a16="http://schemas.microsoft.com/office/drawing/2014/main" xmlns="" id="{A87DE1FC-0A46-4A16-A6F3-83FE6831B0B9}"/>
+                <a16:creationId xmlns="" xmlns:a16="http://schemas.microsoft.com/office/drawing/2014/main" id="{A87DE1FC-0A46-4A16-A6F3-83FE6831B0B9}"/>
               </a:ext>
             </a:extLst>
           </p:cNvPr>
@@ -33976,7 +33976,7 @@
           <p:cNvPr id="15" name="椭圆 14">
             <a:extLst>
               <a:ext uri="{FF2B5EF4-FFF2-40B4-BE49-F238E27FC236}">
-                <a16:creationId xmlns:a16="http://schemas.microsoft.com/office/drawing/2014/main" xmlns="" id="{D4D6D67D-564B-475B-826C-77764DE4EF2C}"/>
+                <a16:creationId xmlns="" xmlns:a16="http://schemas.microsoft.com/office/drawing/2014/main" id="{D4D6D67D-564B-475B-826C-77764DE4EF2C}"/>
               </a:ext>
             </a:extLst>
           </p:cNvPr>
@@ -34034,7 +34034,7 @@
           <p:cNvPr id="16" name="椭圆 15">
             <a:extLst>
               <a:ext uri="{FF2B5EF4-FFF2-40B4-BE49-F238E27FC236}">
-                <a16:creationId xmlns:a16="http://schemas.microsoft.com/office/drawing/2014/main" xmlns="" id="{28285C35-0D2D-4AF9-8D67-BCF22B7C9035}"/>
+                <a16:creationId xmlns="" xmlns:a16="http://schemas.microsoft.com/office/drawing/2014/main" id="{28285C35-0D2D-4AF9-8D67-BCF22B7C9035}"/>
               </a:ext>
             </a:extLst>
           </p:cNvPr>
@@ -34092,7 +34092,7 @@
           <p:cNvPr id="20" name="组合 19">
             <a:extLst>
               <a:ext uri="{FF2B5EF4-FFF2-40B4-BE49-F238E27FC236}">
-                <a16:creationId xmlns:a16="http://schemas.microsoft.com/office/drawing/2014/main" xmlns="" id="{0FA7F2A0-BF41-43EE-ABD9-C5A661FABC8C}"/>
+                <a16:creationId xmlns="" xmlns:a16="http://schemas.microsoft.com/office/drawing/2014/main" id="{0FA7F2A0-BF41-43EE-ABD9-C5A661FABC8C}"/>
               </a:ext>
             </a:extLst>
           </p:cNvPr>
@@ -34112,7 +34112,7 @@
             <p:cNvPr id="18" name="矩形: 圆角 17">
               <a:extLst>
                 <a:ext uri="{FF2B5EF4-FFF2-40B4-BE49-F238E27FC236}">
-                  <a16:creationId xmlns:a16="http://schemas.microsoft.com/office/drawing/2014/main" xmlns="" id="{B74874E4-6A96-461A-8AF1-A816EBFAFC57}"/>
+                  <a16:creationId xmlns="" xmlns:a16="http://schemas.microsoft.com/office/drawing/2014/main" id="{B74874E4-6A96-461A-8AF1-A816EBFAFC57}"/>
                 </a:ext>
               </a:extLst>
             </p:cNvPr>
@@ -34164,7 +34164,7 @@
             <p:cNvPr id="19" name="文本框 18">
               <a:extLst>
                 <a:ext uri="{FF2B5EF4-FFF2-40B4-BE49-F238E27FC236}">
-                  <a16:creationId xmlns:a16="http://schemas.microsoft.com/office/drawing/2014/main" xmlns="" id="{1B09DDA9-3B1F-42A8-9AA3-B81E14C7A8C1}"/>
+                  <a16:creationId xmlns="" xmlns:a16="http://schemas.microsoft.com/office/drawing/2014/main" id="{1B09DDA9-3B1F-42A8-9AA3-B81E14C7A8C1}"/>
                 </a:ext>
               </a:extLst>
             </p:cNvPr>
@@ -34327,7 +34327,7 @@
           <p:cNvPr id="21" name="矩形: 圆角 20">
             <a:extLst>
               <a:ext uri="{FF2B5EF4-FFF2-40B4-BE49-F238E27FC236}">
-                <a16:creationId xmlns:a16="http://schemas.microsoft.com/office/drawing/2014/main" xmlns="" id="{E977BA27-9793-44E6-A225-D0E0BB1FF3CD}"/>
+                <a16:creationId xmlns="" xmlns:a16="http://schemas.microsoft.com/office/drawing/2014/main" id="{E977BA27-9793-44E6-A225-D0E0BB1FF3CD}"/>
               </a:ext>
             </a:extLst>
           </p:cNvPr>
@@ -34379,7 +34379,7 @@
           <p:cNvPr id="22" name="文本框 21">
             <a:extLst>
               <a:ext uri="{FF2B5EF4-FFF2-40B4-BE49-F238E27FC236}">
-                <a16:creationId xmlns:a16="http://schemas.microsoft.com/office/drawing/2014/main" xmlns="" id="{6EB62D2B-32EE-4F67-924E-3ED0419A1972}"/>
+                <a16:creationId xmlns="" xmlns:a16="http://schemas.microsoft.com/office/drawing/2014/main" id="{6EB62D2B-32EE-4F67-924E-3ED0419A1972}"/>
               </a:ext>
             </a:extLst>
           </p:cNvPr>
@@ -34423,7 +34423,7 @@
           <p:cNvPr id="23" name="矩形: 圆角 22">
             <a:extLst>
               <a:ext uri="{FF2B5EF4-FFF2-40B4-BE49-F238E27FC236}">
-                <a16:creationId xmlns:a16="http://schemas.microsoft.com/office/drawing/2014/main" xmlns="" id="{124F1534-677C-42BA-A08C-A4F67FA7F98C}"/>
+                <a16:creationId xmlns="" xmlns:a16="http://schemas.microsoft.com/office/drawing/2014/main" id="{124F1534-677C-42BA-A08C-A4F67FA7F98C}"/>
               </a:ext>
             </a:extLst>
           </p:cNvPr>
@@ -34475,7 +34475,7 @@
           <p:cNvPr id="24" name="文本框 23">
             <a:extLst>
               <a:ext uri="{FF2B5EF4-FFF2-40B4-BE49-F238E27FC236}">
-                <a16:creationId xmlns:a16="http://schemas.microsoft.com/office/drawing/2014/main" xmlns="" id="{EC0D9FAB-0A33-4269-9633-360D15B930A4}"/>
+                <a16:creationId xmlns="" xmlns:a16="http://schemas.microsoft.com/office/drawing/2014/main" id="{EC0D9FAB-0A33-4269-9633-360D15B930A4}"/>
               </a:ext>
             </a:extLst>
           </p:cNvPr>
@@ -34575,7 +34575,7 @@
           <p:cNvPr id="25" name="矩形: 圆角 24">
             <a:extLst>
               <a:ext uri="{FF2B5EF4-FFF2-40B4-BE49-F238E27FC236}">
-                <a16:creationId xmlns:a16="http://schemas.microsoft.com/office/drawing/2014/main" xmlns="" id="{FF024270-F1AE-4C60-90EC-B121618F5159}"/>
+                <a16:creationId xmlns="" xmlns:a16="http://schemas.microsoft.com/office/drawing/2014/main" id="{FF024270-F1AE-4C60-90EC-B121618F5159}"/>
               </a:ext>
             </a:extLst>
           </p:cNvPr>
@@ -34627,7 +34627,7 @@
           <p:cNvPr id="26" name="文本框 25">
             <a:extLst>
               <a:ext uri="{FF2B5EF4-FFF2-40B4-BE49-F238E27FC236}">
-                <a16:creationId xmlns:a16="http://schemas.microsoft.com/office/drawing/2014/main" xmlns="" id="{1FF3640D-F3A9-4685-9837-32EA4A78D4B7}"/>
+                <a16:creationId xmlns="" xmlns:a16="http://schemas.microsoft.com/office/drawing/2014/main" id="{1FF3640D-F3A9-4685-9837-32EA4A78D4B7}"/>
               </a:ext>
             </a:extLst>
           </p:cNvPr>
@@ -37440,7 +37440,7 @@
           <p:cNvPr id="19" name="文本框 18">
             <a:extLst>
               <a:ext uri="{FF2B5EF4-FFF2-40B4-BE49-F238E27FC236}">
-                <a16:creationId xmlns:a16="http://schemas.microsoft.com/office/drawing/2014/main" xmlns="" id="{D96C8DEE-2B12-4999-A8A3-EB70C0DD6154}"/>
+                <a16:creationId xmlns="" xmlns:a16="http://schemas.microsoft.com/office/drawing/2014/main" id="{D96C8DEE-2B12-4999-A8A3-EB70C0DD6154}"/>
               </a:ext>
             </a:extLst>
           </p:cNvPr>
@@ -37489,7 +37489,7 @@
           <p:cNvPr id="23" name="文本框 22">
             <a:extLst>
               <a:ext uri="{FF2B5EF4-FFF2-40B4-BE49-F238E27FC236}">
-                <a16:creationId xmlns:a16="http://schemas.microsoft.com/office/drawing/2014/main" xmlns="" id="{9727FEFB-5E60-4158-B373-1EC985E77D5C}"/>
+                <a16:creationId xmlns="" xmlns:a16="http://schemas.microsoft.com/office/drawing/2014/main" id="{9727FEFB-5E60-4158-B373-1EC985E77D5C}"/>
               </a:ext>
             </a:extLst>
           </p:cNvPr>
@@ -37538,7 +37538,7 @@
           <p:cNvPr id="24" name="文本框 23">
             <a:extLst>
               <a:ext uri="{FF2B5EF4-FFF2-40B4-BE49-F238E27FC236}">
-                <a16:creationId xmlns:a16="http://schemas.microsoft.com/office/drawing/2014/main" xmlns="" id="{DD98CE8E-EDEF-48EF-8E06-D36DEB775E77}"/>
+                <a16:creationId xmlns="" xmlns:a16="http://schemas.microsoft.com/office/drawing/2014/main" id="{DD98CE8E-EDEF-48EF-8E06-D36DEB775E77}"/>
               </a:ext>
             </a:extLst>
           </p:cNvPr>
@@ -37624,7 +37624,7 @@
           <p:cNvPr id="4" name="椭圆 3">
             <a:extLst>
               <a:ext uri="{FF2B5EF4-FFF2-40B4-BE49-F238E27FC236}">
-                <a16:creationId xmlns:a16="http://schemas.microsoft.com/office/drawing/2014/main" xmlns="" id="{8D2B5B3F-3CB5-42B7-BBDF-D12156F91010}"/>
+                <a16:creationId xmlns="" xmlns:a16="http://schemas.microsoft.com/office/drawing/2014/main" id="{8D2B5B3F-3CB5-42B7-BBDF-D12156F91010}"/>
               </a:ext>
             </a:extLst>
           </p:cNvPr>
@@ -37676,7 +37676,7 @@
           <p:cNvPr id="7" name="文本框 6">
             <a:extLst>
               <a:ext uri="{FF2B5EF4-FFF2-40B4-BE49-F238E27FC236}">
-                <a16:creationId xmlns:a16="http://schemas.microsoft.com/office/drawing/2014/main" xmlns="" id="{379ECFDC-06CB-48E6-8748-DBF7CA915365}"/>
+                <a16:creationId xmlns="" xmlns:a16="http://schemas.microsoft.com/office/drawing/2014/main" id="{379ECFDC-06CB-48E6-8748-DBF7CA915365}"/>
               </a:ext>
             </a:extLst>
           </p:cNvPr>
@@ -37714,7 +37714,7 @@
           <p:cNvPr id="9" name="椭圆 8">
             <a:extLst>
               <a:ext uri="{FF2B5EF4-FFF2-40B4-BE49-F238E27FC236}">
-                <a16:creationId xmlns:a16="http://schemas.microsoft.com/office/drawing/2014/main" xmlns="" id="{62AD7252-080D-445E-9D18-19ACC6A0906E}"/>
+                <a16:creationId xmlns="" xmlns:a16="http://schemas.microsoft.com/office/drawing/2014/main" id="{62AD7252-080D-445E-9D18-19ACC6A0906E}"/>
               </a:ext>
             </a:extLst>
           </p:cNvPr>
@@ -37766,7 +37766,7 @@
           <p:cNvPr id="12" name="文本框 11">
             <a:extLst>
               <a:ext uri="{FF2B5EF4-FFF2-40B4-BE49-F238E27FC236}">
-                <a16:creationId xmlns:a16="http://schemas.microsoft.com/office/drawing/2014/main" xmlns="" id="{642799FD-76FA-420D-9286-AD4AC1DF402E}"/>
+                <a16:creationId xmlns="" xmlns:a16="http://schemas.microsoft.com/office/drawing/2014/main" id="{642799FD-76FA-420D-9286-AD4AC1DF402E}"/>
               </a:ext>
             </a:extLst>
           </p:cNvPr>
@@ -38037,7 +38037,7 @@
           <p:cNvPr id="3" name="文本框 2">
             <a:extLst>
               <a:ext uri="{FF2B5EF4-FFF2-40B4-BE49-F238E27FC236}">
-                <a16:creationId xmlns:a16="http://schemas.microsoft.com/office/drawing/2014/main" xmlns="" id="{A351FB82-D77B-4358-8F4B-DF0F2F56BEDB}"/>
+                <a16:creationId xmlns="" xmlns:a16="http://schemas.microsoft.com/office/drawing/2014/main" id="{A351FB82-D77B-4358-8F4B-DF0F2F56BEDB}"/>
               </a:ext>
             </a:extLst>
           </p:cNvPr>
@@ -38299,7 +38299,7 @@
           <p:cNvPr id="2" name="矩形 1">
             <a:extLst>
               <a:ext uri="{FF2B5EF4-FFF2-40B4-BE49-F238E27FC236}">
-                <a16:creationId xmlns:a16="http://schemas.microsoft.com/office/drawing/2014/main" xmlns="" id="{73016DA7-04CC-4301-B919-D5BA942F4036}"/>
+                <a16:creationId xmlns="" xmlns:a16="http://schemas.microsoft.com/office/drawing/2014/main" id="{73016DA7-04CC-4301-B919-D5BA942F4036}"/>
               </a:ext>
             </a:extLst>
           </p:cNvPr>
@@ -38459,7 +38459,7 @@
           <p:cNvPr id="4" name="椭圆 3">
             <a:extLst>
               <a:ext uri="{FF2B5EF4-FFF2-40B4-BE49-F238E27FC236}">
-                <a16:creationId xmlns:a16="http://schemas.microsoft.com/office/drawing/2014/main" xmlns="" id="{8D2B5B3F-3CB5-42B7-BBDF-D12156F91010}"/>
+                <a16:creationId xmlns="" xmlns:a16="http://schemas.microsoft.com/office/drawing/2014/main" id="{8D2B5B3F-3CB5-42B7-BBDF-D12156F91010}"/>
               </a:ext>
             </a:extLst>
           </p:cNvPr>
@@ -38511,7 +38511,7 @@
           <p:cNvPr id="6" name="图片 5" descr="图片包含 屏幕截图&#10;&#10;自动生成的说明">
             <a:extLst>
               <a:ext uri="{FF2B5EF4-FFF2-40B4-BE49-F238E27FC236}">
-                <a16:creationId xmlns:a16="http://schemas.microsoft.com/office/drawing/2014/main" xmlns="" id="{488EF7BC-F038-4866-A483-0F8994B928D5}"/>
+                <a16:creationId xmlns="" xmlns:a16="http://schemas.microsoft.com/office/drawing/2014/main" id="{488EF7BC-F038-4866-A483-0F8994B928D5}"/>
               </a:ext>
             </a:extLst>
           </p:cNvPr>
@@ -38547,7 +38547,7 @@
           <p:cNvPr id="7" name="文本框 6">
             <a:extLst>
               <a:ext uri="{FF2B5EF4-FFF2-40B4-BE49-F238E27FC236}">
-                <a16:creationId xmlns:a16="http://schemas.microsoft.com/office/drawing/2014/main" xmlns="" id="{379ECFDC-06CB-48E6-8748-DBF7CA915365}"/>
+                <a16:creationId xmlns="" xmlns:a16="http://schemas.microsoft.com/office/drawing/2014/main" id="{379ECFDC-06CB-48E6-8748-DBF7CA915365}"/>
               </a:ext>
             </a:extLst>
           </p:cNvPr>
@@ -38585,7 +38585,7 @@
           <p:cNvPr id="9" name="椭圆 8">
             <a:extLst>
               <a:ext uri="{FF2B5EF4-FFF2-40B4-BE49-F238E27FC236}">
-                <a16:creationId xmlns:a16="http://schemas.microsoft.com/office/drawing/2014/main" xmlns="" id="{62AD7252-080D-445E-9D18-19ACC6A0906E}"/>
+                <a16:creationId xmlns="" xmlns:a16="http://schemas.microsoft.com/office/drawing/2014/main" id="{62AD7252-080D-445E-9D18-19ACC6A0906E}"/>
               </a:ext>
             </a:extLst>
           </p:cNvPr>
@@ -38637,7 +38637,7 @@
           <p:cNvPr id="12" name="文本框 11">
             <a:extLst>
               <a:ext uri="{FF2B5EF4-FFF2-40B4-BE49-F238E27FC236}">
-                <a16:creationId xmlns:a16="http://schemas.microsoft.com/office/drawing/2014/main" xmlns="" id="{642799FD-76FA-420D-9286-AD4AC1DF402E}"/>
+                <a16:creationId xmlns="" xmlns:a16="http://schemas.microsoft.com/office/drawing/2014/main" id="{642799FD-76FA-420D-9286-AD4AC1DF402E}"/>
               </a:ext>
             </a:extLst>
           </p:cNvPr>
@@ -38810,7 +38810,7 @@
           <p:cNvPr id="15" name="图片 14" descr="图片包含 屏幕截图&#10;&#10;自动生成的说明">
             <a:extLst>
               <a:ext uri="{FF2B5EF4-FFF2-40B4-BE49-F238E27FC236}">
-                <a16:creationId xmlns:a16="http://schemas.microsoft.com/office/drawing/2014/main" xmlns="" id="{F65B923F-989D-446B-891C-AE4D51848520}"/>
+                <a16:creationId xmlns="" xmlns:a16="http://schemas.microsoft.com/office/drawing/2014/main" id="{F65B923F-989D-446B-891C-AE4D51848520}"/>
               </a:ext>
             </a:extLst>
           </p:cNvPr>
@@ -39015,7 +39015,7 @@
           <p:cNvPr id="4" name="椭圆 3">
             <a:extLst>
               <a:ext uri="{FF2B5EF4-FFF2-40B4-BE49-F238E27FC236}">
-                <a16:creationId xmlns:a16="http://schemas.microsoft.com/office/drawing/2014/main" xmlns="" id="{8D2B5B3F-3CB5-42B7-BBDF-D12156F91010}"/>
+                <a16:creationId xmlns="" xmlns:a16="http://schemas.microsoft.com/office/drawing/2014/main" id="{8D2B5B3F-3CB5-42B7-BBDF-D12156F91010}"/>
               </a:ext>
             </a:extLst>
           </p:cNvPr>
@@ -39096,7 +39096,7 @@
           <p:cNvPr id="7" name="文本框 6">
             <a:extLst>
               <a:ext uri="{FF2B5EF4-FFF2-40B4-BE49-F238E27FC236}">
-                <a16:creationId xmlns:a16="http://schemas.microsoft.com/office/drawing/2014/main" xmlns="" id="{379ECFDC-06CB-48E6-8748-DBF7CA915365}"/>
+                <a16:creationId xmlns="" xmlns:a16="http://schemas.microsoft.com/office/drawing/2014/main" id="{379ECFDC-06CB-48E6-8748-DBF7CA915365}"/>
               </a:ext>
             </a:extLst>
           </p:cNvPr>
@@ -39161,7 +39161,7 @@
           <p:cNvPr id="9" name="椭圆 8">
             <a:extLst>
               <a:ext uri="{FF2B5EF4-FFF2-40B4-BE49-F238E27FC236}">
-                <a16:creationId xmlns:a16="http://schemas.microsoft.com/office/drawing/2014/main" xmlns="" id="{62AD7252-080D-445E-9D18-19ACC6A0906E}"/>
+                <a16:creationId xmlns="" xmlns:a16="http://schemas.microsoft.com/office/drawing/2014/main" id="{62AD7252-080D-445E-9D18-19ACC6A0906E}"/>
               </a:ext>
             </a:extLst>
           </p:cNvPr>
@@ -39242,7 +39242,7 @@
           <p:cNvPr id="12" name="文本框 11">
             <a:extLst>
               <a:ext uri="{FF2B5EF4-FFF2-40B4-BE49-F238E27FC236}">
-                <a16:creationId xmlns:a16="http://schemas.microsoft.com/office/drawing/2014/main" xmlns="" id="{642799FD-76FA-420D-9286-AD4AC1DF402E}"/>
+                <a16:creationId xmlns="" xmlns:a16="http://schemas.microsoft.com/office/drawing/2014/main" id="{642799FD-76FA-420D-9286-AD4AC1DF402E}"/>
               </a:ext>
             </a:extLst>
           </p:cNvPr>
@@ -39768,7 +39768,7 @@
           <p:cNvPr id="6" name="图片 5">
             <a:extLst>
               <a:ext uri="{FF2B5EF4-FFF2-40B4-BE49-F238E27FC236}">
-                <a16:creationId xmlns:a16="http://schemas.microsoft.com/office/drawing/2014/main" xmlns="" id="{8F1D9C09-DA1F-4402-9237-745A1C5FA43B}"/>
+                <a16:creationId xmlns="" xmlns:a16="http://schemas.microsoft.com/office/drawing/2014/main" id="{8F1D9C09-DA1F-4402-9237-745A1C5FA43B}"/>
               </a:ext>
             </a:extLst>
           </p:cNvPr>
@@ -39804,7 +39804,7 @@
           <p:cNvPr id="10" name="图片 9">
             <a:extLst>
               <a:ext uri="{FF2B5EF4-FFF2-40B4-BE49-F238E27FC236}">
-                <a16:creationId xmlns:a16="http://schemas.microsoft.com/office/drawing/2014/main" xmlns="" id="{ACD17D9B-18E0-4725-9596-B3ADD3709D47}"/>
+                <a16:creationId xmlns="" xmlns:a16="http://schemas.microsoft.com/office/drawing/2014/main" id="{ACD17D9B-18E0-4725-9596-B3ADD3709D47}"/>
               </a:ext>
             </a:extLst>
           </p:cNvPr>
@@ -39840,7 +39840,7 @@
           <p:cNvPr id="2" name="矩形 1">
             <a:extLst>
               <a:ext uri="{FF2B5EF4-FFF2-40B4-BE49-F238E27FC236}">
-                <a16:creationId xmlns:a16="http://schemas.microsoft.com/office/drawing/2014/main" xmlns="" id="{03FE93DB-D0C7-427B-8A95-EFBEC4CEA5EA}"/>
+                <a16:creationId xmlns="" xmlns:a16="http://schemas.microsoft.com/office/drawing/2014/main" id="{03FE93DB-D0C7-427B-8A95-EFBEC4CEA5EA}"/>
               </a:ext>
             </a:extLst>
           </p:cNvPr>
@@ -40430,7 +40430,7 @@
           <p:cNvPr id="5" name="矩形 4">
             <a:extLst>
               <a:ext uri="{FF2B5EF4-FFF2-40B4-BE49-F238E27FC236}">
-                <a16:creationId xmlns:a16="http://schemas.microsoft.com/office/drawing/2014/main" xmlns="" id="{F384C8E3-3405-48EE-BD9A-87083A5443CC}"/>
+                <a16:creationId xmlns="" xmlns:a16="http://schemas.microsoft.com/office/drawing/2014/main" id="{F384C8E3-3405-48EE-BD9A-87083A5443CC}"/>
               </a:ext>
             </a:extLst>
           </p:cNvPr>
@@ -40482,7 +40482,7 @@
           <p:cNvPr id="4" name="图片 3">
             <a:extLst>
               <a:ext uri="{FF2B5EF4-FFF2-40B4-BE49-F238E27FC236}">
-                <a16:creationId xmlns:a16="http://schemas.microsoft.com/office/drawing/2014/main" xmlns="" id="{39239570-43B6-43A9-9B2E-6A907167C9E0}"/>
+                <a16:creationId xmlns="" xmlns:a16="http://schemas.microsoft.com/office/drawing/2014/main" id="{39239570-43B6-43A9-9B2E-6A907167C9E0}"/>
               </a:ext>
             </a:extLst>
           </p:cNvPr>
@@ -40512,7 +40512,7 @@
           <p:cNvPr id="7" name="图片 6">
             <a:extLst>
               <a:ext uri="{FF2B5EF4-FFF2-40B4-BE49-F238E27FC236}">
-                <a16:creationId xmlns:a16="http://schemas.microsoft.com/office/drawing/2014/main" xmlns="" id="{FEF6F4B4-C280-4A50-872E-64A42CBA95E0}"/>
+                <a16:creationId xmlns="" xmlns:a16="http://schemas.microsoft.com/office/drawing/2014/main" id="{FEF6F4B4-C280-4A50-872E-64A42CBA95E0}"/>
               </a:ext>
             </a:extLst>
           </p:cNvPr>
@@ -40548,7 +40548,7 @@
           <p:cNvPr id="12" name="文本框 11">
             <a:extLst>
               <a:ext uri="{FF2B5EF4-FFF2-40B4-BE49-F238E27FC236}">
-                <a16:creationId xmlns:a16="http://schemas.microsoft.com/office/drawing/2014/main" xmlns="" id="{65B038FA-DAFF-44E4-92A4-E8CFDA779233}"/>
+                <a16:creationId xmlns="" xmlns:a16="http://schemas.microsoft.com/office/drawing/2014/main" id="{65B038FA-DAFF-44E4-92A4-E8CFDA779233}"/>
               </a:ext>
             </a:extLst>
           </p:cNvPr>
@@ -40750,7 +40750,7 @@
           <p:cNvPr id="2" name="矩形 1">
             <a:extLst>
               <a:ext uri="{FF2B5EF4-FFF2-40B4-BE49-F238E27FC236}">
-                <a16:creationId xmlns:a16="http://schemas.microsoft.com/office/drawing/2014/main" xmlns="" id="{61F8065C-AD27-4FF6-BBFE-33209836471B}"/>
+                <a16:creationId xmlns="" xmlns:a16="http://schemas.microsoft.com/office/drawing/2014/main" id="{61F8065C-AD27-4FF6-BBFE-33209836471B}"/>
               </a:ext>
             </a:extLst>
           </p:cNvPr>
@@ -40979,7 +40979,7 @@
           <p:cNvPr id="4" name="图片 3">
             <a:extLst>
               <a:ext uri="{FF2B5EF4-FFF2-40B4-BE49-F238E27FC236}">
-                <a16:creationId xmlns:a16="http://schemas.microsoft.com/office/drawing/2014/main" xmlns="" id="{0D3BEF45-3252-4088-BE97-63D31C51F24F}"/>
+                <a16:creationId xmlns="" xmlns:a16="http://schemas.microsoft.com/office/drawing/2014/main" id="{0D3BEF45-3252-4088-BE97-63D31C51F24F}"/>
               </a:ext>
             </a:extLst>
           </p:cNvPr>
@@ -41009,7 +41009,7 @@
           <p:cNvPr id="5" name="Rectangle 12">
             <a:extLst>
               <a:ext uri="{FF2B5EF4-FFF2-40B4-BE49-F238E27FC236}">
-                <a16:creationId xmlns:a16="http://schemas.microsoft.com/office/drawing/2014/main" xmlns="" id="{1B1F0133-CBA4-4A29-8DB2-B8B994A4C7B9}"/>
+                <a16:creationId xmlns="" xmlns:a16="http://schemas.microsoft.com/office/drawing/2014/main" id="{1B1F0133-CBA4-4A29-8DB2-B8B994A4C7B9}"/>
               </a:ext>
             </a:extLst>
           </p:cNvPr>
@@ -41331,7 +41331,7 @@
   <a:extraClrSchemeLst/>
   <a:extLst>
     <a:ext uri="{05A4C25C-085E-4340-85A3-A5531E510DB2}">
-      <thm15:themeFamily xmlns:thm15="http://schemas.microsoft.com/office/thememl/2012/main" xmlns="" name="Office Theme" id="{62F939B6-93AF-4DB8-9C6B-D6C7DFDC589F}" vid="{4A3C46E8-61CC-4603-A589-7422A47A8E4A}"/>
+      <thm15:themeFamily xmlns="" xmlns:thm15="http://schemas.microsoft.com/office/thememl/2012/main" name="Office Theme" id="{62F939B6-93AF-4DB8-9C6B-D6C7DFDC589F}" vid="{4A3C46E8-61CC-4603-A589-7422A47A8E4A}"/>
     </a:ext>
   </a:extLst>
 </a:theme>
@@ -41592,7 +41592,7 @@
   <a:extraClrSchemeLst/>
   <a:extLst>
     <a:ext uri="{05A4C25C-085E-4340-85A3-A5531E510DB2}">
-      <thm15:themeFamily xmlns:thm15="http://schemas.microsoft.com/office/thememl/2012/main" xmlns="" name="Office Theme" id="{62F939B6-93AF-4DB8-9C6B-D6C7DFDC589F}" vid="{4A3C46E8-61CC-4603-A589-7422A47A8E4A}"/>
+      <thm15:themeFamily xmlns="" xmlns:thm15="http://schemas.microsoft.com/office/thememl/2012/main" name="Office Theme" id="{62F939B6-93AF-4DB8-9C6B-D6C7DFDC589F}" vid="{4A3C46E8-61CC-4603-A589-7422A47A8E4A}"/>
     </a:ext>
   </a:extLst>
 </a:theme>

--- a/电子词典需求分析.pptx
+++ b/电子词典需求分析.pptx
@@ -141,7 +141,7 @@
   </p:defaultTextStyle>
   <p:extLst>
     <p:ext uri="{EFAFB233-063F-42B5-8137-9DF3F51BA10A}">
-      <p15:sldGuideLst xmlns="" xmlns:p15="http://schemas.microsoft.com/office/powerpoint/2012/main">
+      <p15:sldGuideLst xmlns:p15="http://schemas.microsoft.com/office/powerpoint/2012/main">
         <p15:guide id="1" orient="horz" pos="1502" userDrawn="1">
           <p15:clr>
             <a:srgbClr val="A4A3A4"/>
@@ -240,7 +240,7 @@
           <a:p>
             <a:fld id="{6325EFA1-FAD1-4705-B9BA-7AD2CC63A550}" type="datetimeFigureOut">
               <a:rPr lang="zh-CN" altLang="en-US" smtClean="0"/>
-              <a:t>2018/11/6</a:t>
+              <a:t>2018/11/7</a:t>
             </a:fld>
             <a:endParaRPr lang="zh-CN" altLang="en-US"/>
           </a:p>
@@ -720,7 +720,7 @@
           <a:p>
             <a:fld id="{D997B5FA-0921-464F-AAE1-844C04324D75}" type="datetimeFigureOut">
               <a:rPr lang="zh-CN" altLang="en-US" smtClean="0"/>
-              <a:t>2018/11/6</a:t>
+              <a:t>2018/11/7</a:t>
             </a:fld>
             <a:endParaRPr lang="zh-CN" altLang="en-US"/>
           </a:p>
@@ -883,7 +883,7 @@
           <a:p>
             <a:fld id="{D997B5FA-0921-464F-AAE1-844C04324D75}" type="datetimeFigureOut">
               <a:rPr lang="zh-CN" altLang="en-US" smtClean="0"/>
-              <a:t>2018/11/6</a:t>
+              <a:t>2018/11/7</a:t>
             </a:fld>
             <a:endParaRPr lang="zh-CN" altLang="en-US"/>
           </a:p>
@@ -1056,7 +1056,7 @@
           <a:p>
             <a:fld id="{D997B5FA-0921-464F-AAE1-844C04324D75}" type="datetimeFigureOut">
               <a:rPr lang="zh-CN" altLang="en-US" smtClean="0"/>
-              <a:t>2018/11/6</a:t>
+              <a:t>2018/11/7</a:t>
             </a:fld>
             <a:endParaRPr lang="zh-CN" altLang="en-US"/>
           </a:p>
@@ -1219,7 +1219,7 @@
           <a:p>
             <a:fld id="{D997B5FA-0921-464F-AAE1-844C04324D75}" type="datetimeFigureOut">
               <a:rPr lang="zh-CN" altLang="en-US" smtClean="0"/>
-              <a:t>2018/11/6</a:t>
+              <a:t>2018/11/7</a:t>
             </a:fld>
             <a:endParaRPr lang="zh-CN" altLang="en-US"/>
           </a:p>
@@ -1459,7 +1459,7 @@
           <a:p>
             <a:fld id="{D997B5FA-0921-464F-AAE1-844C04324D75}" type="datetimeFigureOut">
               <a:rPr lang="zh-CN" altLang="en-US" smtClean="0"/>
-              <a:t>2018/11/6</a:t>
+              <a:t>2018/11/7</a:t>
             </a:fld>
             <a:endParaRPr lang="zh-CN" altLang="en-US"/>
           </a:p>
@@ -1683,7 +1683,7 @@
           <a:p>
             <a:fld id="{D997B5FA-0921-464F-AAE1-844C04324D75}" type="datetimeFigureOut">
               <a:rPr lang="zh-CN" altLang="en-US" smtClean="0"/>
-              <a:t>2018/11/6</a:t>
+              <a:t>2018/11/7</a:t>
             </a:fld>
             <a:endParaRPr lang="zh-CN" altLang="en-US"/>
           </a:p>
@@ -2042,7 +2042,7 @@
           <a:p>
             <a:fld id="{D997B5FA-0921-464F-AAE1-844C04324D75}" type="datetimeFigureOut">
               <a:rPr lang="zh-CN" altLang="en-US" smtClean="0"/>
-              <a:t>2018/11/6</a:t>
+              <a:t>2018/11/7</a:t>
             </a:fld>
             <a:endParaRPr lang="zh-CN" altLang="en-US"/>
           </a:p>
@@ -2154,7 +2154,7 @@
           <a:p>
             <a:fld id="{D997B5FA-0921-464F-AAE1-844C04324D75}" type="datetimeFigureOut">
               <a:rPr lang="zh-CN" altLang="en-US" smtClean="0"/>
-              <a:t>2018/11/6</a:t>
+              <a:t>2018/11/7</a:t>
             </a:fld>
             <a:endParaRPr lang="zh-CN" altLang="en-US"/>
           </a:p>
@@ -2244,7 +2244,7 @@
           <a:p>
             <a:fld id="{D997B5FA-0921-464F-AAE1-844C04324D75}" type="datetimeFigureOut">
               <a:rPr lang="zh-CN" altLang="en-US" smtClean="0"/>
-              <a:t>2018/11/6</a:t>
+              <a:t>2018/11/7</a:t>
             </a:fld>
             <a:endParaRPr lang="zh-CN" altLang="en-US"/>
           </a:p>
@@ -2514,7 +2514,7 @@
           <a:p>
             <a:fld id="{D997B5FA-0921-464F-AAE1-844C04324D75}" type="datetimeFigureOut">
               <a:rPr lang="zh-CN" altLang="en-US" smtClean="0"/>
-              <a:t>2018/11/6</a:t>
+              <a:t>2018/11/7</a:t>
             </a:fld>
             <a:endParaRPr lang="zh-CN" altLang="en-US"/>
           </a:p>
@@ -2761,7 +2761,7 @@
           <a:p>
             <a:fld id="{D997B5FA-0921-464F-AAE1-844C04324D75}" type="datetimeFigureOut">
               <a:rPr lang="zh-CN" altLang="en-US" smtClean="0"/>
-              <a:t>2018/11/6</a:t>
+              <a:t>2018/11/7</a:t>
             </a:fld>
             <a:endParaRPr lang="zh-CN" altLang="en-US"/>
           </a:p>
@@ -2967,7 +2967,7 @@
           <a:p>
             <a:fld id="{D997B5FA-0921-464F-AAE1-844C04324D75}" type="datetimeFigureOut">
               <a:rPr lang="zh-CN" altLang="en-US" smtClean="0"/>
-              <a:t>2018/11/6</a:t>
+              <a:t>2018/11/7</a:t>
             </a:fld>
             <a:endParaRPr lang="zh-CN" altLang="en-US"/>
           </a:p>
@@ -4026,13 +4026,6 @@
   <p:clrMapOvr>
     <a:masterClrMapping/>
   </p:clrMapOvr>
-  <p:timing>
-    <p:tnLst>
-      <p:par>
-        <p:cTn id="1" dur="indefinite" restart="never" nodeType="tmRoot"/>
-      </p:par>
-    </p:tnLst>
-  </p:timing>
 </p:sld>
 </file>
 
@@ -4058,7 +4051,7 @@
           <p:cNvPr id="6" name="Rounded Rectangle 12">
             <a:extLst>
               <a:ext uri="{FF2B5EF4-FFF2-40B4-BE49-F238E27FC236}">
-                <a16:creationId xmlns="" xmlns:a16="http://schemas.microsoft.com/office/drawing/2014/main" id="{E6FD45EB-4B3B-4DD8-A910-EDA5C8EB7707}"/>
+                <a16:creationId xmlns:a16="http://schemas.microsoft.com/office/drawing/2014/main" id="{E6FD45EB-4B3B-4DD8-A910-EDA5C8EB7707}"/>
               </a:ext>
             </a:extLst>
           </p:cNvPr>
@@ -4128,7 +4121,7 @@
           <p:cNvPr id="7" name="Rounded Rectangle 16">
             <a:extLst>
               <a:ext uri="{FF2B5EF4-FFF2-40B4-BE49-F238E27FC236}">
-                <a16:creationId xmlns="" xmlns:a16="http://schemas.microsoft.com/office/drawing/2014/main" id="{4E284F8D-B632-4833-9BDA-C5CC6FBBFC2F}"/>
+                <a16:creationId xmlns:a16="http://schemas.microsoft.com/office/drawing/2014/main" id="{4E284F8D-B632-4833-9BDA-C5CC6FBBFC2F}"/>
               </a:ext>
             </a:extLst>
           </p:cNvPr>
@@ -4198,7 +4191,7 @@
           <p:cNvPr id="13" name="文本框 12">
             <a:extLst>
               <a:ext uri="{FF2B5EF4-FFF2-40B4-BE49-F238E27FC236}">
-                <a16:creationId xmlns="" xmlns:a16="http://schemas.microsoft.com/office/drawing/2014/main" id="{99A86963-B1B8-4349-AAE8-E18C812A6C5A}"/>
+                <a16:creationId xmlns:a16="http://schemas.microsoft.com/office/drawing/2014/main" id="{99A86963-B1B8-4349-AAE8-E18C812A6C5A}"/>
               </a:ext>
             </a:extLst>
           </p:cNvPr>
@@ -4255,7 +4248,7 @@
           <p:cNvPr id="14" name="矩形 13">
             <a:extLst>
               <a:ext uri="{FF2B5EF4-FFF2-40B4-BE49-F238E27FC236}">
-                <a16:creationId xmlns="" xmlns:a16="http://schemas.microsoft.com/office/drawing/2014/main" id="{3A33F266-8553-485A-86D9-E9E07B77F2D6}"/>
+                <a16:creationId xmlns:a16="http://schemas.microsoft.com/office/drawing/2014/main" id="{3A33F266-8553-485A-86D9-E9E07B77F2D6}"/>
               </a:ext>
             </a:extLst>
           </p:cNvPr>
@@ -4299,7 +4292,7 @@
           <p:cNvPr id="16" name="矩形 15">
             <a:extLst>
               <a:ext uri="{FF2B5EF4-FFF2-40B4-BE49-F238E27FC236}">
-                <a16:creationId xmlns="" xmlns:a16="http://schemas.microsoft.com/office/drawing/2014/main" id="{C619AE70-C8E5-4169-8061-82946C8F8782}"/>
+                <a16:creationId xmlns:a16="http://schemas.microsoft.com/office/drawing/2014/main" id="{C619AE70-C8E5-4169-8061-82946C8F8782}"/>
               </a:ext>
             </a:extLst>
           </p:cNvPr>
@@ -4381,13 +4374,6 @@
   <p:clrMapOvr>
     <a:masterClrMapping/>
   </p:clrMapOvr>
-  <p:timing>
-    <p:tnLst>
-      <p:par>
-        <p:cTn id="1" dur="indefinite" restart="never" nodeType="tmRoot"/>
-      </p:par>
-    </p:tnLst>
-  </p:timing>
 </p:sld>
 </file>
 
@@ -5465,7 +5451,7 @@
           <a:p>
             <a:pPr algn="l"/>
             <a:r>
-              <a:rPr lang="zh-CN" altLang="en-US" sz="2400" b="1" noProof="0" dirty="0" smtClean="0">
+              <a:rPr lang="zh-CN" altLang="en-US" sz="2400" b="1" noProof="0" dirty="0">
                 <a:ln>
                   <a:noFill/>
                 </a:ln>
@@ -5936,13 +5922,6 @@
   <p:clrMapOvr>
     <a:masterClrMapping/>
   </p:clrMapOvr>
-  <p:timing>
-    <p:tnLst>
-      <p:par>
-        <p:cTn id="1" dur="indefinite" restart="never" nodeType="tmRoot"/>
-      </p:par>
-    </p:tnLst>
-  </p:timing>
 </p:sld>
 </file>
 
@@ -5968,7 +5947,7 @@
           <p:cNvPr id="4" name="矩形: 圆角 3">
             <a:extLst>
               <a:ext uri="{FF2B5EF4-FFF2-40B4-BE49-F238E27FC236}">
-                <a16:creationId xmlns="" xmlns:a16="http://schemas.microsoft.com/office/drawing/2014/main" id="{413DA64A-DFE6-4C8E-8C8C-CB685A248235}"/>
+                <a16:creationId xmlns:a16="http://schemas.microsoft.com/office/drawing/2014/main" id="{413DA64A-DFE6-4C8E-8C8C-CB685A248235}"/>
               </a:ext>
             </a:extLst>
           </p:cNvPr>
@@ -6024,7 +6003,7 @@
           <p:cNvPr id="6" name="Rectangle 1">
             <a:extLst>
               <a:ext uri="{FF2B5EF4-FFF2-40B4-BE49-F238E27FC236}">
-                <a16:creationId xmlns="" xmlns:a16="http://schemas.microsoft.com/office/drawing/2014/main" id="{67851DDF-58F8-4FC1-976B-A9298F885374}"/>
+                <a16:creationId xmlns:a16="http://schemas.microsoft.com/office/drawing/2014/main" id="{67851DDF-58F8-4FC1-976B-A9298F885374}"/>
               </a:ext>
             </a:extLst>
           </p:cNvPr>
@@ -6311,7 +6290,7 @@
           <p:cNvPr id="7" name="文本框 6">
             <a:extLst>
               <a:ext uri="{FF2B5EF4-FFF2-40B4-BE49-F238E27FC236}">
-                <a16:creationId xmlns="" xmlns:a16="http://schemas.microsoft.com/office/drawing/2014/main" id="{8AB5E823-CBEE-492B-81A1-EBF6FAC24438}"/>
+                <a16:creationId xmlns:a16="http://schemas.microsoft.com/office/drawing/2014/main" id="{8AB5E823-CBEE-492B-81A1-EBF6FAC24438}"/>
               </a:ext>
             </a:extLst>
           </p:cNvPr>
@@ -6398,13 +6377,6 @@
   <p:clrMapOvr>
     <a:masterClrMapping/>
   </p:clrMapOvr>
-  <p:timing>
-    <p:tnLst>
-      <p:par>
-        <p:cTn id="1" dur="indefinite" restart="never" nodeType="tmRoot"/>
-      </p:par>
-    </p:tnLst>
-  </p:timing>
 </p:sld>
 </file>
 
@@ -15075,13 +15047,6 @@
   <p:clrMapOvr>
     <a:masterClrMapping/>
   </p:clrMapOvr>
-  <p:timing>
-    <p:tnLst>
-      <p:par>
-        <p:cTn id="1" dur="indefinite" restart="never" nodeType="tmRoot"/>
-      </p:par>
-    </p:tnLst>
-  </p:timing>
 </p:sld>
 </file>
 
@@ -20404,7 +20369,7 @@
           <p:cNvPr id="58" name="文本框 57">
             <a:extLst>
               <a:ext uri="{FF2B5EF4-FFF2-40B4-BE49-F238E27FC236}">
-                <a16:creationId xmlns="" xmlns:a16="http://schemas.microsoft.com/office/drawing/2014/main" id="{CA25C765-3360-4F62-944D-CE9911A527C5}"/>
+                <a16:creationId xmlns:a16="http://schemas.microsoft.com/office/drawing/2014/main" id="{CA25C765-3360-4F62-944D-CE9911A527C5}"/>
               </a:ext>
             </a:extLst>
           </p:cNvPr>
@@ -20454,13 +20419,6 @@
   <p:clrMapOvr>
     <a:masterClrMapping/>
   </p:clrMapOvr>
-  <p:timing>
-    <p:tnLst>
-      <p:par>
-        <p:cTn id="1" dur="indefinite" restart="never" nodeType="tmRoot"/>
-      </p:par>
-    </p:tnLst>
-  </p:timing>
 </p:sld>
 </file>
 
@@ -22622,7 +22580,7 @@
           <p:cNvPr id="34" name="Rectangle 12">
             <a:extLst>
               <a:ext uri="{FF2B5EF4-FFF2-40B4-BE49-F238E27FC236}">
-                <a16:creationId xmlns="" xmlns:a16="http://schemas.microsoft.com/office/drawing/2014/main" id="{F7876CFB-5C00-4B8B-944D-91E0146C608C}"/>
+                <a16:creationId xmlns:a16="http://schemas.microsoft.com/office/drawing/2014/main" id="{F7876CFB-5C00-4B8B-944D-91E0146C608C}"/>
               </a:ext>
             </a:extLst>
           </p:cNvPr>
@@ -23108,13 +23066,6 @@
   <p:clrMapOvr>
     <a:masterClrMapping/>
   </p:clrMapOvr>
-  <p:timing>
-    <p:tnLst>
-      <p:par>
-        <p:cTn id="1" dur="indefinite" restart="never" nodeType="tmRoot"/>
-      </p:par>
-    </p:tnLst>
-  </p:timing>
 </p:sld>
 </file>
 
@@ -23241,13 +23192,6 @@
   <p:clrMapOvr>
     <a:masterClrMapping/>
   </p:clrMapOvr>
-  <p:timing>
-    <p:tnLst>
-      <p:par>
-        <p:cTn id="1" dur="indefinite" restart="never" nodeType="tmRoot"/>
-      </p:par>
-    </p:tnLst>
-  </p:timing>
 </p:sld>
 </file>
 
@@ -24841,13 +24785,6 @@
   <p:clrMapOvr>
     <a:masterClrMapping/>
   </p:clrMapOvr>
-  <p:timing>
-    <p:tnLst>
-      <p:par>
-        <p:cTn id="1" dur="indefinite" restart="never" nodeType="tmRoot"/>
-      </p:par>
-    </p:tnLst>
-  </p:timing>
 </p:sld>
 </file>
 
@@ -24937,13 +24874,6 @@
   <p:clrMapOvr>
     <a:masterClrMapping/>
   </p:clrMapOvr>
-  <p:timing>
-    <p:tnLst>
-      <p:par>
-        <p:cTn id="1" dur="indefinite" restart="never" nodeType="tmRoot"/>
-      </p:par>
-    </p:tnLst>
-  </p:timing>
 </p:sld>
 </file>
 
@@ -25446,6 +25376,125 @@
                 <a:ea typeface="微软雅黑" panose="020B0503020204020204" charset="-122"/>
                 <a:sym typeface="+mn-ea"/>
               </a:rPr>
+              <a:t>医学专业电子词典的现状</a:t>
+            </a:r>
+          </a:p>
+        </p:txBody>
+      </p:sp>
+      <p:sp>
+        <p:nvSpPr>
+          <p:cNvPr id="11" name="文本框 10">
+            <a:extLst>
+              <a:ext uri="{FF2B5EF4-FFF2-40B4-BE49-F238E27FC236}">
+                <a16:creationId xmlns:a16="http://schemas.microsoft.com/office/drawing/2014/main" id="{33EE31F4-1D77-459F-80B8-E0626E16A7AB}"/>
+              </a:ext>
+            </a:extLst>
+          </p:cNvPr>
+          <p:cNvSpPr txBox="1"/>
+          <p:nvPr/>
+        </p:nvSpPr>
+        <p:spPr>
+          <a:xfrm>
+            <a:off x="2648888" y="5220647"/>
+            <a:ext cx="763695" cy="584775"/>
+          </a:xfrm>
+          <a:prstGeom prst="rect">
+            <a:avLst/>
+          </a:prstGeom>
+          <a:noFill/>
+        </p:spPr>
+        <p:txBody>
+          <a:bodyPr wrap="square" rtlCol="0" anchor="ctr">
+            <a:spAutoFit/>
+          </a:bodyPr>
+          <a:lstStyle/>
+          <a:p>
+            <a:pPr marL="0" marR="0" lvl="0" algn="ctr" defTabSz="914400" rtl="0" eaLnBrk="1" latinLnBrk="0" hangingPunct="1">
+              <a:spcBef>
+                <a:spcPts val="0"/>
+              </a:spcBef>
+              <a:spcAft>
+                <a:spcPts val="0"/>
+              </a:spcAft>
+              <a:buClrTx/>
+              <a:buSzTx/>
+              <a:buFontTx/>
+              <a:buNone/>
+              <a:defRPr/>
+            </a:pPr>
+            <a:r>
+              <a:rPr lang="en-US" altLang="zh-CN" sz="3200" noProof="0" dirty="0">
+                <a:ln w="3175">
+                  <a:solidFill>
+                    <a:srgbClr val="383987"/>
+                  </a:solidFill>
+                </a:ln>
+                <a:noFill/>
+                <a:uLnTx/>
+                <a:uFillTx/>
+                <a:latin typeface="Agency FB" panose="020B0503020202020204" charset="0"/>
+                <a:ea typeface="微软雅黑" panose="020B0503020204020204" pitchFamily="34" charset="-122"/>
+                <a:sym typeface="+mn-ea"/>
+              </a:rPr>
+              <a:t>04</a:t>
+            </a:r>
+          </a:p>
+        </p:txBody>
+      </p:sp>
+      <p:sp>
+        <p:nvSpPr>
+          <p:cNvPr id="12" name="文本框 11">
+            <a:extLst>
+              <a:ext uri="{FF2B5EF4-FFF2-40B4-BE49-F238E27FC236}">
+                <a16:creationId xmlns:a16="http://schemas.microsoft.com/office/drawing/2014/main" id="{C9A6335F-BD7B-42B1-93A0-94304D5CDCF1}"/>
+              </a:ext>
+            </a:extLst>
+          </p:cNvPr>
+          <p:cNvSpPr txBox="1"/>
+          <p:nvPr/>
+        </p:nvSpPr>
+        <p:spPr>
+          <a:xfrm>
+            <a:off x="3522464" y="4744150"/>
+            <a:ext cx="4108134" cy="1537768"/>
+          </a:xfrm>
+          <a:prstGeom prst="rect">
+            <a:avLst/>
+          </a:prstGeom>
+          <a:noFill/>
+        </p:spPr>
+        <p:txBody>
+          <a:bodyPr anchor="ctr"/>
+          <a:lstStyle/>
+          <a:p>
+            <a:pPr marL="0" marR="0" lvl="0" indent="0" algn="l" defTabSz="914400" rtl="0" eaLnBrk="1" fontAlgn="t" latinLnBrk="0" hangingPunct="1">
+              <a:spcBef>
+                <a:spcPts val="0"/>
+              </a:spcBef>
+              <a:spcAft>
+                <a:spcPts val="0"/>
+              </a:spcAft>
+              <a:buClrTx/>
+              <a:buSzTx/>
+              <a:buFontTx/>
+              <a:buNone/>
+              <a:defRPr/>
+            </a:pPr>
+            <a:r>
+              <a:rPr kumimoji="0" lang="zh-CN" altLang="en-US" sz="2400" i="0" u="none" strike="noStrike" kern="0" cap="none" spc="0" normalizeH="0" baseline="0" noProof="0" dirty="0">
+                <a:ln>
+                  <a:noFill/>
+                </a:ln>
+                <a:solidFill>
+                  <a:srgbClr val="383987"/>
+                </a:solidFill>
+                <a:effectLst/>
+                <a:uLnTx/>
+                <a:uFillTx/>
+                <a:latin typeface="微软雅黑" panose="020B0503020204020204" charset="-122"/>
+                <a:ea typeface="微软雅黑" panose="020B0503020204020204" charset="-122"/>
+                <a:sym typeface="+mn-ea"/>
+              </a:rPr>
               <a:t>医学专业电子词典的畅想</a:t>
             </a:r>
           </a:p>
@@ -25456,13 +25505,6 @@
   <p:clrMapOvr>
     <a:masterClrMapping/>
   </p:clrMapOvr>
-  <p:timing>
-    <p:tnLst>
-      <p:par>
-        <p:cTn id="1" dur="indefinite" restart="never" nodeType="tmRoot"/>
-      </p:par>
-    </p:tnLst>
-  </p:timing>
 </p:sld>
 </file>
 
@@ -26027,13 +26069,6 @@
   <p:clrMapOvr>
     <a:masterClrMapping/>
   </p:clrMapOvr>
-  <p:timing>
-    <p:tnLst>
-      <p:par>
-        <p:cTn id="1" dur="indefinite" restart="never" nodeType="tmRoot"/>
-      </p:par>
-    </p:tnLst>
-  </p:timing>
 </p:sld>
 </file>
 
@@ -26782,13 +26817,6 @@
   <p:clrMapOvr>
     <a:masterClrMapping/>
   </p:clrMapOvr>
-  <p:timing>
-    <p:tnLst>
-      <p:par>
-        <p:cTn id="1" dur="indefinite" restart="never" nodeType="tmRoot"/>
-      </p:par>
-    </p:tnLst>
-  </p:timing>
 </p:sld>
 </file>
 
@@ -27236,7 +27264,7 @@
           <p:cNvPr id="11" name="组合 10">
             <a:extLst>
               <a:ext uri="{FF2B5EF4-FFF2-40B4-BE49-F238E27FC236}">
-                <a16:creationId xmlns="" xmlns:a16="http://schemas.microsoft.com/office/drawing/2014/main" id="{AF102071-4EB0-4C8F-ACE5-A6CB18278323}"/>
+                <a16:creationId xmlns:a16="http://schemas.microsoft.com/office/drawing/2014/main" id="{AF102071-4EB0-4C8F-ACE5-A6CB18278323}"/>
               </a:ext>
             </a:extLst>
           </p:cNvPr>
@@ -27565,7 +27593,7 @@
           <p:cNvPr id="13" name="组合 12">
             <a:extLst>
               <a:ext uri="{FF2B5EF4-FFF2-40B4-BE49-F238E27FC236}">
-                <a16:creationId xmlns="" xmlns:a16="http://schemas.microsoft.com/office/drawing/2014/main" id="{1207D76C-BF37-4F01-B8BB-FE57B607A375}"/>
+                <a16:creationId xmlns:a16="http://schemas.microsoft.com/office/drawing/2014/main" id="{1207D76C-BF37-4F01-B8BB-FE57B607A375}"/>
               </a:ext>
             </a:extLst>
           </p:cNvPr>
@@ -27848,7 +27876,7 @@
           <a:lstStyle/>
           <a:p>
             <a:r>
-              <a:rPr lang="en-US" altLang="zh-CN" dirty="0" smtClean="0">
+              <a:rPr lang="en-US" altLang="zh-CN" dirty="0">
                 <a:latin typeface="微软雅黑" panose="020B0503020204020204" pitchFamily="34" charset="-122"/>
                 <a:ea typeface="微软雅黑" panose="020B0503020204020204" pitchFamily="34" charset="-122"/>
               </a:rPr>
@@ -27859,51 +27887,16 @@
                 <a:latin typeface="微软雅黑" panose="020B0503020204020204" pitchFamily="34" charset="-122"/>
                 <a:ea typeface="微软雅黑" panose="020B0503020204020204" pitchFamily="34" charset="-122"/>
               </a:rPr>
-              <a:t>的核心数据库，是由来自各</a:t>
-            </a:r>
-            <a:r>
-              <a:rPr lang="zh-CN" altLang="zh-CN" dirty="0" smtClean="0">
-                <a:latin typeface="微软雅黑" panose="020B0503020204020204" pitchFamily="34" charset="-122"/>
-                <a:ea typeface="微软雅黑" panose="020B0503020204020204" pitchFamily="34" charset="-122"/>
-              </a:rPr>
-              <a:t>种词表</a:t>
-            </a:r>
-            <a:r>
-              <a:rPr lang="zh-CN" altLang="zh-CN" dirty="0">
-                <a:latin typeface="微软雅黑" panose="020B0503020204020204" pitchFamily="34" charset="-122"/>
-                <a:ea typeface="微软雅黑" panose="020B0503020204020204" pitchFamily="34" charset="-122"/>
-              </a:rPr>
-              <a:t>的概念和术语以及它们之间的关系所构成的集合</a:t>
-            </a:r>
-            <a:r>
-              <a:rPr lang="zh-CN" altLang="zh-CN" dirty="0" smtClean="0">
-                <a:latin typeface="微软雅黑" panose="020B0503020204020204" pitchFamily="34" charset="-122"/>
-                <a:ea typeface="微软雅黑" panose="020B0503020204020204" pitchFamily="34" charset="-122"/>
-              </a:rPr>
-              <a:t>。其</a:t>
-            </a:r>
-            <a:r>
-              <a:rPr lang="zh-CN" altLang="zh-CN" dirty="0">
-                <a:latin typeface="微软雅黑" panose="020B0503020204020204" pitchFamily="34" charset="-122"/>
-                <a:ea typeface="微软雅黑" panose="020B0503020204020204" pitchFamily="34" charset="-122"/>
-              </a:rPr>
-              <a:t>宗旨是解决因为各系统的差异性和信息资源的分散性所造成的检索困难。</a:t>
+              <a:t>的核心数据库，是由来自各种词表的概念和术语以及它们之间的关系所构成的集合。其宗旨是解决因为各系统的差异性和信息资源的分散性所造成的检索困难。</a:t>
             </a:r>
           </a:p>
           <a:p>
-            <a:r>
-              <a:rPr lang="zh-CN" altLang="en-US" dirty="0" smtClean="0">
-                <a:latin typeface="微软雅黑" panose="020B0503020204020204" pitchFamily="34" charset="-122"/>
-                <a:ea typeface="微软雅黑" panose="020B0503020204020204" pitchFamily="34" charset="-122"/>
-              </a:rPr>
-              <a:t>超级</a:t>
-            </a:r>
             <a:r>
               <a:rPr lang="zh-CN" altLang="en-US" dirty="0">
                 <a:latin typeface="微软雅黑" panose="020B0503020204020204" pitchFamily="34" charset="-122"/>
                 <a:ea typeface="微软雅黑" panose="020B0503020204020204" pitchFamily="34" charset="-122"/>
               </a:rPr>
-              <a:t>叙词表以概念为核心进行组织，每个概念代表不同来源知识组织系统同义词的集合</a:t>
+              <a:t>超级叙词表以概念为核心进行组织，每个概念代表不同来源知识组织系统同义词的集合</a:t>
             </a:r>
           </a:p>
         </p:txBody>
@@ -28012,13 +28005,6 @@
   <p:clrMapOvr>
     <a:masterClrMapping/>
   </p:clrMapOvr>
-  <p:timing>
-    <p:tnLst>
-      <p:par>
-        <p:cTn id="1" dur="indefinite" restart="never" nodeType="tmRoot"/>
-      </p:par>
-    </p:tnLst>
-  </p:timing>
 </p:sld>
 </file>
 
@@ -28150,13 +28136,6 @@
   <p:clrMapOvr>
     <a:masterClrMapping/>
   </p:clrMapOvr>
-  <p:timing>
-    <p:tnLst>
-      <p:par>
-        <p:cTn id="1" dur="indefinite" restart="never" nodeType="tmRoot"/>
-      </p:par>
-    </p:tnLst>
-  </p:timing>
 </p:sld>
 </file>
 
@@ -31016,13 +30995,6 @@
   <p:clrMapOvr>
     <a:masterClrMapping/>
   </p:clrMapOvr>
-  <p:timing>
-    <p:tnLst>
-      <p:par>
-        <p:cTn id="1" dur="indefinite" restart="never" nodeType="tmRoot"/>
-      </p:par>
-    </p:tnLst>
-  </p:timing>
 </p:sld>
 </file>
 
@@ -31048,7 +31020,7 @@
           <p:cNvPr id="6" name="Rounded Rectangle 12">
             <a:extLst>
               <a:ext uri="{FF2B5EF4-FFF2-40B4-BE49-F238E27FC236}">
-                <a16:creationId xmlns="" xmlns:a16="http://schemas.microsoft.com/office/drawing/2014/main" id="{E6FD45EB-4B3B-4DD8-A910-EDA5C8EB7707}"/>
+                <a16:creationId xmlns:a16="http://schemas.microsoft.com/office/drawing/2014/main" id="{E6FD45EB-4B3B-4DD8-A910-EDA5C8EB7707}"/>
               </a:ext>
             </a:extLst>
           </p:cNvPr>
@@ -31111,7 +31083,7 @@
           <p:cNvPr id="7" name="Rounded Rectangle 16">
             <a:extLst>
               <a:ext uri="{FF2B5EF4-FFF2-40B4-BE49-F238E27FC236}">
-                <a16:creationId xmlns="" xmlns:a16="http://schemas.microsoft.com/office/drawing/2014/main" id="{4E284F8D-B632-4833-9BDA-C5CC6FBBFC2F}"/>
+                <a16:creationId xmlns:a16="http://schemas.microsoft.com/office/drawing/2014/main" id="{4E284F8D-B632-4833-9BDA-C5CC6FBBFC2F}"/>
               </a:ext>
             </a:extLst>
           </p:cNvPr>
@@ -31174,7 +31146,7 @@
           <p:cNvPr id="9" name="文本框 8">
             <a:extLst>
               <a:ext uri="{FF2B5EF4-FFF2-40B4-BE49-F238E27FC236}">
-                <a16:creationId xmlns="" xmlns:a16="http://schemas.microsoft.com/office/drawing/2014/main" id="{D94569BB-535D-4D52-8D4F-1F9923A08119}"/>
+                <a16:creationId xmlns:a16="http://schemas.microsoft.com/office/drawing/2014/main" id="{D94569BB-535D-4D52-8D4F-1F9923A08119}"/>
               </a:ext>
             </a:extLst>
           </p:cNvPr>
@@ -31331,7 +31303,7 @@
           <p:cNvPr id="11" name="文本框 10">
             <a:extLst>
               <a:ext uri="{FF2B5EF4-FFF2-40B4-BE49-F238E27FC236}">
-                <a16:creationId xmlns="" xmlns:a16="http://schemas.microsoft.com/office/drawing/2014/main" id="{23E09859-6C96-41D8-8401-3AAF912A453A}"/>
+                <a16:creationId xmlns:a16="http://schemas.microsoft.com/office/drawing/2014/main" id="{23E09859-6C96-41D8-8401-3AAF912A453A}"/>
               </a:ext>
             </a:extLst>
           </p:cNvPr>
@@ -31488,7 +31460,7 @@
           <p:cNvPr id="13" name="文本框 12">
             <a:extLst>
               <a:ext uri="{FF2B5EF4-FFF2-40B4-BE49-F238E27FC236}">
-                <a16:creationId xmlns="" xmlns:a16="http://schemas.microsoft.com/office/drawing/2014/main" id="{99A86963-B1B8-4349-AAE8-E18C812A6C5A}"/>
+                <a16:creationId xmlns:a16="http://schemas.microsoft.com/office/drawing/2014/main" id="{99A86963-B1B8-4349-AAE8-E18C812A6C5A}"/>
               </a:ext>
             </a:extLst>
           </p:cNvPr>
@@ -31545,7 +31517,7 @@
           <p:cNvPr id="14" name="矩形 13">
             <a:extLst>
               <a:ext uri="{FF2B5EF4-FFF2-40B4-BE49-F238E27FC236}">
-                <a16:creationId xmlns="" xmlns:a16="http://schemas.microsoft.com/office/drawing/2014/main" id="{3A33F266-8553-485A-86D9-E9E07B77F2D6}"/>
+                <a16:creationId xmlns:a16="http://schemas.microsoft.com/office/drawing/2014/main" id="{3A33F266-8553-485A-86D9-E9E07B77F2D6}"/>
               </a:ext>
             </a:extLst>
           </p:cNvPr>
@@ -31579,7 +31551,7 @@
           <p:cNvPr id="16" name="矩形 15">
             <a:extLst>
               <a:ext uri="{FF2B5EF4-FFF2-40B4-BE49-F238E27FC236}">
-                <a16:creationId xmlns="" xmlns:a16="http://schemas.microsoft.com/office/drawing/2014/main" id="{C619AE70-C8E5-4169-8061-82946C8F8782}"/>
+                <a16:creationId xmlns:a16="http://schemas.microsoft.com/office/drawing/2014/main" id="{C619AE70-C8E5-4169-8061-82946C8F8782}"/>
               </a:ext>
             </a:extLst>
           </p:cNvPr>
@@ -31656,7 +31628,7 @@
           <p:cNvPr id="12" name="Rounded Rectangle 12">
             <a:extLst>
               <a:ext uri="{FF2B5EF4-FFF2-40B4-BE49-F238E27FC236}">
-                <a16:creationId xmlns="" xmlns:a16="http://schemas.microsoft.com/office/drawing/2014/main" id="{73BDC5C9-072C-4EDB-B3CA-BFBEACEFAD5E}"/>
+                <a16:creationId xmlns:a16="http://schemas.microsoft.com/office/drawing/2014/main" id="{73BDC5C9-072C-4EDB-B3CA-BFBEACEFAD5E}"/>
               </a:ext>
             </a:extLst>
           </p:cNvPr>
@@ -31720,7 +31692,7 @@
           <p:cNvPr id="15" name="文本框 14">
             <a:extLst>
               <a:ext uri="{FF2B5EF4-FFF2-40B4-BE49-F238E27FC236}">
-                <a16:creationId xmlns="" xmlns:a16="http://schemas.microsoft.com/office/drawing/2014/main" id="{C7C5E76A-5286-48C9-8883-95C90A40DCBD}"/>
+                <a16:creationId xmlns:a16="http://schemas.microsoft.com/office/drawing/2014/main" id="{C7C5E76A-5286-48C9-8883-95C90A40DCBD}"/>
               </a:ext>
             </a:extLst>
           </p:cNvPr>
@@ -31882,13 +31854,6 @@
   <p:clrMapOvr>
     <a:masterClrMapping/>
   </p:clrMapOvr>
-  <p:timing>
-    <p:tnLst>
-      <p:par>
-        <p:cTn id="1" dur="indefinite" restart="never" nodeType="tmRoot"/>
-      </p:par>
-    </p:tnLst>
-  </p:timing>
 </p:sld>
 </file>
 
@@ -31914,7 +31879,7 @@
           <p:cNvPr id="6" name="Rounded Rectangle 12">
             <a:extLst>
               <a:ext uri="{FF2B5EF4-FFF2-40B4-BE49-F238E27FC236}">
-                <a16:creationId xmlns="" xmlns:a16="http://schemas.microsoft.com/office/drawing/2014/main" id="{E6FD45EB-4B3B-4DD8-A910-EDA5C8EB7707}"/>
+                <a16:creationId xmlns:a16="http://schemas.microsoft.com/office/drawing/2014/main" id="{E6FD45EB-4B3B-4DD8-A910-EDA5C8EB7707}"/>
               </a:ext>
             </a:extLst>
           </p:cNvPr>
@@ -31977,7 +31942,7 @@
           <p:cNvPr id="7" name="Rounded Rectangle 16">
             <a:extLst>
               <a:ext uri="{FF2B5EF4-FFF2-40B4-BE49-F238E27FC236}">
-                <a16:creationId xmlns="" xmlns:a16="http://schemas.microsoft.com/office/drawing/2014/main" id="{4E284F8D-B632-4833-9BDA-C5CC6FBBFC2F}"/>
+                <a16:creationId xmlns:a16="http://schemas.microsoft.com/office/drawing/2014/main" id="{4E284F8D-B632-4833-9BDA-C5CC6FBBFC2F}"/>
               </a:ext>
             </a:extLst>
           </p:cNvPr>
@@ -32047,7 +32012,7 @@
           <p:cNvPr id="8" name="文本框 7">
             <a:extLst>
               <a:ext uri="{FF2B5EF4-FFF2-40B4-BE49-F238E27FC236}">
-                <a16:creationId xmlns="" xmlns:a16="http://schemas.microsoft.com/office/drawing/2014/main" id="{F9B4833B-9A8C-4FB8-B16C-F5D22E97BF2D}"/>
+                <a16:creationId xmlns:a16="http://schemas.microsoft.com/office/drawing/2014/main" id="{F9B4833B-9A8C-4FB8-B16C-F5D22E97BF2D}"/>
               </a:ext>
             </a:extLst>
           </p:cNvPr>
@@ -32215,7 +32180,7 @@
           <p:cNvPr id="10" name="文本框 9">
             <a:extLst>
               <a:ext uri="{FF2B5EF4-FFF2-40B4-BE49-F238E27FC236}">
-                <a16:creationId xmlns="" xmlns:a16="http://schemas.microsoft.com/office/drawing/2014/main" id="{36746D78-A16E-4069-9EBA-58DD2D39F13B}"/>
+                <a16:creationId xmlns:a16="http://schemas.microsoft.com/office/drawing/2014/main" id="{36746D78-A16E-4069-9EBA-58DD2D39F13B}"/>
               </a:ext>
             </a:extLst>
           </p:cNvPr>
@@ -32407,7 +32372,7 @@
           <p:cNvPr id="14" name="矩形 13">
             <a:extLst>
               <a:ext uri="{FF2B5EF4-FFF2-40B4-BE49-F238E27FC236}">
-                <a16:creationId xmlns="" xmlns:a16="http://schemas.microsoft.com/office/drawing/2014/main" id="{3A33F266-8553-485A-86D9-E9E07B77F2D6}"/>
+                <a16:creationId xmlns:a16="http://schemas.microsoft.com/office/drawing/2014/main" id="{3A33F266-8553-485A-86D9-E9E07B77F2D6}"/>
               </a:ext>
             </a:extLst>
           </p:cNvPr>
@@ -32441,7 +32406,7 @@
           <p:cNvPr id="16" name="矩形 15">
             <a:extLst>
               <a:ext uri="{FF2B5EF4-FFF2-40B4-BE49-F238E27FC236}">
-                <a16:creationId xmlns="" xmlns:a16="http://schemas.microsoft.com/office/drawing/2014/main" id="{C619AE70-C8E5-4169-8061-82946C8F8782}"/>
+                <a16:creationId xmlns:a16="http://schemas.microsoft.com/office/drawing/2014/main" id="{C619AE70-C8E5-4169-8061-82946C8F8782}"/>
               </a:ext>
             </a:extLst>
           </p:cNvPr>
@@ -32523,13 +32488,6 @@
   <p:clrMapOvr>
     <a:masterClrMapping/>
   </p:clrMapOvr>
-  <p:timing>
-    <p:tnLst>
-      <p:par>
-        <p:cTn id="1" dur="indefinite" restart="never" nodeType="tmRoot"/>
-      </p:par>
-    </p:tnLst>
-  </p:timing>
 </p:sld>
 </file>
 
@@ -32555,7 +32513,7 @@
           <p:cNvPr id="6" name="Rounded Rectangle 12">
             <a:extLst>
               <a:ext uri="{FF2B5EF4-FFF2-40B4-BE49-F238E27FC236}">
-                <a16:creationId xmlns="" xmlns:a16="http://schemas.microsoft.com/office/drawing/2014/main" id="{E6FD45EB-4B3B-4DD8-A910-EDA5C8EB7707}"/>
+                <a16:creationId xmlns:a16="http://schemas.microsoft.com/office/drawing/2014/main" id="{E6FD45EB-4B3B-4DD8-A910-EDA5C8EB7707}"/>
               </a:ext>
             </a:extLst>
           </p:cNvPr>
@@ -32614,7 +32572,7 @@
           <p:cNvPr id="7" name="Rounded Rectangle 16">
             <a:extLst>
               <a:ext uri="{FF2B5EF4-FFF2-40B4-BE49-F238E27FC236}">
-                <a16:creationId xmlns="" xmlns:a16="http://schemas.microsoft.com/office/drawing/2014/main" id="{4E284F8D-B632-4833-9BDA-C5CC6FBBFC2F}"/>
+                <a16:creationId xmlns:a16="http://schemas.microsoft.com/office/drawing/2014/main" id="{4E284F8D-B632-4833-9BDA-C5CC6FBBFC2F}"/>
               </a:ext>
             </a:extLst>
           </p:cNvPr>
@@ -32684,7 +32642,7 @@
           <p:cNvPr id="9" name="文本框 8">
             <a:extLst>
               <a:ext uri="{FF2B5EF4-FFF2-40B4-BE49-F238E27FC236}">
-                <a16:creationId xmlns="" xmlns:a16="http://schemas.microsoft.com/office/drawing/2014/main" id="{D94569BB-535D-4D52-8D4F-1F9923A08119}"/>
+                <a16:creationId xmlns:a16="http://schemas.microsoft.com/office/drawing/2014/main" id="{D94569BB-535D-4D52-8D4F-1F9923A08119}"/>
               </a:ext>
             </a:extLst>
           </p:cNvPr>
@@ -32819,7 +32777,7 @@
           <p:cNvPr id="10" name="文本框 9">
             <a:extLst>
               <a:ext uri="{FF2B5EF4-FFF2-40B4-BE49-F238E27FC236}">
-                <a16:creationId xmlns="" xmlns:a16="http://schemas.microsoft.com/office/drawing/2014/main" id="{36746D78-A16E-4069-9EBA-58DD2D39F13B}"/>
+                <a16:creationId xmlns:a16="http://schemas.microsoft.com/office/drawing/2014/main" id="{36746D78-A16E-4069-9EBA-58DD2D39F13B}"/>
               </a:ext>
             </a:extLst>
           </p:cNvPr>
@@ -32976,7 +32934,7 @@
           <p:cNvPr id="14" name="矩形 13">
             <a:extLst>
               <a:ext uri="{FF2B5EF4-FFF2-40B4-BE49-F238E27FC236}">
-                <a16:creationId xmlns="" xmlns:a16="http://schemas.microsoft.com/office/drawing/2014/main" id="{3A33F266-8553-485A-86D9-E9E07B77F2D6}"/>
+                <a16:creationId xmlns:a16="http://schemas.microsoft.com/office/drawing/2014/main" id="{3A33F266-8553-485A-86D9-E9E07B77F2D6}"/>
               </a:ext>
             </a:extLst>
           </p:cNvPr>
@@ -33010,7 +32968,7 @@
           <p:cNvPr id="16" name="矩形 15">
             <a:extLst>
               <a:ext uri="{FF2B5EF4-FFF2-40B4-BE49-F238E27FC236}">
-                <a16:creationId xmlns="" xmlns:a16="http://schemas.microsoft.com/office/drawing/2014/main" id="{C619AE70-C8E5-4169-8061-82946C8F8782}"/>
+                <a16:creationId xmlns:a16="http://schemas.microsoft.com/office/drawing/2014/main" id="{C619AE70-C8E5-4169-8061-82946C8F8782}"/>
               </a:ext>
             </a:extLst>
           </p:cNvPr>
@@ -33092,13 +33050,6 @@
   <p:clrMapOvr>
     <a:masterClrMapping/>
   </p:clrMapOvr>
-  <p:timing>
-    <p:tnLst>
-      <p:par>
-        <p:cTn id="1" dur="indefinite" restart="never" nodeType="tmRoot"/>
-      </p:par>
-    </p:tnLst>
-  </p:timing>
 </p:sld>
 </file>
 
@@ -33124,7 +33075,7 @@
           <p:cNvPr id="5" name="内容占位符 4" descr="图片包含 屏幕截图&#10;&#10;自动生成的说明">
             <a:extLst>
               <a:ext uri="{FF2B5EF4-FFF2-40B4-BE49-F238E27FC236}">
-                <a16:creationId xmlns="" xmlns:a16="http://schemas.microsoft.com/office/drawing/2014/main" id="{02845697-ABF6-4BE8-A4DF-3A96F1504884}"/>
+                <a16:creationId xmlns:a16="http://schemas.microsoft.com/office/drawing/2014/main" id="{02845697-ABF6-4BE8-A4DF-3A96F1504884}"/>
               </a:ext>
             </a:extLst>
           </p:cNvPr>
@@ -33164,13 +33115,6 @@
   <p:clrMapOvr>
     <a:masterClrMapping/>
   </p:clrMapOvr>
-  <p:timing>
-    <p:tnLst>
-      <p:par>
-        <p:cTn id="1" dur="indefinite" restart="never" nodeType="tmRoot"/>
-      </p:par>
-    </p:tnLst>
-  </p:timing>
 </p:sld>
 </file>
 
@@ -33196,7 +33140,7 @@
           <p:cNvPr id="5" name="图片 4" descr="图片包含 文字&#10;&#10;自动生成的说明">
             <a:extLst>
               <a:ext uri="{FF2B5EF4-FFF2-40B4-BE49-F238E27FC236}">
-                <a16:creationId xmlns="" xmlns:a16="http://schemas.microsoft.com/office/drawing/2014/main" id="{869D53BA-0CDE-41BA-9412-D00A8B9B3467}"/>
+                <a16:creationId xmlns:a16="http://schemas.microsoft.com/office/drawing/2014/main" id="{869D53BA-0CDE-41BA-9412-D00A8B9B3467}"/>
               </a:ext>
             </a:extLst>
           </p:cNvPr>
@@ -33237,13 +33181,6 @@
   <p:clrMapOvr>
     <a:masterClrMapping/>
   </p:clrMapOvr>
-  <p:timing>
-    <p:tnLst>
-      <p:par>
-        <p:cTn id="1" dur="indefinite" restart="never" nodeType="tmRoot"/>
-      </p:par>
-    </p:tnLst>
-  </p:timing>
 </p:sld>
 </file>
 
@@ -33370,13 +33307,6 @@
   <p:clrMapOvr>
     <a:masterClrMapping/>
   </p:clrMapOvr>
-  <p:timing>
-    <p:tnLst>
-      <p:par>
-        <p:cTn id="1" dur="indefinite" restart="never" nodeType="tmRoot"/>
-      </p:par>
-    </p:tnLst>
-  </p:timing>
 </p:sld>
 </file>
 
@@ -33402,7 +33332,7 @@
           <p:cNvPr id="7" name="文本框 6">
             <a:extLst>
               <a:ext uri="{FF2B5EF4-FFF2-40B4-BE49-F238E27FC236}">
-                <a16:creationId xmlns="" xmlns:a16="http://schemas.microsoft.com/office/drawing/2014/main" id="{41273B1A-0A9A-4893-85C8-2032A006493D}"/>
+                <a16:creationId xmlns:a16="http://schemas.microsoft.com/office/drawing/2014/main" id="{41273B1A-0A9A-4893-85C8-2032A006493D}"/>
               </a:ext>
             </a:extLst>
           </p:cNvPr>
@@ -33443,7 +33373,7 @@
           <p:cNvPr id="8" name="文本框 7">
             <a:extLst>
               <a:ext uri="{FF2B5EF4-FFF2-40B4-BE49-F238E27FC236}">
-                <a16:creationId xmlns="" xmlns:a16="http://schemas.microsoft.com/office/drawing/2014/main" id="{2030E6C3-6D08-42B0-AE21-0AF65A099FF5}"/>
+                <a16:creationId xmlns:a16="http://schemas.microsoft.com/office/drawing/2014/main" id="{2030E6C3-6D08-42B0-AE21-0AF65A099FF5}"/>
               </a:ext>
             </a:extLst>
           </p:cNvPr>
@@ -33673,13 +33603,6 @@
   <p:clrMapOvr>
     <a:masterClrMapping/>
   </p:clrMapOvr>
-  <p:timing>
-    <p:tnLst>
-      <p:par>
-        <p:cTn id="1" dur="indefinite" restart="never" nodeType="tmRoot"/>
-      </p:par>
-    </p:tnLst>
-  </p:timing>
 </p:sld>
 </file>
 
@@ -33705,7 +33628,7 @@
           <p:cNvPr id="2" name="椭圆 1">
             <a:extLst>
               <a:ext uri="{FF2B5EF4-FFF2-40B4-BE49-F238E27FC236}">
-                <a16:creationId xmlns="" xmlns:a16="http://schemas.microsoft.com/office/drawing/2014/main" id="{7FA72E45-BA5D-4DBB-B8D5-3CC7C0A63E6A}"/>
+                <a16:creationId xmlns:a16="http://schemas.microsoft.com/office/drawing/2014/main" id="{7FA72E45-BA5D-4DBB-B8D5-3CC7C0A63E6A}"/>
               </a:ext>
             </a:extLst>
           </p:cNvPr>
@@ -33761,7 +33684,7 @@
           <p:cNvPr id="3" name="文本框 2">
             <a:extLst>
               <a:ext uri="{FF2B5EF4-FFF2-40B4-BE49-F238E27FC236}">
-                <a16:creationId xmlns="" xmlns:a16="http://schemas.microsoft.com/office/drawing/2014/main" id="{91659A41-69E8-4CE1-A8A2-63974D6F5889}"/>
+                <a16:creationId xmlns:a16="http://schemas.microsoft.com/office/drawing/2014/main" id="{91659A41-69E8-4CE1-A8A2-63974D6F5889}"/>
               </a:ext>
             </a:extLst>
           </p:cNvPr>
@@ -33802,7 +33725,7 @@
           <p:cNvPr id="4" name="椭圆 3">
             <a:extLst>
               <a:ext uri="{FF2B5EF4-FFF2-40B4-BE49-F238E27FC236}">
-                <a16:creationId xmlns="" xmlns:a16="http://schemas.microsoft.com/office/drawing/2014/main" id="{CBF29D2C-4A12-405A-9244-78104A486F0E}"/>
+                <a16:creationId xmlns:a16="http://schemas.microsoft.com/office/drawing/2014/main" id="{CBF29D2C-4A12-405A-9244-78104A486F0E}"/>
               </a:ext>
             </a:extLst>
           </p:cNvPr>
@@ -33860,7 +33783,7 @@
           <p:cNvPr id="13" name="椭圆 12">
             <a:extLst>
               <a:ext uri="{FF2B5EF4-FFF2-40B4-BE49-F238E27FC236}">
-                <a16:creationId xmlns="" xmlns:a16="http://schemas.microsoft.com/office/drawing/2014/main" id="{CFF23A4E-1782-4970-9965-7B9806374928}"/>
+                <a16:creationId xmlns:a16="http://schemas.microsoft.com/office/drawing/2014/main" id="{CFF23A4E-1782-4970-9965-7B9806374928}"/>
               </a:ext>
             </a:extLst>
           </p:cNvPr>
@@ -33918,7 +33841,7 @@
           <p:cNvPr id="14" name="椭圆 13">
             <a:extLst>
               <a:ext uri="{FF2B5EF4-FFF2-40B4-BE49-F238E27FC236}">
-                <a16:creationId xmlns="" xmlns:a16="http://schemas.microsoft.com/office/drawing/2014/main" id="{A87DE1FC-0A46-4A16-A6F3-83FE6831B0B9}"/>
+                <a16:creationId xmlns:a16="http://schemas.microsoft.com/office/drawing/2014/main" id="{A87DE1FC-0A46-4A16-A6F3-83FE6831B0B9}"/>
               </a:ext>
             </a:extLst>
           </p:cNvPr>
@@ -33976,7 +33899,7 @@
           <p:cNvPr id="15" name="椭圆 14">
             <a:extLst>
               <a:ext uri="{FF2B5EF4-FFF2-40B4-BE49-F238E27FC236}">
-                <a16:creationId xmlns="" xmlns:a16="http://schemas.microsoft.com/office/drawing/2014/main" id="{D4D6D67D-564B-475B-826C-77764DE4EF2C}"/>
+                <a16:creationId xmlns:a16="http://schemas.microsoft.com/office/drawing/2014/main" id="{D4D6D67D-564B-475B-826C-77764DE4EF2C}"/>
               </a:ext>
             </a:extLst>
           </p:cNvPr>
@@ -34034,7 +33957,7 @@
           <p:cNvPr id="16" name="椭圆 15">
             <a:extLst>
               <a:ext uri="{FF2B5EF4-FFF2-40B4-BE49-F238E27FC236}">
-                <a16:creationId xmlns="" xmlns:a16="http://schemas.microsoft.com/office/drawing/2014/main" id="{28285C35-0D2D-4AF9-8D67-BCF22B7C9035}"/>
+                <a16:creationId xmlns:a16="http://schemas.microsoft.com/office/drawing/2014/main" id="{28285C35-0D2D-4AF9-8D67-BCF22B7C9035}"/>
               </a:ext>
             </a:extLst>
           </p:cNvPr>
@@ -34092,7 +34015,7 @@
           <p:cNvPr id="20" name="组合 19">
             <a:extLst>
               <a:ext uri="{FF2B5EF4-FFF2-40B4-BE49-F238E27FC236}">
-                <a16:creationId xmlns="" xmlns:a16="http://schemas.microsoft.com/office/drawing/2014/main" id="{0FA7F2A0-BF41-43EE-ABD9-C5A661FABC8C}"/>
+                <a16:creationId xmlns:a16="http://schemas.microsoft.com/office/drawing/2014/main" id="{0FA7F2A0-BF41-43EE-ABD9-C5A661FABC8C}"/>
               </a:ext>
             </a:extLst>
           </p:cNvPr>
@@ -34112,7 +34035,7 @@
             <p:cNvPr id="18" name="矩形: 圆角 17">
               <a:extLst>
                 <a:ext uri="{FF2B5EF4-FFF2-40B4-BE49-F238E27FC236}">
-                  <a16:creationId xmlns="" xmlns:a16="http://schemas.microsoft.com/office/drawing/2014/main" id="{B74874E4-6A96-461A-8AF1-A816EBFAFC57}"/>
+                  <a16:creationId xmlns:a16="http://schemas.microsoft.com/office/drawing/2014/main" id="{B74874E4-6A96-461A-8AF1-A816EBFAFC57}"/>
                 </a:ext>
               </a:extLst>
             </p:cNvPr>
@@ -34164,7 +34087,7 @@
             <p:cNvPr id="19" name="文本框 18">
               <a:extLst>
                 <a:ext uri="{FF2B5EF4-FFF2-40B4-BE49-F238E27FC236}">
-                  <a16:creationId xmlns="" xmlns:a16="http://schemas.microsoft.com/office/drawing/2014/main" id="{1B09DDA9-3B1F-42A8-9AA3-B81E14C7A8C1}"/>
+                  <a16:creationId xmlns:a16="http://schemas.microsoft.com/office/drawing/2014/main" id="{1B09DDA9-3B1F-42A8-9AA3-B81E14C7A8C1}"/>
                 </a:ext>
               </a:extLst>
             </p:cNvPr>
@@ -34327,7 +34250,7 @@
           <p:cNvPr id="21" name="矩形: 圆角 20">
             <a:extLst>
               <a:ext uri="{FF2B5EF4-FFF2-40B4-BE49-F238E27FC236}">
-                <a16:creationId xmlns="" xmlns:a16="http://schemas.microsoft.com/office/drawing/2014/main" id="{E977BA27-9793-44E6-A225-D0E0BB1FF3CD}"/>
+                <a16:creationId xmlns:a16="http://schemas.microsoft.com/office/drawing/2014/main" id="{E977BA27-9793-44E6-A225-D0E0BB1FF3CD}"/>
               </a:ext>
             </a:extLst>
           </p:cNvPr>
@@ -34379,7 +34302,7 @@
           <p:cNvPr id="22" name="文本框 21">
             <a:extLst>
               <a:ext uri="{FF2B5EF4-FFF2-40B4-BE49-F238E27FC236}">
-                <a16:creationId xmlns="" xmlns:a16="http://schemas.microsoft.com/office/drawing/2014/main" id="{6EB62D2B-32EE-4F67-924E-3ED0419A1972}"/>
+                <a16:creationId xmlns:a16="http://schemas.microsoft.com/office/drawing/2014/main" id="{6EB62D2B-32EE-4F67-924E-3ED0419A1972}"/>
               </a:ext>
             </a:extLst>
           </p:cNvPr>
@@ -34423,7 +34346,7 @@
           <p:cNvPr id="23" name="矩形: 圆角 22">
             <a:extLst>
               <a:ext uri="{FF2B5EF4-FFF2-40B4-BE49-F238E27FC236}">
-                <a16:creationId xmlns="" xmlns:a16="http://schemas.microsoft.com/office/drawing/2014/main" id="{124F1534-677C-42BA-A08C-A4F67FA7F98C}"/>
+                <a16:creationId xmlns:a16="http://schemas.microsoft.com/office/drawing/2014/main" id="{124F1534-677C-42BA-A08C-A4F67FA7F98C}"/>
               </a:ext>
             </a:extLst>
           </p:cNvPr>
@@ -34475,7 +34398,7 @@
           <p:cNvPr id="24" name="文本框 23">
             <a:extLst>
               <a:ext uri="{FF2B5EF4-FFF2-40B4-BE49-F238E27FC236}">
-                <a16:creationId xmlns="" xmlns:a16="http://schemas.microsoft.com/office/drawing/2014/main" id="{EC0D9FAB-0A33-4269-9633-360D15B930A4}"/>
+                <a16:creationId xmlns:a16="http://schemas.microsoft.com/office/drawing/2014/main" id="{EC0D9FAB-0A33-4269-9633-360D15B930A4}"/>
               </a:ext>
             </a:extLst>
           </p:cNvPr>
@@ -34575,7 +34498,7 @@
           <p:cNvPr id="25" name="矩形: 圆角 24">
             <a:extLst>
               <a:ext uri="{FF2B5EF4-FFF2-40B4-BE49-F238E27FC236}">
-                <a16:creationId xmlns="" xmlns:a16="http://schemas.microsoft.com/office/drawing/2014/main" id="{FF024270-F1AE-4C60-90EC-B121618F5159}"/>
+                <a16:creationId xmlns:a16="http://schemas.microsoft.com/office/drawing/2014/main" id="{FF024270-F1AE-4C60-90EC-B121618F5159}"/>
               </a:ext>
             </a:extLst>
           </p:cNvPr>
@@ -34627,7 +34550,7 @@
           <p:cNvPr id="26" name="文本框 25">
             <a:extLst>
               <a:ext uri="{FF2B5EF4-FFF2-40B4-BE49-F238E27FC236}">
-                <a16:creationId xmlns="" xmlns:a16="http://schemas.microsoft.com/office/drawing/2014/main" id="{1FF3640D-F3A9-4685-9837-32EA4A78D4B7}"/>
+                <a16:creationId xmlns:a16="http://schemas.microsoft.com/office/drawing/2014/main" id="{1FF3640D-F3A9-4685-9837-32EA4A78D4B7}"/>
               </a:ext>
             </a:extLst>
           </p:cNvPr>
@@ -36367,16 +36290,12 @@
           <a:lstStyle/>
           <a:p>
             <a:r>
-              <a:rPr lang="zh-CN" altLang="en-US" dirty="0" smtClean="0">
+              <a:rPr lang="zh-CN" altLang="en-US" dirty="0">
                 <a:latin typeface="微软雅黑" panose="020B0503020204020204" pitchFamily="34" charset="-122"/>
                 <a:ea typeface="微软雅黑" panose="020B0503020204020204" pitchFamily="34" charset="-122"/>
               </a:rPr>
               <a:t>参考文献</a:t>
             </a:r>
-            <a:endParaRPr lang="zh-CN" altLang="en-US" dirty="0">
-              <a:latin typeface="微软雅黑" panose="020B0503020204020204" pitchFamily="34" charset="-122"/>
-              <a:ea typeface="微软雅黑" panose="020B0503020204020204" pitchFamily="34" charset="-122"/>
-            </a:endParaRPr>
           </a:p>
         </p:txBody>
       </p:sp>
@@ -36929,13 +36848,6 @@
   <p:clrMapOvr>
     <a:masterClrMapping/>
   </p:clrMapOvr>
-  <p:timing>
-    <p:tnLst>
-      <p:par>
-        <p:cTn id="1" dur="indefinite" restart="never" nodeType="tmRoot"/>
-      </p:par>
-    </p:tnLst>
-  </p:timing>
 </p:sld>
 </file>
 
@@ -37023,13 +36935,6 @@
   <p:clrMapOvr>
     <a:masterClrMapping/>
   </p:clrMapOvr>
-  <p:timing>
-    <p:tnLst>
-      <p:par>
-        <p:cTn id="1" dur="indefinite" restart="never" nodeType="tmRoot"/>
-      </p:par>
-    </p:tnLst>
-  </p:timing>
 </p:sld>
 </file>
 
@@ -37440,7 +37345,7 @@
           <p:cNvPr id="19" name="文本框 18">
             <a:extLst>
               <a:ext uri="{FF2B5EF4-FFF2-40B4-BE49-F238E27FC236}">
-                <a16:creationId xmlns="" xmlns:a16="http://schemas.microsoft.com/office/drawing/2014/main" id="{D96C8DEE-2B12-4999-A8A3-EB70C0DD6154}"/>
+                <a16:creationId xmlns:a16="http://schemas.microsoft.com/office/drawing/2014/main" id="{D96C8DEE-2B12-4999-A8A3-EB70C0DD6154}"/>
               </a:ext>
             </a:extLst>
           </p:cNvPr>
@@ -37489,7 +37394,7 @@
           <p:cNvPr id="23" name="文本框 22">
             <a:extLst>
               <a:ext uri="{FF2B5EF4-FFF2-40B4-BE49-F238E27FC236}">
-                <a16:creationId xmlns="" xmlns:a16="http://schemas.microsoft.com/office/drawing/2014/main" id="{9727FEFB-5E60-4158-B373-1EC985E77D5C}"/>
+                <a16:creationId xmlns:a16="http://schemas.microsoft.com/office/drawing/2014/main" id="{9727FEFB-5E60-4158-B373-1EC985E77D5C}"/>
               </a:ext>
             </a:extLst>
           </p:cNvPr>
@@ -37538,7 +37443,7 @@
           <p:cNvPr id="24" name="文本框 23">
             <a:extLst>
               <a:ext uri="{FF2B5EF4-FFF2-40B4-BE49-F238E27FC236}">
-                <a16:creationId xmlns="" xmlns:a16="http://schemas.microsoft.com/office/drawing/2014/main" id="{DD98CE8E-EDEF-48EF-8E06-D36DEB775E77}"/>
+                <a16:creationId xmlns:a16="http://schemas.microsoft.com/office/drawing/2014/main" id="{DD98CE8E-EDEF-48EF-8E06-D36DEB775E77}"/>
               </a:ext>
             </a:extLst>
           </p:cNvPr>
@@ -37592,13 +37497,6 @@
   <p:clrMapOvr>
     <a:masterClrMapping/>
   </p:clrMapOvr>
-  <p:timing>
-    <p:tnLst>
-      <p:par>
-        <p:cTn id="1" dur="indefinite" restart="never" nodeType="tmRoot"/>
-      </p:par>
-    </p:tnLst>
-  </p:timing>
 </p:sld>
 </file>
 
@@ -37624,7 +37522,7 @@
           <p:cNvPr id="4" name="椭圆 3">
             <a:extLst>
               <a:ext uri="{FF2B5EF4-FFF2-40B4-BE49-F238E27FC236}">
-                <a16:creationId xmlns="" xmlns:a16="http://schemas.microsoft.com/office/drawing/2014/main" id="{8D2B5B3F-3CB5-42B7-BBDF-D12156F91010}"/>
+                <a16:creationId xmlns:a16="http://schemas.microsoft.com/office/drawing/2014/main" id="{8D2B5B3F-3CB5-42B7-BBDF-D12156F91010}"/>
               </a:ext>
             </a:extLst>
           </p:cNvPr>
@@ -37676,7 +37574,7 @@
           <p:cNvPr id="7" name="文本框 6">
             <a:extLst>
               <a:ext uri="{FF2B5EF4-FFF2-40B4-BE49-F238E27FC236}">
-                <a16:creationId xmlns="" xmlns:a16="http://schemas.microsoft.com/office/drawing/2014/main" id="{379ECFDC-06CB-48E6-8748-DBF7CA915365}"/>
+                <a16:creationId xmlns:a16="http://schemas.microsoft.com/office/drawing/2014/main" id="{379ECFDC-06CB-48E6-8748-DBF7CA915365}"/>
               </a:ext>
             </a:extLst>
           </p:cNvPr>
@@ -37714,7 +37612,7 @@
           <p:cNvPr id="9" name="椭圆 8">
             <a:extLst>
               <a:ext uri="{FF2B5EF4-FFF2-40B4-BE49-F238E27FC236}">
-                <a16:creationId xmlns="" xmlns:a16="http://schemas.microsoft.com/office/drawing/2014/main" id="{62AD7252-080D-445E-9D18-19ACC6A0906E}"/>
+                <a16:creationId xmlns:a16="http://schemas.microsoft.com/office/drawing/2014/main" id="{62AD7252-080D-445E-9D18-19ACC6A0906E}"/>
               </a:ext>
             </a:extLst>
           </p:cNvPr>
@@ -37766,7 +37664,7 @@
           <p:cNvPr id="12" name="文本框 11">
             <a:extLst>
               <a:ext uri="{FF2B5EF4-FFF2-40B4-BE49-F238E27FC236}">
-                <a16:creationId xmlns="" xmlns:a16="http://schemas.microsoft.com/office/drawing/2014/main" id="{642799FD-76FA-420D-9286-AD4AC1DF402E}"/>
+                <a16:creationId xmlns:a16="http://schemas.microsoft.com/office/drawing/2014/main" id="{642799FD-76FA-420D-9286-AD4AC1DF402E}"/>
               </a:ext>
             </a:extLst>
           </p:cNvPr>
@@ -37927,10 +37825,6 @@
             </a:r>
           </a:p>
           <a:p>
-            <a:r>
-              <a:rPr lang="zh-CN" altLang="en-US" sz="2800" dirty="0"/>
-              <a:t/>
-            </a:r>
             <a:br>
               <a:rPr lang="zh-CN" altLang="en-US" sz="2800" dirty="0"/>
             </a:br>
@@ -38037,7 +37931,7 @@
           <p:cNvPr id="3" name="文本框 2">
             <a:extLst>
               <a:ext uri="{FF2B5EF4-FFF2-40B4-BE49-F238E27FC236}">
-                <a16:creationId xmlns="" xmlns:a16="http://schemas.microsoft.com/office/drawing/2014/main" id="{A351FB82-D77B-4358-8F4B-DF0F2F56BEDB}"/>
+                <a16:creationId xmlns:a16="http://schemas.microsoft.com/office/drawing/2014/main" id="{A351FB82-D77B-4358-8F4B-DF0F2F56BEDB}"/>
               </a:ext>
             </a:extLst>
           </p:cNvPr>
@@ -38267,13 +38161,6 @@
   <p:transition spd="slow">
     <p:fade/>
   </p:transition>
-  <p:timing>
-    <p:tnLst>
-      <p:par>
-        <p:cTn id="1" dur="indefinite" restart="never" nodeType="tmRoot"/>
-      </p:par>
-    </p:tnLst>
-  </p:timing>
 </p:sld>
 </file>
 
@@ -38299,7 +38186,7 @@
           <p:cNvPr id="2" name="矩形 1">
             <a:extLst>
               <a:ext uri="{FF2B5EF4-FFF2-40B4-BE49-F238E27FC236}">
-                <a16:creationId xmlns="" xmlns:a16="http://schemas.microsoft.com/office/drawing/2014/main" id="{73016DA7-04CC-4301-B919-D5BA942F4036}"/>
+                <a16:creationId xmlns:a16="http://schemas.microsoft.com/office/drawing/2014/main" id="{73016DA7-04CC-4301-B919-D5BA942F4036}"/>
               </a:ext>
             </a:extLst>
           </p:cNvPr>
@@ -38459,7 +38346,7 @@
           <p:cNvPr id="4" name="椭圆 3">
             <a:extLst>
               <a:ext uri="{FF2B5EF4-FFF2-40B4-BE49-F238E27FC236}">
-                <a16:creationId xmlns="" xmlns:a16="http://schemas.microsoft.com/office/drawing/2014/main" id="{8D2B5B3F-3CB5-42B7-BBDF-D12156F91010}"/>
+                <a16:creationId xmlns:a16="http://schemas.microsoft.com/office/drawing/2014/main" id="{8D2B5B3F-3CB5-42B7-BBDF-D12156F91010}"/>
               </a:ext>
             </a:extLst>
           </p:cNvPr>
@@ -38511,7 +38398,7 @@
           <p:cNvPr id="6" name="图片 5" descr="图片包含 屏幕截图&#10;&#10;自动生成的说明">
             <a:extLst>
               <a:ext uri="{FF2B5EF4-FFF2-40B4-BE49-F238E27FC236}">
-                <a16:creationId xmlns="" xmlns:a16="http://schemas.microsoft.com/office/drawing/2014/main" id="{488EF7BC-F038-4866-A483-0F8994B928D5}"/>
+                <a16:creationId xmlns:a16="http://schemas.microsoft.com/office/drawing/2014/main" id="{488EF7BC-F038-4866-A483-0F8994B928D5}"/>
               </a:ext>
             </a:extLst>
           </p:cNvPr>
@@ -38547,7 +38434,7 @@
           <p:cNvPr id="7" name="文本框 6">
             <a:extLst>
               <a:ext uri="{FF2B5EF4-FFF2-40B4-BE49-F238E27FC236}">
-                <a16:creationId xmlns="" xmlns:a16="http://schemas.microsoft.com/office/drawing/2014/main" id="{379ECFDC-06CB-48E6-8748-DBF7CA915365}"/>
+                <a16:creationId xmlns:a16="http://schemas.microsoft.com/office/drawing/2014/main" id="{379ECFDC-06CB-48E6-8748-DBF7CA915365}"/>
               </a:ext>
             </a:extLst>
           </p:cNvPr>
@@ -38585,7 +38472,7 @@
           <p:cNvPr id="9" name="椭圆 8">
             <a:extLst>
               <a:ext uri="{FF2B5EF4-FFF2-40B4-BE49-F238E27FC236}">
-                <a16:creationId xmlns="" xmlns:a16="http://schemas.microsoft.com/office/drawing/2014/main" id="{62AD7252-080D-445E-9D18-19ACC6A0906E}"/>
+                <a16:creationId xmlns:a16="http://schemas.microsoft.com/office/drawing/2014/main" id="{62AD7252-080D-445E-9D18-19ACC6A0906E}"/>
               </a:ext>
             </a:extLst>
           </p:cNvPr>
@@ -38637,7 +38524,7 @@
           <p:cNvPr id="12" name="文本框 11">
             <a:extLst>
               <a:ext uri="{FF2B5EF4-FFF2-40B4-BE49-F238E27FC236}">
-                <a16:creationId xmlns="" xmlns:a16="http://schemas.microsoft.com/office/drawing/2014/main" id="{642799FD-76FA-420D-9286-AD4AC1DF402E}"/>
+                <a16:creationId xmlns:a16="http://schemas.microsoft.com/office/drawing/2014/main" id="{642799FD-76FA-420D-9286-AD4AC1DF402E}"/>
               </a:ext>
             </a:extLst>
           </p:cNvPr>
@@ -38810,7 +38697,7 @@
           <p:cNvPr id="15" name="图片 14" descr="图片包含 屏幕截图&#10;&#10;自动生成的说明">
             <a:extLst>
               <a:ext uri="{FF2B5EF4-FFF2-40B4-BE49-F238E27FC236}">
-                <a16:creationId xmlns="" xmlns:a16="http://schemas.microsoft.com/office/drawing/2014/main" id="{F65B923F-989D-446B-891C-AE4D51848520}"/>
+                <a16:creationId xmlns:a16="http://schemas.microsoft.com/office/drawing/2014/main" id="{F65B923F-989D-446B-891C-AE4D51848520}"/>
               </a:ext>
             </a:extLst>
           </p:cNvPr>
@@ -39015,7 +38902,7 @@
           <p:cNvPr id="4" name="椭圆 3">
             <a:extLst>
               <a:ext uri="{FF2B5EF4-FFF2-40B4-BE49-F238E27FC236}">
-                <a16:creationId xmlns="" xmlns:a16="http://schemas.microsoft.com/office/drawing/2014/main" id="{8D2B5B3F-3CB5-42B7-BBDF-D12156F91010}"/>
+                <a16:creationId xmlns:a16="http://schemas.microsoft.com/office/drawing/2014/main" id="{8D2B5B3F-3CB5-42B7-BBDF-D12156F91010}"/>
               </a:ext>
             </a:extLst>
           </p:cNvPr>
@@ -39096,7 +38983,7 @@
           <p:cNvPr id="7" name="文本框 6">
             <a:extLst>
               <a:ext uri="{FF2B5EF4-FFF2-40B4-BE49-F238E27FC236}">
-                <a16:creationId xmlns="" xmlns:a16="http://schemas.microsoft.com/office/drawing/2014/main" id="{379ECFDC-06CB-48E6-8748-DBF7CA915365}"/>
+                <a16:creationId xmlns:a16="http://schemas.microsoft.com/office/drawing/2014/main" id="{379ECFDC-06CB-48E6-8748-DBF7CA915365}"/>
               </a:ext>
             </a:extLst>
           </p:cNvPr>
@@ -39161,7 +39048,7 @@
           <p:cNvPr id="9" name="椭圆 8">
             <a:extLst>
               <a:ext uri="{FF2B5EF4-FFF2-40B4-BE49-F238E27FC236}">
-                <a16:creationId xmlns="" xmlns:a16="http://schemas.microsoft.com/office/drawing/2014/main" id="{62AD7252-080D-445E-9D18-19ACC6A0906E}"/>
+                <a16:creationId xmlns:a16="http://schemas.microsoft.com/office/drawing/2014/main" id="{62AD7252-080D-445E-9D18-19ACC6A0906E}"/>
               </a:ext>
             </a:extLst>
           </p:cNvPr>
@@ -39242,7 +39129,7 @@
           <p:cNvPr id="12" name="文本框 11">
             <a:extLst>
               <a:ext uri="{FF2B5EF4-FFF2-40B4-BE49-F238E27FC236}">
-                <a16:creationId xmlns="" xmlns:a16="http://schemas.microsoft.com/office/drawing/2014/main" id="{642799FD-76FA-420D-9286-AD4AC1DF402E}"/>
+                <a16:creationId xmlns:a16="http://schemas.microsoft.com/office/drawing/2014/main" id="{642799FD-76FA-420D-9286-AD4AC1DF402E}"/>
               </a:ext>
             </a:extLst>
           </p:cNvPr>
@@ -39713,23 +39600,6 @@
               <a:tabLst/>
               <a:defRPr/>
             </a:pPr>
-            <a:r>
-              <a:rPr kumimoji="0" lang="zh-CN" altLang="en-US" sz="2800" b="0" i="0" u="none" strike="noStrike" kern="1200" cap="none" spc="0" normalizeH="0" baseline="0" noProof="0" dirty="0">
-                <a:ln>
-                  <a:noFill/>
-                </a:ln>
-                <a:solidFill>
-                  <a:prstClr val="black"/>
-                </a:solidFill>
-                <a:effectLst/>
-                <a:uLnTx/>
-                <a:uFillTx/>
-                <a:latin typeface="Calibri"/>
-                <a:ea typeface="宋体" panose="02010600030101010101" pitchFamily="2" charset="-122"/>
-                <a:cs typeface="+mn-cs"/>
-              </a:rPr>
-              <a:t/>
-            </a:r>
             <a:br>
               <a:rPr kumimoji="0" lang="zh-CN" altLang="en-US" sz="2800" b="0" i="0" u="none" strike="noStrike" kern="1200" cap="none" spc="0" normalizeH="0" baseline="0" noProof="0" dirty="0">
                 <a:ln>
@@ -39768,7 +39638,7 @@
           <p:cNvPr id="6" name="图片 5">
             <a:extLst>
               <a:ext uri="{FF2B5EF4-FFF2-40B4-BE49-F238E27FC236}">
-                <a16:creationId xmlns="" xmlns:a16="http://schemas.microsoft.com/office/drawing/2014/main" id="{8F1D9C09-DA1F-4402-9237-745A1C5FA43B}"/>
+                <a16:creationId xmlns:a16="http://schemas.microsoft.com/office/drawing/2014/main" id="{8F1D9C09-DA1F-4402-9237-745A1C5FA43B}"/>
               </a:ext>
             </a:extLst>
           </p:cNvPr>
@@ -39804,7 +39674,7 @@
           <p:cNvPr id="10" name="图片 9">
             <a:extLst>
               <a:ext uri="{FF2B5EF4-FFF2-40B4-BE49-F238E27FC236}">
-                <a16:creationId xmlns="" xmlns:a16="http://schemas.microsoft.com/office/drawing/2014/main" id="{ACD17D9B-18E0-4725-9596-B3ADD3709D47}"/>
+                <a16:creationId xmlns:a16="http://schemas.microsoft.com/office/drawing/2014/main" id="{ACD17D9B-18E0-4725-9596-B3ADD3709D47}"/>
               </a:ext>
             </a:extLst>
           </p:cNvPr>
@@ -39840,7 +39710,7 @@
           <p:cNvPr id="2" name="矩形 1">
             <a:extLst>
               <a:ext uri="{FF2B5EF4-FFF2-40B4-BE49-F238E27FC236}">
-                <a16:creationId xmlns="" xmlns:a16="http://schemas.microsoft.com/office/drawing/2014/main" id="{03FE93DB-D0C7-427B-8A95-EFBEC4CEA5EA}"/>
+                <a16:creationId xmlns:a16="http://schemas.microsoft.com/office/drawing/2014/main" id="{03FE93DB-D0C7-427B-8A95-EFBEC4CEA5EA}"/>
               </a:ext>
             </a:extLst>
           </p:cNvPr>
@@ -40430,7 +40300,7 @@
           <p:cNvPr id="5" name="矩形 4">
             <a:extLst>
               <a:ext uri="{FF2B5EF4-FFF2-40B4-BE49-F238E27FC236}">
-                <a16:creationId xmlns="" xmlns:a16="http://schemas.microsoft.com/office/drawing/2014/main" id="{F384C8E3-3405-48EE-BD9A-87083A5443CC}"/>
+                <a16:creationId xmlns:a16="http://schemas.microsoft.com/office/drawing/2014/main" id="{F384C8E3-3405-48EE-BD9A-87083A5443CC}"/>
               </a:ext>
             </a:extLst>
           </p:cNvPr>
@@ -40482,7 +40352,7 @@
           <p:cNvPr id="4" name="图片 3">
             <a:extLst>
               <a:ext uri="{FF2B5EF4-FFF2-40B4-BE49-F238E27FC236}">
-                <a16:creationId xmlns="" xmlns:a16="http://schemas.microsoft.com/office/drawing/2014/main" id="{39239570-43B6-43A9-9B2E-6A907167C9E0}"/>
+                <a16:creationId xmlns:a16="http://schemas.microsoft.com/office/drawing/2014/main" id="{39239570-43B6-43A9-9B2E-6A907167C9E0}"/>
               </a:ext>
             </a:extLst>
           </p:cNvPr>
@@ -40512,7 +40382,7 @@
           <p:cNvPr id="7" name="图片 6">
             <a:extLst>
               <a:ext uri="{FF2B5EF4-FFF2-40B4-BE49-F238E27FC236}">
-                <a16:creationId xmlns="" xmlns:a16="http://schemas.microsoft.com/office/drawing/2014/main" id="{FEF6F4B4-C280-4A50-872E-64A42CBA95E0}"/>
+                <a16:creationId xmlns:a16="http://schemas.microsoft.com/office/drawing/2014/main" id="{FEF6F4B4-C280-4A50-872E-64A42CBA95E0}"/>
               </a:ext>
             </a:extLst>
           </p:cNvPr>
@@ -40548,7 +40418,7 @@
           <p:cNvPr id="12" name="文本框 11">
             <a:extLst>
               <a:ext uri="{FF2B5EF4-FFF2-40B4-BE49-F238E27FC236}">
-                <a16:creationId xmlns="" xmlns:a16="http://schemas.microsoft.com/office/drawing/2014/main" id="{65B038FA-DAFF-44E4-92A4-E8CFDA779233}"/>
+                <a16:creationId xmlns:a16="http://schemas.microsoft.com/office/drawing/2014/main" id="{65B038FA-DAFF-44E4-92A4-E8CFDA779233}"/>
               </a:ext>
             </a:extLst>
           </p:cNvPr>
@@ -40750,7 +40620,7 @@
           <p:cNvPr id="2" name="矩形 1">
             <a:extLst>
               <a:ext uri="{FF2B5EF4-FFF2-40B4-BE49-F238E27FC236}">
-                <a16:creationId xmlns="" xmlns:a16="http://schemas.microsoft.com/office/drawing/2014/main" id="{61F8065C-AD27-4FF6-BBFE-33209836471B}"/>
+                <a16:creationId xmlns:a16="http://schemas.microsoft.com/office/drawing/2014/main" id="{61F8065C-AD27-4FF6-BBFE-33209836471B}"/>
               </a:ext>
             </a:extLst>
           </p:cNvPr>
@@ -40947,13 +40817,6 @@
   <p:clrMapOvr>
     <a:masterClrMapping/>
   </p:clrMapOvr>
-  <p:timing>
-    <p:tnLst>
-      <p:par>
-        <p:cTn id="1" dur="indefinite" restart="never" nodeType="tmRoot"/>
-      </p:par>
-    </p:tnLst>
-  </p:timing>
 </p:sld>
 </file>
 
@@ -40979,7 +40842,7 @@
           <p:cNvPr id="4" name="图片 3">
             <a:extLst>
               <a:ext uri="{FF2B5EF4-FFF2-40B4-BE49-F238E27FC236}">
-                <a16:creationId xmlns="" xmlns:a16="http://schemas.microsoft.com/office/drawing/2014/main" id="{0D3BEF45-3252-4088-BE97-63D31C51F24F}"/>
+                <a16:creationId xmlns:a16="http://schemas.microsoft.com/office/drawing/2014/main" id="{0D3BEF45-3252-4088-BE97-63D31C51F24F}"/>
               </a:ext>
             </a:extLst>
           </p:cNvPr>
@@ -41009,7 +40872,7 @@
           <p:cNvPr id="5" name="Rectangle 12">
             <a:extLst>
               <a:ext uri="{FF2B5EF4-FFF2-40B4-BE49-F238E27FC236}">
-                <a16:creationId xmlns="" xmlns:a16="http://schemas.microsoft.com/office/drawing/2014/main" id="{1B1F0133-CBA4-4A29-8DB2-B8B994A4C7B9}"/>
+                <a16:creationId xmlns:a16="http://schemas.microsoft.com/office/drawing/2014/main" id="{1B1F0133-CBA4-4A29-8DB2-B8B994A4C7B9}"/>
               </a:ext>
             </a:extLst>
           </p:cNvPr>
@@ -41066,13 +40929,6 @@
   <p:clrMapOvr>
     <a:masterClrMapping/>
   </p:clrMapOvr>
-  <p:timing>
-    <p:tnLst>
-      <p:par>
-        <p:cTn id="1" dur="indefinite" restart="never" nodeType="tmRoot"/>
-      </p:par>
-    </p:tnLst>
-  </p:timing>
 </p:sld>
 </file>
 
@@ -41331,7 +41187,7 @@
   <a:extraClrSchemeLst/>
   <a:extLst>
     <a:ext uri="{05A4C25C-085E-4340-85A3-A5531E510DB2}">
-      <thm15:themeFamily xmlns="" xmlns:thm15="http://schemas.microsoft.com/office/thememl/2012/main" name="Office Theme" id="{62F939B6-93AF-4DB8-9C6B-D6C7DFDC589F}" vid="{4A3C46E8-61CC-4603-A589-7422A47A8E4A}"/>
+      <thm15:themeFamily xmlns:thm15="http://schemas.microsoft.com/office/thememl/2012/main" name="Office Theme" id="{62F939B6-93AF-4DB8-9C6B-D6C7DFDC589F}" vid="{4A3C46E8-61CC-4603-A589-7422A47A8E4A}"/>
     </a:ext>
   </a:extLst>
 </a:theme>
@@ -41592,7 +41448,7 @@
   <a:extraClrSchemeLst/>
   <a:extLst>
     <a:ext uri="{05A4C25C-085E-4340-85A3-A5531E510DB2}">
-      <thm15:themeFamily xmlns="" xmlns:thm15="http://schemas.microsoft.com/office/thememl/2012/main" name="Office Theme" id="{62F939B6-93AF-4DB8-9C6B-D6C7DFDC589F}" vid="{4A3C46E8-61CC-4603-A589-7422A47A8E4A}"/>
+      <thm15:themeFamily xmlns:thm15="http://schemas.microsoft.com/office/thememl/2012/main" name="Office Theme" id="{62F939B6-93AF-4DB8-9C6B-D6C7DFDC589F}" vid="{4A3C46E8-61CC-4603-A589-7422A47A8E4A}"/>
     </a:ext>
   </a:extLst>
 </a:theme>

--- a/电子词典需求分析.pptx
+++ b/电子词典需求分析.pptx
@@ -25348,36 +25348,28 @@
           <a:bodyPr anchor="ctr"/>
           <a:lstStyle/>
           <a:p>
-            <a:pPr marL="0" marR="0" lvl="0" indent="0" algn="l" defTabSz="914400" rtl="0" eaLnBrk="1" fontAlgn="t" latinLnBrk="0" hangingPunct="1">
-              <a:spcBef>
-                <a:spcPts val="0"/>
-              </a:spcBef>
-              <a:spcAft>
-                <a:spcPts val="0"/>
-              </a:spcAft>
-              <a:buClrTx/>
-              <a:buSzTx/>
-              <a:buFontTx/>
-              <a:buNone/>
+            <a:pPr lvl="0" fontAlgn="t">
               <a:defRPr/>
             </a:pPr>
             <a:r>
-              <a:rPr kumimoji="0" lang="zh-CN" altLang="en-US" sz="2400" i="0" u="none" strike="noStrike" kern="0" cap="none" spc="0" normalizeH="0" baseline="0" noProof="0" dirty="0">
-                <a:ln>
-                  <a:noFill/>
-                </a:ln>
+              <a:rPr lang="zh-CN" altLang="en-US" sz="2400" kern="0">
                 <a:solidFill>
                   <a:srgbClr val="383987"/>
                 </a:solidFill>
-                <a:effectLst/>
-                <a:uLnTx/>
-                <a:uFillTx/>
                 <a:latin typeface="微软雅黑" panose="020B0503020204020204" charset="-122"/>
                 <a:ea typeface="微软雅黑" panose="020B0503020204020204" charset="-122"/>
                 <a:sym typeface="+mn-ea"/>
               </a:rPr>
-              <a:t>医学专业电子词典的现状</a:t>
-            </a:r>
+              <a:t>医学领域术语研究进展</a:t>
+            </a:r>
+            <a:endParaRPr lang="zh-CN" altLang="en-US" sz="2400" kern="0" dirty="0">
+              <a:solidFill>
+                <a:srgbClr val="383987"/>
+              </a:solidFill>
+              <a:latin typeface="微软雅黑" panose="020B0503020204020204" charset="-122"/>
+              <a:ea typeface="微软雅黑" panose="020B0503020204020204" charset="-122"/>
+              <a:sym typeface="+mn-ea"/>
+            </a:endParaRPr>
           </a:p>
         </p:txBody>
       </p:sp>
